--- a/lectures/lecture_11/Lecture_11_Parameter_Confidence_Intervals_With_Bootstrapping.pptx
+++ b/lectures/lecture_11/Lecture_11_Parameter_Confidence_Intervals_With_Bootstrapping.pptx
@@ -5,20 +5,24 @@
     <p:sldMasterId id="2147483648" r:id="rId1"/>
   </p:sldMasterIdLst>
   <p:notesMasterIdLst>
-    <p:notesMasterId r:id="rId10"/>
+    <p:notesMasterId r:id="rId14"/>
   </p:notesMasterIdLst>
   <p:handoutMasterIdLst>
-    <p:handoutMasterId r:id="rId11"/>
+    <p:handoutMasterId r:id="rId15"/>
   </p:handoutMasterIdLst>
   <p:sldIdLst>
     <p:sldId id="347" r:id="rId2"/>
     <p:sldId id="363" r:id="rId3"/>
-    <p:sldId id="383" r:id="rId4"/>
-    <p:sldId id="265" r:id="rId5"/>
+    <p:sldId id="265" r:id="rId4"/>
+    <p:sldId id="384" r:id="rId5"/>
     <p:sldId id="370" r:id="rId6"/>
-    <p:sldId id="367" r:id="rId7"/>
-    <p:sldId id="366" r:id="rId8"/>
-    <p:sldId id="382" r:id="rId9"/>
+    <p:sldId id="385" r:id="rId7"/>
+    <p:sldId id="258" r:id="rId8"/>
+    <p:sldId id="387" r:id="rId9"/>
+    <p:sldId id="386" r:id="rId10"/>
+    <p:sldId id="367" r:id="rId11"/>
+    <p:sldId id="366" r:id="rId12"/>
+    <p:sldId id="382" r:id="rId13"/>
   </p:sldIdLst>
   <p:sldSz cx="9144000" cy="6858000" type="screen4x3"/>
   <p:notesSz cx="6858000" cy="9144000"/>
@@ -154,9 +158,13 @@
           <p14:sldIdLst>
             <p14:sldId id="347"/>
             <p14:sldId id="363"/>
-            <p14:sldId id="383"/>
             <p14:sldId id="265"/>
+            <p14:sldId id="384"/>
             <p14:sldId id="370"/>
+            <p14:sldId id="385"/>
+            <p14:sldId id="258"/>
+            <p14:sldId id="387"/>
+            <p14:sldId id="386"/>
           </p14:sldIdLst>
         </p14:section>
         <p14:section name="Untitled Section" id="{87D83A5A-145B-724B-99A6-B357B0086BDE}">
@@ -301,7 +309,7 @@
               <a:pPr>
                 <a:defRPr/>
               </a:pPr>
-              <a:t>10/20/19</a:t>
+              <a:t>10/23/19</a:t>
             </a:fld>
             <a:endParaRPr lang="en-US" altLang="x-none"/>
           </a:p>
@@ -510,7 +518,7 @@
               <a:pPr>
                 <a:defRPr/>
               </a:pPr>
-              <a:t>10/20/19</a:t>
+              <a:t>10/23/19</a:t>
             </a:fld>
             <a:endParaRPr lang="en-US" altLang="x-none"/>
           </a:p>
@@ -3370,35 +3378,6 @@
       </p:grpSpPr>
       <p:sp>
         <p:nvSpPr>
-          <p:cNvPr id="2" name="Footer Placeholder 4"/>
-          <p:cNvSpPr>
-            <a:spLocks noGrp="1"/>
-          </p:cNvSpPr>
-          <p:nvPr>
-            <p:ph type="ftr" sz="quarter" idx="10"/>
-          </p:nvPr>
-        </p:nvSpPr>
-        <p:spPr/>
-        <p:txBody>
-          <a:bodyPr/>
-          <a:lstStyle>
-            <a:lvl1pPr>
-              <a:defRPr smtClean="0"/>
-            </a:lvl1pPr>
-          </a:lstStyle>
-          <a:p>
-            <a:pPr>
-              <a:defRPr/>
-            </a:pPr>
-            <a:r>
-              <a:rPr lang="en-US"/>
-              <a:t>Hellerstein &amp; Parekh, 2017</a:t>
-            </a:r>
-          </a:p>
-        </p:txBody>
-      </p:sp>
-      <p:sp>
-        <p:nvSpPr>
           <p:cNvPr id="3" name="Slide Number Placeholder 5"/>
           <p:cNvSpPr>
             <a:spLocks noGrp="1"/>
@@ -3409,8 +3388,8 @@
         </p:nvSpPr>
         <p:spPr>
           <a:xfrm>
-            <a:off x="6400800" y="6324600"/>
-            <a:ext cx="1609725" cy="365125"/>
+            <a:off x="7458075" y="6281860"/>
+            <a:ext cx="619125" cy="365125"/>
           </a:xfrm>
         </p:spPr>
         <p:txBody>
@@ -4977,13 +4956,24 @@
               <a:rPr lang="en-US" altLang="en-US" sz="2800" b="1" u="sng" dirty="0">
                 <a:ea typeface="ＭＳ Ｐゴシック" panose="020B0600070205080204" pitchFamily="34" charset="-128"/>
               </a:rPr>
-              <a:t>Lecture 10: Cross Validation Review and Software Engineering Basics for </a:t>
+              <a:t>Lecture 11: Parameter Confidence Intervals </a:t>
+            </a:r>
+            <a:br>
+              <a:rPr lang="en-US" altLang="en-US" sz="2800" b="1" u="sng" dirty="0">
+                <a:ea typeface="ＭＳ Ｐゴシック" panose="020B0600070205080204" pitchFamily="34" charset="-128"/>
+              </a:rPr>
+            </a:br>
+            <a:r>
+              <a:rPr lang="en-US" altLang="en-US" sz="2800" b="1" u="sng" dirty="0">
+                <a:ea typeface="ＭＳ Ｐゴシック" panose="020B0600070205080204" pitchFamily="34" charset="-128"/>
+              </a:rPr>
+              <a:t>With </a:t>
             </a:r>
             <a:r>
               <a:rPr lang="en-US" altLang="en-US" sz="2800" b="1" u="sng" dirty="0" err="1">
                 <a:ea typeface="ＭＳ Ｐゴシック" panose="020B0600070205080204" pitchFamily="34" charset="-128"/>
               </a:rPr>
-              <a:t>Modellers</a:t>
+              <a:t>Boothstrapping</a:t>
             </a:r>
             <a:br>
               <a:rPr lang="en-US" altLang="en-US" b="1" dirty="0">
@@ -5088,6 +5078,969 @@
     <p:extLst>
       <p:ext uri="{BB962C8B-B14F-4D97-AF65-F5344CB8AC3E}">
         <p14:creationId xmlns:p14="http://schemas.microsoft.com/office/powerpoint/2010/main" val="1288863208"/>
+      </p:ext>
+    </p:extLst>
+  </p:cSld>
+  <p:clrMapOvr>
+    <a:masterClrMapping/>
+  </p:clrMapOvr>
+</p:sld>
+</file>
+
+<file path=ppt/slides/slide10.xml><?xml version="1.0" encoding="utf-8"?>
+<p:sld xmlns:a="http://schemas.openxmlformats.org/drawingml/2006/main" xmlns:r="http://schemas.openxmlformats.org/officeDocument/2006/relationships" xmlns:p="http://schemas.openxmlformats.org/presentationml/2006/main">
+  <p:cSld>
+    <p:spTree>
+      <p:nvGrpSpPr>
+        <p:cNvPr id="1" name=""/>
+        <p:cNvGrpSpPr/>
+        <p:nvPr/>
+      </p:nvGrpSpPr>
+      <p:grpSpPr>
+        <a:xfrm>
+          <a:off x="0" y="0"/>
+          <a:ext cx="0" cy="0"/>
+          <a:chOff x="0" y="0"/>
+          <a:chExt cx="0" cy="0"/>
+        </a:xfrm>
+      </p:grpSpPr>
+      <p:sp>
+        <p:nvSpPr>
+          <p:cNvPr id="2" name="Title 1">
+            <a:extLst>
+              <a:ext uri="{FF2B5EF4-FFF2-40B4-BE49-F238E27FC236}">
+                <a16:creationId xmlns:a16="http://schemas.microsoft.com/office/drawing/2014/main" id="{75ABD150-7FF1-2A41-B255-4F99D65A4DDF}"/>
+              </a:ext>
+            </a:extLst>
+          </p:cNvPr>
+          <p:cNvSpPr>
+            <a:spLocks noGrp="1"/>
+          </p:cNvSpPr>
+          <p:nvPr>
+            <p:ph type="title"/>
+          </p:nvPr>
+        </p:nvSpPr>
+        <p:spPr>
+          <a:xfrm>
+            <a:off x="228600" y="228600"/>
+            <a:ext cx="8458200" cy="838200"/>
+          </a:xfrm>
+        </p:spPr>
+        <p:txBody>
+          <a:bodyPr/>
+          <a:lstStyle/>
+          <a:p>
+            <a:r>
+              <a:rPr lang="en-US" dirty="0"/>
+              <a:t>Synthetic Observations With Bootstrapping</a:t>
+            </a:r>
+          </a:p>
+        </p:txBody>
+      </p:sp>
+      <p:sp>
+        <p:nvSpPr>
+          <p:cNvPr id="4" name="Slide Number Placeholder 3">
+            <a:extLst>
+              <a:ext uri="{FF2B5EF4-FFF2-40B4-BE49-F238E27FC236}">
+                <a16:creationId xmlns:a16="http://schemas.microsoft.com/office/drawing/2014/main" id="{BB3E002D-3997-354B-976E-21A5C58840E5}"/>
+              </a:ext>
+            </a:extLst>
+          </p:cNvPr>
+          <p:cNvSpPr>
+            <a:spLocks noGrp="1"/>
+          </p:cNvSpPr>
+          <p:nvPr>
+            <p:ph type="sldNum" sz="quarter" idx="11"/>
+          </p:nvPr>
+        </p:nvSpPr>
+        <p:spPr/>
+        <p:txBody>
+          <a:bodyPr/>
+          <a:lstStyle/>
+          <a:p>
+            <a:pPr>
+              <a:defRPr/>
+            </a:pPr>
+            <a:fld id="{3EF4E9CC-9D91-476E-91FD-5BEEC1642931}" type="slidenum">
+              <a:rPr lang="en-US" altLang="x-none" smtClean="0"/>
+              <a:pPr>
+                <a:defRPr/>
+              </a:pPr>
+              <a:t>10</a:t>
+            </a:fld>
+            <a:endParaRPr lang="en-US" altLang="x-none"/>
+          </a:p>
+        </p:txBody>
+      </p:sp>
+      <p:pic>
+        <p:nvPicPr>
+          <p:cNvPr id="6" name="Picture 5">
+            <a:extLst>
+              <a:ext uri="{FF2B5EF4-FFF2-40B4-BE49-F238E27FC236}">
+                <a16:creationId xmlns:a16="http://schemas.microsoft.com/office/drawing/2014/main" id="{8EF113A2-9A9B-AD4A-994A-45280F35C83A}"/>
+              </a:ext>
+            </a:extLst>
+          </p:cNvPr>
+          <p:cNvPicPr>
+            <a:picLocks noChangeAspect="1"/>
+          </p:cNvPicPr>
+          <p:nvPr/>
+        </p:nvPicPr>
+        <p:blipFill>
+          <a:blip r:embed="rId2"/>
+          <a:stretch>
+            <a:fillRect/>
+          </a:stretch>
+        </p:blipFill>
+        <p:spPr>
+          <a:xfrm>
+            <a:off x="6185710" y="2640862"/>
+            <a:ext cx="2715940" cy="3866300"/>
+          </a:xfrm>
+          <a:prstGeom prst="rect">
+            <a:avLst/>
+          </a:prstGeom>
+        </p:spPr>
+      </p:pic>
+      <p:pic>
+        <p:nvPicPr>
+          <p:cNvPr id="8" name="Picture 7">
+            <a:extLst>
+              <a:ext uri="{FF2B5EF4-FFF2-40B4-BE49-F238E27FC236}">
+                <a16:creationId xmlns:a16="http://schemas.microsoft.com/office/drawing/2014/main" id="{C1DA8FBF-EA10-614F-BF6C-2CD3E5B2AF96}"/>
+              </a:ext>
+            </a:extLst>
+          </p:cNvPr>
+          <p:cNvPicPr>
+            <a:picLocks noChangeAspect="1"/>
+          </p:cNvPicPr>
+          <p:nvPr/>
+        </p:nvPicPr>
+        <p:blipFill>
+          <a:blip r:embed="rId3"/>
+          <a:stretch>
+            <a:fillRect/>
+          </a:stretch>
+        </p:blipFill>
+        <p:spPr>
+          <a:xfrm>
+            <a:off x="314493" y="2544218"/>
+            <a:ext cx="2809707" cy="3962944"/>
+          </a:xfrm>
+          <a:prstGeom prst="rect">
+            <a:avLst/>
+          </a:prstGeom>
+        </p:spPr>
+      </p:pic>
+      <p:pic>
+        <p:nvPicPr>
+          <p:cNvPr id="10" name="Picture 9">
+            <a:extLst>
+              <a:ext uri="{FF2B5EF4-FFF2-40B4-BE49-F238E27FC236}">
+                <a16:creationId xmlns:a16="http://schemas.microsoft.com/office/drawing/2014/main" id="{61E84951-C0B4-1641-9CF2-708FE1A22A68}"/>
+              </a:ext>
+            </a:extLst>
+          </p:cNvPr>
+          <p:cNvPicPr>
+            <a:picLocks noChangeAspect="1"/>
+          </p:cNvPicPr>
+          <p:nvPr/>
+        </p:nvPicPr>
+        <p:blipFill>
+          <a:blip r:embed="rId4"/>
+          <a:stretch>
+            <a:fillRect/>
+          </a:stretch>
+        </p:blipFill>
+        <p:spPr>
+          <a:xfrm>
+            <a:off x="3263089" y="787400"/>
+            <a:ext cx="2922621" cy="1981200"/>
+          </a:xfrm>
+          <a:prstGeom prst="rect">
+            <a:avLst/>
+          </a:prstGeom>
+        </p:spPr>
+      </p:pic>
+      <p:pic>
+        <p:nvPicPr>
+          <p:cNvPr id="12" name="Picture 11">
+            <a:extLst>
+              <a:ext uri="{FF2B5EF4-FFF2-40B4-BE49-F238E27FC236}">
+                <a16:creationId xmlns:a16="http://schemas.microsoft.com/office/drawing/2014/main" id="{31FE8E0F-F681-3F4A-A536-2366CF09DBE2}"/>
+              </a:ext>
+            </a:extLst>
+          </p:cNvPr>
+          <p:cNvPicPr>
+            <a:picLocks noChangeAspect="1"/>
+          </p:cNvPicPr>
+          <p:nvPr/>
+        </p:nvPicPr>
+        <p:blipFill>
+          <a:blip r:embed="rId5"/>
+          <a:stretch>
+            <a:fillRect/>
+          </a:stretch>
+        </p:blipFill>
+        <p:spPr>
+          <a:xfrm>
+            <a:off x="5002950" y="3866300"/>
+            <a:ext cx="38100" cy="25400"/>
+          </a:xfrm>
+          <a:prstGeom prst="rect">
+            <a:avLst/>
+          </a:prstGeom>
+        </p:spPr>
+      </p:pic>
+    </p:spTree>
+    <p:extLst>
+      <p:ext uri="{BB962C8B-B14F-4D97-AF65-F5344CB8AC3E}">
+        <p14:creationId xmlns:p14="http://schemas.microsoft.com/office/powerpoint/2010/main" val="3977553218"/>
+      </p:ext>
+    </p:extLst>
+  </p:cSld>
+  <p:clrMapOvr>
+    <a:masterClrMapping/>
+  </p:clrMapOvr>
+  <p:timing>
+    <p:tnLst>
+      <p:par>
+        <p:cTn id="1" dur="indefinite" restart="never" nodeType="tmRoot">
+          <p:childTnLst>
+            <p:seq concurrent="1" nextAc="seek">
+              <p:cTn id="2" dur="indefinite" nodeType="mainSeq">
+                <p:childTnLst>
+                  <p:par>
+                    <p:cTn id="3" fill="hold">
+                      <p:stCondLst>
+                        <p:cond delay="indefinite"/>
+                      </p:stCondLst>
+                      <p:childTnLst>
+                        <p:par>
+                          <p:cTn id="4" fill="hold">
+                            <p:stCondLst>
+                              <p:cond delay="0"/>
+                            </p:stCondLst>
+                            <p:childTnLst>
+                              <p:par>
+                                <p:cTn id="5" presetID="1" presetClass="entr" presetSubtype="0" fill="hold" nodeType="clickEffect">
+                                  <p:stCondLst>
+                                    <p:cond delay="0"/>
+                                  </p:stCondLst>
+                                  <p:childTnLst>
+                                    <p:set>
+                                      <p:cBhvr>
+                                        <p:cTn id="6" dur="1" fill="hold">
+                                          <p:stCondLst>
+                                            <p:cond delay="0"/>
+                                          </p:stCondLst>
+                                        </p:cTn>
+                                        <p:tgtEl>
+                                          <p:spTgt spid="8"/>
+                                        </p:tgtEl>
+                                        <p:attrNameLst>
+                                          <p:attrName>style.visibility</p:attrName>
+                                        </p:attrNameLst>
+                                      </p:cBhvr>
+                                      <p:to>
+                                        <p:strVal val="visible"/>
+                                      </p:to>
+                                    </p:set>
+                                  </p:childTnLst>
+                                </p:cTn>
+                              </p:par>
+                              <p:par>
+                                <p:cTn id="7" presetID="1" presetClass="entr" presetSubtype="0" fill="hold" nodeType="withEffect">
+                                  <p:stCondLst>
+                                    <p:cond delay="0"/>
+                                  </p:stCondLst>
+                                  <p:childTnLst>
+                                    <p:set>
+                                      <p:cBhvr>
+                                        <p:cTn id="8" dur="1" fill="hold">
+                                          <p:stCondLst>
+                                            <p:cond delay="0"/>
+                                          </p:stCondLst>
+                                        </p:cTn>
+                                        <p:tgtEl>
+                                          <p:spTgt spid="6"/>
+                                        </p:tgtEl>
+                                        <p:attrNameLst>
+                                          <p:attrName>style.visibility</p:attrName>
+                                        </p:attrNameLst>
+                                      </p:cBhvr>
+                                      <p:to>
+                                        <p:strVal val="visible"/>
+                                      </p:to>
+                                    </p:set>
+                                  </p:childTnLst>
+                                </p:cTn>
+                              </p:par>
+                            </p:childTnLst>
+                          </p:cTn>
+                        </p:par>
+                      </p:childTnLst>
+                    </p:cTn>
+                  </p:par>
+                </p:childTnLst>
+              </p:cTn>
+              <p:prevCondLst>
+                <p:cond evt="onPrev" delay="0">
+                  <p:tgtEl>
+                    <p:sldTgt/>
+                  </p:tgtEl>
+                </p:cond>
+              </p:prevCondLst>
+              <p:nextCondLst>
+                <p:cond evt="onNext" delay="0">
+                  <p:tgtEl>
+                    <p:sldTgt/>
+                  </p:tgtEl>
+                </p:cond>
+              </p:nextCondLst>
+            </p:seq>
+          </p:childTnLst>
+        </p:cTn>
+      </p:par>
+    </p:tnLst>
+  </p:timing>
+</p:sld>
+</file>
+
+<file path=ppt/slides/slide11.xml><?xml version="1.0" encoding="utf-8"?>
+<p:sld xmlns:a="http://schemas.openxmlformats.org/drawingml/2006/main" xmlns:r="http://schemas.openxmlformats.org/officeDocument/2006/relationships" xmlns:p="http://schemas.openxmlformats.org/presentationml/2006/main">
+  <p:cSld>
+    <p:spTree>
+      <p:nvGrpSpPr>
+        <p:cNvPr id="1" name=""/>
+        <p:cNvGrpSpPr/>
+        <p:nvPr/>
+      </p:nvGrpSpPr>
+      <p:grpSpPr>
+        <a:xfrm>
+          <a:off x="0" y="0"/>
+          <a:ext cx="0" cy="0"/>
+          <a:chOff x="0" y="0"/>
+          <a:chExt cx="0" cy="0"/>
+        </a:xfrm>
+      </p:grpSpPr>
+      <p:sp>
+        <p:nvSpPr>
+          <p:cNvPr id="2" name="Title 1">
+            <a:extLst>
+              <a:ext uri="{FF2B5EF4-FFF2-40B4-BE49-F238E27FC236}">
+                <a16:creationId xmlns:a16="http://schemas.microsoft.com/office/drawing/2014/main" id="{3C7E67AC-19A8-A84A-AD29-CE9094C8D37C}"/>
+              </a:ext>
+            </a:extLst>
+          </p:cNvPr>
+          <p:cNvSpPr>
+            <a:spLocks noGrp="1"/>
+          </p:cNvSpPr>
+          <p:nvPr>
+            <p:ph type="title"/>
+          </p:nvPr>
+        </p:nvSpPr>
+        <p:spPr/>
+        <p:txBody>
+          <a:bodyPr/>
+          <a:lstStyle/>
+          <a:p>
+            <a:r>
+              <a:rPr lang="en-US" dirty="0"/>
+              <a:t>Generating a Synthetic Response Data</a:t>
+            </a:r>
+          </a:p>
+        </p:txBody>
+      </p:sp>
+      <p:sp>
+        <p:nvSpPr>
+          <p:cNvPr id="4" name="Content Placeholder 3">
+            <a:extLst>
+              <a:ext uri="{FF2B5EF4-FFF2-40B4-BE49-F238E27FC236}">
+                <a16:creationId xmlns:a16="http://schemas.microsoft.com/office/drawing/2014/main" id="{467EA42C-8833-EF4C-974C-06FAC4D63BBB}"/>
+              </a:ext>
+            </a:extLst>
+          </p:cNvPr>
+          <p:cNvSpPr>
+            <a:spLocks noGrp="1"/>
+          </p:cNvSpPr>
+          <p:nvPr>
+            <p:ph idx="1"/>
+          </p:nvPr>
+        </p:nvSpPr>
+        <p:spPr/>
+        <p:txBody>
+          <a:bodyPr/>
+          <a:lstStyle/>
+          <a:p>
+            <a:pPr marL="0" indent="0">
+              <a:buNone/>
+            </a:pPr>
+            <a:r>
+              <a:rPr lang="en-US" sz="2000" dirty="0">
+                <a:latin typeface="Courier New" panose="02070309020205020404" pitchFamily="49" charset="0"/>
+                <a:cs typeface="Courier New" panose="02070309020205020404" pitchFamily="49" charset="0"/>
+              </a:rPr>
+              <a:t>def </a:t>
+            </a:r>
+            <a:r>
+              <a:rPr lang="en-US" sz="2000" dirty="0" err="1">
+                <a:latin typeface="Courier New" panose="02070309020205020404" pitchFamily="49" charset="0"/>
+                <a:cs typeface="Courier New" panose="02070309020205020404" pitchFamily="49" charset="0"/>
+              </a:rPr>
+              <a:t>generateData</a:t>
+            </a:r>
+            <a:r>
+              <a:rPr lang="en-US" sz="2000" dirty="0">
+                <a:latin typeface="Courier New" panose="02070309020205020404" pitchFamily="49" charset="0"/>
+                <a:cs typeface="Courier New" panose="02070309020205020404" pitchFamily="49" charset="0"/>
+              </a:rPr>
+              <a:t>(</a:t>
+            </a:r>
+            <a:r>
+              <a:rPr lang="en-US" sz="2000" dirty="0" err="1">
+                <a:latin typeface="Courier New" panose="02070309020205020404" pitchFamily="49" charset="0"/>
+                <a:cs typeface="Courier New" panose="02070309020205020404" pitchFamily="49" charset="0"/>
+              </a:rPr>
+              <a:t>y_obs</a:t>
+            </a:r>
+            <a:r>
+              <a:rPr lang="en-US" sz="2000" dirty="0">
+                <a:latin typeface="Courier New" panose="02070309020205020404" pitchFamily="49" charset="0"/>
+                <a:cs typeface="Courier New" panose="02070309020205020404" pitchFamily="49" charset="0"/>
+              </a:rPr>
+              <a:t>, </a:t>
+            </a:r>
+            <a:r>
+              <a:rPr lang="en-US" sz="2000" dirty="0" err="1">
+                <a:latin typeface="Courier New" panose="02070309020205020404" pitchFamily="49" charset="0"/>
+                <a:cs typeface="Courier New" panose="02070309020205020404" pitchFamily="49" charset="0"/>
+              </a:rPr>
+              <a:t>y_fit</a:t>
+            </a:r>
+            <a:r>
+              <a:rPr lang="en-US" sz="2000" dirty="0">
+                <a:latin typeface="Courier New" panose="02070309020205020404" pitchFamily="49" charset="0"/>
+                <a:cs typeface="Courier New" panose="02070309020205020404" pitchFamily="49" charset="0"/>
+              </a:rPr>
+              <a:t>):</a:t>
+            </a:r>
+          </a:p>
+          <a:p>
+            <a:pPr marL="0" indent="0">
+              <a:buNone/>
+            </a:pPr>
+            <a:r>
+              <a:rPr lang="en-US" sz="2000" dirty="0">
+                <a:latin typeface="Courier New" panose="02070309020205020404" pitchFamily="49" charset="0"/>
+                <a:cs typeface="Courier New" panose="02070309020205020404" pitchFamily="49" charset="0"/>
+              </a:rPr>
+              <a:t>    """</a:t>
+            </a:r>
+          </a:p>
+          <a:p>
+            <a:pPr marL="0" indent="0">
+              <a:buNone/>
+            </a:pPr>
+            <a:r>
+              <a:rPr lang="en-US" sz="2000" dirty="0">
+                <a:latin typeface="Courier New" panose="02070309020205020404" pitchFamily="49" charset="0"/>
+                <a:cs typeface="Courier New" panose="02070309020205020404" pitchFamily="49" charset="0"/>
+              </a:rPr>
+              <a:t>    :</a:t>
+            </a:r>
+            <a:r>
+              <a:rPr lang="en-US" sz="2000" dirty="0" err="1">
+                <a:latin typeface="Courier New" panose="02070309020205020404" pitchFamily="49" charset="0"/>
+                <a:cs typeface="Courier New" panose="02070309020205020404" pitchFamily="49" charset="0"/>
+              </a:rPr>
+              <a:t>param</a:t>
+            </a:r>
+            <a:r>
+              <a:rPr lang="en-US" sz="2000" dirty="0">
+                <a:latin typeface="Courier New" panose="02070309020205020404" pitchFamily="49" charset="0"/>
+                <a:cs typeface="Courier New" panose="02070309020205020404" pitchFamily="49" charset="0"/>
+              </a:rPr>
+              <a:t> </a:t>
+            </a:r>
+            <a:r>
+              <a:rPr lang="en-US" sz="2000" dirty="0" err="1">
+                <a:latin typeface="Courier New" panose="02070309020205020404" pitchFamily="49" charset="0"/>
+                <a:cs typeface="Courier New" panose="02070309020205020404" pitchFamily="49" charset="0"/>
+              </a:rPr>
+              <a:t>np.array</a:t>
+            </a:r>
+            <a:r>
+              <a:rPr lang="en-US" sz="2000" dirty="0">
+                <a:latin typeface="Courier New" panose="02070309020205020404" pitchFamily="49" charset="0"/>
+                <a:cs typeface="Courier New" panose="02070309020205020404" pitchFamily="49" charset="0"/>
+              </a:rPr>
+              <a:t> </a:t>
+            </a:r>
+            <a:r>
+              <a:rPr lang="en-US" sz="2000" dirty="0" err="1">
+                <a:latin typeface="Courier New" panose="02070309020205020404" pitchFamily="49" charset="0"/>
+                <a:cs typeface="Courier New" panose="02070309020205020404" pitchFamily="49" charset="0"/>
+              </a:rPr>
+              <a:t>y_obs</a:t>
+            </a:r>
+            <a:endParaRPr lang="en-US" sz="2000" dirty="0">
+              <a:latin typeface="Courier New" panose="02070309020205020404" pitchFamily="49" charset="0"/>
+              <a:cs typeface="Courier New" panose="02070309020205020404" pitchFamily="49" charset="0"/>
+            </a:endParaRPr>
+          </a:p>
+          <a:p>
+            <a:pPr marL="0" indent="0">
+              <a:buNone/>
+            </a:pPr>
+            <a:r>
+              <a:rPr lang="en-US" sz="2000" dirty="0">
+                <a:latin typeface="Courier New" panose="02070309020205020404" pitchFamily="49" charset="0"/>
+                <a:cs typeface="Courier New" panose="02070309020205020404" pitchFamily="49" charset="0"/>
+              </a:rPr>
+              <a:t>    :</a:t>
+            </a:r>
+            <a:r>
+              <a:rPr lang="en-US" sz="2000" dirty="0" err="1">
+                <a:latin typeface="Courier New" panose="02070309020205020404" pitchFamily="49" charset="0"/>
+                <a:cs typeface="Courier New" panose="02070309020205020404" pitchFamily="49" charset="0"/>
+              </a:rPr>
+              <a:t>param</a:t>
+            </a:r>
+            <a:r>
+              <a:rPr lang="en-US" sz="2000" dirty="0">
+                <a:latin typeface="Courier New" panose="02070309020205020404" pitchFamily="49" charset="0"/>
+                <a:cs typeface="Courier New" panose="02070309020205020404" pitchFamily="49" charset="0"/>
+              </a:rPr>
+              <a:t> </a:t>
+            </a:r>
+            <a:r>
+              <a:rPr lang="en-US" sz="2000" dirty="0" err="1">
+                <a:latin typeface="Courier New" panose="02070309020205020404" pitchFamily="49" charset="0"/>
+                <a:cs typeface="Courier New" panose="02070309020205020404" pitchFamily="49" charset="0"/>
+              </a:rPr>
+              <a:t>np.array</a:t>
+            </a:r>
+            <a:r>
+              <a:rPr lang="en-US" sz="2000" dirty="0">
+                <a:latin typeface="Courier New" panose="02070309020205020404" pitchFamily="49" charset="0"/>
+                <a:cs typeface="Courier New" panose="02070309020205020404" pitchFamily="49" charset="0"/>
+              </a:rPr>
+              <a:t> </a:t>
+            </a:r>
+            <a:r>
+              <a:rPr lang="en-US" sz="2000" dirty="0" err="1">
+                <a:latin typeface="Courier New" panose="02070309020205020404" pitchFamily="49" charset="0"/>
+                <a:cs typeface="Courier New" panose="02070309020205020404" pitchFamily="49" charset="0"/>
+              </a:rPr>
+              <a:t>y_fit</a:t>
+            </a:r>
+            <a:endParaRPr lang="en-US" sz="2000" dirty="0">
+              <a:latin typeface="Courier New" panose="02070309020205020404" pitchFamily="49" charset="0"/>
+              <a:cs typeface="Courier New" panose="02070309020205020404" pitchFamily="49" charset="0"/>
+            </a:endParaRPr>
+          </a:p>
+          <a:p>
+            <a:pPr marL="0" indent="0">
+              <a:buNone/>
+            </a:pPr>
+            <a:r>
+              <a:rPr lang="en-US" sz="2000" dirty="0">
+                <a:latin typeface="Courier New" panose="02070309020205020404" pitchFamily="49" charset="0"/>
+                <a:cs typeface="Courier New" panose="02070309020205020404" pitchFamily="49" charset="0"/>
+              </a:rPr>
+              <a:t>    :return </a:t>
+            </a:r>
+            <a:r>
+              <a:rPr lang="en-US" sz="2000" dirty="0" err="1">
+                <a:latin typeface="Courier New" panose="02070309020205020404" pitchFamily="49" charset="0"/>
+                <a:cs typeface="Courier New" panose="02070309020205020404" pitchFamily="49" charset="0"/>
+              </a:rPr>
+              <a:t>np.array</a:t>
+            </a:r>
+            <a:r>
+              <a:rPr lang="en-US" sz="2000" dirty="0">
+                <a:latin typeface="Courier New" panose="02070309020205020404" pitchFamily="49" charset="0"/>
+                <a:cs typeface="Courier New" panose="02070309020205020404" pitchFamily="49" charset="0"/>
+              </a:rPr>
+              <a:t>: bootstrap data</a:t>
+            </a:r>
+          </a:p>
+          <a:p>
+            <a:pPr marL="0" indent="0">
+              <a:buNone/>
+            </a:pPr>
+            <a:r>
+              <a:rPr lang="en-US" sz="2000" dirty="0">
+                <a:latin typeface="Courier New" panose="02070309020205020404" pitchFamily="49" charset="0"/>
+                <a:cs typeface="Courier New" panose="02070309020205020404" pitchFamily="49" charset="0"/>
+              </a:rPr>
+              <a:t>    """</a:t>
+            </a:r>
+          </a:p>
+          <a:p>
+            <a:pPr marL="0" indent="0">
+              <a:buNone/>
+            </a:pPr>
+            <a:r>
+              <a:rPr lang="en-US" sz="2000" dirty="0">
+                <a:latin typeface="Courier New" panose="02070309020205020404" pitchFamily="49" charset="0"/>
+                <a:cs typeface="Courier New" panose="02070309020205020404" pitchFamily="49" charset="0"/>
+              </a:rPr>
+              <a:t>    residuals = </a:t>
+            </a:r>
+            <a:r>
+              <a:rPr lang="en-US" sz="2000" dirty="0" err="1">
+                <a:latin typeface="Courier New" panose="02070309020205020404" pitchFamily="49" charset="0"/>
+                <a:cs typeface="Courier New" panose="02070309020205020404" pitchFamily="49" charset="0"/>
+              </a:rPr>
+              <a:t>y_obs</a:t>
+            </a:r>
+            <a:r>
+              <a:rPr lang="en-US" sz="2000" dirty="0">
+                <a:latin typeface="Courier New" panose="02070309020205020404" pitchFamily="49" charset="0"/>
+                <a:cs typeface="Courier New" panose="02070309020205020404" pitchFamily="49" charset="0"/>
+              </a:rPr>
+              <a:t> - </a:t>
+            </a:r>
+            <a:r>
+              <a:rPr lang="en-US" sz="2000" dirty="0" err="1">
+                <a:latin typeface="Courier New" panose="02070309020205020404" pitchFamily="49" charset="0"/>
+                <a:cs typeface="Courier New" panose="02070309020205020404" pitchFamily="49" charset="0"/>
+              </a:rPr>
+              <a:t>y_fit</a:t>
+            </a:r>
+            <a:endParaRPr lang="en-US" sz="2000" dirty="0">
+              <a:latin typeface="Courier New" panose="02070309020205020404" pitchFamily="49" charset="0"/>
+              <a:cs typeface="Courier New" panose="02070309020205020404" pitchFamily="49" charset="0"/>
+            </a:endParaRPr>
+          </a:p>
+          <a:p>
+            <a:pPr marL="0" indent="0">
+              <a:buNone/>
+            </a:pPr>
+            <a:r>
+              <a:rPr lang="en-US" sz="2000" dirty="0">
+                <a:latin typeface="Courier New" panose="02070309020205020404" pitchFamily="49" charset="0"/>
+                <a:cs typeface="Courier New" panose="02070309020205020404" pitchFamily="49" charset="0"/>
+              </a:rPr>
+              <a:t>    length = </a:t>
+            </a:r>
+            <a:r>
+              <a:rPr lang="en-US" sz="2000" dirty="0" err="1">
+                <a:latin typeface="Courier New" panose="02070309020205020404" pitchFamily="49" charset="0"/>
+                <a:cs typeface="Courier New" panose="02070309020205020404" pitchFamily="49" charset="0"/>
+              </a:rPr>
+              <a:t>len</a:t>
+            </a:r>
+            <a:r>
+              <a:rPr lang="en-US" sz="2000" dirty="0">
+                <a:latin typeface="Courier New" panose="02070309020205020404" pitchFamily="49" charset="0"/>
+                <a:cs typeface="Courier New" panose="02070309020205020404" pitchFamily="49" charset="0"/>
+              </a:rPr>
+              <a:t>(</a:t>
+            </a:r>
+            <a:r>
+              <a:rPr lang="en-US" sz="2000" dirty="0" err="1">
+                <a:latin typeface="Courier New" panose="02070309020205020404" pitchFamily="49" charset="0"/>
+                <a:cs typeface="Courier New" panose="02070309020205020404" pitchFamily="49" charset="0"/>
+              </a:rPr>
+              <a:t>y_obs</a:t>
+            </a:r>
+            <a:r>
+              <a:rPr lang="en-US" sz="2000" dirty="0">
+                <a:latin typeface="Courier New" panose="02070309020205020404" pitchFamily="49" charset="0"/>
+                <a:cs typeface="Courier New" panose="02070309020205020404" pitchFamily="49" charset="0"/>
+              </a:rPr>
+              <a:t>)</a:t>
+            </a:r>
+          </a:p>
+          <a:p>
+            <a:pPr marL="0" indent="0">
+              <a:buNone/>
+            </a:pPr>
+            <a:r>
+              <a:rPr lang="en-US" sz="2000" dirty="0">
+                <a:latin typeface="Courier New" panose="02070309020205020404" pitchFamily="49" charset="0"/>
+                <a:cs typeface="Courier New" panose="02070309020205020404" pitchFamily="49" charset="0"/>
+              </a:rPr>
+              <a:t>    residuals = </a:t>
+            </a:r>
+            <a:r>
+              <a:rPr lang="en-US" sz="2000" dirty="0" err="1">
+                <a:latin typeface="Courier New" panose="02070309020205020404" pitchFamily="49" charset="0"/>
+                <a:cs typeface="Courier New" panose="02070309020205020404" pitchFamily="49" charset="0"/>
+              </a:rPr>
+              <a:t>residuals.reshape</a:t>
+            </a:r>
+            <a:r>
+              <a:rPr lang="en-US" sz="2000" dirty="0">
+                <a:latin typeface="Courier New" panose="02070309020205020404" pitchFamily="49" charset="0"/>
+                <a:cs typeface="Courier New" panose="02070309020205020404" pitchFamily="49" charset="0"/>
+              </a:rPr>
+              <a:t>(length)</a:t>
+            </a:r>
+          </a:p>
+          <a:p>
+            <a:pPr marL="0" indent="0">
+              <a:buNone/>
+            </a:pPr>
+            <a:r>
+              <a:rPr lang="en-US" sz="2000" dirty="0">
+                <a:latin typeface="Courier New" panose="02070309020205020404" pitchFamily="49" charset="0"/>
+                <a:cs typeface="Courier New" panose="02070309020205020404" pitchFamily="49" charset="0"/>
+              </a:rPr>
+              <a:t>    samples = </a:t>
+            </a:r>
+            <a:r>
+              <a:rPr lang="en-US" sz="2000" dirty="0" err="1">
+                <a:latin typeface="Courier New" panose="02070309020205020404" pitchFamily="49" charset="0"/>
+                <a:cs typeface="Courier New" panose="02070309020205020404" pitchFamily="49" charset="0"/>
+              </a:rPr>
+              <a:t>np.random.randint</a:t>
+            </a:r>
+            <a:r>
+              <a:rPr lang="en-US" sz="2000" dirty="0">
+                <a:latin typeface="Courier New" panose="02070309020205020404" pitchFamily="49" charset="0"/>
+                <a:cs typeface="Courier New" panose="02070309020205020404" pitchFamily="49" charset="0"/>
+              </a:rPr>
+              <a:t>(0, length</a:t>
+            </a:r>
+            <a:r>
+              <a:rPr lang="en-US" sz="2000">
+                <a:latin typeface="Courier New" panose="02070309020205020404" pitchFamily="49" charset="0"/>
+                <a:cs typeface="Courier New" panose="02070309020205020404" pitchFamily="49" charset="0"/>
+              </a:rPr>
+              <a:t>, length)</a:t>
+            </a:r>
+            <a:endParaRPr lang="en-US" sz="2000" dirty="0">
+              <a:latin typeface="Courier New" panose="02070309020205020404" pitchFamily="49" charset="0"/>
+              <a:cs typeface="Courier New" panose="02070309020205020404" pitchFamily="49" charset="0"/>
+            </a:endParaRPr>
+          </a:p>
+          <a:p>
+            <a:pPr marL="0" indent="0">
+              <a:buNone/>
+            </a:pPr>
+            <a:r>
+              <a:rPr lang="en-US" sz="2000" dirty="0">
+                <a:latin typeface="Courier New" panose="02070309020205020404" pitchFamily="49" charset="0"/>
+                <a:cs typeface="Courier New" panose="02070309020205020404" pitchFamily="49" charset="0"/>
+              </a:rPr>
+              <a:t>    result = </a:t>
+            </a:r>
+            <a:r>
+              <a:rPr lang="en-US" sz="2000" dirty="0" err="1">
+                <a:latin typeface="Courier New" panose="02070309020205020404" pitchFamily="49" charset="0"/>
+                <a:cs typeface="Courier New" panose="02070309020205020404" pitchFamily="49" charset="0"/>
+              </a:rPr>
+              <a:t>y_fit</a:t>
+            </a:r>
+            <a:r>
+              <a:rPr lang="en-US" sz="2000" dirty="0">
+                <a:latin typeface="Courier New" panose="02070309020205020404" pitchFamily="49" charset="0"/>
+                <a:cs typeface="Courier New" panose="02070309020205020404" pitchFamily="49" charset="0"/>
+              </a:rPr>
+              <a:t> + residuals[samples]</a:t>
+            </a:r>
+          </a:p>
+          <a:p>
+            <a:pPr marL="0" indent="0">
+              <a:buNone/>
+            </a:pPr>
+            <a:r>
+              <a:rPr lang="en-US" sz="2000" dirty="0">
+                <a:latin typeface="Courier New" panose="02070309020205020404" pitchFamily="49" charset="0"/>
+                <a:cs typeface="Courier New" panose="02070309020205020404" pitchFamily="49" charset="0"/>
+              </a:rPr>
+              <a:t>    result = </a:t>
+            </a:r>
+            <a:r>
+              <a:rPr lang="en-US" sz="2000" dirty="0" err="1">
+                <a:latin typeface="Courier New" panose="02070309020205020404" pitchFamily="49" charset="0"/>
+                <a:cs typeface="Courier New" panose="02070309020205020404" pitchFamily="49" charset="0"/>
+              </a:rPr>
+              <a:t>result.reshape</a:t>
+            </a:r>
+            <a:r>
+              <a:rPr lang="en-US" sz="2000" dirty="0">
+                <a:latin typeface="Courier New" panose="02070309020205020404" pitchFamily="49" charset="0"/>
+                <a:cs typeface="Courier New" panose="02070309020205020404" pitchFamily="49" charset="0"/>
+              </a:rPr>
+              <a:t>(length)</a:t>
+            </a:r>
+          </a:p>
+          <a:p>
+            <a:pPr marL="0" indent="0">
+              <a:buNone/>
+            </a:pPr>
+            <a:r>
+              <a:rPr lang="en-US" sz="2000" dirty="0">
+                <a:latin typeface="Courier New" panose="02070309020205020404" pitchFamily="49" charset="0"/>
+                <a:cs typeface="Courier New" panose="02070309020205020404" pitchFamily="49" charset="0"/>
+              </a:rPr>
+              <a:t>    return result</a:t>
+            </a:r>
+          </a:p>
+        </p:txBody>
+      </p:sp>
+      <p:sp>
+        <p:nvSpPr>
+          <p:cNvPr id="3" name="Slide Number Placeholder 2">
+            <a:extLst>
+              <a:ext uri="{FF2B5EF4-FFF2-40B4-BE49-F238E27FC236}">
+                <a16:creationId xmlns:a16="http://schemas.microsoft.com/office/drawing/2014/main" id="{9726B264-DF07-A34E-A052-73194C3256CB}"/>
+              </a:ext>
+            </a:extLst>
+          </p:cNvPr>
+          <p:cNvSpPr>
+            <a:spLocks noGrp="1"/>
+          </p:cNvSpPr>
+          <p:nvPr>
+            <p:ph type="sldNum" sz="quarter" idx="11"/>
+          </p:nvPr>
+        </p:nvSpPr>
+        <p:spPr/>
+        <p:txBody>
+          <a:bodyPr/>
+          <a:lstStyle/>
+          <a:p>
+            <a:pPr>
+              <a:defRPr/>
+            </a:pPr>
+            <a:fld id="{2E4304A7-0FB2-4094-BC1E-DB17183AD0C1}" type="slidenum">
+              <a:rPr lang="en-US" altLang="x-none" smtClean="0"/>
+              <a:pPr>
+                <a:defRPr/>
+              </a:pPr>
+              <a:t>11</a:t>
+            </a:fld>
+            <a:endParaRPr lang="en-US" altLang="x-none"/>
+          </a:p>
+        </p:txBody>
+      </p:sp>
+    </p:spTree>
+    <p:extLst>
+      <p:ext uri="{BB962C8B-B14F-4D97-AF65-F5344CB8AC3E}">
+        <p14:creationId xmlns:p14="http://schemas.microsoft.com/office/powerpoint/2010/main" val="2147730144"/>
+      </p:ext>
+    </p:extLst>
+  </p:cSld>
+  <p:clrMapOvr>
+    <a:masterClrMapping/>
+  </p:clrMapOvr>
+</p:sld>
+</file>
+
+<file path=ppt/slides/slide12.xml><?xml version="1.0" encoding="utf-8"?>
+<p:sld xmlns:a="http://schemas.openxmlformats.org/drawingml/2006/main" xmlns:r="http://schemas.openxmlformats.org/officeDocument/2006/relationships" xmlns:p="http://schemas.openxmlformats.org/presentationml/2006/main">
+  <p:cSld>
+    <p:spTree>
+      <p:nvGrpSpPr>
+        <p:cNvPr id="1" name=""/>
+        <p:cNvGrpSpPr/>
+        <p:nvPr/>
+      </p:nvGrpSpPr>
+      <p:grpSpPr>
+        <a:xfrm>
+          <a:off x="0" y="0"/>
+          <a:ext cx="0" cy="0"/>
+          <a:chOff x="0" y="0"/>
+          <a:chExt cx="0" cy="0"/>
+        </a:xfrm>
+      </p:grpSpPr>
+      <p:sp>
+        <p:nvSpPr>
+          <p:cNvPr id="2" name="Title 1">
+            <a:extLst>
+              <a:ext uri="{FF2B5EF4-FFF2-40B4-BE49-F238E27FC236}">
+                <a16:creationId xmlns:a16="http://schemas.microsoft.com/office/drawing/2014/main" id="{59D8CD8E-D28D-BA48-91E1-D41F2631C049}"/>
+              </a:ext>
+            </a:extLst>
+          </p:cNvPr>
+          <p:cNvSpPr>
+            <a:spLocks noGrp="1"/>
+          </p:cNvSpPr>
+          <p:nvPr>
+            <p:ph type="title"/>
+          </p:nvPr>
+        </p:nvSpPr>
+        <p:spPr/>
+        <p:txBody>
+          <a:bodyPr/>
+          <a:lstStyle/>
+          <a:p>
+            <a:r>
+              <a:rPr lang="en-US" dirty="0"/>
+              <a:t>Exercise</a:t>
+            </a:r>
+          </a:p>
+        </p:txBody>
+      </p:sp>
+      <p:sp>
+        <p:nvSpPr>
+          <p:cNvPr id="4" name="Content Placeholder 3">
+            <a:extLst>
+              <a:ext uri="{FF2B5EF4-FFF2-40B4-BE49-F238E27FC236}">
+                <a16:creationId xmlns:a16="http://schemas.microsoft.com/office/drawing/2014/main" id="{5B44CA9C-E409-3C40-8632-4F324145E8F9}"/>
+              </a:ext>
+            </a:extLst>
+          </p:cNvPr>
+          <p:cNvSpPr>
+            <a:spLocks noGrp="1"/>
+          </p:cNvSpPr>
+          <p:nvPr>
+            <p:ph idx="1"/>
+          </p:nvPr>
+        </p:nvSpPr>
+        <p:spPr/>
+        <p:txBody>
+          <a:bodyPr/>
+          <a:lstStyle/>
+          <a:p>
+            <a:endParaRPr lang="en-US" dirty="0"/>
+          </a:p>
+        </p:txBody>
+      </p:sp>
+      <p:sp>
+        <p:nvSpPr>
+          <p:cNvPr id="3" name="Slide Number Placeholder 2">
+            <a:extLst>
+              <a:ext uri="{FF2B5EF4-FFF2-40B4-BE49-F238E27FC236}">
+                <a16:creationId xmlns:a16="http://schemas.microsoft.com/office/drawing/2014/main" id="{1F4F2996-EDB7-B54F-96E0-7945BA027B0A}"/>
+              </a:ext>
+            </a:extLst>
+          </p:cNvPr>
+          <p:cNvSpPr>
+            <a:spLocks noGrp="1"/>
+          </p:cNvSpPr>
+          <p:nvPr>
+            <p:ph type="sldNum" sz="quarter" idx="11"/>
+          </p:nvPr>
+        </p:nvSpPr>
+        <p:spPr/>
+        <p:txBody>
+          <a:bodyPr/>
+          <a:lstStyle/>
+          <a:p>
+            <a:pPr>
+              <a:defRPr/>
+            </a:pPr>
+            <a:fld id="{2E4304A7-0FB2-4094-BC1E-DB17183AD0C1}" type="slidenum">
+              <a:rPr lang="en-US" altLang="x-none" smtClean="0"/>
+              <a:pPr>
+                <a:defRPr/>
+              </a:pPr>
+              <a:t>12</a:t>
+            </a:fld>
+            <a:endParaRPr lang="en-US" altLang="x-none"/>
+          </a:p>
+        </p:txBody>
+      </p:sp>
+    </p:spTree>
+    <p:extLst>
+      <p:ext uri="{BB962C8B-B14F-4D97-AF65-F5344CB8AC3E}">
+        <p14:creationId xmlns:p14="http://schemas.microsoft.com/office/powerpoint/2010/main" val="2093438422"/>
       </p:ext>
     </p:extLst>
   </p:cSld>
@@ -5165,7 +6118,7 @@
           <a:p>
             <a:r>
               <a:rPr lang="en-US" dirty="0"/>
-              <a:t>Lecture_9* at http://</a:t>
+              <a:t>Lecture_11/ at http://</a:t>
             </a:r>
             <a:r>
               <a:rPr lang="en-US" dirty="0" err="1"/>
@@ -5227,162 +6180,6 @@
 </file>
 
 <file path=ppt/slides/slide3.xml><?xml version="1.0" encoding="utf-8"?>
-<p:sld xmlns:a="http://schemas.openxmlformats.org/drawingml/2006/main" xmlns:r="http://schemas.openxmlformats.org/officeDocument/2006/relationships" xmlns:p="http://schemas.openxmlformats.org/presentationml/2006/main">
-  <p:cSld>
-    <p:spTree>
-      <p:nvGrpSpPr>
-        <p:cNvPr id="1" name=""/>
-        <p:cNvGrpSpPr/>
-        <p:nvPr/>
-      </p:nvGrpSpPr>
-      <p:grpSpPr>
-        <a:xfrm>
-          <a:off x="0" y="0"/>
-          <a:ext cx="0" cy="0"/>
-          <a:chOff x="0" y="0"/>
-          <a:chExt cx="0" cy="0"/>
-        </a:xfrm>
-      </p:grpSpPr>
-      <p:sp>
-        <p:nvSpPr>
-          <p:cNvPr id="2" name="Title 1">
-            <a:extLst>
-              <a:ext uri="{FF2B5EF4-FFF2-40B4-BE49-F238E27FC236}">
-                <a16:creationId xmlns:a16="http://schemas.microsoft.com/office/drawing/2014/main" id="{D8902AD0-9338-CD46-9B66-D617AC02BCA5}"/>
-              </a:ext>
-            </a:extLst>
-          </p:cNvPr>
-          <p:cNvSpPr>
-            <a:spLocks noGrp="1"/>
-          </p:cNvSpPr>
-          <p:nvPr>
-            <p:ph type="title"/>
-          </p:nvPr>
-        </p:nvSpPr>
-        <p:spPr/>
-        <p:txBody>
-          <a:bodyPr/>
-          <a:lstStyle/>
-          <a:p>
-            <a:r>
-              <a:rPr lang="en-US" dirty="0"/>
-              <a:t>TODO</a:t>
-            </a:r>
-          </a:p>
-        </p:txBody>
-      </p:sp>
-      <p:sp>
-        <p:nvSpPr>
-          <p:cNvPr id="3" name="Content Placeholder 2">
-            <a:extLst>
-              <a:ext uri="{FF2B5EF4-FFF2-40B4-BE49-F238E27FC236}">
-                <a16:creationId xmlns:a16="http://schemas.microsoft.com/office/drawing/2014/main" id="{93450BE3-648F-1A45-8522-7AA2DBF56554}"/>
-              </a:ext>
-            </a:extLst>
-          </p:cNvPr>
-          <p:cNvSpPr>
-            <a:spLocks noGrp="1"/>
-          </p:cNvSpPr>
-          <p:nvPr>
-            <p:ph idx="1"/>
-          </p:nvPr>
-        </p:nvSpPr>
-        <p:spPr/>
-        <p:txBody>
-          <a:bodyPr/>
-          <a:lstStyle/>
-          <a:p>
-            <a:r>
-              <a:rPr lang="en-US" dirty="0"/>
-              <a:t>Create </a:t>
-            </a:r>
-            <a:r>
-              <a:rPr lang="en-US" dirty="0" err="1"/>
-              <a:t>cross_validation</a:t>
-            </a:r>
-            <a:r>
-              <a:rPr lang="en-US" dirty="0"/>
-              <a:t> module in lecture 10</a:t>
-            </a:r>
-          </a:p>
-          <a:p>
-            <a:r>
-              <a:rPr lang="en-US" dirty="0"/>
-              <a:t>Construct bootstrap notebook</a:t>
-            </a:r>
-          </a:p>
-          <a:p>
-            <a:r>
-              <a:rPr lang="en-US" dirty="0"/>
-              <a:t>Exercises</a:t>
-            </a:r>
-          </a:p>
-          <a:p>
-            <a:pPr lvl="1"/>
-            <a:r>
-              <a:rPr lang="en-US" dirty="0"/>
-              <a:t>Different models with different parameters for </a:t>
-            </a:r>
-            <a:r>
-              <a:rPr lang="en-US" dirty="0" err="1"/>
-              <a:t>cross_validation</a:t>
-            </a:r>
-            <a:r>
-              <a:rPr lang="en-US" dirty="0"/>
-              <a:t> module</a:t>
-            </a:r>
-          </a:p>
-        </p:txBody>
-      </p:sp>
-      <p:sp>
-        <p:nvSpPr>
-          <p:cNvPr id="4" name="Slide Number Placeholder 3">
-            <a:extLst>
-              <a:ext uri="{FF2B5EF4-FFF2-40B4-BE49-F238E27FC236}">
-                <a16:creationId xmlns:a16="http://schemas.microsoft.com/office/drawing/2014/main" id="{F6EEAA1A-B096-2743-AE90-55A92688088D}"/>
-              </a:ext>
-            </a:extLst>
-          </p:cNvPr>
-          <p:cNvSpPr>
-            <a:spLocks noGrp="1"/>
-          </p:cNvSpPr>
-          <p:nvPr>
-            <p:ph type="sldNum" sz="quarter" idx="11"/>
-          </p:nvPr>
-        </p:nvSpPr>
-        <p:spPr/>
-        <p:txBody>
-          <a:bodyPr/>
-          <a:lstStyle/>
-          <a:p>
-            <a:pPr>
-              <a:defRPr/>
-            </a:pPr>
-            <a:fld id="{3EF4E9CC-9D91-476E-91FD-5BEEC1642931}" type="slidenum">
-              <a:rPr lang="en-US" altLang="x-none" smtClean="0"/>
-              <a:pPr>
-                <a:defRPr/>
-              </a:pPr>
-              <a:t>3</a:t>
-            </a:fld>
-            <a:endParaRPr lang="en-US" altLang="x-none"/>
-          </a:p>
-        </p:txBody>
-      </p:sp>
-    </p:spTree>
-    <p:extLst>
-      <p:ext uri="{BB962C8B-B14F-4D97-AF65-F5344CB8AC3E}">
-        <p14:creationId xmlns:p14="http://schemas.microsoft.com/office/powerpoint/2010/main" val="2021594256"/>
-      </p:ext>
-    </p:extLst>
-  </p:cSld>
-  <p:clrMapOvr>
-    <a:masterClrMapping/>
-  </p:clrMapOvr>
-</p:sld>
-</file>
-
-<file path=ppt/slides/slide4.xml><?xml version="1.0" encoding="utf-8"?>
 <p:sld xmlns:a="http://schemas.openxmlformats.org/drawingml/2006/main" xmlns:r="http://schemas.openxmlformats.org/officeDocument/2006/relationships" xmlns:p="http://schemas.openxmlformats.org/presentationml/2006/main">
   <p:cSld>
     <p:spTree>
@@ -7129,7 +7926,7 @@
 </p:sld>
 </file>
 
-<file path=ppt/slides/slide5.xml><?xml version="1.0" encoding="utf-8"?>
+<file path=ppt/slides/slide4.xml><?xml version="1.0" encoding="utf-8"?>
 <p:sld xmlns:a="http://schemas.openxmlformats.org/drawingml/2006/main" xmlns:r="http://schemas.openxmlformats.org/officeDocument/2006/relationships" xmlns:p="http://schemas.openxmlformats.org/presentationml/2006/main">
   <p:cSld>
     <p:spTree>
@@ -7151,7 +7948,7 @@
           <p:cNvPr id="2" name="Title 1">
             <a:extLst>
               <a:ext uri="{FF2B5EF4-FFF2-40B4-BE49-F238E27FC236}">
-                <a16:creationId xmlns:a16="http://schemas.microsoft.com/office/drawing/2014/main" id="{8FDC0FC5-4607-3544-9AE7-2A2AE7D79CC0}"/>
+                <a16:creationId xmlns:a16="http://schemas.microsoft.com/office/drawing/2014/main" id="{BCC97F97-0735-C740-AE00-B2A95525A21C}"/>
               </a:ext>
             </a:extLst>
           </p:cNvPr>
@@ -7169,7 +7966,7 @@
           <a:p>
             <a:r>
               <a:rPr lang="en-US" dirty="0"/>
-              <a:t>Agenda</a:t>
+              <a:t>Key Software Engineering Practices</a:t>
             </a:r>
           </a:p>
         </p:txBody>
@@ -7179,7 +7976,7 @@
           <p:cNvPr id="3" name="Content Placeholder 2">
             <a:extLst>
               <a:ext uri="{FF2B5EF4-FFF2-40B4-BE49-F238E27FC236}">
-                <a16:creationId xmlns:a16="http://schemas.microsoft.com/office/drawing/2014/main" id="{045232E1-DDA0-7840-B460-59388493AE09}"/>
+                <a16:creationId xmlns:a16="http://schemas.microsoft.com/office/drawing/2014/main" id="{E81626DD-71C8-1945-9AB4-64955C291439}"/>
               </a:ext>
             </a:extLst>
           </p:cNvPr>
@@ -7190,52 +7987,94 @@
             <p:ph idx="1"/>
           </p:nvPr>
         </p:nvSpPr>
-        <p:spPr/>
+        <p:spPr>
+          <a:xfrm>
+            <a:off x="609600" y="1143000"/>
+            <a:ext cx="8229600" cy="4572001"/>
+          </a:xfrm>
+        </p:spPr>
         <p:txBody>
           <a:bodyPr/>
           <a:lstStyle/>
           <a:p>
             <a:r>
-              <a:rPr lang="en-US" dirty="0"/>
-              <a:t>Review of cross validation (</a:t>
-            </a:r>
-            <a:r>
-              <a:rPr lang="en-US" dirty="0" err="1"/>
-              <a:t>Jupyter</a:t>
-            </a:r>
-            <a:r>
-              <a:rPr lang="en-US" dirty="0"/>
-              <a:t> notebook)</a:t>
-            </a:r>
-          </a:p>
-          <a:p>
-            <a:r>
-              <a:rPr lang="en-US" dirty="0"/>
-              <a:t>Bootstrapping steps</a:t>
-            </a:r>
-          </a:p>
-          <a:p>
-            <a:r>
-              <a:rPr lang="en-US" dirty="0"/>
-              <a:t>Bootstrapping details (</a:t>
-            </a:r>
-            <a:r>
-              <a:rPr lang="en-US" dirty="0" err="1"/>
-              <a:t>Jupyter</a:t>
-            </a:r>
-            <a:r>
-              <a:rPr lang="en-US" dirty="0"/>
-              <a:t> notebook)</a:t>
-            </a:r>
-          </a:p>
-          <a:p>
-            <a:r>
-              <a:rPr lang="en-US" dirty="0"/>
-              <a:t>Class exercises</a:t>
-            </a:r>
-          </a:p>
-          <a:p>
-            <a:endParaRPr lang="en-US" dirty="0"/>
+              <a:rPr lang="en-US" sz="2400" dirty="0"/>
+              <a:t>Never write the same code (or data) twice</a:t>
+            </a:r>
+          </a:p>
+          <a:p>
+            <a:pPr lvl="1"/>
+            <a:r>
+              <a:rPr lang="en-US" sz="2000" dirty="0"/>
+              <a:t>Why? Copies always diverge</a:t>
+            </a:r>
+          </a:p>
+          <a:p>
+            <a:pPr lvl="1"/>
+            <a:r>
+              <a:rPr lang="en-US" sz="2000" dirty="0"/>
+              <a:t>Best practices: Use functions for code (and normalized data)</a:t>
+            </a:r>
+          </a:p>
+          <a:p>
+            <a:r>
+              <a:rPr lang="en-US" sz="2400" dirty="0"/>
+              <a:t>Software components should have well-defined interfaces</a:t>
+            </a:r>
+          </a:p>
+          <a:p>
+            <a:pPr lvl="1"/>
+            <a:r>
+              <a:rPr lang="en-US" sz="2000" dirty="0"/>
+              <a:t>Why? Easy to understand, reuse, and modify components</a:t>
+            </a:r>
+          </a:p>
+          <a:p>
+            <a:pPr lvl="1"/>
+            <a:r>
+              <a:rPr lang="en-US" sz="2000" dirty="0"/>
+              <a:t>Best practices: No global variables, use functions</a:t>
+            </a:r>
+          </a:p>
+          <a:p>
+            <a:r>
+              <a:rPr lang="en-US" sz="2400" dirty="0"/>
+              <a:t>Write readable code</a:t>
+            </a:r>
+          </a:p>
+          <a:p>
+            <a:pPr lvl="1"/>
+            <a:r>
+              <a:rPr lang="en-US" sz="2000" dirty="0"/>
+              <a:t>Why? So others can understand and extend your work</a:t>
+            </a:r>
+          </a:p>
+          <a:p>
+            <a:pPr lvl="1"/>
+            <a:r>
+              <a:rPr lang="en-US" sz="2000" dirty="0"/>
+              <a:t>Best practices: function, good documentation, meaningful names</a:t>
+            </a:r>
+          </a:p>
+          <a:p>
+            <a:r>
+              <a:rPr lang="en-US" sz="2400" dirty="0"/>
+              <a:t>Write reproducible code</a:t>
+            </a:r>
+          </a:p>
+          <a:p>
+            <a:pPr lvl="1"/>
+            <a:r>
+              <a:rPr lang="en-US" sz="2000" dirty="0"/>
+              <a:t>Why? Reproducibility is the foundation of science</a:t>
+            </a:r>
+          </a:p>
+          <a:p>
+            <a:pPr lvl="1"/>
+            <a:r>
+              <a:rPr lang="en-US" sz="2000" dirty="0"/>
+              <a:t>Best practices: write tests for each function, no manual steps in computational studies, automated installs</a:t>
+            </a:r>
           </a:p>
         </p:txBody>
       </p:sp>
@@ -7244,7 +8083,7 @@
           <p:cNvPr id="4" name="Slide Number Placeholder 3">
             <a:extLst>
               <a:ext uri="{FF2B5EF4-FFF2-40B4-BE49-F238E27FC236}">
-                <a16:creationId xmlns:a16="http://schemas.microsoft.com/office/drawing/2014/main" id="{6FE1EE21-A226-204F-8EF8-9D8CBBE07257}"/>
+                <a16:creationId xmlns:a16="http://schemas.microsoft.com/office/drawing/2014/main" id="{B5D1EB44-9A43-5F40-9D3D-4A169BDE2A52}"/>
               </a:ext>
             </a:extLst>
           </p:cNvPr>
@@ -7268,7 +8107,7 @@
               <a:pPr>
                 <a:defRPr/>
               </a:pPr>
-              <a:t>5</a:t>
+              <a:t>4</a:t>
             </a:fld>
             <a:endParaRPr lang="en-US" altLang="x-none"/>
           </a:p>
@@ -7277,225 +8116,7 @@
     </p:spTree>
     <p:extLst>
       <p:ext uri="{BB962C8B-B14F-4D97-AF65-F5344CB8AC3E}">
-        <p14:creationId xmlns:p14="http://schemas.microsoft.com/office/powerpoint/2010/main" val="867686869"/>
-      </p:ext>
-    </p:extLst>
-  </p:cSld>
-  <p:clrMapOvr>
-    <a:masterClrMapping/>
-  </p:clrMapOvr>
-</p:sld>
-</file>
-
-<file path=ppt/slides/slide6.xml><?xml version="1.0" encoding="utf-8"?>
-<p:sld xmlns:a="http://schemas.openxmlformats.org/drawingml/2006/main" xmlns:r="http://schemas.openxmlformats.org/officeDocument/2006/relationships" xmlns:p="http://schemas.openxmlformats.org/presentationml/2006/main">
-  <p:cSld>
-    <p:spTree>
-      <p:nvGrpSpPr>
-        <p:cNvPr id="1" name=""/>
-        <p:cNvGrpSpPr/>
-        <p:nvPr/>
-      </p:nvGrpSpPr>
-      <p:grpSpPr>
-        <a:xfrm>
-          <a:off x="0" y="0"/>
-          <a:ext cx="0" cy="0"/>
-          <a:chOff x="0" y="0"/>
-          <a:chExt cx="0" cy="0"/>
-        </a:xfrm>
-      </p:grpSpPr>
-      <p:sp>
-        <p:nvSpPr>
-          <p:cNvPr id="2" name="Title 1">
-            <a:extLst>
-              <a:ext uri="{FF2B5EF4-FFF2-40B4-BE49-F238E27FC236}">
-                <a16:creationId xmlns:a16="http://schemas.microsoft.com/office/drawing/2014/main" id="{75ABD150-7FF1-2A41-B255-4F99D65A4DDF}"/>
-              </a:ext>
-            </a:extLst>
-          </p:cNvPr>
-          <p:cNvSpPr>
-            <a:spLocks noGrp="1"/>
-          </p:cNvSpPr>
-          <p:nvPr>
-            <p:ph type="title"/>
-          </p:nvPr>
-        </p:nvSpPr>
-        <p:spPr>
-          <a:xfrm>
-            <a:off x="228600" y="228600"/>
-            <a:ext cx="8458200" cy="838200"/>
-          </a:xfrm>
-        </p:spPr>
-        <p:txBody>
-          <a:bodyPr/>
-          <a:lstStyle/>
-          <a:p>
-            <a:r>
-              <a:rPr lang="en-US" dirty="0"/>
-              <a:t>Synthetic Observations With Bootstrapping</a:t>
-            </a:r>
-          </a:p>
-        </p:txBody>
-      </p:sp>
-      <p:sp>
-        <p:nvSpPr>
-          <p:cNvPr id="4" name="Slide Number Placeholder 3">
-            <a:extLst>
-              <a:ext uri="{FF2B5EF4-FFF2-40B4-BE49-F238E27FC236}">
-                <a16:creationId xmlns:a16="http://schemas.microsoft.com/office/drawing/2014/main" id="{BB3E002D-3997-354B-976E-21A5C58840E5}"/>
-              </a:ext>
-            </a:extLst>
-          </p:cNvPr>
-          <p:cNvSpPr>
-            <a:spLocks noGrp="1"/>
-          </p:cNvSpPr>
-          <p:nvPr>
-            <p:ph type="sldNum" sz="quarter" idx="11"/>
-          </p:nvPr>
-        </p:nvSpPr>
-        <p:spPr/>
-        <p:txBody>
-          <a:bodyPr/>
-          <a:lstStyle/>
-          <a:p>
-            <a:pPr>
-              <a:defRPr/>
-            </a:pPr>
-            <a:fld id="{3EF4E9CC-9D91-476E-91FD-5BEEC1642931}" type="slidenum">
-              <a:rPr lang="en-US" altLang="x-none" smtClean="0"/>
-              <a:pPr>
-                <a:defRPr/>
-              </a:pPr>
-              <a:t>6</a:t>
-            </a:fld>
-            <a:endParaRPr lang="en-US" altLang="x-none"/>
-          </a:p>
-        </p:txBody>
-      </p:sp>
-      <p:pic>
-        <p:nvPicPr>
-          <p:cNvPr id="6" name="Picture 5">
-            <a:extLst>
-              <a:ext uri="{FF2B5EF4-FFF2-40B4-BE49-F238E27FC236}">
-                <a16:creationId xmlns:a16="http://schemas.microsoft.com/office/drawing/2014/main" id="{8EF113A2-9A9B-AD4A-994A-45280F35C83A}"/>
-              </a:ext>
-            </a:extLst>
-          </p:cNvPr>
-          <p:cNvPicPr>
-            <a:picLocks noChangeAspect="1"/>
-          </p:cNvPicPr>
-          <p:nvPr/>
-        </p:nvPicPr>
-        <p:blipFill>
-          <a:blip r:embed="rId2"/>
-          <a:stretch>
-            <a:fillRect/>
-          </a:stretch>
-        </p:blipFill>
-        <p:spPr>
-          <a:xfrm>
-            <a:off x="6185710" y="2640862"/>
-            <a:ext cx="2715940" cy="3866300"/>
-          </a:xfrm>
-          <a:prstGeom prst="rect">
-            <a:avLst/>
-          </a:prstGeom>
-        </p:spPr>
-      </p:pic>
-      <p:pic>
-        <p:nvPicPr>
-          <p:cNvPr id="8" name="Picture 7">
-            <a:extLst>
-              <a:ext uri="{FF2B5EF4-FFF2-40B4-BE49-F238E27FC236}">
-                <a16:creationId xmlns:a16="http://schemas.microsoft.com/office/drawing/2014/main" id="{C1DA8FBF-EA10-614F-BF6C-2CD3E5B2AF96}"/>
-              </a:ext>
-            </a:extLst>
-          </p:cNvPr>
-          <p:cNvPicPr>
-            <a:picLocks noChangeAspect="1"/>
-          </p:cNvPicPr>
-          <p:nvPr/>
-        </p:nvPicPr>
-        <p:blipFill>
-          <a:blip r:embed="rId3"/>
-          <a:stretch>
-            <a:fillRect/>
-          </a:stretch>
-        </p:blipFill>
-        <p:spPr>
-          <a:xfrm>
-            <a:off x="314493" y="2544218"/>
-            <a:ext cx="2809707" cy="3962944"/>
-          </a:xfrm>
-          <a:prstGeom prst="rect">
-            <a:avLst/>
-          </a:prstGeom>
-        </p:spPr>
-      </p:pic>
-      <p:pic>
-        <p:nvPicPr>
-          <p:cNvPr id="10" name="Picture 9">
-            <a:extLst>
-              <a:ext uri="{FF2B5EF4-FFF2-40B4-BE49-F238E27FC236}">
-                <a16:creationId xmlns:a16="http://schemas.microsoft.com/office/drawing/2014/main" id="{61E84951-C0B4-1641-9CF2-708FE1A22A68}"/>
-              </a:ext>
-            </a:extLst>
-          </p:cNvPr>
-          <p:cNvPicPr>
-            <a:picLocks noChangeAspect="1"/>
-          </p:cNvPicPr>
-          <p:nvPr/>
-        </p:nvPicPr>
-        <p:blipFill>
-          <a:blip r:embed="rId4"/>
-          <a:stretch>
-            <a:fillRect/>
-          </a:stretch>
-        </p:blipFill>
-        <p:spPr>
-          <a:xfrm>
-            <a:off x="3263089" y="787400"/>
-            <a:ext cx="2922621" cy="1981200"/>
-          </a:xfrm>
-          <a:prstGeom prst="rect">
-            <a:avLst/>
-          </a:prstGeom>
-        </p:spPr>
-      </p:pic>
-      <p:pic>
-        <p:nvPicPr>
-          <p:cNvPr id="12" name="Picture 11">
-            <a:extLst>
-              <a:ext uri="{FF2B5EF4-FFF2-40B4-BE49-F238E27FC236}">
-                <a16:creationId xmlns:a16="http://schemas.microsoft.com/office/drawing/2014/main" id="{31FE8E0F-F681-3F4A-A536-2366CF09DBE2}"/>
-              </a:ext>
-            </a:extLst>
-          </p:cNvPr>
-          <p:cNvPicPr>
-            <a:picLocks noChangeAspect="1"/>
-          </p:cNvPicPr>
-          <p:nvPr/>
-        </p:nvPicPr>
-        <p:blipFill>
-          <a:blip r:embed="rId5"/>
-          <a:stretch>
-            <a:fillRect/>
-          </a:stretch>
-        </p:blipFill>
-        <p:spPr>
-          <a:xfrm>
-            <a:off x="5002950" y="3866300"/>
-            <a:ext cx="38100" cy="25400"/>
-          </a:xfrm>
-          <a:prstGeom prst="rect">
-            <a:avLst/>
-          </a:prstGeom>
-        </p:spPr>
-      </p:pic>
-    </p:spTree>
-    <p:extLst>
-      <p:ext uri="{BB962C8B-B14F-4D97-AF65-F5344CB8AC3E}">
-        <p14:creationId xmlns:p14="http://schemas.microsoft.com/office/powerpoint/2010/main" val="3977553218"/>
+        <p14:creationId xmlns:p14="http://schemas.microsoft.com/office/powerpoint/2010/main" val="1655949828"/>
       </p:ext>
     </p:extLst>
   </p:cSld>
@@ -7536,7 +8157,11 @@
                                           </p:stCondLst>
                                         </p:cTn>
                                         <p:tgtEl>
-                                          <p:spTgt spid="8"/>
+                                          <p:spTgt spid="3">
+                                            <p:txEl>
+                                              <p:pRg st="0" end="0"/>
+                                            </p:txEl>
+                                          </p:spTgt>
                                         </p:tgtEl>
                                         <p:attrNameLst>
                                           <p:attrName>style.visibility</p:attrName>
@@ -7563,7 +8188,375 @@
                                           </p:stCondLst>
                                         </p:cTn>
                                         <p:tgtEl>
-                                          <p:spTgt spid="6"/>
+                                          <p:spTgt spid="3">
+                                            <p:txEl>
+                                              <p:pRg st="1" end="1"/>
+                                            </p:txEl>
+                                          </p:spTgt>
+                                        </p:tgtEl>
+                                        <p:attrNameLst>
+                                          <p:attrName>style.visibility</p:attrName>
+                                        </p:attrNameLst>
+                                      </p:cBhvr>
+                                      <p:to>
+                                        <p:strVal val="visible"/>
+                                      </p:to>
+                                    </p:set>
+                                  </p:childTnLst>
+                                </p:cTn>
+                              </p:par>
+                              <p:par>
+                                <p:cTn id="9" presetID="1" presetClass="entr" presetSubtype="0" fill="hold" nodeType="withEffect">
+                                  <p:stCondLst>
+                                    <p:cond delay="0"/>
+                                  </p:stCondLst>
+                                  <p:childTnLst>
+                                    <p:set>
+                                      <p:cBhvr>
+                                        <p:cTn id="10" dur="1" fill="hold">
+                                          <p:stCondLst>
+                                            <p:cond delay="0"/>
+                                          </p:stCondLst>
+                                        </p:cTn>
+                                        <p:tgtEl>
+                                          <p:spTgt spid="3">
+                                            <p:txEl>
+                                              <p:pRg st="2" end="2"/>
+                                            </p:txEl>
+                                          </p:spTgt>
+                                        </p:tgtEl>
+                                        <p:attrNameLst>
+                                          <p:attrName>style.visibility</p:attrName>
+                                        </p:attrNameLst>
+                                      </p:cBhvr>
+                                      <p:to>
+                                        <p:strVal val="visible"/>
+                                      </p:to>
+                                    </p:set>
+                                  </p:childTnLst>
+                                </p:cTn>
+                              </p:par>
+                            </p:childTnLst>
+                          </p:cTn>
+                        </p:par>
+                      </p:childTnLst>
+                    </p:cTn>
+                  </p:par>
+                  <p:par>
+                    <p:cTn id="11" fill="hold">
+                      <p:stCondLst>
+                        <p:cond delay="indefinite"/>
+                      </p:stCondLst>
+                      <p:childTnLst>
+                        <p:par>
+                          <p:cTn id="12" fill="hold">
+                            <p:stCondLst>
+                              <p:cond delay="0"/>
+                            </p:stCondLst>
+                            <p:childTnLst>
+                              <p:par>
+                                <p:cTn id="13" presetID="1" presetClass="entr" presetSubtype="0" fill="hold" nodeType="clickEffect">
+                                  <p:stCondLst>
+                                    <p:cond delay="0"/>
+                                  </p:stCondLst>
+                                  <p:childTnLst>
+                                    <p:set>
+                                      <p:cBhvr>
+                                        <p:cTn id="14" dur="1" fill="hold">
+                                          <p:stCondLst>
+                                            <p:cond delay="0"/>
+                                          </p:stCondLst>
+                                        </p:cTn>
+                                        <p:tgtEl>
+                                          <p:spTgt spid="3">
+                                            <p:txEl>
+                                              <p:pRg st="3" end="3"/>
+                                            </p:txEl>
+                                          </p:spTgt>
+                                        </p:tgtEl>
+                                        <p:attrNameLst>
+                                          <p:attrName>style.visibility</p:attrName>
+                                        </p:attrNameLst>
+                                      </p:cBhvr>
+                                      <p:to>
+                                        <p:strVal val="visible"/>
+                                      </p:to>
+                                    </p:set>
+                                  </p:childTnLst>
+                                </p:cTn>
+                              </p:par>
+                              <p:par>
+                                <p:cTn id="15" presetID="1" presetClass="entr" presetSubtype="0" fill="hold" nodeType="withEffect">
+                                  <p:stCondLst>
+                                    <p:cond delay="0"/>
+                                  </p:stCondLst>
+                                  <p:childTnLst>
+                                    <p:set>
+                                      <p:cBhvr>
+                                        <p:cTn id="16" dur="1" fill="hold">
+                                          <p:stCondLst>
+                                            <p:cond delay="0"/>
+                                          </p:stCondLst>
+                                        </p:cTn>
+                                        <p:tgtEl>
+                                          <p:spTgt spid="3">
+                                            <p:txEl>
+                                              <p:pRg st="4" end="4"/>
+                                            </p:txEl>
+                                          </p:spTgt>
+                                        </p:tgtEl>
+                                        <p:attrNameLst>
+                                          <p:attrName>style.visibility</p:attrName>
+                                        </p:attrNameLst>
+                                      </p:cBhvr>
+                                      <p:to>
+                                        <p:strVal val="visible"/>
+                                      </p:to>
+                                    </p:set>
+                                  </p:childTnLst>
+                                </p:cTn>
+                              </p:par>
+                              <p:par>
+                                <p:cTn id="17" presetID="1" presetClass="entr" presetSubtype="0" fill="hold" nodeType="withEffect">
+                                  <p:stCondLst>
+                                    <p:cond delay="0"/>
+                                  </p:stCondLst>
+                                  <p:childTnLst>
+                                    <p:set>
+                                      <p:cBhvr>
+                                        <p:cTn id="18" dur="1" fill="hold">
+                                          <p:stCondLst>
+                                            <p:cond delay="0"/>
+                                          </p:stCondLst>
+                                        </p:cTn>
+                                        <p:tgtEl>
+                                          <p:spTgt spid="3">
+                                            <p:txEl>
+                                              <p:pRg st="5" end="5"/>
+                                            </p:txEl>
+                                          </p:spTgt>
+                                        </p:tgtEl>
+                                        <p:attrNameLst>
+                                          <p:attrName>style.visibility</p:attrName>
+                                        </p:attrNameLst>
+                                      </p:cBhvr>
+                                      <p:to>
+                                        <p:strVal val="visible"/>
+                                      </p:to>
+                                    </p:set>
+                                  </p:childTnLst>
+                                </p:cTn>
+                              </p:par>
+                            </p:childTnLst>
+                          </p:cTn>
+                        </p:par>
+                      </p:childTnLst>
+                    </p:cTn>
+                  </p:par>
+                  <p:par>
+                    <p:cTn id="19" fill="hold">
+                      <p:stCondLst>
+                        <p:cond delay="indefinite"/>
+                      </p:stCondLst>
+                      <p:childTnLst>
+                        <p:par>
+                          <p:cTn id="20" fill="hold">
+                            <p:stCondLst>
+                              <p:cond delay="0"/>
+                            </p:stCondLst>
+                            <p:childTnLst>
+                              <p:par>
+                                <p:cTn id="21" presetID="1" presetClass="entr" presetSubtype="0" fill="hold" nodeType="clickEffect">
+                                  <p:stCondLst>
+                                    <p:cond delay="0"/>
+                                  </p:stCondLst>
+                                  <p:childTnLst>
+                                    <p:set>
+                                      <p:cBhvr>
+                                        <p:cTn id="22" dur="1" fill="hold">
+                                          <p:stCondLst>
+                                            <p:cond delay="0"/>
+                                          </p:stCondLst>
+                                        </p:cTn>
+                                        <p:tgtEl>
+                                          <p:spTgt spid="3">
+                                            <p:txEl>
+                                              <p:pRg st="6" end="6"/>
+                                            </p:txEl>
+                                          </p:spTgt>
+                                        </p:tgtEl>
+                                        <p:attrNameLst>
+                                          <p:attrName>style.visibility</p:attrName>
+                                        </p:attrNameLst>
+                                      </p:cBhvr>
+                                      <p:to>
+                                        <p:strVal val="visible"/>
+                                      </p:to>
+                                    </p:set>
+                                  </p:childTnLst>
+                                </p:cTn>
+                              </p:par>
+                              <p:par>
+                                <p:cTn id="23" presetID="1" presetClass="entr" presetSubtype="0" fill="hold" nodeType="withEffect">
+                                  <p:stCondLst>
+                                    <p:cond delay="0"/>
+                                  </p:stCondLst>
+                                  <p:childTnLst>
+                                    <p:set>
+                                      <p:cBhvr>
+                                        <p:cTn id="24" dur="1" fill="hold">
+                                          <p:stCondLst>
+                                            <p:cond delay="0"/>
+                                          </p:stCondLst>
+                                        </p:cTn>
+                                        <p:tgtEl>
+                                          <p:spTgt spid="3">
+                                            <p:txEl>
+                                              <p:pRg st="7" end="7"/>
+                                            </p:txEl>
+                                          </p:spTgt>
+                                        </p:tgtEl>
+                                        <p:attrNameLst>
+                                          <p:attrName>style.visibility</p:attrName>
+                                        </p:attrNameLst>
+                                      </p:cBhvr>
+                                      <p:to>
+                                        <p:strVal val="visible"/>
+                                      </p:to>
+                                    </p:set>
+                                  </p:childTnLst>
+                                </p:cTn>
+                              </p:par>
+                              <p:par>
+                                <p:cTn id="25" presetID="1" presetClass="entr" presetSubtype="0" fill="hold" nodeType="withEffect">
+                                  <p:stCondLst>
+                                    <p:cond delay="0"/>
+                                  </p:stCondLst>
+                                  <p:childTnLst>
+                                    <p:set>
+                                      <p:cBhvr>
+                                        <p:cTn id="26" dur="1" fill="hold">
+                                          <p:stCondLst>
+                                            <p:cond delay="0"/>
+                                          </p:stCondLst>
+                                        </p:cTn>
+                                        <p:tgtEl>
+                                          <p:spTgt spid="3">
+                                            <p:txEl>
+                                              <p:pRg st="8" end="8"/>
+                                            </p:txEl>
+                                          </p:spTgt>
+                                        </p:tgtEl>
+                                        <p:attrNameLst>
+                                          <p:attrName>style.visibility</p:attrName>
+                                        </p:attrNameLst>
+                                      </p:cBhvr>
+                                      <p:to>
+                                        <p:strVal val="visible"/>
+                                      </p:to>
+                                    </p:set>
+                                  </p:childTnLst>
+                                </p:cTn>
+                              </p:par>
+                            </p:childTnLst>
+                          </p:cTn>
+                        </p:par>
+                      </p:childTnLst>
+                    </p:cTn>
+                  </p:par>
+                  <p:par>
+                    <p:cTn id="27" fill="hold">
+                      <p:stCondLst>
+                        <p:cond delay="indefinite"/>
+                      </p:stCondLst>
+                      <p:childTnLst>
+                        <p:par>
+                          <p:cTn id="28" fill="hold">
+                            <p:stCondLst>
+                              <p:cond delay="0"/>
+                            </p:stCondLst>
+                            <p:childTnLst>
+                              <p:par>
+                                <p:cTn id="29" presetID="1" presetClass="entr" presetSubtype="0" fill="hold" nodeType="clickEffect">
+                                  <p:stCondLst>
+                                    <p:cond delay="0"/>
+                                  </p:stCondLst>
+                                  <p:childTnLst>
+                                    <p:set>
+                                      <p:cBhvr>
+                                        <p:cTn id="30" dur="1" fill="hold">
+                                          <p:stCondLst>
+                                            <p:cond delay="0"/>
+                                          </p:stCondLst>
+                                        </p:cTn>
+                                        <p:tgtEl>
+                                          <p:spTgt spid="3">
+                                            <p:txEl>
+                                              <p:pRg st="9" end="9"/>
+                                            </p:txEl>
+                                          </p:spTgt>
+                                        </p:tgtEl>
+                                        <p:attrNameLst>
+                                          <p:attrName>style.visibility</p:attrName>
+                                        </p:attrNameLst>
+                                      </p:cBhvr>
+                                      <p:to>
+                                        <p:strVal val="visible"/>
+                                      </p:to>
+                                    </p:set>
+                                  </p:childTnLst>
+                                </p:cTn>
+                              </p:par>
+                              <p:par>
+                                <p:cTn id="31" presetID="1" presetClass="entr" presetSubtype="0" fill="hold" nodeType="withEffect">
+                                  <p:stCondLst>
+                                    <p:cond delay="0"/>
+                                  </p:stCondLst>
+                                  <p:childTnLst>
+                                    <p:set>
+                                      <p:cBhvr>
+                                        <p:cTn id="32" dur="1" fill="hold">
+                                          <p:stCondLst>
+                                            <p:cond delay="0"/>
+                                          </p:stCondLst>
+                                        </p:cTn>
+                                        <p:tgtEl>
+                                          <p:spTgt spid="3">
+                                            <p:txEl>
+                                              <p:pRg st="10" end="10"/>
+                                            </p:txEl>
+                                          </p:spTgt>
+                                        </p:tgtEl>
+                                        <p:attrNameLst>
+                                          <p:attrName>style.visibility</p:attrName>
+                                        </p:attrNameLst>
+                                      </p:cBhvr>
+                                      <p:to>
+                                        <p:strVal val="visible"/>
+                                      </p:to>
+                                    </p:set>
+                                  </p:childTnLst>
+                                </p:cTn>
+                              </p:par>
+                              <p:par>
+                                <p:cTn id="33" presetID="1" presetClass="entr" presetSubtype="0" fill="hold" nodeType="withEffect">
+                                  <p:stCondLst>
+                                    <p:cond delay="0"/>
+                                  </p:stCondLst>
+                                  <p:childTnLst>
+                                    <p:set>
+                                      <p:cBhvr>
+                                        <p:cTn id="34" dur="1" fill="hold">
+                                          <p:stCondLst>
+                                            <p:cond delay="0"/>
+                                          </p:stCondLst>
+                                        </p:cTn>
+                                        <p:tgtEl>
+                                          <p:spTgt spid="3">
+                                            <p:txEl>
+                                              <p:pRg st="11" end="11"/>
+                                            </p:txEl>
+                                          </p:spTgt>
                                         </p:tgtEl>
                                         <p:attrNameLst>
                                           <p:attrName>style.visibility</p:attrName>
@@ -7607,7 +8600,7 @@
 </p:sld>
 </file>
 
-<file path=ppt/slides/slide7.xml><?xml version="1.0" encoding="utf-8"?>
+<file path=ppt/slides/slide5.xml><?xml version="1.0" encoding="utf-8"?>
 <p:sld xmlns:a="http://schemas.openxmlformats.org/drawingml/2006/main" xmlns:r="http://schemas.openxmlformats.org/officeDocument/2006/relationships" xmlns:p="http://schemas.openxmlformats.org/presentationml/2006/main">
   <p:cSld>
     <p:spTree>
@@ -7629,7 +8622,7 @@
           <p:cNvPr id="2" name="Title 1">
             <a:extLst>
               <a:ext uri="{FF2B5EF4-FFF2-40B4-BE49-F238E27FC236}">
-                <a16:creationId xmlns:a16="http://schemas.microsoft.com/office/drawing/2014/main" id="{3C7E67AC-19A8-A84A-AD29-CE9094C8D37C}"/>
+                <a16:creationId xmlns:a16="http://schemas.microsoft.com/office/drawing/2014/main" id="{8FDC0FC5-4607-3544-9AE7-2A2AE7D79CC0}"/>
               </a:ext>
             </a:extLst>
           </p:cNvPr>
@@ -7647,17 +8640,17 @@
           <a:p>
             <a:r>
               <a:rPr lang="en-US" dirty="0"/>
-              <a:t>Generating a Synthetic Response Data</a:t>
+              <a:t>Agenda</a:t>
             </a:r>
           </a:p>
         </p:txBody>
       </p:sp>
       <p:sp>
         <p:nvSpPr>
-          <p:cNvPr id="4" name="Content Placeholder 3">
+          <p:cNvPr id="3" name="Content Placeholder 2">
             <a:extLst>
               <a:ext uri="{FF2B5EF4-FFF2-40B4-BE49-F238E27FC236}">
-                <a16:creationId xmlns:a16="http://schemas.microsoft.com/office/drawing/2014/main" id="{467EA42C-8833-EF4C-974C-06FAC4D63BBB}"/>
+                <a16:creationId xmlns:a16="http://schemas.microsoft.com/office/drawing/2014/main" id="{045232E1-DDA0-7840-B460-59388493AE09}"/>
               </a:ext>
             </a:extLst>
           </p:cNvPr>
@@ -7673,423 +8666,42 @@
           <a:bodyPr/>
           <a:lstStyle/>
           <a:p>
-            <a:pPr marL="0" indent="0">
-              <a:buNone/>
-            </a:pPr>
-            <a:r>
-              <a:rPr lang="en-US" sz="2000" dirty="0">
-                <a:latin typeface="Courier New" panose="02070309020205020404" pitchFamily="49" charset="0"/>
-                <a:cs typeface="Courier New" panose="02070309020205020404" pitchFamily="49" charset="0"/>
-              </a:rPr>
-              <a:t>def </a:t>
-            </a:r>
-            <a:r>
-              <a:rPr lang="en-US" sz="2000" dirty="0" err="1">
-                <a:latin typeface="Courier New" panose="02070309020205020404" pitchFamily="49" charset="0"/>
-                <a:cs typeface="Courier New" panose="02070309020205020404" pitchFamily="49" charset="0"/>
-              </a:rPr>
-              <a:t>generateData</a:t>
-            </a:r>
-            <a:r>
-              <a:rPr lang="en-US" sz="2000" dirty="0">
-                <a:latin typeface="Courier New" panose="02070309020205020404" pitchFamily="49" charset="0"/>
-                <a:cs typeface="Courier New" panose="02070309020205020404" pitchFamily="49" charset="0"/>
-              </a:rPr>
-              <a:t>(</a:t>
-            </a:r>
-            <a:r>
-              <a:rPr lang="en-US" sz="2000" dirty="0" err="1">
-                <a:latin typeface="Courier New" panose="02070309020205020404" pitchFamily="49" charset="0"/>
-                <a:cs typeface="Courier New" panose="02070309020205020404" pitchFamily="49" charset="0"/>
-              </a:rPr>
-              <a:t>y_obs</a:t>
-            </a:r>
-            <a:r>
-              <a:rPr lang="en-US" sz="2000" dirty="0">
-                <a:latin typeface="Courier New" panose="02070309020205020404" pitchFamily="49" charset="0"/>
-                <a:cs typeface="Courier New" panose="02070309020205020404" pitchFamily="49" charset="0"/>
-              </a:rPr>
-              <a:t>, </a:t>
-            </a:r>
-            <a:r>
-              <a:rPr lang="en-US" sz="2000" dirty="0" err="1">
-                <a:latin typeface="Courier New" panose="02070309020205020404" pitchFamily="49" charset="0"/>
-                <a:cs typeface="Courier New" panose="02070309020205020404" pitchFamily="49" charset="0"/>
-              </a:rPr>
-              <a:t>y_fit</a:t>
-            </a:r>
-            <a:r>
-              <a:rPr lang="en-US" sz="2000" dirty="0">
-                <a:latin typeface="Courier New" panose="02070309020205020404" pitchFamily="49" charset="0"/>
-                <a:cs typeface="Courier New" panose="02070309020205020404" pitchFamily="49" charset="0"/>
-              </a:rPr>
-              <a:t>):</a:t>
-            </a:r>
-          </a:p>
-          <a:p>
-            <a:pPr marL="0" indent="0">
-              <a:buNone/>
-            </a:pPr>
-            <a:r>
-              <a:rPr lang="en-US" sz="2000" dirty="0">
-                <a:latin typeface="Courier New" panose="02070309020205020404" pitchFamily="49" charset="0"/>
-                <a:cs typeface="Courier New" panose="02070309020205020404" pitchFamily="49" charset="0"/>
-              </a:rPr>
-              <a:t>    """</a:t>
-            </a:r>
-          </a:p>
-          <a:p>
-            <a:pPr marL="0" indent="0">
-              <a:buNone/>
-            </a:pPr>
-            <a:r>
-              <a:rPr lang="en-US" sz="2000" dirty="0">
-                <a:latin typeface="Courier New" panose="02070309020205020404" pitchFamily="49" charset="0"/>
-                <a:cs typeface="Courier New" panose="02070309020205020404" pitchFamily="49" charset="0"/>
-              </a:rPr>
-              <a:t>    :</a:t>
-            </a:r>
-            <a:r>
-              <a:rPr lang="en-US" sz="2000" dirty="0" err="1">
-                <a:latin typeface="Courier New" panose="02070309020205020404" pitchFamily="49" charset="0"/>
-                <a:cs typeface="Courier New" panose="02070309020205020404" pitchFamily="49" charset="0"/>
-              </a:rPr>
-              <a:t>param</a:t>
-            </a:r>
-            <a:r>
-              <a:rPr lang="en-US" sz="2000" dirty="0">
-                <a:latin typeface="Courier New" panose="02070309020205020404" pitchFamily="49" charset="0"/>
-                <a:cs typeface="Courier New" panose="02070309020205020404" pitchFamily="49" charset="0"/>
-              </a:rPr>
-              <a:t> </a:t>
-            </a:r>
-            <a:r>
-              <a:rPr lang="en-US" sz="2000" dirty="0" err="1">
-                <a:latin typeface="Courier New" panose="02070309020205020404" pitchFamily="49" charset="0"/>
-                <a:cs typeface="Courier New" panose="02070309020205020404" pitchFamily="49" charset="0"/>
-              </a:rPr>
-              <a:t>np.array</a:t>
-            </a:r>
-            <a:r>
-              <a:rPr lang="en-US" sz="2000" dirty="0">
-                <a:latin typeface="Courier New" panose="02070309020205020404" pitchFamily="49" charset="0"/>
-                <a:cs typeface="Courier New" panose="02070309020205020404" pitchFamily="49" charset="0"/>
-              </a:rPr>
-              <a:t> </a:t>
-            </a:r>
-            <a:r>
-              <a:rPr lang="en-US" sz="2000" dirty="0" err="1">
-                <a:latin typeface="Courier New" panose="02070309020205020404" pitchFamily="49" charset="0"/>
-                <a:cs typeface="Courier New" panose="02070309020205020404" pitchFamily="49" charset="0"/>
-              </a:rPr>
-              <a:t>y_obs</a:t>
-            </a:r>
-            <a:endParaRPr lang="en-US" sz="2000" dirty="0">
-              <a:latin typeface="Courier New" panose="02070309020205020404" pitchFamily="49" charset="0"/>
-              <a:cs typeface="Courier New" panose="02070309020205020404" pitchFamily="49" charset="0"/>
-            </a:endParaRPr>
-          </a:p>
-          <a:p>
-            <a:pPr marL="0" indent="0">
-              <a:buNone/>
-            </a:pPr>
-            <a:r>
-              <a:rPr lang="en-US" sz="2000" dirty="0">
-                <a:latin typeface="Courier New" panose="02070309020205020404" pitchFamily="49" charset="0"/>
-                <a:cs typeface="Courier New" panose="02070309020205020404" pitchFamily="49" charset="0"/>
-              </a:rPr>
-              <a:t>    :</a:t>
-            </a:r>
-            <a:r>
-              <a:rPr lang="en-US" sz="2000" dirty="0" err="1">
-                <a:latin typeface="Courier New" panose="02070309020205020404" pitchFamily="49" charset="0"/>
-                <a:cs typeface="Courier New" panose="02070309020205020404" pitchFamily="49" charset="0"/>
-              </a:rPr>
-              <a:t>param</a:t>
-            </a:r>
-            <a:r>
-              <a:rPr lang="en-US" sz="2000" dirty="0">
-                <a:latin typeface="Courier New" panose="02070309020205020404" pitchFamily="49" charset="0"/>
-                <a:cs typeface="Courier New" panose="02070309020205020404" pitchFamily="49" charset="0"/>
-              </a:rPr>
-              <a:t> </a:t>
-            </a:r>
-            <a:r>
-              <a:rPr lang="en-US" sz="2000" dirty="0" err="1">
-                <a:latin typeface="Courier New" panose="02070309020205020404" pitchFamily="49" charset="0"/>
-                <a:cs typeface="Courier New" panose="02070309020205020404" pitchFamily="49" charset="0"/>
-              </a:rPr>
-              <a:t>np.array</a:t>
-            </a:r>
-            <a:r>
-              <a:rPr lang="en-US" sz="2000" dirty="0">
-                <a:latin typeface="Courier New" panose="02070309020205020404" pitchFamily="49" charset="0"/>
-                <a:cs typeface="Courier New" panose="02070309020205020404" pitchFamily="49" charset="0"/>
-              </a:rPr>
-              <a:t> </a:t>
-            </a:r>
-            <a:r>
-              <a:rPr lang="en-US" sz="2000" dirty="0" err="1">
-                <a:latin typeface="Courier New" panose="02070309020205020404" pitchFamily="49" charset="0"/>
-                <a:cs typeface="Courier New" panose="02070309020205020404" pitchFamily="49" charset="0"/>
-              </a:rPr>
-              <a:t>y_fit</a:t>
-            </a:r>
-            <a:endParaRPr lang="en-US" sz="2000" dirty="0">
-              <a:latin typeface="Courier New" panose="02070309020205020404" pitchFamily="49" charset="0"/>
-              <a:cs typeface="Courier New" panose="02070309020205020404" pitchFamily="49" charset="0"/>
-            </a:endParaRPr>
-          </a:p>
-          <a:p>
-            <a:pPr marL="0" indent="0">
-              <a:buNone/>
-            </a:pPr>
-            <a:r>
-              <a:rPr lang="en-US" sz="2000" dirty="0">
-                <a:latin typeface="Courier New" panose="02070309020205020404" pitchFamily="49" charset="0"/>
-                <a:cs typeface="Courier New" panose="02070309020205020404" pitchFamily="49" charset="0"/>
-              </a:rPr>
-              <a:t>    :return </a:t>
-            </a:r>
-            <a:r>
-              <a:rPr lang="en-US" sz="2000" dirty="0" err="1">
-                <a:latin typeface="Courier New" panose="02070309020205020404" pitchFamily="49" charset="0"/>
-                <a:cs typeface="Courier New" panose="02070309020205020404" pitchFamily="49" charset="0"/>
-              </a:rPr>
-              <a:t>np.array</a:t>
-            </a:r>
-            <a:r>
-              <a:rPr lang="en-US" sz="2000" dirty="0">
-                <a:latin typeface="Courier New" panose="02070309020205020404" pitchFamily="49" charset="0"/>
-                <a:cs typeface="Courier New" panose="02070309020205020404" pitchFamily="49" charset="0"/>
-              </a:rPr>
-              <a:t>: bootstrap data</a:t>
-            </a:r>
-          </a:p>
-          <a:p>
-            <a:pPr marL="0" indent="0">
-              <a:buNone/>
-            </a:pPr>
-            <a:r>
-              <a:rPr lang="en-US" sz="2000" dirty="0">
-                <a:latin typeface="Courier New" panose="02070309020205020404" pitchFamily="49" charset="0"/>
-                <a:cs typeface="Courier New" panose="02070309020205020404" pitchFamily="49" charset="0"/>
-              </a:rPr>
-              <a:t>    """</a:t>
-            </a:r>
-          </a:p>
-          <a:p>
-            <a:pPr marL="0" indent="0">
-              <a:buNone/>
-            </a:pPr>
-            <a:r>
-              <a:rPr lang="en-US" sz="2000" dirty="0">
-                <a:latin typeface="Courier New" panose="02070309020205020404" pitchFamily="49" charset="0"/>
-                <a:cs typeface="Courier New" panose="02070309020205020404" pitchFamily="49" charset="0"/>
-              </a:rPr>
-              <a:t>    residuals = </a:t>
-            </a:r>
-            <a:r>
-              <a:rPr lang="en-US" sz="2000" dirty="0" err="1">
-                <a:latin typeface="Courier New" panose="02070309020205020404" pitchFamily="49" charset="0"/>
-                <a:cs typeface="Courier New" panose="02070309020205020404" pitchFamily="49" charset="0"/>
-              </a:rPr>
-              <a:t>y_obs</a:t>
-            </a:r>
-            <a:r>
-              <a:rPr lang="en-US" sz="2000" dirty="0">
-                <a:latin typeface="Courier New" panose="02070309020205020404" pitchFamily="49" charset="0"/>
-                <a:cs typeface="Courier New" panose="02070309020205020404" pitchFamily="49" charset="0"/>
-              </a:rPr>
-              <a:t> - </a:t>
-            </a:r>
-            <a:r>
-              <a:rPr lang="en-US" sz="2000" dirty="0" err="1">
-                <a:latin typeface="Courier New" panose="02070309020205020404" pitchFamily="49" charset="0"/>
-                <a:cs typeface="Courier New" panose="02070309020205020404" pitchFamily="49" charset="0"/>
-              </a:rPr>
-              <a:t>y_fit</a:t>
-            </a:r>
-            <a:endParaRPr lang="en-US" sz="2000" dirty="0">
-              <a:latin typeface="Courier New" panose="02070309020205020404" pitchFamily="49" charset="0"/>
-              <a:cs typeface="Courier New" panose="02070309020205020404" pitchFamily="49" charset="0"/>
-            </a:endParaRPr>
-          </a:p>
-          <a:p>
-            <a:pPr marL="0" indent="0">
-              <a:buNone/>
-            </a:pPr>
-            <a:r>
-              <a:rPr lang="en-US" sz="2000" dirty="0">
-                <a:latin typeface="Courier New" panose="02070309020205020404" pitchFamily="49" charset="0"/>
-                <a:cs typeface="Courier New" panose="02070309020205020404" pitchFamily="49" charset="0"/>
-              </a:rPr>
-              <a:t>    length = </a:t>
-            </a:r>
-            <a:r>
-              <a:rPr lang="en-US" sz="2000" dirty="0" err="1">
-                <a:latin typeface="Courier New" panose="02070309020205020404" pitchFamily="49" charset="0"/>
-                <a:cs typeface="Courier New" panose="02070309020205020404" pitchFamily="49" charset="0"/>
-              </a:rPr>
-              <a:t>len</a:t>
-            </a:r>
-            <a:r>
-              <a:rPr lang="en-US" sz="2000" dirty="0">
-                <a:latin typeface="Courier New" panose="02070309020205020404" pitchFamily="49" charset="0"/>
-                <a:cs typeface="Courier New" panose="02070309020205020404" pitchFamily="49" charset="0"/>
-              </a:rPr>
-              <a:t>(</a:t>
-            </a:r>
-            <a:r>
-              <a:rPr lang="en-US" sz="2000" dirty="0" err="1">
-                <a:latin typeface="Courier New" panose="02070309020205020404" pitchFamily="49" charset="0"/>
-                <a:cs typeface="Courier New" panose="02070309020205020404" pitchFamily="49" charset="0"/>
-              </a:rPr>
-              <a:t>y_obs</a:t>
-            </a:r>
-            <a:r>
-              <a:rPr lang="en-US" sz="2000" dirty="0">
-                <a:latin typeface="Courier New" panose="02070309020205020404" pitchFamily="49" charset="0"/>
-                <a:cs typeface="Courier New" panose="02070309020205020404" pitchFamily="49" charset="0"/>
-              </a:rPr>
-              <a:t>)</a:t>
-            </a:r>
-          </a:p>
-          <a:p>
-            <a:pPr marL="0" indent="0">
-              <a:buNone/>
-            </a:pPr>
-            <a:r>
-              <a:rPr lang="en-US" sz="2000" dirty="0">
-                <a:latin typeface="Courier New" panose="02070309020205020404" pitchFamily="49" charset="0"/>
-                <a:cs typeface="Courier New" panose="02070309020205020404" pitchFamily="49" charset="0"/>
-              </a:rPr>
-              <a:t>    residuals = </a:t>
-            </a:r>
-            <a:r>
-              <a:rPr lang="en-US" sz="2000" dirty="0" err="1">
-                <a:latin typeface="Courier New" panose="02070309020205020404" pitchFamily="49" charset="0"/>
-                <a:cs typeface="Courier New" panose="02070309020205020404" pitchFamily="49" charset="0"/>
-              </a:rPr>
-              <a:t>residuals.reshape</a:t>
-            </a:r>
-            <a:r>
-              <a:rPr lang="en-US" sz="2000" dirty="0">
-                <a:latin typeface="Courier New" panose="02070309020205020404" pitchFamily="49" charset="0"/>
-                <a:cs typeface="Courier New" panose="02070309020205020404" pitchFamily="49" charset="0"/>
-              </a:rPr>
-              <a:t>(length)</a:t>
-            </a:r>
-          </a:p>
-          <a:p>
-            <a:pPr marL="0" indent="0">
-              <a:buNone/>
-            </a:pPr>
-            <a:r>
-              <a:rPr lang="en-US" sz="2000" dirty="0">
-                <a:latin typeface="Courier New" panose="02070309020205020404" pitchFamily="49" charset="0"/>
-                <a:cs typeface="Courier New" panose="02070309020205020404" pitchFamily="49" charset="0"/>
-              </a:rPr>
-              <a:t>    samples = </a:t>
-            </a:r>
-            <a:r>
-              <a:rPr lang="en-US" sz="2000" dirty="0" err="1">
-                <a:latin typeface="Courier New" panose="02070309020205020404" pitchFamily="49" charset="0"/>
-                <a:cs typeface="Courier New" panose="02070309020205020404" pitchFamily="49" charset="0"/>
-              </a:rPr>
-              <a:t>np.random.randint</a:t>
-            </a:r>
-            <a:r>
-              <a:rPr lang="en-US" sz="2000" dirty="0">
-                <a:latin typeface="Courier New" panose="02070309020205020404" pitchFamily="49" charset="0"/>
-                <a:cs typeface="Courier New" panose="02070309020205020404" pitchFamily="49" charset="0"/>
-              </a:rPr>
-              <a:t>(0, length</a:t>
-            </a:r>
-            <a:r>
-              <a:rPr lang="en-US" sz="2000">
-                <a:latin typeface="Courier New" panose="02070309020205020404" pitchFamily="49" charset="0"/>
-                <a:cs typeface="Courier New" panose="02070309020205020404" pitchFamily="49" charset="0"/>
-              </a:rPr>
-              <a:t>, length)</a:t>
-            </a:r>
-            <a:endParaRPr lang="en-US" sz="2000" dirty="0">
-              <a:latin typeface="Courier New" panose="02070309020205020404" pitchFamily="49" charset="0"/>
-              <a:cs typeface="Courier New" panose="02070309020205020404" pitchFamily="49" charset="0"/>
-            </a:endParaRPr>
-          </a:p>
-          <a:p>
-            <a:pPr marL="0" indent="0">
-              <a:buNone/>
-            </a:pPr>
-            <a:r>
-              <a:rPr lang="en-US" sz="2000" dirty="0">
-                <a:latin typeface="Courier New" panose="02070309020205020404" pitchFamily="49" charset="0"/>
-                <a:cs typeface="Courier New" panose="02070309020205020404" pitchFamily="49" charset="0"/>
-              </a:rPr>
-              <a:t>    result = </a:t>
-            </a:r>
-            <a:r>
-              <a:rPr lang="en-US" sz="2000" dirty="0" err="1">
-                <a:latin typeface="Courier New" panose="02070309020205020404" pitchFamily="49" charset="0"/>
-                <a:cs typeface="Courier New" panose="02070309020205020404" pitchFamily="49" charset="0"/>
-              </a:rPr>
-              <a:t>y_fit</a:t>
-            </a:r>
-            <a:r>
-              <a:rPr lang="en-US" sz="2000" dirty="0">
-                <a:latin typeface="Courier New" panose="02070309020205020404" pitchFamily="49" charset="0"/>
-                <a:cs typeface="Courier New" panose="02070309020205020404" pitchFamily="49" charset="0"/>
-              </a:rPr>
-              <a:t> + residuals[samples]</a:t>
-            </a:r>
-          </a:p>
-          <a:p>
-            <a:pPr marL="0" indent="0">
-              <a:buNone/>
-            </a:pPr>
-            <a:r>
-              <a:rPr lang="en-US" sz="2000" dirty="0">
-                <a:latin typeface="Courier New" panose="02070309020205020404" pitchFamily="49" charset="0"/>
-                <a:cs typeface="Courier New" panose="02070309020205020404" pitchFamily="49" charset="0"/>
-              </a:rPr>
-              <a:t>    result = </a:t>
-            </a:r>
-            <a:r>
-              <a:rPr lang="en-US" sz="2000" dirty="0" err="1">
-                <a:latin typeface="Courier New" panose="02070309020205020404" pitchFamily="49" charset="0"/>
-                <a:cs typeface="Courier New" panose="02070309020205020404" pitchFamily="49" charset="0"/>
-              </a:rPr>
-              <a:t>result.reshape</a:t>
-            </a:r>
-            <a:r>
-              <a:rPr lang="en-US" sz="2000" dirty="0">
-                <a:latin typeface="Courier New" panose="02070309020205020404" pitchFamily="49" charset="0"/>
-                <a:cs typeface="Courier New" panose="02070309020205020404" pitchFamily="49" charset="0"/>
-              </a:rPr>
-              <a:t>(length)</a:t>
-            </a:r>
-          </a:p>
-          <a:p>
-            <a:pPr marL="0" indent="0">
-              <a:buNone/>
-            </a:pPr>
-            <a:r>
-              <a:rPr lang="en-US" sz="2000" dirty="0">
-                <a:latin typeface="Courier New" panose="02070309020205020404" pitchFamily="49" charset="0"/>
-                <a:cs typeface="Courier New" panose="02070309020205020404" pitchFamily="49" charset="0"/>
-              </a:rPr>
-              <a:t>    return result</a:t>
-            </a:r>
+            <a:r>
+              <a:rPr lang="en-US" dirty="0"/>
+              <a:t>Bootstrapping steps</a:t>
+            </a:r>
+          </a:p>
+          <a:p>
+            <a:r>
+              <a:rPr lang="en-US" dirty="0"/>
+              <a:t>Bootstrapping details (</a:t>
+            </a:r>
+            <a:r>
+              <a:rPr lang="en-US" dirty="0" err="1"/>
+              <a:t>Jupyter</a:t>
+            </a:r>
+            <a:r>
+              <a:rPr lang="en-US" dirty="0"/>
+              <a:t> notebook)</a:t>
+            </a:r>
+          </a:p>
+          <a:p>
+            <a:r>
+              <a:rPr lang="en-US" dirty="0"/>
+              <a:t>Class exercises</a:t>
+            </a:r>
+          </a:p>
+          <a:p>
+            <a:endParaRPr lang="en-US" dirty="0"/>
           </a:p>
         </p:txBody>
       </p:sp>
       <p:sp>
         <p:nvSpPr>
-          <p:cNvPr id="3" name="Slide Number Placeholder 2">
+          <p:cNvPr id="4" name="Slide Number Placeholder 3">
             <a:extLst>
               <a:ext uri="{FF2B5EF4-FFF2-40B4-BE49-F238E27FC236}">
-                <a16:creationId xmlns:a16="http://schemas.microsoft.com/office/drawing/2014/main" id="{9726B264-DF07-A34E-A052-73194C3256CB}"/>
+                <a16:creationId xmlns:a16="http://schemas.microsoft.com/office/drawing/2014/main" id="{6FE1EE21-A226-204F-8EF8-9D8CBBE07257}"/>
               </a:ext>
             </a:extLst>
           </p:cNvPr>
@@ -8108,12 +8720,12 @@
             <a:pPr>
               <a:defRPr/>
             </a:pPr>
-            <a:fld id="{2E4304A7-0FB2-4094-BC1E-DB17183AD0C1}" type="slidenum">
+            <a:fld id="{3EF4E9CC-9D91-476E-91FD-5BEEC1642931}" type="slidenum">
               <a:rPr lang="en-US" altLang="x-none" smtClean="0"/>
               <a:pPr>
                 <a:defRPr/>
               </a:pPr>
-              <a:t>7</a:t>
+              <a:t>5</a:t>
             </a:fld>
             <a:endParaRPr lang="en-US" altLang="x-none"/>
           </a:p>
@@ -8122,13 +8734,1651 @@
     </p:spTree>
     <p:extLst>
       <p:ext uri="{BB962C8B-B14F-4D97-AF65-F5344CB8AC3E}">
-        <p14:creationId xmlns:p14="http://schemas.microsoft.com/office/powerpoint/2010/main" val="2147730144"/>
+        <p14:creationId xmlns:p14="http://schemas.microsoft.com/office/powerpoint/2010/main" val="867686869"/>
       </p:ext>
     </p:extLst>
   </p:cSld>
   <p:clrMapOvr>
     <a:masterClrMapping/>
   </p:clrMapOvr>
+</p:sld>
+</file>
+
+<file path=ppt/slides/slide6.xml><?xml version="1.0" encoding="utf-8"?>
+<p:sld xmlns:a="http://schemas.openxmlformats.org/drawingml/2006/main" xmlns:r="http://schemas.openxmlformats.org/officeDocument/2006/relationships" xmlns:p="http://schemas.openxmlformats.org/presentationml/2006/main">
+  <p:cSld>
+    <p:spTree>
+      <p:nvGrpSpPr>
+        <p:cNvPr id="1" name=""/>
+        <p:cNvGrpSpPr/>
+        <p:nvPr/>
+      </p:nvGrpSpPr>
+      <p:grpSpPr>
+        <a:xfrm>
+          <a:off x="0" y="0"/>
+          <a:ext cx="0" cy="0"/>
+          <a:chOff x="0" y="0"/>
+          <a:chExt cx="0" cy="0"/>
+        </a:xfrm>
+      </p:grpSpPr>
+      <p:sp>
+        <p:nvSpPr>
+          <p:cNvPr id="2" name="Title 1">
+            <a:extLst>
+              <a:ext uri="{FF2B5EF4-FFF2-40B4-BE49-F238E27FC236}">
+                <a16:creationId xmlns:a16="http://schemas.microsoft.com/office/drawing/2014/main" id="{025EBE40-5DE4-9E46-92CC-BBCB72F56BC7}"/>
+              </a:ext>
+            </a:extLst>
+          </p:cNvPr>
+          <p:cNvSpPr>
+            <a:spLocks noGrp="1"/>
+          </p:cNvSpPr>
+          <p:nvPr>
+            <p:ph type="title"/>
+          </p:nvPr>
+        </p:nvSpPr>
+        <p:spPr/>
+        <p:txBody>
+          <a:bodyPr/>
+          <a:lstStyle/>
+          <a:p>
+            <a:r>
+              <a:rPr lang="en-US" dirty="0"/>
+              <a:t>Bootstrapping</a:t>
+            </a:r>
+          </a:p>
+        </p:txBody>
+      </p:sp>
+      <mc:AlternateContent xmlns:mc="http://schemas.openxmlformats.org/markup-compatibility/2006">
+        <mc:Choice xmlns:a14="http://schemas.microsoft.com/office/drawing/2010/main" Requires="a14">
+          <p:sp>
+            <p:nvSpPr>
+              <p:cNvPr id="3" name="Content Placeholder 2">
+                <a:extLst>
+                  <a:ext uri="{FF2B5EF4-FFF2-40B4-BE49-F238E27FC236}">
+                    <a16:creationId xmlns:a16="http://schemas.microsoft.com/office/drawing/2014/main" id="{8AB16592-27B6-3D40-B2A6-BC5FE0D41D2D}"/>
+                  </a:ext>
+                </a:extLst>
+              </p:cNvPr>
+              <p:cNvSpPr>
+                <a:spLocks noGrp="1"/>
+              </p:cNvSpPr>
+              <p:nvPr>
+                <p:ph idx="1"/>
+              </p:nvPr>
+            </p:nvSpPr>
+            <p:spPr>
+              <a:xfrm>
+                <a:off x="457200" y="1371599"/>
+                <a:ext cx="8229600" cy="1066801"/>
+              </a:xfrm>
+            </p:spPr>
+            <p:txBody>
+              <a:bodyPr/>
+              <a:lstStyle/>
+              <a:p>
+                <a:r>
+                  <a:rPr lang="en-US" dirty="0"/>
+                  <a:t>Want to estimate confidence intervals for parameters</a:t>
+                </a:r>
+              </a:p>
+              <a:p>
+                <a:pPr lvl="1"/>
+                <a:r>
+                  <a:rPr lang="en-US" dirty="0"/>
+                  <a:t>Example: Find </a:t>
+                </a:r>
+                <a14:m>
+                  <m:oMath xmlns:m="http://schemas.openxmlformats.org/officeDocument/2006/math">
+                    <m:r>
+                      <a:rPr lang="en-US" b="0" i="1" smtClean="0">
+                        <a:latin typeface="Cambria Math" panose="02040503050406030204" pitchFamily="18" charset="0"/>
+                      </a:rPr>
+                      <m:t>𝑎</m:t>
+                    </m:r>
+                    <m:r>
+                      <a:rPr lang="en-US" b="0" i="1" smtClean="0">
+                        <a:latin typeface="Cambria Math" panose="02040503050406030204" pitchFamily="18" charset="0"/>
+                      </a:rPr>
+                      <m:t>,</m:t>
+                    </m:r>
+                    <m:r>
+                      <a:rPr lang="en-US" b="0" i="1" smtClean="0">
+                        <a:latin typeface="Cambria Math" panose="02040503050406030204" pitchFamily="18" charset="0"/>
+                      </a:rPr>
+                      <m:t>𝑏</m:t>
+                    </m:r>
+                  </m:oMath>
+                </a14:m>
+                <a:r>
+                  <a:rPr lang="en-US" dirty="0"/>
+                  <a:t> such that </a:t>
+                </a:r>
+                <a14:m>
+                  <m:oMath xmlns:m="http://schemas.openxmlformats.org/officeDocument/2006/math">
+                    <m:r>
+                      <a:rPr lang="en-US" b="0" i="1" smtClean="0">
+                        <a:latin typeface="Cambria Math" panose="02040503050406030204" pitchFamily="18" charset="0"/>
+                      </a:rPr>
+                      <m:t>𝑃</m:t>
+                    </m:r>
+                    <m:d>
+                      <m:dPr>
+                        <m:ctrlPr>
+                          <a:rPr lang="en-US" b="0" i="1" smtClean="0">
+                            <a:latin typeface="Cambria Math" panose="02040503050406030204" pitchFamily="18" charset="0"/>
+                          </a:rPr>
+                        </m:ctrlPr>
+                      </m:dPr>
+                      <m:e>
+                        <m:r>
+                          <a:rPr lang="en-US" b="0" i="1" smtClean="0">
+                            <a:latin typeface="Cambria Math" panose="02040503050406030204" pitchFamily="18" charset="0"/>
+                          </a:rPr>
+                          <m:t>𝑎</m:t>
+                        </m:r>
+                        <m:r>
+                          <a:rPr lang="en-US" b="0" i="1" smtClean="0">
+                            <a:latin typeface="Cambria Math" panose="02040503050406030204" pitchFamily="18" charset="0"/>
+                          </a:rPr>
+                          <m:t>≤</m:t>
+                        </m:r>
+                        <m:r>
+                          <a:rPr lang="en-US" b="0" i="1" smtClean="0">
+                            <a:latin typeface="Cambria Math" panose="02040503050406030204" pitchFamily="18" charset="0"/>
+                          </a:rPr>
+                          <m:t>𝜃</m:t>
+                        </m:r>
+                        <m:r>
+                          <a:rPr lang="en-US" b="0" i="1" smtClean="0">
+                            <a:latin typeface="Cambria Math" panose="02040503050406030204" pitchFamily="18" charset="0"/>
+                          </a:rPr>
+                          <m:t>≤</m:t>
+                        </m:r>
+                        <m:r>
+                          <a:rPr lang="en-US" b="0" i="1" smtClean="0">
+                            <a:latin typeface="Cambria Math" panose="02040503050406030204" pitchFamily="18" charset="0"/>
+                          </a:rPr>
+                          <m:t>𝑏</m:t>
+                        </m:r>
+                      </m:e>
+                    </m:d>
+                    <m:r>
+                      <a:rPr lang="en-US" b="0" i="1" smtClean="0">
+                        <a:latin typeface="Cambria Math" panose="02040503050406030204" pitchFamily="18" charset="0"/>
+                      </a:rPr>
+                      <m:t>=90%</m:t>
+                    </m:r>
+                  </m:oMath>
+                </a14:m>
+                <a:endParaRPr lang="en-US" dirty="0"/>
+              </a:p>
+              <a:p>
+                <a:r>
+                  <a:rPr lang="en-US" dirty="0"/>
+                  <a:t>Requires a distribution of parameter estimates</a:t>
+                </a:r>
+              </a:p>
+              <a:p>
+                <a:pPr lvl="1"/>
+                <a:r>
+                  <a:rPr lang="en-US" dirty="0"/>
+                  <a:t>More observations? Expensive.</a:t>
+                </a:r>
+              </a:p>
+              <a:p>
+                <a:pPr lvl="1"/>
+                <a:r>
+                  <a:rPr lang="en-US" dirty="0"/>
+                  <a:t>Cross validation? Small sample size.</a:t>
+                </a:r>
+              </a:p>
+              <a:p>
+                <a:r>
+                  <a:rPr lang="en-US" dirty="0"/>
+                  <a:t>Bootstrapping provides a way to generate synthetic data that are statistically similar to the original observations. </a:t>
+                </a:r>
+              </a:p>
+            </p:txBody>
+          </p:sp>
+        </mc:Choice>
+        <mc:Fallback>
+          <p:sp>
+            <p:nvSpPr>
+              <p:cNvPr id="3" name="Content Placeholder 2">
+                <a:extLst>
+                  <a:ext uri="{FF2B5EF4-FFF2-40B4-BE49-F238E27FC236}">
+                    <a16:creationId xmlns:a16="http://schemas.microsoft.com/office/drawing/2014/main" id="{8AB16592-27B6-3D40-B2A6-BC5FE0D41D2D}"/>
+                  </a:ext>
+                </a:extLst>
+              </p:cNvPr>
+              <p:cNvSpPr>
+                <a:spLocks noGrp="1" noRot="1" noChangeAspect="1" noMove="1" noResize="1" noEditPoints="1" noAdjustHandles="1" noChangeArrowheads="1" noChangeShapeType="1" noTextEdit="1"/>
+              </p:cNvSpPr>
+              <p:nvPr>
+                <p:ph idx="1"/>
+              </p:nvPr>
+            </p:nvSpPr>
+            <p:spPr>
+              <a:xfrm>
+                <a:off x="457200" y="1371599"/>
+                <a:ext cx="8229600" cy="1066801"/>
+              </a:xfrm>
+              <a:blipFill>
+                <a:blip r:embed="rId2"/>
+                <a:stretch>
+                  <a:fillRect l="-1389" t="-7143" r="-1389" b="-263095"/>
+                </a:stretch>
+              </a:blipFill>
+            </p:spPr>
+            <p:txBody>
+              <a:bodyPr/>
+              <a:lstStyle/>
+              <a:p>
+                <a:r>
+                  <a:rPr lang="en-US">
+                    <a:noFill/>
+                  </a:rPr>
+                  <a:t> </a:t>
+                </a:r>
+              </a:p>
+            </p:txBody>
+          </p:sp>
+        </mc:Fallback>
+      </mc:AlternateContent>
+      <p:sp>
+        <p:nvSpPr>
+          <p:cNvPr id="4" name="Slide Number Placeholder 3">
+            <a:extLst>
+              <a:ext uri="{FF2B5EF4-FFF2-40B4-BE49-F238E27FC236}">
+                <a16:creationId xmlns:a16="http://schemas.microsoft.com/office/drawing/2014/main" id="{E0606DCE-0185-7F4A-AB13-36E0FB74EB8D}"/>
+              </a:ext>
+            </a:extLst>
+          </p:cNvPr>
+          <p:cNvSpPr>
+            <a:spLocks noGrp="1"/>
+          </p:cNvSpPr>
+          <p:nvPr>
+            <p:ph type="sldNum" sz="quarter" idx="11"/>
+          </p:nvPr>
+        </p:nvSpPr>
+        <p:spPr/>
+        <p:txBody>
+          <a:bodyPr/>
+          <a:lstStyle/>
+          <a:p>
+            <a:pPr>
+              <a:defRPr/>
+            </a:pPr>
+            <a:fld id="{3EF4E9CC-9D91-476E-91FD-5BEEC1642931}" type="slidenum">
+              <a:rPr lang="en-US" altLang="x-none" smtClean="0"/>
+              <a:pPr>
+                <a:defRPr/>
+              </a:pPr>
+              <a:t>6</a:t>
+            </a:fld>
+            <a:endParaRPr lang="en-US" altLang="x-none"/>
+          </a:p>
+        </p:txBody>
+      </p:sp>
+    </p:spTree>
+    <p:extLst>
+      <p:ext uri="{BB962C8B-B14F-4D97-AF65-F5344CB8AC3E}">
+        <p14:creationId xmlns:p14="http://schemas.microsoft.com/office/powerpoint/2010/main" val="1814615613"/>
+      </p:ext>
+    </p:extLst>
+  </p:cSld>
+  <p:clrMapOvr>
+    <a:masterClrMapping/>
+  </p:clrMapOvr>
+</p:sld>
+</file>
+
+<file path=ppt/slides/slide7.xml><?xml version="1.0" encoding="utf-8"?>
+<p:sld xmlns:a="http://schemas.openxmlformats.org/drawingml/2006/main" xmlns:r="http://schemas.openxmlformats.org/officeDocument/2006/relationships" xmlns:p="http://schemas.openxmlformats.org/presentationml/2006/main">
+  <p:cSld>
+    <p:spTree>
+      <p:nvGrpSpPr>
+        <p:cNvPr id="1" name=""/>
+        <p:cNvGrpSpPr/>
+        <p:nvPr/>
+      </p:nvGrpSpPr>
+      <p:grpSpPr>
+        <a:xfrm>
+          <a:off x="0" y="0"/>
+          <a:ext cx="0" cy="0"/>
+          <a:chOff x="0" y="0"/>
+          <a:chExt cx="0" cy="0"/>
+        </a:xfrm>
+      </p:grpSpPr>
+      <p:sp>
+        <p:nvSpPr>
+          <p:cNvPr id="2" name="Title 1"/>
+          <p:cNvSpPr>
+            <a:spLocks noGrp="1"/>
+          </p:cNvSpPr>
+          <p:nvPr>
+            <p:ph type="title"/>
+          </p:nvPr>
+        </p:nvSpPr>
+        <p:spPr/>
+        <p:txBody>
+          <a:bodyPr/>
+          <a:lstStyle/>
+          <a:p>
+            <a:r>
+              <a:rPr lang="en-US" dirty="0"/>
+              <a:t>Principle of Bootstrapping</a:t>
+            </a:r>
+          </a:p>
+        </p:txBody>
+      </p:sp>
+      <p:sp>
+        <p:nvSpPr>
+          <p:cNvPr id="9" name="Content Placeholder 8">
+            <a:extLst>
+              <a:ext uri="{FF2B5EF4-FFF2-40B4-BE49-F238E27FC236}">
+                <a16:creationId xmlns:a16="http://schemas.microsoft.com/office/drawing/2014/main" id="{95B16B1F-6047-124A-B3D7-AFAD44B87593}"/>
+              </a:ext>
+            </a:extLst>
+          </p:cNvPr>
+          <p:cNvSpPr>
+            <a:spLocks noGrp="1"/>
+          </p:cNvSpPr>
+          <p:nvPr>
+            <p:ph idx="1"/>
+          </p:nvPr>
+        </p:nvSpPr>
+        <p:spPr>
+          <a:xfrm>
+            <a:off x="457200" y="1066800"/>
+            <a:ext cx="8229600" cy="990601"/>
+          </a:xfrm>
+        </p:spPr>
+        <p:txBody>
+          <a:bodyPr/>
+          <a:lstStyle/>
+          <a:p>
+            <a:r>
+              <a:rPr lang="en-US" dirty="0"/>
+              <a:t>Use the residuals from a good model to generate synthetic observations.</a:t>
+            </a:r>
+          </a:p>
+        </p:txBody>
+      </p:sp>
+      <p:pic>
+        <p:nvPicPr>
+          <p:cNvPr id="1026" name="Picture 2" descr="Linear regression"/>
+          <p:cNvPicPr>
+            <a:picLocks noChangeAspect="1" noChangeArrowheads="1"/>
+          </p:cNvPicPr>
+          <p:nvPr/>
+        </p:nvPicPr>
+        <p:blipFill>
+          <a:blip r:embed="rId2">
+            <a:extLst>
+              <a:ext uri="{28A0092B-C50C-407E-A947-70E740481C1C}">
+                <a14:useLocalDpi xmlns:a14="http://schemas.microsoft.com/office/drawing/2010/main" val="0"/>
+              </a:ext>
+            </a:extLst>
+          </a:blip>
+          <a:srcRect/>
+          <a:stretch>
+            <a:fillRect/>
+          </a:stretch>
+        </p:blipFill>
+        <p:spPr bwMode="auto">
+          <a:xfrm>
+            <a:off x="4651000" y="2618020"/>
+            <a:ext cx="3360728" cy="2639780"/>
+          </a:xfrm>
+          <a:prstGeom prst="rect">
+            <a:avLst/>
+          </a:prstGeom>
+          <a:noFill/>
+          <a:extLst>
+            <a:ext uri="{909E8E84-426E-40DD-AFC4-6F175D3DCCD1}">
+              <a14:hiddenFill xmlns:a14="http://schemas.microsoft.com/office/drawing/2010/main">
+                <a:solidFill>
+                  <a:srgbClr val="FFFFFF"/>
+                </a:solidFill>
+              </a14:hiddenFill>
+            </a:ext>
+          </a:extLst>
+        </p:spPr>
+      </p:pic>
+      <p:sp>
+        <p:nvSpPr>
+          <p:cNvPr id="5" name="TextBox 4"/>
+          <p:cNvSpPr txBox="1"/>
+          <p:nvPr/>
+        </p:nvSpPr>
+        <p:spPr>
+          <a:xfrm>
+            <a:off x="1593756" y="2209800"/>
+            <a:ext cx="1454244" cy="415498"/>
+          </a:xfrm>
+          <a:prstGeom prst="rect">
+            <a:avLst/>
+          </a:prstGeom>
+          <a:noFill/>
+        </p:spPr>
+        <p:txBody>
+          <a:bodyPr wrap="none" rtlCol="0">
+            <a:spAutoFit/>
+          </a:bodyPr>
+          <a:lstStyle/>
+          <a:p>
+            <a:r>
+              <a:rPr lang="en-US" sz="2100" dirty="0">
+                <a:solidFill>
+                  <a:srgbClr val="FF0000"/>
+                </a:solidFill>
+              </a:rPr>
+              <a:t>The Model</a:t>
+            </a:r>
+          </a:p>
+        </p:txBody>
+      </p:sp>
+      <p:sp>
+        <p:nvSpPr>
+          <p:cNvPr id="7" name="TextBox 6"/>
+          <p:cNvSpPr txBox="1"/>
+          <p:nvPr/>
+        </p:nvSpPr>
+        <p:spPr>
+          <a:xfrm>
+            <a:off x="5996045" y="2133600"/>
+            <a:ext cx="1023037" cy="415498"/>
+          </a:xfrm>
+          <a:prstGeom prst="rect">
+            <a:avLst/>
+          </a:prstGeom>
+          <a:noFill/>
+        </p:spPr>
+        <p:txBody>
+          <a:bodyPr wrap="none" rtlCol="0">
+            <a:spAutoFit/>
+          </a:bodyPr>
+          <a:lstStyle/>
+          <a:p>
+            <a:r>
+              <a:rPr lang="en-US" sz="2100" dirty="0">
+                <a:solidFill>
+                  <a:srgbClr val="FF0000"/>
+                </a:solidFill>
+              </a:rPr>
+              <a:t>The Fit</a:t>
+            </a:r>
+          </a:p>
+        </p:txBody>
+      </p:sp>
+      <p:cxnSp>
+        <p:nvCxnSpPr>
+          <p:cNvPr id="12" name="Straight Arrow Connector 11"/>
+          <p:cNvCxnSpPr/>
+          <p:nvPr/>
+        </p:nvCxnSpPr>
+        <p:spPr>
+          <a:xfrm flipV="1">
+            <a:off x="1981200" y="3276600"/>
+            <a:ext cx="0" cy="546498"/>
+          </a:xfrm>
+          <a:prstGeom prst="straightConnector1">
+            <a:avLst/>
+          </a:prstGeom>
+          <a:ln>
+            <a:tailEnd type="triangle"/>
+          </a:ln>
+        </p:spPr>
+        <p:style>
+          <a:lnRef idx="3">
+            <a:schemeClr val="accent1"/>
+          </a:lnRef>
+          <a:fillRef idx="0">
+            <a:schemeClr val="accent1"/>
+          </a:fillRef>
+          <a:effectRef idx="2">
+            <a:schemeClr val="accent1"/>
+          </a:effectRef>
+          <a:fontRef idx="minor">
+            <a:schemeClr val="tx1"/>
+          </a:fontRef>
+        </p:style>
+      </p:cxnSp>
+      <p:cxnSp>
+        <p:nvCxnSpPr>
+          <p:cNvPr id="14" name="Straight Arrow Connector 13"/>
+          <p:cNvCxnSpPr/>
+          <p:nvPr/>
+        </p:nvCxnSpPr>
+        <p:spPr>
+          <a:xfrm flipV="1">
+            <a:off x="2660278" y="3277942"/>
+            <a:ext cx="0" cy="546498"/>
+          </a:xfrm>
+          <a:prstGeom prst="straightConnector1">
+            <a:avLst/>
+          </a:prstGeom>
+          <a:ln>
+            <a:tailEnd type="triangle"/>
+          </a:ln>
+        </p:spPr>
+        <p:style>
+          <a:lnRef idx="3">
+            <a:schemeClr val="accent1"/>
+          </a:lnRef>
+          <a:fillRef idx="0">
+            <a:schemeClr val="accent1"/>
+          </a:fillRef>
+          <a:effectRef idx="2">
+            <a:schemeClr val="accent1"/>
+          </a:effectRef>
+          <a:fontRef idx="minor">
+            <a:schemeClr val="tx1"/>
+          </a:fontRef>
+        </p:style>
+      </p:cxnSp>
+      <p:sp>
+        <p:nvSpPr>
+          <p:cNvPr id="13" name="TextBox 12"/>
+          <p:cNvSpPr txBox="1"/>
+          <p:nvPr/>
+        </p:nvSpPr>
+        <p:spPr>
+          <a:xfrm>
+            <a:off x="1791669" y="3886200"/>
+            <a:ext cx="1180131" cy="323165"/>
+          </a:xfrm>
+          <a:prstGeom prst="rect">
+            <a:avLst/>
+          </a:prstGeom>
+          <a:noFill/>
+        </p:spPr>
+        <p:txBody>
+          <a:bodyPr wrap="none" rtlCol="0">
+            <a:spAutoFit/>
+          </a:bodyPr>
+          <a:lstStyle/>
+          <a:p>
+            <a:r>
+              <a:rPr lang="en-US" sz="1500" dirty="0">
+                <a:solidFill>
+                  <a:srgbClr val="0070C0"/>
+                </a:solidFill>
+              </a:rPr>
+              <a:t>Parameters</a:t>
+            </a:r>
+          </a:p>
+        </p:txBody>
+      </p:sp>
+      <mc:AlternateContent xmlns:mc="http://schemas.openxmlformats.org/markup-compatibility/2006">
+        <mc:Choice xmlns:a14="http://schemas.microsoft.com/office/drawing/2010/main" Requires="a14">
+          <p:sp>
+            <p:nvSpPr>
+              <p:cNvPr id="11" name="TextBox 10">
+                <a:extLst>
+                  <a:ext uri="{FF2B5EF4-FFF2-40B4-BE49-F238E27FC236}">
+                    <a16:creationId xmlns:a16="http://schemas.microsoft.com/office/drawing/2014/main" id="{588848E1-02EB-204B-9DF0-25CB059469C8}"/>
+                  </a:ext>
+                </a:extLst>
+              </p:cNvPr>
+              <p:cNvSpPr txBox="1"/>
+              <p:nvPr/>
+            </p:nvSpPr>
+            <p:spPr>
+              <a:xfrm>
+                <a:off x="6399682" y="4903113"/>
+                <a:ext cx="305918" cy="430887"/>
+              </a:xfrm>
+              <a:prstGeom prst="rect">
+                <a:avLst/>
+              </a:prstGeom>
+              <a:solidFill>
+                <a:schemeClr val="bg1"/>
+              </a:solidFill>
+            </p:spPr>
+            <p:txBody>
+              <a:bodyPr wrap="none" lIns="0" tIns="0" rIns="0" bIns="0" rtlCol="0">
+                <a:spAutoFit/>
+              </a:bodyPr>
+              <a:lstStyle/>
+              <a:p>
+                <a14:m>
+                  <m:oMathPara xmlns:m="http://schemas.openxmlformats.org/officeDocument/2006/math">
+                    <m:oMathParaPr>
+                      <m:jc m:val="centerGroup"/>
+                    </m:oMathParaPr>
+                    <m:oMath xmlns:m="http://schemas.openxmlformats.org/officeDocument/2006/math">
+                      <m:r>
+                        <a:rPr lang="en-US" sz="2800" b="0" i="1" smtClean="0">
+                          <a:latin typeface="Cambria Math" panose="02040503050406030204" pitchFamily="18" charset="0"/>
+                        </a:rPr>
+                        <m:t>𝑥</m:t>
+                      </m:r>
+                    </m:oMath>
+                  </m:oMathPara>
+                </a14:m>
+                <a:endParaRPr lang="en-US" sz="2800" dirty="0"/>
+              </a:p>
+            </p:txBody>
+          </p:sp>
+        </mc:Choice>
+        <mc:Fallback>
+          <p:sp>
+            <p:nvSpPr>
+              <p:cNvPr id="11" name="TextBox 10">
+                <a:extLst>
+                  <a:ext uri="{FF2B5EF4-FFF2-40B4-BE49-F238E27FC236}">
+                    <a16:creationId xmlns:a16="http://schemas.microsoft.com/office/drawing/2014/main" id="{588848E1-02EB-204B-9DF0-25CB059469C8}"/>
+                  </a:ext>
+                </a:extLst>
+              </p:cNvPr>
+              <p:cNvSpPr txBox="1">
+                <a:spLocks noRot="1" noChangeAspect="1" noMove="1" noResize="1" noEditPoints="1" noAdjustHandles="1" noChangeArrowheads="1" noChangeShapeType="1" noTextEdit="1"/>
+              </p:cNvSpPr>
+              <p:nvPr/>
+            </p:nvSpPr>
+            <p:spPr>
+              <a:xfrm>
+                <a:off x="6399682" y="4903113"/>
+                <a:ext cx="305918" cy="430887"/>
+              </a:xfrm>
+              <a:prstGeom prst="rect">
+                <a:avLst/>
+              </a:prstGeom>
+              <a:blipFill>
+                <a:blip r:embed="rId3"/>
+                <a:stretch>
+                  <a:fillRect l="-12500" r="-4167"/>
+                </a:stretch>
+              </a:blipFill>
+            </p:spPr>
+            <p:txBody>
+              <a:bodyPr/>
+              <a:lstStyle/>
+              <a:p>
+                <a:r>
+                  <a:rPr lang="en-US">
+                    <a:noFill/>
+                  </a:rPr>
+                  <a:t> </a:t>
+                </a:r>
+              </a:p>
+            </p:txBody>
+          </p:sp>
+        </mc:Fallback>
+      </mc:AlternateContent>
+      <mc:AlternateContent xmlns:mc="http://schemas.openxmlformats.org/markup-compatibility/2006">
+        <mc:Choice xmlns:a14="http://schemas.microsoft.com/office/drawing/2010/main" Requires="a14">
+          <p:sp>
+            <p:nvSpPr>
+              <p:cNvPr id="17" name="TextBox 16">
+                <a:extLst>
+                  <a:ext uri="{FF2B5EF4-FFF2-40B4-BE49-F238E27FC236}">
+                    <a16:creationId xmlns:a16="http://schemas.microsoft.com/office/drawing/2014/main" id="{CE1FDAD8-1823-B341-A562-B0118DC79D9F}"/>
+                  </a:ext>
+                </a:extLst>
+              </p:cNvPr>
+              <p:cNvSpPr txBox="1"/>
+              <p:nvPr/>
+            </p:nvSpPr>
+            <p:spPr>
+              <a:xfrm>
+                <a:off x="4724400" y="3531513"/>
+                <a:ext cx="305918" cy="430887"/>
+              </a:xfrm>
+              <a:prstGeom prst="rect">
+                <a:avLst/>
+              </a:prstGeom>
+              <a:solidFill>
+                <a:schemeClr val="bg1"/>
+              </a:solidFill>
+            </p:spPr>
+            <p:txBody>
+              <a:bodyPr wrap="none" lIns="0" tIns="0" rIns="0" bIns="0" rtlCol="0">
+                <a:spAutoFit/>
+              </a:bodyPr>
+              <a:lstStyle/>
+              <a:p>
+                <a14:m>
+                  <m:oMathPara xmlns:m="http://schemas.openxmlformats.org/officeDocument/2006/math">
+                    <m:oMathParaPr>
+                      <m:jc m:val="centerGroup"/>
+                    </m:oMathParaPr>
+                    <m:oMath xmlns:m="http://schemas.openxmlformats.org/officeDocument/2006/math">
+                      <m:r>
+                        <a:rPr lang="en-US" sz="2800" b="0" i="1" smtClean="0">
+                          <a:latin typeface="Cambria Math" panose="02040503050406030204" pitchFamily="18" charset="0"/>
+                        </a:rPr>
+                        <m:t>𝑦</m:t>
+                      </m:r>
+                    </m:oMath>
+                  </m:oMathPara>
+                </a14:m>
+                <a:endParaRPr lang="en-US" sz="2800" dirty="0"/>
+              </a:p>
+            </p:txBody>
+          </p:sp>
+        </mc:Choice>
+        <mc:Fallback>
+          <p:sp>
+            <p:nvSpPr>
+              <p:cNvPr id="17" name="TextBox 16">
+                <a:extLst>
+                  <a:ext uri="{FF2B5EF4-FFF2-40B4-BE49-F238E27FC236}">
+                    <a16:creationId xmlns:a16="http://schemas.microsoft.com/office/drawing/2014/main" id="{CE1FDAD8-1823-B341-A562-B0118DC79D9F}"/>
+                  </a:ext>
+                </a:extLst>
+              </p:cNvPr>
+              <p:cNvSpPr txBox="1">
+                <a:spLocks noRot="1" noChangeAspect="1" noMove="1" noResize="1" noEditPoints="1" noAdjustHandles="1" noChangeArrowheads="1" noChangeShapeType="1" noTextEdit="1"/>
+              </p:cNvSpPr>
+              <p:nvPr/>
+            </p:nvSpPr>
+            <p:spPr>
+              <a:xfrm>
+                <a:off x="4724400" y="3531513"/>
+                <a:ext cx="305918" cy="430887"/>
+              </a:xfrm>
+              <a:prstGeom prst="rect">
+                <a:avLst/>
+              </a:prstGeom>
+              <a:blipFill>
+                <a:blip r:embed="rId4"/>
+                <a:stretch>
+                  <a:fillRect l="-25000" r="-20833" b="-22857"/>
+                </a:stretch>
+              </a:blipFill>
+            </p:spPr>
+            <p:txBody>
+              <a:bodyPr/>
+              <a:lstStyle/>
+              <a:p>
+                <a:r>
+                  <a:rPr lang="en-US">
+                    <a:noFill/>
+                  </a:rPr>
+                  <a:t> </a:t>
+                </a:r>
+              </a:p>
+            </p:txBody>
+          </p:sp>
+        </mc:Fallback>
+      </mc:AlternateContent>
+      <mc:AlternateContent xmlns:mc="http://schemas.openxmlformats.org/markup-compatibility/2006">
+        <mc:Choice xmlns:a14="http://schemas.microsoft.com/office/drawing/2010/main" Requires="a14">
+          <p:sp>
+            <p:nvSpPr>
+              <p:cNvPr id="16" name="TextBox 15">
+                <a:extLst>
+                  <a:ext uri="{FF2B5EF4-FFF2-40B4-BE49-F238E27FC236}">
+                    <a16:creationId xmlns:a16="http://schemas.microsoft.com/office/drawing/2014/main" id="{1DB6A617-6952-8F4C-9850-FC33FF50874C}"/>
+                  </a:ext>
+                </a:extLst>
+              </p:cNvPr>
+              <p:cNvSpPr txBox="1"/>
+              <p:nvPr/>
+            </p:nvSpPr>
+            <p:spPr>
+              <a:xfrm>
+                <a:off x="990600" y="2767174"/>
+                <a:ext cx="3026534" cy="430887"/>
+              </a:xfrm>
+              <a:prstGeom prst="rect">
+                <a:avLst/>
+              </a:prstGeom>
+              <a:noFill/>
+            </p:spPr>
+            <p:txBody>
+              <a:bodyPr wrap="none" lIns="0" tIns="0" rIns="0" bIns="0" rtlCol="0">
+                <a:spAutoFit/>
+              </a:bodyPr>
+              <a:lstStyle/>
+              <a:p>
+                <a14:m>
+                  <m:oMathPara xmlns:m="http://schemas.openxmlformats.org/officeDocument/2006/math">
+                    <m:oMathParaPr>
+                      <m:jc m:val="centerGroup"/>
+                    </m:oMathParaPr>
+                    <m:oMath xmlns:m="http://schemas.openxmlformats.org/officeDocument/2006/math">
+                      <m:sSub>
+                        <m:sSubPr>
+                          <m:ctrlPr>
+                            <a:rPr lang="en-US" sz="2800" b="0" i="1" smtClean="0">
+                              <a:latin typeface="Cambria Math" panose="02040503050406030204" pitchFamily="18" charset="0"/>
+                            </a:rPr>
+                          </m:ctrlPr>
+                        </m:sSubPr>
+                        <m:e>
+                          <m:r>
+                            <a:rPr lang="en-US" sz="2800" b="0" i="1" smtClean="0">
+                              <a:latin typeface="Cambria Math" panose="02040503050406030204" pitchFamily="18" charset="0"/>
+                            </a:rPr>
+                            <m:t>𝑦</m:t>
+                          </m:r>
+                        </m:e>
+                        <m:sub>
+                          <m:r>
+                            <a:rPr lang="en-US" sz="2800" b="0" i="1" smtClean="0">
+                              <a:latin typeface="Cambria Math" panose="02040503050406030204" pitchFamily="18" charset="0"/>
+                            </a:rPr>
+                            <m:t>𝑖</m:t>
+                          </m:r>
+                        </m:sub>
+                      </m:sSub>
+                      <m:r>
+                        <a:rPr lang="en-US" sz="2800" b="0" i="1" smtClean="0">
+                          <a:latin typeface="Cambria Math" panose="02040503050406030204" pitchFamily="18" charset="0"/>
+                        </a:rPr>
+                        <m:t>=</m:t>
+                      </m:r>
+                      <m:sSub>
+                        <m:sSubPr>
+                          <m:ctrlPr>
+                            <a:rPr lang="en-US" sz="2800" b="0" i="1" smtClean="0">
+                              <a:latin typeface="Cambria Math" panose="02040503050406030204" pitchFamily="18" charset="0"/>
+                            </a:rPr>
+                          </m:ctrlPr>
+                        </m:sSubPr>
+                        <m:e>
+                          <m:r>
+                            <a:rPr lang="en-US" sz="2800" b="0" i="1" smtClean="0">
+                              <a:latin typeface="Cambria Math" panose="02040503050406030204" pitchFamily="18" charset="0"/>
+                            </a:rPr>
+                            <m:t>𝛽</m:t>
+                          </m:r>
+                        </m:e>
+                        <m:sub>
+                          <m:r>
+                            <a:rPr lang="en-US" sz="2800" b="0" i="1" smtClean="0">
+                              <a:latin typeface="Cambria Math" panose="02040503050406030204" pitchFamily="18" charset="0"/>
+                            </a:rPr>
+                            <m:t>0</m:t>
+                          </m:r>
+                        </m:sub>
+                      </m:sSub>
+                      <m:r>
+                        <a:rPr lang="en-US" sz="2800" b="0" i="1" smtClean="0">
+                          <a:latin typeface="Cambria Math" panose="02040503050406030204" pitchFamily="18" charset="0"/>
+                        </a:rPr>
+                        <m:t>+</m:t>
+                      </m:r>
+                      <m:sSub>
+                        <m:sSubPr>
+                          <m:ctrlPr>
+                            <a:rPr lang="en-US" sz="2800" b="0" i="1" smtClean="0">
+                              <a:latin typeface="Cambria Math" panose="02040503050406030204" pitchFamily="18" charset="0"/>
+                            </a:rPr>
+                          </m:ctrlPr>
+                        </m:sSubPr>
+                        <m:e>
+                          <m:r>
+                            <a:rPr lang="en-US" sz="2800" b="0" i="1" smtClean="0">
+                              <a:latin typeface="Cambria Math" panose="02040503050406030204" pitchFamily="18" charset="0"/>
+                            </a:rPr>
+                            <m:t>𝛽</m:t>
+                          </m:r>
+                        </m:e>
+                        <m:sub>
+                          <m:r>
+                            <a:rPr lang="en-US" sz="2800" b="0" i="1" smtClean="0">
+                              <a:latin typeface="Cambria Math" panose="02040503050406030204" pitchFamily="18" charset="0"/>
+                            </a:rPr>
+                            <m:t>1</m:t>
+                          </m:r>
+                        </m:sub>
+                      </m:sSub>
+                      <m:sSub>
+                        <m:sSubPr>
+                          <m:ctrlPr>
+                            <a:rPr lang="en-US" sz="2800" b="0" i="1" smtClean="0">
+                              <a:latin typeface="Cambria Math" panose="02040503050406030204" pitchFamily="18" charset="0"/>
+                            </a:rPr>
+                          </m:ctrlPr>
+                        </m:sSubPr>
+                        <m:e>
+                          <m:r>
+                            <a:rPr lang="en-US" sz="2800" b="0" i="1" smtClean="0">
+                              <a:latin typeface="Cambria Math" panose="02040503050406030204" pitchFamily="18" charset="0"/>
+                            </a:rPr>
+                            <m:t>𝑥</m:t>
+                          </m:r>
+                        </m:e>
+                        <m:sub>
+                          <m:r>
+                            <a:rPr lang="en-US" sz="2800" b="0" i="1" smtClean="0">
+                              <a:latin typeface="Cambria Math" panose="02040503050406030204" pitchFamily="18" charset="0"/>
+                            </a:rPr>
+                            <m:t>𝑖</m:t>
+                          </m:r>
+                        </m:sub>
+                      </m:sSub>
+                      <m:r>
+                        <a:rPr lang="en-US" sz="2800" b="0" i="1" smtClean="0">
+                          <a:latin typeface="Cambria Math" panose="02040503050406030204" pitchFamily="18" charset="0"/>
+                        </a:rPr>
+                        <m:t>+</m:t>
+                      </m:r>
+                      <m:sSub>
+                        <m:sSubPr>
+                          <m:ctrlPr>
+                            <a:rPr lang="en-US" sz="2800" b="0" i="1" smtClean="0">
+                              <a:latin typeface="Cambria Math" panose="02040503050406030204" pitchFamily="18" charset="0"/>
+                            </a:rPr>
+                          </m:ctrlPr>
+                        </m:sSubPr>
+                        <m:e>
+                          <m:r>
+                            <a:rPr lang="en-US" sz="2800" b="0" i="1" smtClean="0">
+                              <a:latin typeface="Cambria Math" panose="02040503050406030204" pitchFamily="18" charset="0"/>
+                            </a:rPr>
+                            <m:t>𝜖</m:t>
+                          </m:r>
+                        </m:e>
+                        <m:sub>
+                          <m:r>
+                            <a:rPr lang="en-US" sz="2800" b="0" i="1" smtClean="0">
+                              <a:latin typeface="Cambria Math" panose="02040503050406030204" pitchFamily="18" charset="0"/>
+                            </a:rPr>
+                            <m:t>𝑖</m:t>
+                          </m:r>
+                        </m:sub>
+                      </m:sSub>
+                    </m:oMath>
+                  </m:oMathPara>
+                </a14:m>
+                <a:endParaRPr lang="en-US" sz="2800" dirty="0"/>
+              </a:p>
+            </p:txBody>
+          </p:sp>
+        </mc:Choice>
+        <mc:Fallback>
+          <p:sp>
+            <p:nvSpPr>
+              <p:cNvPr id="16" name="TextBox 15">
+                <a:extLst>
+                  <a:ext uri="{FF2B5EF4-FFF2-40B4-BE49-F238E27FC236}">
+                    <a16:creationId xmlns:a16="http://schemas.microsoft.com/office/drawing/2014/main" id="{1DB6A617-6952-8F4C-9850-FC33FF50874C}"/>
+                  </a:ext>
+                </a:extLst>
+              </p:cNvPr>
+              <p:cNvSpPr txBox="1">
+                <a:spLocks noRot="1" noChangeAspect="1" noMove="1" noResize="1" noEditPoints="1" noAdjustHandles="1" noChangeArrowheads="1" noChangeShapeType="1" noTextEdit="1"/>
+              </p:cNvSpPr>
+              <p:nvPr/>
+            </p:nvSpPr>
+            <p:spPr>
+              <a:xfrm>
+                <a:off x="990600" y="2767174"/>
+                <a:ext cx="3026534" cy="430887"/>
+              </a:xfrm>
+              <a:prstGeom prst="rect">
+                <a:avLst/>
+              </a:prstGeom>
+              <a:blipFill>
+                <a:blip r:embed="rId5"/>
+                <a:stretch>
+                  <a:fillRect l="-1674" b="-34286"/>
+                </a:stretch>
+              </a:blipFill>
+            </p:spPr>
+            <p:txBody>
+              <a:bodyPr/>
+              <a:lstStyle/>
+              <a:p>
+                <a:r>
+                  <a:rPr lang="en-US">
+                    <a:noFill/>
+                  </a:rPr>
+                  <a:t> </a:t>
+                </a:r>
+              </a:p>
+            </p:txBody>
+          </p:sp>
+        </mc:Fallback>
+      </mc:AlternateContent>
+      <p:sp>
+        <p:nvSpPr>
+          <p:cNvPr id="18" name="TextBox 17">
+            <a:extLst>
+              <a:ext uri="{FF2B5EF4-FFF2-40B4-BE49-F238E27FC236}">
+                <a16:creationId xmlns:a16="http://schemas.microsoft.com/office/drawing/2014/main" id="{07360BE5-1D8B-F747-A56E-251A32A9CCA3}"/>
+              </a:ext>
+            </a:extLst>
+          </p:cNvPr>
+          <p:cNvSpPr txBox="1"/>
+          <p:nvPr/>
+        </p:nvSpPr>
+        <p:spPr>
+          <a:xfrm>
+            <a:off x="2266942" y="4409531"/>
+            <a:ext cx="2326278" cy="369332"/>
+          </a:xfrm>
+          <a:prstGeom prst="rect">
+            <a:avLst/>
+          </a:prstGeom>
+          <a:noFill/>
+        </p:spPr>
+        <p:txBody>
+          <a:bodyPr wrap="none" rtlCol="0">
+            <a:spAutoFit/>
+          </a:bodyPr>
+          <a:lstStyle/>
+          <a:p>
+            <a:r>
+              <a:rPr lang="en-US" dirty="0" err="1"/>
+              <a:t>i.i.d</a:t>
+            </a:r>
+            <a:r>
+              <a:rPr lang="en-US" dirty="0"/>
+              <a:t>. random variable</a:t>
+            </a:r>
+          </a:p>
+        </p:txBody>
+      </p:sp>
+      <p:cxnSp>
+        <p:nvCxnSpPr>
+          <p:cNvPr id="20" name="Elbow Connector 19">
+            <a:extLst>
+              <a:ext uri="{FF2B5EF4-FFF2-40B4-BE49-F238E27FC236}">
+                <a16:creationId xmlns:a16="http://schemas.microsoft.com/office/drawing/2014/main" id="{716705E3-19E9-8841-AEA7-D54483758ABE}"/>
+              </a:ext>
+            </a:extLst>
+          </p:cNvPr>
+          <p:cNvCxnSpPr>
+            <a:stCxn id="18" idx="0"/>
+          </p:cNvCxnSpPr>
+          <p:nvPr/>
+        </p:nvCxnSpPr>
+        <p:spPr>
+          <a:xfrm rot="5400000" flipH="1" flipV="1">
+            <a:off x="3045185" y="3644717"/>
+            <a:ext cx="1149710" cy="379919"/>
+          </a:xfrm>
+          <a:prstGeom prst="bentConnector3">
+            <a:avLst/>
+          </a:prstGeom>
+          <a:ln>
+            <a:tailEnd type="triangle"/>
+          </a:ln>
+        </p:spPr>
+        <p:style>
+          <a:lnRef idx="2">
+            <a:schemeClr val="accent1"/>
+          </a:lnRef>
+          <a:fillRef idx="0">
+            <a:schemeClr val="accent1"/>
+          </a:fillRef>
+          <a:effectRef idx="1">
+            <a:schemeClr val="accent1"/>
+          </a:effectRef>
+          <a:fontRef idx="minor">
+            <a:schemeClr val="tx1"/>
+          </a:fontRef>
+        </p:style>
+      </p:cxnSp>
+      <p:grpSp>
+        <p:nvGrpSpPr>
+          <p:cNvPr id="28" name="Group 27">
+            <a:extLst>
+              <a:ext uri="{FF2B5EF4-FFF2-40B4-BE49-F238E27FC236}">
+                <a16:creationId xmlns:a16="http://schemas.microsoft.com/office/drawing/2014/main" id="{E80BB341-285C-3544-A367-B3C77849412D}"/>
+              </a:ext>
+            </a:extLst>
+          </p:cNvPr>
+          <p:cNvGrpSpPr/>
+          <p:nvPr/>
+        </p:nvGrpSpPr>
+        <p:grpSpPr>
+          <a:xfrm>
+            <a:off x="1297841" y="5456742"/>
+            <a:ext cx="6482318" cy="1172658"/>
+            <a:chOff x="1297841" y="5456742"/>
+            <a:chExt cx="6482318" cy="1172658"/>
+          </a:xfrm>
+        </p:grpSpPr>
+        <p:sp>
+          <p:nvSpPr>
+            <p:cNvPr id="15" name="TextBox 14">
+              <a:extLst>
+                <a:ext uri="{FF2B5EF4-FFF2-40B4-BE49-F238E27FC236}">
+                  <a16:creationId xmlns:a16="http://schemas.microsoft.com/office/drawing/2014/main" id="{6A826568-1EB4-B447-BC71-FC6A7C789856}"/>
+                </a:ext>
+              </a:extLst>
+            </p:cNvPr>
+            <p:cNvSpPr txBox="1"/>
+            <p:nvPr/>
+          </p:nvSpPr>
+          <p:spPr>
+            <a:xfrm>
+              <a:off x="1297841" y="5456742"/>
+              <a:ext cx="1290738" cy="738664"/>
+            </a:xfrm>
+            <a:prstGeom prst="rect">
+              <a:avLst/>
+            </a:prstGeom>
+            <a:noFill/>
+          </p:spPr>
+          <p:txBody>
+            <a:bodyPr wrap="none" rtlCol="0">
+              <a:spAutoFit/>
+            </a:bodyPr>
+            <a:lstStyle/>
+            <a:p>
+              <a:r>
+                <a:rPr lang="en-US" sz="2100" dirty="0">
+                  <a:solidFill>
+                    <a:srgbClr val="FF0000"/>
+                  </a:solidFill>
+                </a:rPr>
+                <a:t>Synthetic</a:t>
+              </a:r>
+            </a:p>
+            <a:p>
+              <a:r>
+                <a:rPr lang="en-US" sz="2100" dirty="0">
+                  <a:solidFill>
+                    <a:srgbClr val="FF0000"/>
+                  </a:solidFill>
+                </a:rPr>
+                <a:t>Data</a:t>
+              </a:r>
+            </a:p>
+          </p:txBody>
+        </p:sp>
+        <mc:AlternateContent xmlns:mc="http://schemas.openxmlformats.org/markup-compatibility/2006">
+          <mc:Choice xmlns:a14="http://schemas.microsoft.com/office/drawing/2010/main" Requires="a14">
+            <p:sp>
+              <p:nvSpPr>
+                <p:cNvPr id="10" name="TextBox 9">
+                  <a:extLst>
+                    <a:ext uri="{FF2B5EF4-FFF2-40B4-BE49-F238E27FC236}">
+                      <a16:creationId xmlns:a16="http://schemas.microsoft.com/office/drawing/2014/main" id="{8C1CFF8A-9316-934D-AABF-233E0A6FDD55}"/>
+                    </a:ext>
+                  </a:extLst>
+                </p:cNvPr>
+                <p:cNvSpPr txBox="1"/>
+                <p:nvPr/>
+              </p:nvSpPr>
+              <p:spPr>
+                <a:xfrm>
+                  <a:off x="2895600" y="5525991"/>
+                  <a:ext cx="3282181" cy="903837"/>
+                </a:xfrm>
+                <a:prstGeom prst="rect">
+                  <a:avLst/>
+                </a:prstGeom>
+                <a:noFill/>
+              </p:spPr>
+              <p:txBody>
+                <a:bodyPr wrap="none" lIns="0" tIns="0" rIns="0" bIns="0" rtlCol="0">
+                  <a:spAutoFit/>
+                </a:bodyPr>
+                <a:lstStyle/>
+                <a:p>
+                  <a14:m>
+                    <m:oMathPara xmlns:m="http://schemas.openxmlformats.org/officeDocument/2006/math">
+                      <m:oMathParaPr>
+                        <m:jc m:val="centerGroup"/>
+                      </m:oMathParaPr>
+                      <m:oMath xmlns:m="http://schemas.openxmlformats.org/officeDocument/2006/math">
+                        <m:acc>
+                          <m:accPr>
+                            <m:chr m:val="̃"/>
+                            <m:ctrlPr>
+                              <a:rPr lang="en-US" sz="2800" b="0" i="1" smtClean="0">
+                                <a:latin typeface="Cambria Math" panose="02040503050406030204" pitchFamily="18" charset="0"/>
+                              </a:rPr>
+                            </m:ctrlPr>
+                          </m:accPr>
+                          <m:e>
+                            <m:sSub>
+                              <m:sSubPr>
+                                <m:ctrlPr>
+                                  <a:rPr lang="en-US" sz="2800" b="0" i="1" smtClean="0">
+                                    <a:latin typeface="Cambria Math" panose="02040503050406030204" pitchFamily="18" charset="0"/>
+                                  </a:rPr>
+                                </m:ctrlPr>
+                              </m:sSubPr>
+                              <m:e>
+                                <m:r>
+                                  <a:rPr lang="en-US" sz="2800" b="0" i="1" smtClean="0">
+                                    <a:latin typeface="Cambria Math" panose="02040503050406030204" pitchFamily="18" charset="0"/>
+                                  </a:rPr>
+                                  <m:t>𝑦</m:t>
+                                </m:r>
+                              </m:e>
+                              <m:sub>
+                                <m:r>
+                                  <a:rPr lang="en-US" sz="2800" b="0" i="1" smtClean="0">
+                                    <a:latin typeface="Cambria Math" panose="02040503050406030204" pitchFamily="18" charset="0"/>
+                                  </a:rPr>
+                                  <m:t>𝑖</m:t>
+                                </m:r>
+                              </m:sub>
+                            </m:sSub>
+                          </m:e>
+                        </m:acc>
+                        <m:r>
+                          <a:rPr lang="en-US" sz="2800" b="0" i="1" smtClean="0">
+                            <a:latin typeface="Cambria Math" panose="02040503050406030204" pitchFamily="18" charset="0"/>
+                          </a:rPr>
+                          <m:t>=</m:t>
+                        </m:r>
+                        <m:sSub>
+                          <m:sSubPr>
+                            <m:ctrlPr>
+                              <a:rPr lang="en-US" sz="2800" b="0" i="1" smtClean="0">
+                                <a:latin typeface="Cambria Math" panose="02040503050406030204" pitchFamily="18" charset="0"/>
+                              </a:rPr>
+                            </m:ctrlPr>
+                          </m:sSubPr>
+                          <m:e>
+                            <m:r>
+                              <a:rPr lang="en-US" sz="2800" b="0" i="1" smtClean="0">
+                                <a:latin typeface="Cambria Math" panose="02040503050406030204" pitchFamily="18" charset="0"/>
+                              </a:rPr>
+                              <m:t>𝑏</m:t>
+                            </m:r>
+                          </m:e>
+                          <m:sub>
+                            <m:r>
+                              <a:rPr lang="en-US" sz="2800" b="0" i="1" smtClean="0">
+                                <a:latin typeface="Cambria Math" panose="02040503050406030204" pitchFamily="18" charset="0"/>
+                              </a:rPr>
+                              <m:t>0</m:t>
+                            </m:r>
+                          </m:sub>
+                        </m:sSub>
+                        <m:r>
+                          <a:rPr lang="en-US" sz="2800" b="0" i="1" smtClean="0">
+                            <a:latin typeface="Cambria Math" panose="02040503050406030204" pitchFamily="18" charset="0"/>
+                          </a:rPr>
+                          <m:t>+</m:t>
+                        </m:r>
+                        <m:sSub>
+                          <m:sSubPr>
+                            <m:ctrlPr>
+                              <a:rPr lang="en-US" sz="2800" b="0" i="1" smtClean="0">
+                                <a:latin typeface="Cambria Math" panose="02040503050406030204" pitchFamily="18" charset="0"/>
+                              </a:rPr>
+                            </m:ctrlPr>
+                          </m:sSubPr>
+                          <m:e>
+                            <m:r>
+                              <a:rPr lang="en-US" sz="2800" b="0" i="1" smtClean="0">
+                                <a:latin typeface="Cambria Math" panose="02040503050406030204" pitchFamily="18" charset="0"/>
+                              </a:rPr>
+                              <m:t>𝑏</m:t>
+                            </m:r>
+                          </m:e>
+                          <m:sub>
+                            <m:r>
+                              <a:rPr lang="en-US" sz="2800" b="0" i="1" smtClean="0">
+                                <a:latin typeface="Cambria Math" panose="02040503050406030204" pitchFamily="18" charset="0"/>
+                              </a:rPr>
+                              <m:t>1</m:t>
+                            </m:r>
+                          </m:sub>
+                        </m:sSub>
+                        <m:sSub>
+                          <m:sSubPr>
+                            <m:ctrlPr>
+                              <a:rPr lang="en-US" sz="2800" b="0" i="1" smtClean="0">
+                                <a:latin typeface="Cambria Math" panose="02040503050406030204" pitchFamily="18" charset="0"/>
+                              </a:rPr>
+                            </m:ctrlPr>
+                          </m:sSubPr>
+                          <m:e>
+                            <m:r>
+                              <a:rPr lang="en-US" sz="2800" b="0" i="1" smtClean="0">
+                                <a:latin typeface="Cambria Math" panose="02040503050406030204" pitchFamily="18" charset="0"/>
+                              </a:rPr>
+                              <m:t>𝑥</m:t>
+                            </m:r>
+                          </m:e>
+                          <m:sub>
+                            <m:r>
+                              <a:rPr lang="en-US" sz="2800" b="0" i="1" smtClean="0">
+                                <a:latin typeface="Cambria Math" panose="02040503050406030204" pitchFamily="18" charset="0"/>
+                              </a:rPr>
+                              <m:t>𝑖</m:t>
+                            </m:r>
+                          </m:sub>
+                        </m:sSub>
+                        <m:r>
+                          <a:rPr lang="en-US" sz="2800" b="0" i="1" smtClean="0">
+                            <a:latin typeface="Cambria Math" panose="02040503050406030204" pitchFamily="18" charset="0"/>
+                          </a:rPr>
+                          <m:t>+</m:t>
+                        </m:r>
+                        <m:sSub>
+                          <m:sSubPr>
+                            <m:ctrlPr>
+                              <a:rPr lang="en-US" sz="2800" b="0" i="1" smtClean="0">
+                                <a:latin typeface="Cambria Math" panose="02040503050406030204" pitchFamily="18" charset="0"/>
+                              </a:rPr>
+                            </m:ctrlPr>
+                          </m:sSubPr>
+                          <m:e>
+                            <m:r>
+                              <a:rPr lang="en-US" sz="2800" b="0" i="1" smtClean="0">
+                                <a:latin typeface="Cambria Math" panose="02040503050406030204" pitchFamily="18" charset="0"/>
+                              </a:rPr>
+                              <m:t>𝑒</m:t>
+                            </m:r>
+                          </m:e>
+                          <m:sub>
+                            <m:sSub>
+                              <m:sSubPr>
+                                <m:ctrlPr>
+                                  <a:rPr lang="en-US" sz="2800" b="0" i="1" smtClean="0">
+                                    <a:latin typeface="Cambria Math" panose="02040503050406030204" pitchFamily="18" charset="0"/>
+                                  </a:rPr>
+                                </m:ctrlPr>
+                              </m:sSubPr>
+                              <m:e>
+                                <m:r>
+                                  <a:rPr lang="en-US" sz="2800" b="0" i="1" smtClean="0">
+                                    <a:latin typeface="Cambria Math" panose="02040503050406030204" pitchFamily="18" charset="0"/>
+                                  </a:rPr>
+                                  <m:t>𝑟</m:t>
+                                </m:r>
+                              </m:e>
+                              <m:sub>
+                                <m:r>
+                                  <a:rPr lang="en-US" sz="2800" b="0" i="1" smtClean="0">
+                                    <a:latin typeface="Cambria Math" panose="02040503050406030204" pitchFamily="18" charset="0"/>
+                                  </a:rPr>
+                                  <m:t>𝑖</m:t>
+                                </m:r>
+                              </m:sub>
+                            </m:sSub>
+                          </m:sub>
+                        </m:sSub>
+                      </m:oMath>
+                    </m:oMathPara>
+                  </a14:m>
+                  <a:endParaRPr lang="en-US" sz="2800" b="0" dirty="0"/>
+                </a:p>
+                <a:p>
+                  <a:endParaRPr lang="en-US" sz="2800" dirty="0"/>
+                </a:p>
+              </p:txBody>
+            </p:sp>
+          </mc:Choice>
+          <mc:Fallback>
+            <p:sp>
+              <p:nvSpPr>
+                <p:cNvPr id="10" name="TextBox 9">
+                  <a:extLst>
+                    <a:ext uri="{FF2B5EF4-FFF2-40B4-BE49-F238E27FC236}">
+                      <a16:creationId xmlns:a16="http://schemas.microsoft.com/office/drawing/2014/main" id="{8C1CFF8A-9316-934D-AABF-233E0A6FDD55}"/>
+                    </a:ext>
+                  </a:extLst>
+                </p:cNvPr>
+                <p:cNvSpPr txBox="1">
+                  <a:spLocks noRot="1" noChangeAspect="1" noMove="1" noResize="1" noEditPoints="1" noAdjustHandles="1" noChangeArrowheads="1" noChangeShapeType="1" noTextEdit="1"/>
+                </p:cNvSpPr>
+                <p:nvPr/>
+              </p:nvSpPr>
+              <p:spPr>
+                <a:xfrm>
+                  <a:off x="2895600" y="5525991"/>
+                  <a:ext cx="3282181" cy="903837"/>
+                </a:xfrm>
+                <a:prstGeom prst="rect">
+                  <a:avLst/>
+                </a:prstGeom>
+                <a:blipFill>
+                  <a:blip r:embed="rId6"/>
+                  <a:stretch>
+                    <a:fillRect t="-2778"/>
+                  </a:stretch>
+                </a:blipFill>
+              </p:spPr>
+              <p:txBody>
+                <a:bodyPr/>
+                <a:lstStyle/>
+                <a:p>
+                  <a:r>
+                    <a:rPr lang="en-US">
+                      <a:noFill/>
+                    </a:rPr>
+                    <a:t> </a:t>
+                  </a:r>
+                </a:p>
+              </p:txBody>
+            </p:sp>
+          </mc:Fallback>
+        </mc:AlternateContent>
+        <p:sp>
+          <p:nvSpPr>
+            <p:cNvPr id="23" name="TextBox 22">
+              <a:extLst>
+                <a:ext uri="{FF2B5EF4-FFF2-40B4-BE49-F238E27FC236}">
+                  <a16:creationId xmlns:a16="http://schemas.microsoft.com/office/drawing/2014/main" id="{229FD2D3-DADC-9946-BB20-4ABB494C577B}"/>
+                </a:ext>
+              </a:extLst>
+            </p:cNvPr>
+            <p:cNvSpPr txBox="1"/>
+            <p:nvPr/>
+          </p:nvSpPr>
+          <p:spPr>
+            <a:xfrm>
+              <a:off x="4876800" y="6107668"/>
+              <a:ext cx="2903359" cy="369332"/>
+            </a:xfrm>
+            <a:prstGeom prst="rect">
+              <a:avLst/>
+            </a:prstGeom>
+            <a:noFill/>
+          </p:spPr>
+          <p:txBody>
+            <a:bodyPr wrap="none" rtlCol="0">
+              <a:spAutoFit/>
+            </a:bodyPr>
+            <a:lstStyle/>
+            <a:p>
+              <a:r>
+                <a:rPr lang="en-US" dirty="0"/>
+                <a:t>Randomly chosen residual</a:t>
+              </a:r>
+            </a:p>
+          </p:txBody>
+        </p:sp>
+        <p:sp>
+          <p:nvSpPr>
+            <p:cNvPr id="27" name="TextBox 26">
+              <a:extLst>
+                <a:ext uri="{FF2B5EF4-FFF2-40B4-BE49-F238E27FC236}">
+                  <a16:creationId xmlns:a16="http://schemas.microsoft.com/office/drawing/2014/main" id="{E843EAC4-3F85-744D-880D-2BC99A80D176}"/>
+                </a:ext>
+              </a:extLst>
+            </p:cNvPr>
+            <p:cNvSpPr txBox="1"/>
+            <p:nvPr/>
+          </p:nvSpPr>
+          <p:spPr>
+            <a:xfrm rot="16200000" flipH="1">
+              <a:off x="4103626" y="5469536"/>
+              <a:ext cx="527709" cy="1323439"/>
+            </a:xfrm>
+            <a:prstGeom prst="rect">
+              <a:avLst/>
+            </a:prstGeom>
+            <a:noFill/>
+          </p:spPr>
+          <p:txBody>
+            <a:bodyPr wrap="none" rtlCol="0">
+              <a:spAutoFit/>
+            </a:bodyPr>
+            <a:lstStyle/>
+            <a:p>
+              <a:r>
+                <a:rPr lang="en-US" sz="8000" dirty="0"/>
+                <a:t>{</a:t>
+              </a:r>
+            </a:p>
+          </p:txBody>
+        </p:sp>
+        <p:sp>
+          <p:nvSpPr>
+            <p:cNvPr id="29" name="TextBox 28">
+              <a:extLst>
+                <a:ext uri="{FF2B5EF4-FFF2-40B4-BE49-F238E27FC236}">
+                  <a16:creationId xmlns:a16="http://schemas.microsoft.com/office/drawing/2014/main" id="{EFD4155D-F3E1-FC44-BC1F-2AF9DDBE1851}"/>
+                </a:ext>
+              </a:extLst>
+            </p:cNvPr>
+            <p:cNvSpPr txBox="1"/>
+            <p:nvPr/>
+          </p:nvSpPr>
+          <p:spPr>
+            <a:xfrm>
+              <a:off x="3127603" y="6260068"/>
+              <a:ext cx="1749197" cy="369332"/>
+            </a:xfrm>
+            <a:prstGeom prst="rect">
+              <a:avLst/>
+            </a:prstGeom>
+            <a:noFill/>
+          </p:spPr>
+          <p:txBody>
+            <a:bodyPr wrap="none" rtlCol="0">
+              <a:spAutoFit/>
+            </a:bodyPr>
+            <a:lstStyle/>
+            <a:p>
+              <a:r>
+                <a:rPr lang="en-US" dirty="0"/>
+                <a:t>Model estimate</a:t>
+              </a:r>
+            </a:p>
+          </p:txBody>
+        </p:sp>
+        <p:sp>
+          <p:nvSpPr>
+            <p:cNvPr id="31" name="TextBox 30">
+              <a:extLst>
+                <a:ext uri="{FF2B5EF4-FFF2-40B4-BE49-F238E27FC236}">
+                  <a16:creationId xmlns:a16="http://schemas.microsoft.com/office/drawing/2014/main" id="{5B159770-C773-2E4C-BCA2-E38F5FC26A25}"/>
+                </a:ext>
+              </a:extLst>
+            </p:cNvPr>
+            <p:cNvSpPr txBox="1"/>
+            <p:nvPr/>
+          </p:nvSpPr>
+          <p:spPr>
+            <a:xfrm rot="16200000" flipH="1">
+              <a:off x="5531811" y="5669590"/>
+              <a:ext cx="373820" cy="769441"/>
+            </a:xfrm>
+            <a:prstGeom prst="rect">
+              <a:avLst/>
+            </a:prstGeom>
+            <a:noFill/>
+          </p:spPr>
+          <p:txBody>
+            <a:bodyPr wrap="none" rtlCol="0">
+              <a:spAutoFit/>
+            </a:bodyPr>
+            <a:lstStyle/>
+            <a:p>
+              <a:r>
+                <a:rPr lang="en-US" sz="4400" dirty="0"/>
+                <a:t>{</a:t>
+              </a:r>
+            </a:p>
+          </p:txBody>
+        </p:sp>
+      </p:grpSp>
+    </p:spTree>
+    <p:extLst>
+      <p:ext uri="{BB962C8B-B14F-4D97-AF65-F5344CB8AC3E}">
+        <p14:creationId xmlns:p14="http://schemas.microsoft.com/office/powerpoint/2010/main" val="3799183637"/>
+      </p:ext>
+    </p:extLst>
+  </p:cSld>
+  <p:clrMapOvr>
+    <a:masterClrMapping/>
+  </p:clrMapOvr>
+  <p:timing>
+    <p:tnLst>
+      <p:par>
+        <p:cTn id="1" dur="indefinite" restart="never" nodeType="tmRoot">
+          <p:childTnLst>
+            <p:seq concurrent="1" nextAc="seek">
+              <p:cTn id="2" dur="indefinite" nodeType="mainSeq">
+                <p:childTnLst>
+                  <p:par>
+                    <p:cTn id="3" fill="hold">
+                      <p:stCondLst>
+                        <p:cond delay="indefinite"/>
+                      </p:stCondLst>
+                      <p:childTnLst>
+                        <p:par>
+                          <p:cTn id="4" fill="hold">
+                            <p:stCondLst>
+                              <p:cond delay="0"/>
+                            </p:stCondLst>
+                            <p:childTnLst>
+                              <p:par>
+                                <p:cTn id="5" presetID="1" presetClass="entr" presetSubtype="0" fill="hold" nodeType="clickEffect">
+                                  <p:stCondLst>
+                                    <p:cond delay="0"/>
+                                  </p:stCondLst>
+                                  <p:childTnLst>
+                                    <p:set>
+                                      <p:cBhvr>
+                                        <p:cTn id="6" dur="1" fill="hold">
+                                          <p:stCondLst>
+                                            <p:cond delay="0"/>
+                                          </p:stCondLst>
+                                        </p:cTn>
+                                        <p:tgtEl>
+                                          <p:spTgt spid="28"/>
+                                        </p:tgtEl>
+                                        <p:attrNameLst>
+                                          <p:attrName>style.visibility</p:attrName>
+                                        </p:attrNameLst>
+                                      </p:cBhvr>
+                                      <p:to>
+                                        <p:strVal val="visible"/>
+                                      </p:to>
+                                    </p:set>
+                                  </p:childTnLst>
+                                </p:cTn>
+                              </p:par>
+                            </p:childTnLst>
+                          </p:cTn>
+                        </p:par>
+                      </p:childTnLst>
+                    </p:cTn>
+                  </p:par>
+                </p:childTnLst>
+              </p:cTn>
+              <p:prevCondLst>
+                <p:cond evt="onPrev" delay="0">
+                  <p:tgtEl>
+                    <p:sldTgt/>
+                  </p:tgtEl>
+                </p:cond>
+              </p:prevCondLst>
+              <p:nextCondLst>
+                <p:cond evt="onNext" delay="0">
+                  <p:tgtEl>
+                    <p:sldTgt/>
+                  </p:tgtEl>
+                </p:cond>
+              </p:nextCondLst>
+            </p:seq>
+          </p:childTnLst>
+        </p:cTn>
+      </p:par>
+    </p:tnLst>
+  </p:timing>
 </p:sld>
 </file>
 
@@ -8154,7 +10404,7 @@
           <p:cNvPr id="2" name="Title 1">
             <a:extLst>
               <a:ext uri="{FF2B5EF4-FFF2-40B4-BE49-F238E27FC236}">
-                <a16:creationId xmlns:a16="http://schemas.microsoft.com/office/drawing/2014/main" id="{59D8CD8E-D28D-BA48-91E1-D41F2631C049}"/>
+                <a16:creationId xmlns:a16="http://schemas.microsoft.com/office/drawing/2014/main" id="{88FB5A34-8545-CE4D-8882-DB3F0E594647}"/>
               </a:ext>
             </a:extLst>
           </p:cNvPr>
@@ -8172,42 +10422,17 @@
           <a:p>
             <a:r>
               <a:rPr lang="en-US" dirty="0"/>
-              <a:t>Exercise</a:t>
+              <a:t>Principles in Bootstrapping</a:t>
             </a:r>
           </a:p>
         </p:txBody>
       </p:sp>
       <p:sp>
         <p:nvSpPr>
-          <p:cNvPr id="4" name="Content Placeholder 3">
+          <p:cNvPr id="4" name="Slide Number Placeholder 3">
             <a:extLst>
               <a:ext uri="{FF2B5EF4-FFF2-40B4-BE49-F238E27FC236}">
-                <a16:creationId xmlns:a16="http://schemas.microsoft.com/office/drawing/2014/main" id="{5B44CA9C-E409-3C40-8632-4F324145E8F9}"/>
-              </a:ext>
-            </a:extLst>
-          </p:cNvPr>
-          <p:cNvSpPr>
-            <a:spLocks noGrp="1"/>
-          </p:cNvSpPr>
-          <p:nvPr>
-            <p:ph idx="1"/>
-          </p:nvPr>
-        </p:nvSpPr>
-        <p:spPr/>
-        <p:txBody>
-          <a:bodyPr/>
-          <a:lstStyle/>
-          <a:p>
-            <a:endParaRPr lang="en-US" dirty="0"/>
-          </a:p>
-        </p:txBody>
-      </p:sp>
-      <p:sp>
-        <p:nvSpPr>
-          <p:cNvPr id="3" name="Slide Number Placeholder 2">
-            <a:extLst>
-              <a:ext uri="{FF2B5EF4-FFF2-40B4-BE49-F238E27FC236}">
-                <a16:creationId xmlns:a16="http://schemas.microsoft.com/office/drawing/2014/main" id="{1F4F2996-EDB7-B54F-96E0-7945BA027B0A}"/>
+                <a16:creationId xmlns:a16="http://schemas.microsoft.com/office/drawing/2014/main" id="{22E7177B-3F80-CF4E-AFA4-C31665C576C6}"/>
               </a:ext>
             </a:extLst>
           </p:cNvPr>
@@ -8226,7 +10451,7 @@
             <a:pPr>
               <a:defRPr/>
             </a:pPr>
-            <a:fld id="{2E4304A7-0FB2-4094-BC1E-DB17183AD0C1}" type="slidenum">
+            <a:fld id="{3EF4E9CC-9D91-476E-91FD-5BEEC1642931}" type="slidenum">
               <a:rPr lang="en-US" altLang="x-none" smtClean="0"/>
               <a:pPr>
                 <a:defRPr/>
@@ -8237,10 +10462,512 @@
           </a:p>
         </p:txBody>
       </p:sp>
+      <p:sp>
+        <p:nvSpPr>
+          <p:cNvPr id="5" name="Rectangle 4">
+            <a:extLst>
+              <a:ext uri="{FF2B5EF4-FFF2-40B4-BE49-F238E27FC236}">
+                <a16:creationId xmlns:a16="http://schemas.microsoft.com/office/drawing/2014/main" id="{4F56A012-72C6-6141-B419-7616B388A308}"/>
+              </a:ext>
+            </a:extLst>
+          </p:cNvPr>
+          <p:cNvSpPr/>
+          <p:nvPr/>
+        </p:nvSpPr>
+        <p:spPr>
+          <a:xfrm>
+            <a:off x="685800" y="1600200"/>
+            <a:ext cx="2209800" cy="914400"/>
+          </a:xfrm>
+          <a:prstGeom prst="rect">
+            <a:avLst/>
+          </a:prstGeom>
+        </p:spPr>
+        <p:style>
+          <a:lnRef idx="1">
+            <a:schemeClr val="accent1"/>
+          </a:lnRef>
+          <a:fillRef idx="3">
+            <a:schemeClr val="accent1"/>
+          </a:fillRef>
+          <a:effectRef idx="2">
+            <a:schemeClr val="accent1"/>
+          </a:effectRef>
+          <a:fontRef idx="minor">
+            <a:schemeClr val="lt1"/>
+          </a:fontRef>
+        </p:style>
+        <p:txBody>
+          <a:bodyPr rtlCol="0" anchor="ctr"/>
+          <a:lstStyle/>
+          <a:p>
+            <a:pPr algn="ctr"/>
+            <a:r>
+              <a:rPr lang="en-US" sz="2000" dirty="0"/>
+              <a:t>Construct a good model.</a:t>
+            </a:r>
+          </a:p>
+        </p:txBody>
+      </p:sp>
+      <p:sp>
+        <p:nvSpPr>
+          <p:cNvPr id="6" name="Rectangle 5">
+            <a:extLst>
+              <a:ext uri="{FF2B5EF4-FFF2-40B4-BE49-F238E27FC236}">
+                <a16:creationId xmlns:a16="http://schemas.microsoft.com/office/drawing/2014/main" id="{9382ECE8-D114-9346-AEFC-C7493A75E582}"/>
+              </a:ext>
+            </a:extLst>
+          </p:cNvPr>
+          <p:cNvSpPr/>
+          <p:nvPr/>
+        </p:nvSpPr>
+        <p:spPr>
+          <a:xfrm>
+            <a:off x="685800" y="3052823"/>
+            <a:ext cx="2209800" cy="604777"/>
+          </a:xfrm>
+          <a:prstGeom prst="rect">
+            <a:avLst/>
+          </a:prstGeom>
+        </p:spPr>
+        <p:style>
+          <a:lnRef idx="1">
+            <a:schemeClr val="accent1"/>
+          </a:lnRef>
+          <a:fillRef idx="3">
+            <a:schemeClr val="accent1"/>
+          </a:fillRef>
+          <a:effectRef idx="2">
+            <a:schemeClr val="accent1"/>
+          </a:effectRef>
+          <a:fontRef idx="minor">
+            <a:schemeClr val="lt1"/>
+          </a:fontRef>
+        </p:style>
+        <p:txBody>
+          <a:bodyPr rtlCol="0" anchor="ctr"/>
+          <a:lstStyle/>
+          <a:p>
+            <a:pPr algn="ctr"/>
+            <a:r>
+              <a:rPr lang="en-US" sz="2000" dirty="0"/>
+              <a:t>Estimate residuals.</a:t>
+            </a:r>
+          </a:p>
+        </p:txBody>
+      </p:sp>
+      <p:sp>
+        <p:nvSpPr>
+          <p:cNvPr id="7" name="Rectangle 6">
+            <a:extLst>
+              <a:ext uri="{FF2B5EF4-FFF2-40B4-BE49-F238E27FC236}">
+                <a16:creationId xmlns:a16="http://schemas.microsoft.com/office/drawing/2014/main" id="{BB41815B-3245-7843-A54F-607574C6EBF4}"/>
+              </a:ext>
+            </a:extLst>
+          </p:cNvPr>
+          <p:cNvSpPr/>
+          <p:nvPr/>
+        </p:nvSpPr>
+        <p:spPr>
+          <a:xfrm>
+            <a:off x="3581399" y="1600200"/>
+            <a:ext cx="3632197" cy="1066800"/>
+          </a:xfrm>
+          <a:prstGeom prst="rect">
+            <a:avLst/>
+          </a:prstGeom>
+        </p:spPr>
+        <p:style>
+          <a:lnRef idx="1">
+            <a:schemeClr val="accent1"/>
+          </a:lnRef>
+          <a:fillRef idx="3">
+            <a:schemeClr val="accent1"/>
+          </a:fillRef>
+          <a:effectRef idx="2">
+            <a:schemeClr val="accent1"/>
+          </a:effectRef>
+          <a:fontRef idx="minor">
+            <a:schemeClr val="lt1"/>
+          </a:fontRef>
+        </p:style>
+        <p:txBody>
+          <a:bodyPr rtlCol="0" anchor="ctr"/>
+          <a:lstStyle/>
+          <a:p>
+            <a:pPr algn="ctr"/>
+            <a:r>
+              <a:rPr lang="en-US" sz="2000" dirty="0"/>
+              <a:t>Construct synthetic data from model estimates + randomly chosen residuals.</a:t>
+            </a:r>
+          </a:p>
+        </p:txBody>
+      </p:sp>
+      <p:sp>
+        <p:nvSpPr>
+          <p:cNvPr id="8" name="Rectangle 7">
+            <a:extLst>
+              <a:ext uri="{FF2B5EF4-FFF2-40B4-BE49-F238E27FC236}">
+                <a16:creationId xmlns:a16="http://schemas.microsoft.com/office/drawing/2014/main" id="{2FA223BB-254A-5248-ADC2-ED6FAF77957E}"/>
+              </a:ext>
+            </a:extLst>
+          </p:cNvPr>
+          <p:cNvSpPr/>
+          <p:nvPr/>
+        </p:nvSpPr>
+        <p:spPr>
+          <a:xfrm>
+            <a:off x="4764430" y="2862805"/>
+            <a:ext cx="2209800" cy="914400"/>
+          </a:xfrm>
+          <a:prstGeom prst="rect">
+            <a:avLst/>
+          </a:prstGeom>
+        </p:spPr>
+        <p:style>
+          <a:lnRef idx="1">
+            <a:schemeClr val="accent1"/>
+          </a:lnRef>
+          <a:fillRef idx="3">
+            <a:schemeClr val="accent1"/>
+          </a:fillRef>
+          <a:effectRef idx="2">
+            <a:schemeClr val="accent1"/>
+          </a:effectRef>
+          <a:fontRef idx="minor">
+            <a:schemeClr val="lt1"/>
+          </a:fontRef>
+        </p:style>
+        <p:txBody>
+          <a:bodyPr rtlCol="0" anchor="ctr"/>
+          <a:lstStyle/>
+          <a:p>
+            <a:pPr algn="ctr"/>
+            <a:r>
+              <a:rPr lang="en-US" sz="2000" dirty="0"/>
+              <a:t>Estimate parameters.</a:t>
+            </a:r>
+          </a:p>
+        </p:txBody>
+      </p:sp>
+      <p:sp>
+        <p:nvSpPr>
+          <p:cNvPr id="9" name="Rectangle 8">
+            <a:extLst>
+              <a:ext uri="{FF2B5EF4-FFF2-40B4-BE49-F238E27FC236}">
+                <a16:creationId xmlns:a16="http://schemas.microsoft.com/office/drawing/2014/main" id="{3977095F-798B-5548-94C2-1EC9F6CDF231}"/>
+              </a:ext>
+            </a:extLst>
+          </p:cNvPr>
+          <p:cNvSpPr/>
+          <p:nvPr/>
+        </p:nvSpPr>
+        <p:spPr>
+          <a:xfrm>
+            <a:off x="2413158" y="4724400"/>
+            <a:ext cx="2971800" cy="1220166"/>
+          </a:xfrm>
+          <a:prstGeom prst="rect">
+            <a:avLst/>
+          </a:prstGeom>
+        </p:spPr>
+        <p:style>
+          <a:lnRef idx="1">
+            <a:schemeClr val="accent1"/>
+          </a:lnRef>
+          <a:fillRef idx="3">
+            <a:schemeClr val="accent1"/>
+          </a:fillRef>
+          <a:effectRef idx="2">
+            <a:schemeClr val="accent1"/>
+          </a:effectRef>
+          <a:fontRef idx="minor">
+            <a:schemeClr val="lt1"/>
+          </a:fontRef>
+        </p:style>
+        <p:txBody>
+          <a:bodyPr rtlCol="0" anchor="ctr"/>
+          <a:lstStyle/>
+          <a:p>
+            <a:pPr algn="ctr"/>
+            <a:r>
+              <a:rPr lang="en-US" sz="2000" dirty="0"/>
+              <a:t>Construct confidence intervals from parameter estimates.</a:t>
+            </a:r>
+          </a:p>
+        </p:txBody>
+      </p:sp>
+      <p:cxnSp>
+        <p:nvCxnSpPr>
+          <p:cNvPr id="11" name="Elbow Connector 10">
+            <a:extLst>
+              <a:ext uri="{FF2B5EF4-FFF2-40B4-BE49-F238E27FC236}">
+                <a16:creationId xmlns:a16="http://schemas.microsoft.com/office/drawing/2014/main" id="{EA6F4A42-0498-2442-A9AA-F3EA1AB0EC49}"/>
+              </a:ext>
+            </a:extLst>
+          </p:cNvPr>
+          <p:cNvCxnSpPr>
+            <a:cxnSpLocks/>
+            <a:stCxn id="8" idx="3"/>
+            <a:endCxn id="7" idx="3"/>
+          </p:cNvCxnSpPr>
+          <p:nvPr/>
+        </p:nvCxnSpPr>
+        <p:spPr>
+          <a:xfrm flipV="1">
+            <a:off x="6974230" y="2133600"/>
+            <a:ext cx="239366" cy="1186405"/>
+          </a:xfrm>
+          <a:prstGeom prst="bentConnector3">
+            <a:avLst>
+              <a:gd name="adj1" fmla="val 195502"/>
+            </a:avLst>
+          </a:prstGeom>
+          <a:ln>
+            <a:tailEnd type="triangle"/>
+          </a:ln>
+        </p:spPr>
+        <p:style>
+          <a:lnRef idx="2">
+            <a:schemeClr val="accent1"/>
+          </a:lnRef>
+          <a:fillRef idx="0">
+            <a:schemeClr val="accent1"/>
+          </a:fillRef>
+          <a:effectRef idx="1">
+            <a:schemeClr val="accent1"/>
+          </a:effectRef>
+          <a:fontRef idx="minor">
+            <a:schemeClr val="tx1"/>
+          </a:fontRef>
+        </p:style>
+      </p:cxnSp>
+      <p:cxnSp>
+        <p:nvCxnSpPr>
+          <p:cNvPr id="13" name="Elbow Connector 12">
+            <a:extLst>
+              <a:ext uri="{FF2B5EF4-FFF2-40B4-BE49-F238E27FC236}">
+                <a16:creationId xmlns:a16="http://schemas.microsoft.com/office/drawing/2014/main" id="{8B4AF756-4A2E-1546-9FD9-2540F7FF97F8}"/>
+              </a:ext>
+            </a:extLst>
+          </p:cNvPr>
+          <p:cNvCxnSpPr>
+            <a:stCxn id="5" idx="2"/>
+            <a:endCxn id="6" idx="0"/>
+          </p:cNvCxnSpPr>
+          <p:nvPr/>
+        </p:nvCxnSpPr>
+        <p:spPr>
+          <a:xfrm rot="5400000">
+            <a:off x="1521589" y="2783711"/>
+            <a:ext cx="538223" cy="12700"/>
+          </a:xfrm>
+          <a:prstGeom prst="bentConnector3">
+            <a:avLst/>
+          </a:prstGeom>
+          <a:ln>
+            <a:tailEnd type="triangle"/>
+          </a:ln>
+        </p:spPr>
+        <p:style>
+          <a:lnRef idx="2">
+            <a:schemeClr val="accent1"/>
+          </a:lnRef>
+          <a:fillRef idx="0">
+            <a:schemeClr val="accent1"/>
+          </a:fillRef>
+          <a:effectRef idx="1">
+            <a:schemeClr val="accent1"/>
+          </a:effectRef>
+          <a:fontRef idx="minor">
+            <a:schemeClr val="tx1"/>
+          </a:fontRef>
+        </p:style>
+      </p:cxnSp>
+      <p:cxnSp>
+        <p:nvCxnSpPr>
+          <p:cNvPr id="15" name="Elbow Connector 14">
+            <a:extLst>
+              <a:ext uri="{FF2B5EF4-FFF2-40B4-BE49-F238E27FC236}">
+                <a16:creationId xmlns:a16="http://schemas.microsoft.com/office/drawing/2014/main" id="{E42C98F0-FFA7-1C4F-A701-6E2C2BC670D1}"/>
+              </a:ext>
+            </a:extLst>
+          </p:cNvPr>
+          <p:cNvCxnSpPr>
+            <a:cxnSpLocks/>
+            <a:stCxn id="6" idx="3"/>
+            <a:endCxn id="7" idx="1"/>
+          </p:cNvCxnSpPr>
+          <p:nvPr/>
+        </p:nvCxnSpPr>
+        <p:spPr>
+          <a:xfrm flipV="1">
+            <a:off x="2895600" y="2133600"/>
+            <a:ext cx="685799" cy="1221612"/>
+          </a:xfrm>
+          <a:prstGeom prst="bentConnector3">
+            <a:avLst/>
+          </a:prstGeom>
+          <a:ln>
+            <a:tailEnd type="triangle"/>
+          </a:ln>
+        </p:spPr>
+        <p:style>
+          <a:lnRef idx="2">
+            <a:schemeClr val="accent1"/>
+          </a:lnRef>
+          <a:fillRef idx="0">
+            <a:schemeClr val="accent1"/>
+          </a:fillRef>
+          <a:effectRef idx="1">
+            <a:schemeClr val="accent1"/>
+          </a:effectRef>
+          <a:fontRef idx="minor">
+            <a:schemeClr val="tx1"/>
+          </a:fontRef>
+        </p:style>
+      </p:cxnSp>
+      <p:cxnSp>
+        <p:nvCxnSpPr>
+          <p:cNvPr id="17" name="Elbow Connector 16">
+            <a:extLst>
+              <a:ext uri="{FF2B5EF4-FFF2-40B4-BE49-F238E27FC236}">
+                <a16:creationId xmlns:a16="http://schemas.microsoft.com/office/drawing/2014/main" id="{F958ECA3-EF81-D64F-ADCF-1B916CFCBEFA}"/>
+              </a:ext>
+            </a:extLst>
+          </p:cNvPr>
+          <p:cNvCxnSpPr>
+            <a:stCxn id="8" idx="2"/>
+            <a:endCxn id="9" idx="0"/>
+          </p:cNvCxnSpPr>
+          <p:nvPr/>
+        </p:nvCxnSpPr>
+        <p:spPr>
+          <a:xfrm rot="5400000">
+            <a:off x="4410597" y="3265666"/>
+            <a:ext cx="947195" cy="1970272"/>
+          </a:xfrm>
+          <a:prstGeom prst="bentConnector3">
+            <a:avLst/>
+          </a:prstGeom>
+          <a:ln>
+            <a:tailEnd type="triangle"/>
+          </a:ln>
+        </p:spPr>
+        <p:style>
+          <a:lnRef idx="2">
+            <a:schemeClr val="accent1"/>
+          </a:lnRef>
+          <a:fillRef idx="0">
+            <a:schemeClr val="accent1"/>
+          </a:fillRef>
+          <a:effectRef idx="1">
+            <a:schemeClr val="accent1"/>
+          </a:effectRef>
+          <a:fontRef idx="minor">
+            <a:schemeClr val="tx1"/>
+          </a:fontRef>
+        </p:style>
+      </p:cxnSp>
     </p:spTree>
     <p:extLst>
       <p:ext uri="{BB962C8B-B14F-4D97-AF65-F5344CB8AC3E}">
-        <p14:creationId xmlns:p14="http://schemas.microsoft.com/office/powerpoint/2010/main" val="2093438422"/>
+        <p14:creationId xmlns:p14="http://schemas.microsoft.com/office/powerpoint/2010/main" val="993932662"/>
+      </p:ext>
+    </p:extLst>
+  </p:cSld>
+  <p:clrMapOvr>
+    <a:masterClrMapping/>
+  </p:clrMapOvr>
+</p:sld>
+</file>
+
+<file path=ppt/slides/slide9.xml><?xml version="1.0" encoding="utf-8"?>
+<p:sld xmlns:a="http://schemas.openxmlformats.org/drawingml/2006/main" xmlns:r="http://schemas.openxmlformats.org/officeDocument/2006/relationships" xmlns:p="http://schemas.openxmlformats.org/presentationml/2006/main">
+  <p:cSld>
+    <p:spTree>
+      <p:nvGrpSpPr>
+        <p:cNvPr id="1" name=""/>
+        <p:cNvGrpSpPr/>
+        <p:nvPr/>
+      </p:nvGrpSpPr>
+      <p:grpSpPr>
+        <a:xfrm>
+          <a:off x="0" y="0"/>
+          <a:ext cx="0" cy="0"/>
+          <a:chOff x="0" y="0"/>
+          <a:chExt cx="0" cy="0"/>
+        </a:xfrm>
+      </p:grpSpPr>
+      <p:sp>
+        <p:nvSpPr>
+          <p:cNvPr id="4" name="Slide Number Placeholder 3">
+            <a:extLst>
+              <a:ext uri="{FF2B5EF4-FFF2-40B4-BE49-F238E27FC236}">
+                <a16:creationId xmlns:a16="http://schemas.microsoft.com/office/drawing/2014/main" id="{E0606DCE-0185-7F4A-AB13-36E0FB74EB8D}"/>
+              </a:ext>
+            </a:extLst>
+          </p:cNvPr>
+          <p:cNvSpPr>
+            <a:spLocks noGrp="1"/>
+          </p:cNvSpPr>
+          <p:nvPr>
+            <p:ph type="sldNum" sz="quarter" idx="11"/>
+          </p:nvPr>
+        </p:nvSpPr>
+        <p:spPr/>
+        <p:txBody>
+          <a:bodyPr/>
+          <a:lstStyle/>
+          <a:p>
+            <a:pPr>
+              <a:defRPr/>
+            </a:pPr>
+            <a:fld id="{3EF4E9CC-9D91-476E-91FD-5BEEC1642931}" type="slidenum">
+              <a:rPr lang="en-US" altLang="x-none" smtClean="0"/>
+              <a:pPr>
+                <a:defRPr/>
+              </a:pPr>
+              <a:t>9</a:t>
+            </a:fld>
+            <a:endParaRPr lang="en-US" altLang="x-none"/>
+          </a:p>
+        </p:txBody>
+      </p:sp>
+      <p:pic>
+        <p:nvPicPr>
+          <p:cNvPr id="5" name="Picture 4">
+            <a:extLst>
+              <a:ext uri="{FF2B5EF4-FFF2-40B4-BE49-F238E27FC236}">
+                <a16:creationId xmlns:a16="http://schemas.microsoft.com/office/drawing/2014/main" id="{86E1027E-7632-E949-83A8-4365F64F401C}"/>
+              </a:ext>
+            </a:extLst>
+          </p:cNvPr>
+          <p:cNvPicPr>
+            <a:picLocks noChangeAspect="1"/>
+          </p:cNvPicPr>
+          <p:nvPr/>
+        </p:nvPicPr>
+        <p:blipFill>
+          <a:blip r:embed="rId2"/>
+          <a:stretch>
+            <a:fillRect/>
+          </a:stretch>
+        </p:blipFill>
+        <p:spPr>
+          <a:xfrm>
+            <a:off x="533400" y="400050"/>
+            <a:ext cx="7848600" cy="5886450"/>
+          </a:xfrm>
+          <a:prstGeom prst="rect">
+            <a:avLst/>
+          </a:prstGeom>
+        </p:spPr>
+      </p:pic>
+    </p:spTree>
+    <p:extLst>
+      <p:ext uri="{BB962C8B-B14F-4D97-AF65-F5344CB8AC3E}">
+        <p14:creationId xmlns:p14="http://schemas.microsoft.com/office/powerpoint/2010/main" val="689813566"/>
       </p:ext>
     </p:extLst>
   </p:cSld>

--- a/lectures/lecture_11/Lecture_11_Parameter_Confidence_Intervals_With_Bootstrapping.pptx
+++ b/lectures/lecture_11/Lecture_11_Parameter_Confidence_Intervals_With_Bootstrapping.pptx
@@ -5,24 +5,26 @@
     <p:sldMasterId id="2147483648" r:id="rId1"/>
   </p:sldMasterIdLst>
   <p:notesMasterIdLst>
-    <p:notesMasterId r:id="rId14"/>
+    <p:notesMasterId r:id="rId16"/>
   </p:notesMasterIdLst>
   <p:handoutMasterIdLst>
-    <p:handoutMasterId r:id="rId15"/>
+    <p:handoutMasterId r:id="rId17"/>
   </p:handoutMasterIdLst>
   <p:sldIdLst>
     <p:sldId id="347" r:id="rId2"/>
     <p:sldId id="363" r:id="rId3"/>
     <p:sldId id="265" r:id="rId4"/>
-    <p:sldId id="384" r:id="rId5"/>
-    <p:sldId id="370" r:id="rId6"/>
-    <p:sldId id="385" r:id="rId7"/>
-    <p:sldId id="258" r:id="rId8"/>
-    <p:sldId id="387" r:id="rId9"/>
-    <p:sldId id="386" r:id="rId10"/>
-    <p:sldId id="367" r:id="rId11"/>
-    <p:sldId id="366" r:id="rId12"/>
-    <p:sldId id="382" r:id="rId13"/>
+    <p:sldId id="370" r:id="rId5"/>
+    <p:sldId id="385" r:id="rId6"/>
+    <p:sldId id="258" r:id="rId7"/>
+    <p:sldId id="387" r:id="rId8"/>
+    <p:sldId id="388" r:id="rId9"/>
+    <p:sldId id="389" r:id="rId10"/>
+    <p:sldId id="390" r:id="rId11"/>
+    <p:sldId id="382" r:id="rId12"/>
+    <p:sldId id="366" r:id="rId13"/>
+    <p:sldId id="367" r:id="rId14"/>
+    <p:sldId id="386" r:id="rId15"/>
   </p:sldIdLst>
   <p:sldSz cx="9144000" cy="6858000" type="screen4x3"/>
   <p:notesSz cx="6858000" cy="9144000"/>
@@ -159,19 +161,17 @@
             <p14:sldId id="347"/>
             <p14:sldId id="363"/>
             <p14:sldId id="265"/>
-            <p14:sldId id="384"/>
             <p14:sldId id="370"/>
             <p14:sldId id="385"/>
             <p14:sldId id="258"/>
             <p14:sldId id="387"/>
+            <p14:sldId id="388"/>
+            <p14:sldId id="389"/>
+            <p14:sldId id="390"/>
+            <p14:sldId id="382"/>
+            <p14:sldId id="366"/>
+            <p14:sldId id="367"/>
             <p14:sldId id="386"/>
-          </p14:sldIdLst>
-        </p14:section>
-        <p14:section name="Untitled Section" id="{87D83A5A-145B-724B-99A6-B357B0086BDE}">
-          <p14:sldIdLst>
-            <p14:sldId id="367"/>
-            <p14:sldId id="366"/>
-            <p14:sldId id="382"/>
           </p14:sldIdLst>
         </p14:section>
       </p14:sectionLst>
@@ -4887,8 +4887,8 @@
         </p:nvSpPr>
         <p:spPr bwMode="auto">
           <a:xfrm>
-            <a:off x="685800" y="533400"/>
-            <a:ext cx="8077200" cy="1470025"/>
+            <a:off x="228600" y="533400"/>
+            <a:ext cx="8534400" cy="1470025"/>
           </a:xfrm>
           <a:noFill/>
           <a:extLst>
@@ -4956,7 +4956,7 @@
               <a:rPr lang="en-US" altLang="en-US" sz="2800" b="1" u="sng" dirty="0">
                 <a:ea typeface="ＭＳ Ｐゴシック" panose="020B0600070205080204" pitchFamily="34" charset="-128"/>
               </a:rPr>
-              <a:t>Lecture 11: Parameter Confidence Intervals </a:t>
+              <a:t>Lecture 11: Estimating Parameter Confidence Intervals </a:t>
             </a:r>
             <a:br>
               <a:rPr lang="en-US" altLang="en-US" sz="2800" b="1" u="sng" dirty="0">
@@ -5088,6 +5088,2670 @@
 </file>
 
 <file path=ppt/slides/slide10.xml><?xml version="1.0" encoding="utf-8"?>
+<p:sld xmlns:a="http://schemas.openxmlformats.org/drawingml/2006/main" xmlns:r="http://schemas.openxmlformats.org/officeDocument/2006/relationships" xmlns:p="http://schemas.openxmlformats.org/presentationml/2006/main">
+  <p:cSld>
+    <p:spTree>
+      <p:nvGrpSpPr>
+        <p:cNvPr id="1" name=""/>
+        <p:cNvGrpSpPr/>
+        <p:nvPr/>
+      </p:nvGrpSpPr>
+      <p:grpSpPr>
+        <a:xfrm>
+          <a:off x="0" y="0"/>
+          <a:ext cx="0" cy="0"/>
+          <a:chOff x="0" y="0"/>
+          <a:chExt cx="0" cy="0"/>
+        </a:xfrm>
+      </p:grpSpPr>
+      <p:sp>
+        <p:nvSpPr>
+          <p:cNvPr id="2" name="Title 1">
+            <a:extLst>
+              <a:ext uri="{FF2B5EF4-FFF2-40B4-BE49-F238E27FC236}">
+                <a16:creationId xmlns:a16="http://schemas.microsoft.com/office/drawing/2014/main" id="{3F8F87E8-F973-3A48-A183-96F0506BF15A}"/>
+              </a:ext>
+            </a:extLst>
+          </p:cNvPr>
+          <p:cNvSpPr>
+            <a:spLocks noGrp="1"/>
+          </p:cNvSpPr>
+          <p:nvPr>
+            <p:ph type="title"/>
+          </p:nvPr>
+        </p:nvSpPr>
+        <p:spPr/>
+        <p:txBody>
+          <a:bodyPr/>
+          <a:lstStyle/>
+          <a:p>
+            <a:r>
+              <a:rPr lang="en-US" dirty="0"/>
+              <a:t>Confidence Interval Calculation</a:t>
+            </a:r>
+          </a:p>
+        </p:txBody>
+      </p:sp>
+      <p:sp>
+        <p:nvSpPr>
+          <p:cNvPr id="4" name="Slide Number Placeholder 3">
+            <a:extLst>
+              <a:ext uri="{FF2B5EF4-FFF2-40B4-BE49-F238E27FC236}">
+                <a16:creationId xmlns:a16="http://schemas.microsoft.com/office/drawing/2014/main" id="{4E24F237-06B6-594F-8319-F28AD02E23E2}"/>
+              </a:ext>
+            </a:extLst>
+          </p:cNvPr>
+          <p:cNvSpPr>
+            <a:spLocks noGrp="1"/>
+          </p:cNvSpPr>
+          <p:nvPr>
+            <p:ph type="sldNum" sz="quarter" idx="11"/>
+          </p:nvPr>
+        </p:nvSpPr>
+        <p:spPr/>
+        <p:txBody>
+          <a:bodyPr/>
+          <a:lstStyle/>
+          <a:p>
+            <a:pPr>
+              <a:defRPr/>
+            </a:pPr>
+            <a:fld id="{3EF4E9CC-9D91-476E-91FD-5BEEC1642931}" type="slidenum">
+              <a:rPr lang="en-US" altLang="x-none" smtClean="0"/>
+              <a:pPr>
+                <a:defRPr/>
+              </a:pPr>
+              <a:t>10</a:t>
+            </a:fld>
+            <a:endParaRPr lang="en-US" altLang="x-none"/>
+          </a:p>
+        </p:txBody>
+      </p:sp>
+      <mc:AlternateContent xmlns:mc="http://schemas.openxmlformats.org/markup-compatibility/2006">
+        <mc:Choice xmlns:a14="http://schemas.microsoft.com/office/drawing/2010/main" Requires="a14">
+          <p:sp>
+            <p:nvSpPr>
+              <p:cNvPr id="8" name="Content Placeholder 7">
+                <a:extLst>
+                  <a:ext uri="{FF2B5EF4-FFF2-40B4-BE49-F238E27FC236}">
+                    <a16:creationId xmlns:a16="http://schemas.microsoft.com/office/drawing/2014/main" id="{FCCDFD9B-68F9-A242-965E-0C9C5F7CA01E}"/>
+                  </a:ext>
+                </a:extLst>
+              </p:cNvPr>
+              <p:cNvSpPr>
+                <a:spLocks noGrp="1"/>
+              </p:cNvSpPr>
+              <p:nvPr>
+                <p:ph idx="1"/>
+              </p:nvPr>
+            </p:nvSpPr>
+            <p:spPr>
+              <a:xfrm>
+                <a:off x="457200" y="3276600"/>
+                <a:ext cx="8229600" cy="2590800"/>
+              </a:xfrm>
+            </p:spPr>
+            <p:txBody>
+              <a:bodyPr/>
+              <a:lstStyle/>
+              <a:p>
+                <a:pPr marL="457200" lvl="1" indent="0">
+                  <a:buNone/>
+                </a:pPr>
+                <a:r>
+                  <a:rPr lang="en-US" sz="2000" dirty="0"/>
+                  <a:t>Given: </a:t>
+                </a:r>
+                <a14:m>
+                  <m:oMath xmlns:m="http://schemas.openxmlformats.org/officeDocument/2006/math">
+                    <m:acc>
+                      <m:accPr>
+                        <m:chr m:val="̅"/>
+                        <m:ctrlPr>
+                          <a:rPr lang="en-US" sz="2000" i="1">
+                            <a:latin typeface="Cambria Math" panose="02040503050406030204" pitchFamily="18" charset="0"/>
+                          </a:rPr>
+                        </m:ctrlPr>
+                      </m:accPr>
+                      <m:e>
+                        <m:acc>
+                          <m:accPr>
+                            <m:chr m:val="̂"/>
+                            <m:ctrlPr>
+                              <a:rPr lang="en-US" sz="2000" i="1">
+                                <a:latin typeface="Cambria Math" panose="02040503050406030204" pitchFamily="18" charset="0"/>
+                              </a:rPr>
+                            </m:ctrlPr>
+                          </m:accPr>
+                          <m:e>
+                            <m:r>
+                              <a:rPr lang="en-US" sz="2000" i="1">
+                                <a:latin typeface="Cambria Math" panose="02040503050406030204" pitchFamily="18" charset="0"/>
+                              </a:rPr>
+                              <m:t>𝜃</m:t>
+                            </m:r>
+                          </m:e>
+                        </m:acc>
+                      </m:e>
+                    </m:acc>
+                    <m:r>
+                      <a:rPr lang="en-US" sz="2000" b="0" i="0" smtClean="0">
+                        <a:latin typeface="Cambria Math" panose="02040503050406030204" pitchFamily="18" charset="0"/>
+                      </a:rPr>
+                      <m:t>=0.15, </m:t>
+                    </m:r>
+                    <m:sSub>
+                      <m:sSubPr>
+                        <m:ctrlPr>
+                          <a:rPr lang="en-US" sz="2000" i="1">
+                            <a:latin typeface="Cambria Math" panose="02040503050406030204" pitchFamily="18" charset="0"/>
+                          </a:rPr>
+                        </m:ctrlPr>
+                      </m:sSubPr>
+                      <m:e>
+                        <m:r>
+                          <a:rPr lang="en-US" sz="2000" b="0" i="1" smtClean="0">
+                            <a:latin typeface="Cambria Math" panose="02040503050406030204" pitchFamily="18" charset="0"/>
+                          </a:rPr>
+                          <m:t>𝜎</m:t>
+                        </m:r>
+                      </m:e>
+                      <m:sub>
+                        <m:acc>
+                          <m:accPr>
+                            <m:chr m:val="̂"/>
+                            <m:ctrlPr>
+                              <a:rPr lang="en-US" sz="2000" i="1">
+                                <a:latin typeface="Cambria Math" panose="02040503050406030204" pitchFamily="18" charset="0"/>
+                              </a:rPr>
+                            </m:ctrlPr>
+                          </m:accPr>
+                          <m:e>
+                            <m:r>
+                              <a:rPr lang="en-US" sz="2000" i="1">
+                                <a:latin typeface="Cambria Math" panose="02040503050406030204" pitchFamily="18" charset="0"/>
+                              </a:rPr>
+                              <m:t>𝜃</m:t>
+                            </m:r>
+                          </m:e>
+                        </m:acc>
+                      </m:sub>
+                    </m:sSub>
+                  </m:oMath>
+                </a14:m>
+                <a:r>
+                  <a:rPr lang="en-US" sz="2000" dirty="0"/>
+                  <a:t>=0.03, </a:t>
+                </a:r>
+                <a:r>
+                  <a:rPr lang="en-US" sz="2000" i="1" dirty="0"/>
+                  <a:t>M</a:t>
+                </a:r>
+                <a:r>
+                  <a:rPr lang="en-US" sz="2000" dirty="0"/>
+                  <a:t>=9. Find 95% confidence interval for </a:t>
+                </a:r>
+                <a14:m>
+                  <m:oMath xmlns:m="http://schemas.openxmlformats.org/officeDocument/2006/math">
+                    <m:r>
+                      <a:rPr lang="en-US" sz="2000" b="0" i="1" smtClean="0">
+                        <a:latin typeface="Cambria Math" panose="02040503050406030204" pitchFamily="18" charset="0"/>
+                      </a:rPr>
+                      <m:t>𝜃</m:t>
+                    </m:r>
+                  </m:oMath>
+                </a14:m>
+                <a:r>
+                  <a:rPr lang="en-US" sz="2000" dirty="0"/>
+                  <a:t>.</a:t>
+                </a:r>
+              </a:p>
+              <a:p>
+                <a:pPr marL="914400" lvl="1" indent="-457200">
+                  <a:buFont typeface="+mj-lt"/>
+                  <a:buAutoNum type="arabicPeriod"/>
+                </a:pPr>
+                <a:r>
+                  <a:rPr lang="en-US" sz="2000" dirty="0"/>
+                  <a:t>The standard deviation of the mean is </a:t>
+                </a:r>
+                <a14:m>
+                  <m:oMath xmlns:m="http://schemas.openxmlformats.org/officeDocument/2006/math">
+                    <m:f>
+                      <m:fPr>
+                        <m:ctrlPr>
+                          <a:rPr lang="en-US" sz="2000" b="0" i="1" smtClean="0">
+                            <a:latin typeface="Cambria Math" panose="02040503050406030204" pitchFamily="18" charset="0"/>
+                          </a:rPr>
+                        </m:ctrlPr>
+                      </m:fPr>
+                      <m:num>
+                        <m:r>
+                          <a:rPr lang="en-US" sz="2000" b="0" i="1" smtClean="0">
+                            <a:latin typeface="Cambria Math" panose="02040503050406030204" pitchFamily="18" charset="0"/>
+                          </a:rPr>
+                          <m:t>1</m:t>
+                        </m:r>
+                      </m:num>
+                      <m:den>
+                        <m:r>
+                          <a:rPr lang="en-US" sz="2000" b="0" i="1" smtClean="0">
+                            <a:latin typeface="Cambria Math" panose="02040503050406030204" pitchFamily="18" charset="0"/>
+                          </a:rPr>
+                          <m:t>√</m:t>
+                        </m:r>
+                        <m:r>
+                          <a:rPr lang="en-US" sz="2000" b="0" i="1" smtClean="0">
+                            <a:latin typeface="Cambria Math" panose="02040503050406030204" pitchFamily="18" charset="0"/>
+                          </a:rPr>
+                          <m:t>𝑀</m:t>
+                        </m:r>
+                      </m:den>
+                    </m:f>
+                  </m:oMath>
+                </a14:m>
+                <a:r>
+                  <a:rPr lang="en-US" sz="2000" dirty="0"/>
+                  <a:t> of the standard deviation of the observations. So, </a:t>
+                </a:r>
+                <a14:m>
+                  <m:oMath xmlns:m="http://schemas.openxmlformats.org/officeDocument/2006/math">
+                    <m:sSub>
+                      <m:sSubPr>
+                        <m:ctrlPr>
+                          <a:rPr lang="en-US" sz="2000" b="0" i="1" smtClean="0">
+                            <a:latin typeface="Cambria Math" panose="02040503050406030204" pitchFamily="18" charset="0"/>
+                          </a:rPr>
+                        </m:ctrlPr>
+                      </m:sSubPr>
+                      <m:e>
+                        <m:r>
+                          <a:rPr lang="en-US" sz="2000" b="0" i="1" smtClean="0">
+                            <a:latin typeface="Cambria Math" panose="02040503050406030204" pitchFamily="18" charset="0"/>
+                          </a:rPr>
+                          <m:t>𝜎</m:t>
+                        </m:r>
+                      </m:e>
+                      <m:sub>
+                        <m:acc>
+                          <m:accPr>
+                            <m:chr m:val="̅"/>
+                            <m:ctrlPr>
+                              <a:rPr lang="en-US" sz="2000" b="0" i="1" smtClean="0">
+                                <a:latin typeface="Cambria Math" panose="02040503050406030204" pitchFamily="18" charset="0"/>
+                              </a:rPr>
+                            </m:ctrlPr>
+                          </m:accPr>
+                          <m:e>
+                            <m:acc>
+                              <m:accPr>
+                                <m:chr m:val="̂"/>
+                                <m:ctrlPr>
+                                  <a:rPr lang="en-US" sz="2000" b="0" i="1" smtClean="0">
+                                    <a:latin typeface="Cambria Math" panose="02040503050406030204" pitchFamily="18" charset="0"/>
+                                  </a:rPr>
+                                </m:ctrlPr>
+                              </m:accPr>
+                              <m:e>
+                                <m:r>
+                                  <a:rPr lang="en-US" sz="2000" b="0" i="1" smtClean="0">
+                                    <a:latin typeface="Cambria Math" panose="02040503050406030204" pitchFamily="18" charset="0"/>
+                                  </a:rPr>
+                                  <m:t>𝜃</m:t>
+                                </m:r>
+                              </m:e>
+                            </m:acc>
+                          </m:e>
+                        </m:acc>
+                      </m:sub>
+                    </m:sSub>
+                    <m:r>
+                      <a:rPr lang="en-US" sz="2000" b="0" i="1" smtClean="0">
+                        <a:latin typeface="Cambria Math" panose="02040503050406030204" pitchFamily="18" charset="0"/>
+                      </a:rPr>
+                      <m:t>≈</m:t>
+                    </m:r>
+                    <m:f>
+                      <m:fPr>
+                        <m:ctrlPr>
+                          <a:rPr lang="en-US" sz="2000" b="0" i="1" smtClean="0">
+                            <a:latin typeface="Cambria Math" panose="02040503050406030204" pitchFamily="18" charset="0"/>
+                          </a:rPr>
+                        </m:ctrlPr>
+                      </m:fPr>
+                      <m:num>
+                        <m:sSub>
+                          <m:sSubPr>
+                            <m:ctrlPr>
+                              <a:rPr lang="en-US" sz="2000" i="1">
+                                <a:latin typeface="Cambria Math" panose="02040503050406030204" pitchFamily="18" charset="0"/>
+                              </a:rPr>
+                            </m:ctrlPr>
+                          </m:sSubPr>
+                          <m:e>
+                            <m:r>
+                              <a:rPr lang="en-US" sz="2000" i="1">
+                                <a:latin typeface="Cambria Math" panose="02040503050406030204" pitchFamily="18" charset="0"/>
+                              </a:rPr>
+                              <m:t>𝑠</m:t>
+                            </m:r>
+                          </m:e>
+                          <m:sub>
+                            <m:acc>
+                              <m:accPr>
+                                <m:chr m:val="̂"/>
+                                <m:ctrlPr>
+                                  <a:rPr lang="en-US" sz="2000" i="1">
+                                    <a:latin typeface="Cambria Math" panose="02040503050406030204" pitchFamily="18" charset="0"/>
+                                  </a:rPr>
+                                </m:ctrlPr>
+                              </m:accPr>
+                              <m:e>
+                                <m:r>
+                                  <a:rPr lang="en-US" sz="2000" i="1">
+                                    <a:latin typeface="Cambria Math" panose="02040503050406030204" pitchFamily="18" charset="0"/>
+                                  </a:rPr>
+                                  <m:t>𝜃</m:t>
+                                </m:r>
+                              </m:e>
+                            </m:acc>
+                          </m:sub>
+                        </m:sSub>
+                      </m:num>
+                      <m:den>
+                        <m:rad>
+                          <m:radPr>
+                            <m:degHide m:val="on"/>
+                            <m:ctrlPr>
+                              <a:rPr lang="en-US" sz="2000" b="0" i="1" smtClean="0">
+                                <a:latin typeface="Cambria Math" panose="02040503050406030204" pitchFamily="18" charset="0"/>
+                              </a:rPr>
+                            </m:ctrlPr>
+                          </m:radPr>
+                          <m:deg/>
+                          <m:e>
+                            <m:r>
+                              <a:rPr lang="en-US" sz="2000" b="0" i="1" smtClean="0">
+                                <a:latin typeface="Cambria Math" panose="02040503050406030204" pitchFamily="18" charset="0"/>
+                              </a:rPr>
+                              <m:t>𝑀</m:t>
+                            </m:r>
+                          </m:e>
+                        </m:rad>
+                      </m:den>
+                    </m:f>
+                    <m:r>
+                      <a:rPr lang="en-US" sz="2000" b="0" i="1" smtClean="0">
+                        <a:latin typeface="Cambria Math" panose="02040503050406030204" pitchFamily="18" charset="0"/>
+                      </a:rPr>
+                      <m:t>=0.01</m:t>
+                    </m:r>
+                  </m:oMath>
+                </a14:m>
+                <a:r>
+                  <a:rPr lang="en-US" sz="2000" dirty="0"/>
+                  <a:t>.</a:t>
+                </a:r>
+              </a:p>
+              <a:p>
+                <a:pPr marL="914400" lvl="1" indent="-457200">
+                  <a:buFont typeface="+mj-lt"/>
+                  <a:buAutoNum type="arabicPeriod"/>
+                </a:pPr>
+                <a14:m>
+                  <m:oMath xmlns:m="http://schemas.openxmlformats.org/officeDocument/2006/math">
+                    <m:sSub>
+                      <m:sSubPr>
+                        <m:ctrlPr>
+                          <a:rPr lang="en-US" sz="2000" b="0" i="1" smtClean="0">
+                            <a:latin typeface="Cambria Math" panose="02040503050406030204" pitchFamily="18" charset="0"/>
+                          </a:rPr>
+                        </m:ctrlPr>
+                      </m:sSubPr>
+                      <m:e>
+                        <m:r>
+                          <a:rPr lang="en-US" sz="2000" b="0" i="1" smtClean="0">
+                            <a:latin typeface="Cambria Math" panose="02040503050406030204" pitchFamily="18" charset="0"/>
+                          </a:rPr>
+                          <m:t>𝑧</m:t>
+                        </m:r>
+                      </m:e>
+                      <m:sub>
+                        <m:r>
+                          <a:rPr lang="en-US" sz="2000" b="0" i="1" smtClean="0">
+                            <a:latin typeface="Cambria Math" panose="02040503050406030204" pitchFamily="18" charset="0"/>
+                          </a:rPr>
+                          <m:t>𝛼</m:t>
+                        </m:r>
+                        <m:r>
+                          <a:rPr lang="en-US" sz="2000" b="0" i="1" smtClean="0">
+                            <a:latin typeface="Cambria Math" panose="02040503050406030204" pitchFamily="18" charset="0"/>
+                          </a:rPr>
+                          <m:t>/2</m:t>
+                        </m:r>
+                      </m:sub>
+                    </m:sSub>
+                    <m:r>
+                      <a:rPr lang="en-US" sz="2000" b="0" i="1" smtClean="0">
+                        <a:latin typeface="Cambria Math" panose="02040503050406030204" pitchFamily="18" charset="0"/>
+                      </a:rPr>
+                      <m:t>=</m:t>
+                    </m:r>
+                    <m:sSub>
+                      <m:sSubPr>
+                        <m:ctrlPr>
+                          <a:rPr lang="en-US" sz="2000" b="0" i="1" smtClean="0">
+                            <a:latin typeface="Cambria Math" panose="02040503050406030204" pitchFamily="18" charset="0"/>
+                          </a:rPr>
+                        </m:ctrlPr>
+                      </m:sSubPr>
+                      <m:e>
+                        <m:r>
+                          <a:rPr lang="en-US" sz="2000" b="0" i="1" smtClean="0">
+                            <a:latin typeface="Cambria Math" panose="02040503050406030204" pitchFamily="18" charset="0"/>
+                          </a:rPr>
+                          <m:t>𝑧</m:t>
+                        </m:r>
+                      </m:e>
+                      <m:sub>
+                        <m:r>
+                          <a:rPr lang="en-US" sz="2000" b="0" i="1" smtClean="0">
+                            <a:latin typeface="Cambria Math" panose="02040503050406030204" pitchFamily="18" charset="0"/>
+                          </a:rPr>
+                          <m:t>0.025</m:t>
+                        </m:r>
+                      </m:sub>
+                    </m:sSub>
+                    <m:r>
+                      <a:rPr lang="en-US" sz="2000" b="0" i="1" smtClean="0">
+                        <a:latin typeface="Cambria Math" panose="02040503050406030204" pitchFamily="18" charset="0"/>
+                      </a:rPr>
+                      <m:t>≈−2</m:t>
+                    </m:r>
+                    <m:r>
+                      <a:rPr lang="en-US" sz="2000" b="0" i="0" smtClean="0">
+                        <a:latin typeface="Cambria Math" panose="02040503050406030204" pitchFamily="18" charset="0"/>
+                      </a:rPr>
+                      <m:t>, </m:t>
+                    </m:r>
+                    <m:sSub>
+                      <m:sSubPr>
+                        <m:ctrlPr>
+                          <a:rPr lang="en-US" sz="2000" b="0" i="0" smtClean="0">
+                            <a:latin typeface="Cambria Math" panose="02040503050406030204" pitchFamily="18" charset="0"/>
+                          </a:rPr>
+                        </m:ctrlPr>
+                      </m:sSubPr>
+                      <m:e>
+                        <m:r>
+                          <a:rPr lang="en-US" sz="2000" b="0" i="0" smtClean="0">
+                            <a:latin typeface="Cambria Math" panose="02040503050406030204" pitchFamily="18" charset="0"/>
+                          </a:rPr>
+                          <m:t> </m:t>
+                        </m:r>
+                        <m:r>
+                          <m:rPr>
+                            <m:sty m:val="p"/>
+                          </m:rPr>
+                          <a:rPr lang="en-US" sz="2000" b="0" i="0" smtClean="0">
+                            <a:latin typeface="Cambria Math" panose="02040503050406030204" pitchFamily="18" charset="0"/>
+                          </a:rPr>
+                          <m:t>z</m:t>
+                        </m:r>
+                      </m:e>
+                      <m:sub>
+                        <m:f>
+                          <m:fPr>
+                            <m:ctrlPr>
+                              <a:rPr lang="en-US" sz="2000" b="0" i="1" smtClean="0">
+                                <a:latin typeface="Cambria Math" panose="02040503050406030204" pitchFamily="18" charset="0"/>
+                              </a:rPr>
+                            </m:ctrlPr>
+                          </m:fPr>
+                          <m:num>
+                            <m:r>
+                              <a:rPr lang="en-US" sz="2000" b="0" i="1" smtClean="0">
+                                <a:latin typeface="Cambria Math" panose="02040503050406030204" pitchFamily="18" charset="0"/>
+                              </a:rPr>
+                              <m:t>1−</m:t>
+                            </m:r>
+                            <m:r>
+                              <a:rPr lang="en-US" sz="2000" b="0" i="1" smtClean="0">
+                                <a:latin typeface="Cambria Math" panose="02040503050406030204" pitchFamily="18" charset="0"/>
+                              </a:rPr>
+                              <m:t>𝛼</m:t>
+                            </m:r>
+                          </m:num>
+                          <m:den>
+                            <m:r>
+                              <a:rPr lang="en-US" sz="2000" b="0" i="1" smtClean="0">
+                                <a:latin typeface="Cambria Math" panose="02040503050406030204" pitchFamily="18" charset="0"/>
+                              </a:rPr>
+                              <m:t>2</m:t>
+                            </m:r>
+                          </m:den>
+                        </m:f>
+                      </m:sub>
+                    </m:sSub>
+                    <m:r>
+                      <a:rPr lang="en-US" sz="2000" b="0" i="1" smtClean="0">
+                        <a:latin typeface="Cambria Math" panose="02040503050406030204" pitchFamily="18" charset="0"/>
+                      </a:rPr>
+                      <m:t>=</m:t>
+                    </m:r>
+                    <m:sSub>
+                      <m:sSubPr>
+                        <m:ctrlPr>
+                          <a:rPr lang="en-US" sz="2000" b="0" i="1" smtClean="0">
+                            <a:latin typeface="Cambria Math" panose="02040503050406030204" pitchFamily="18" charset="0"/>
+                          </a:rPr>
+                        </m:ctrlPr>
+                      </m:sSubPr>
+                      <m:e>
+                        <m:r>
+                          <a:rPr lang="en-US" sz="2000" b="0" i="1" smtClean="0">
+                            <a:latin typeface="Cambria Math" panose="02040503050406030204" pitchFamily="18" charset="0"/>
+                          </a:rPr>
+                          <m:t>𝑧</m:t>
+                        </m:r>
+                      </m:e>
+                      <m:sub>
+                        <m:r>
+                          <a:rPr lang="en-US" sz="2000" b="0" i="1" smtClean="0">
+                            <a:latin typeface="Cambria Math" panose="02040503050406030204" pitchFamily="18" charset="0"/>
+                          </a:rPr>
+                          <m:t>0.975</m:t>
+                        </m:r>
+                      </m:sub>
+                    </m:sSub>
+                    <m:r>
+                      <a:rPr lang="en-US" sz="2000" b="0" i="1" smtClean="0">
+                        <a:latin typeface="Cambria Math" panose="02040503050406030204" pitchFamily="18" charset="0"/>
+                      </a:rPr>
+                      <m:t>≈2</m:t>
+                    </m:r>
+                  </m:oMath>
+                </a14:m>
+                <a:endParaRPr lang="en-US" sz="2000" dirty="0"/>
+              </a:p>
+              <a:p>
+                <a:pPr marL="914400" lvl="1" indent="-457200">
+                  <a:buFont typeface="+mj-lt"/>
+                  <a:buAutoNum type="arabicPeriod"/>
+                </a:pPr>
+                <a14:m>
+                  <m:oMath xmlns:m="http://schemas.openxmlformats.org/officeDocument/2006/math">
+                    <m:r>
+                      <a:rPr lang="en-US" sz="2000" i="1">
+                        <a:latin typeface="Cambria Math" panose="02040503050406030204" pitchFamily="18" charset="0"/>
+                      </a:rPr>
+                      <m:t>𝑎</m:t>
+                    </m:r>
+                    <m:r>
+                      <a:rPr lang="en-US" sz="2000" i="1">
+                        <a:latin typeface="Cambria Math" panose="02040503050406030204" pitchFamily="18" charset="0"/>
+                      </a:rPr>
+                      <m:t>=</m:t>
+                    </m:r>
+                    <m:sSub>
+                      <m:sSubPr>
+                        <m:ctrlPr>
+                          <a:rPr lang="en-US" sz="2000" i="1">
+                            <a:latin typeface="Cambria Math" panose="02040503050406030204" pitchFamily="18" charset="0"/>
+                          </a:rPr>
+                        </m:ctrlPr>
+                      </m:sSubPr>
+                      <m:e>
+                        <m:acc>
+                          <m:accPr>
+                            <m:chr m:val="̅"/>
+                            <m:ctrlPr>
+                              <a:rPr lang="en-US" sz="2000" i="1">
+                                <a:latin typeface="Cambria Math" panose="02040503050406030204" pitchFamily="18" charset="0"/>
+                              </a:rPr>
+                            </m:ctrlPr>
+                          </m:accPr>
+                          <m:e>
+                            <m:acc>
+                              <m:accPr>
+                                <m:chr m:val="̂"/>
+                                <m:ctrlPr>
+                                  <a:rPr lang="en-US" sz="2000" i="1">
+                                    <a:latin typeface="Cambria Math" panose="02040503050406030204" pitchFamily="18" charset="0"/>
+                                  </a:rPr>
+                                </m:ctrlPr>
+                              </m:accPr>
+                              <m:e>
+                                <m:r>
+                                  <a:rPr lang="en-US" sz="2000" i="1">
+                                    <a:latin typeface="Cambria Math" panose="02040503050406030204" pitchFamily="18" charset="0"/>
+                                  </a:rPr>
+                                  <m:t>𝜃</m:t>
+                                </m:r>
+                              </m:e>
+                            </m:acc>
+                          </m:e>
+                        </m:acc>
+                        <m:r>
+                          <m:rPr>
+                            <m:nor/>
+                          </m:rPr>
+                          <a:rPr lang="en-US" sz="2000">
+                            <a:latin typeface="Cambria Math" panose="02040503050406030204" pitchFamily="18" charset="0"/>
+                          </a:rPr>
+                          <m:t> </m:t>
+                        </m:r>
+                        <m:r>
+                          <a:rPr lang="en-US" sz="2000" i="1">
+                            <a:latin typeface="Cambria Math" panose="02040503050406030204" pitchFamily="18" charset="0"/>
+                          </a:rPr>
+                          <m:t>+</m:t>
+                        </m:r>
+                        <m:r>
+                          <a:rPr lang="en-US" sz="2000" i="1">
+                            <a:latin typeface="Cambria Math" panose="02040503050406030204" pitchFamily="18" charset="0"/>
+                          </a:rPr>
+                          <m:t>𝑧</m:t>
+                        </m:r>
+                      </m:e>
+                      <m:sub>
+                        <m:r>
+                          <a:rPr lang="en-US" sz="2000" i="1">
+                            <a:latin typeface="Cambria Math" panose="02040503050406030204" pitchFamily="18" charset="0"/>
+                          </a:rPr>
+                          <m:t>𝛼</m:t>
+                        </m:r>
+                        <m:r>
+                          <a:rPr lang="en-US" sz="2000" i="1">
+                            <a:latin typeface="Cambria Math" panose="02040503050406030204" pitchFamily="18" charset="0"/>
+                          </a:rPr>
+                          <m:t>/2</m:t>
+                        </m:r>
+                      </m:sub>
+                    </m:sSub>
+                    <m:sSub>
+                      <m:sSubPr>
+                        <m:ctrlPr>
+                          <a:rPr lang="en-US" sz="2000" i="1">
+                            <a:latin typeface="Cambria Math" panose="02040503050406030204" pitchFamily="18" charset="0"/>
+                          </a:rPr>
+                        </m:ctrlPr>
+                      </m:sSubPr>
+                      <m:e>
+                        <m:r>
+                          <a:rPr lang="en-US" sz="2000" i="1">
+                            <a:latin typeface="Cambria Math" panose="02040503050406030204" pitchFamily="18" charset="0"/>
+                          </a:rPr>
+                          <m:t>𝜎</m:t>
+                        </m:r>
+                      </m:e>
+                      <m:sub>
+                        <m:acc>
+                          <m:accPr>
+                            <m:chr m:val="̅"/>
+                            <m:ctrlPr>
+                              <a:rPr lang="en-US" sz="2000" i="1">
+                                <a:latin typeface="Cambria Math" panose="02040503050406030204" pitchFamily="18" charset="0"/>
+                              </a:rPr>
+                            </m:ctrlPr>
+                          </m:accPr>
+                          <m:e>
+                            <m:acc>
+                              <m:accPr>
+                                <m:chr m:val="̂"/>
+                                <m:ctrlPr>
+                                  <a:rPr lang="en-US" sz="2000" i="1">
+                                    <a:latin typeface="Cambria Math" panose="02040503050406030204" pitchFamily="18" charset="0"/>
+                                  </a:rPr>
+                                </m:ctrlPr>
+                              </m:accPr>
+                              <m:e>
+                                <m:r>
+                                  <a:rPr lang="en-US" sz="2000" i="1">
+                                    <a:latin typeface="Cambria Math" panose="02040503050406030204" pitchFamily="18" charset="0"/>
+                                  </a:rPr>
+                                  <m:t>𝜃</m:t>
+                                </m:r>
+                              </m:e>
+                            </m:acc>
+                          </m:e>
+                        </m:acc>
+                      </m:sub>
+                    </m:sSub>
+                    <m:r>
+                      <a:rPr lang="en-US" sz="2000" b="0" i="1" smtClean="0">
+                        <a:latin typeface="Cambria Math" panose="02040503050406030204" pitchFamily="18" charset="0"/>
+                      </a:rPr>
+                      <m:t>=0.15+</m:t>
+                    </m:r>
+                    <m:d>
+                      <m:dPr>
+                        <m:ctrlPr>
+                          <a:rPr lang="en-US" sz="2000" b="0" i="1" smtClean="0">
+                            <a:latin typeface="Cambria Math" panose="02040503050406030204" pitchFamily="18" charset="0"/>
+                          </a:rPr>
+                        </m:ctrlPr>
+                      </m:dPr>
+                      <m:e>
+                        <m:r>
+                          <a:rPr lang="en-US" sz="2000" b="0" i="1" smtClean="0">
+                            <a:latin typeface="Cambria Math" panose="02040503050406030204" pitchFamily="18" charset="0"/>
+                          </a:rPr>
+                          <m:t>−2</m:t>
+                        </m:r>
+                      </m:e>
+                    </m:d>
+                    <m:r>
+                      <a:rPr lang="en-US" sz="2000" b="0" i="1" smtClean="0">
+                        <a:latin typeface="Cambria Math" panose="02040503050406030204" pitchFamily="18" charset="0"/>
+                      </a:rPr>
+                      <m:t>0.01=0.13</m:t>
+                    </m:r>
+                  </m:oMath>
+                </a14:m>
+                <a:endParaRPr lang="en-US" sz="2000" dirty="0"/>
+              </a:p>
+              <a:p>
+                <a:pPr marL="914400" lvl="1" indent="-457200">
+                  <a:buFont typeface="+mj-lt"/>
+                  <a:buAutoNum type="arabicPeriod"/>
+                </a:pPr>
+                <a:r>
+                  <a:rPr lang="en-US" sz="2000" dirty="0"/>
+                  <a:t>b</a:t>
+                </a:r>
+                <a14:m>
+                  <m:oMath xmlns:m="http://schemas.openxmlformats.org/officeDocument/2006/math">
+                    <m:r>
+                      <a:rPr lang="en-US" sz="2000" i="1">
+                        <a:latin typeface="Cambria Math" panose="02040503050406030204" pitchFamily="18" charset="0"/>
+                      </a:rPr>
+                      <m:t>=</m:t>
+                    </m:r>
+                    <m:sSub>
+                      <m:sSubPr>
+                        <m:ctrlPr>
+                          <a:rPr lang="en-US" sz="2000" i="1">
+                            <a:latin typeface="Cambria Math" panose="02040503050406030204" pitchFamily="18" charset="0"/>
+                          </a:rPr>
+                        </m:ctrlPr>
+                      </m:sSubPr>
+                      <m:e>
+                        <m:acc>
+                          <m:accPr>
+                            <m:chr m:val="̅"/>
+                            <m:ctrlPr>
+                              <a:rPr lang="en-US" sz="2000" i="1">
+                                <a:latin typeface="Cambria Math" panose="02040503050406030204" pitchFamily="18" charset="0"/>
+                              </a:rPr>
+                            </m:ctrlPr>
+                          </m:accPr>
+                          <m:e>
+                            <m:acc>
+                              <m:accPr>
+                                <m:chr m:val="̂"/>
+                                <m:ctrlPr>
+                                  <a:rPr lang="en-US" sz="2000" i="1">
+                                    <a:latin typeface="Cambria Math" panose="02040503050406030204" pitchFamily="18" charset="0"/>
+                                  </a:rPr>
+                                </m:ctrlPr>
+                              </m:accPr>
+                              <m:e>
+                                <m:r>
+                                  <a:rPr lang="en-US" sz="2000" i="1">
+                                    <a:latin typeface="Cambria Math" panose="02040503050406030204" pitchFamily="18" charset="0"/>
+                                  </a:rPr>
+                                  <m:t>𝜃</m:t>
+                                </m:r>
+                              </m:e>
+                            </m:acc>
+                          </m:e>
+                        </m:acc>
+                        <m:r>
+                          <m:rPr>
+                            <m:nor/>
+                          </m:rPr>
+                          <a:rPr lang="en-US" sz="2000">
+                            <a:latin typeface="Cambria Math" panose="02040503050406030204" pitchFamily="18" charset="0"/>
+                          </a:rPr>
+                          <m:t> </m:t>
+                        </m:r>
+                        <m:r>
+                          <a:rPr lang="en-US" sz="2000" i="1">
+                            <a:latin typeface="Cambria Math" panose="02040503050406030204" pitchFamily="18" charset="0"/>
+                          </a:rPr>
+                          <m:t>+</m:t>
+                        </m:r>
+                        <m:r>
+                          <a:rPr lang="en-US" sz="2000" i="1">
+                            <a:latin typeface="Cambria Math" panose="02040503050406030204" pitchFamily="18" charset="0"/>
+                          </a:rPr>
+                          <m:t>𝑧</m:t>
+                        </m:r>
+                      </m:e>
+                      <m:sub>
+                        <m:r>
+                          <a:rPr lang="en-US" sz="2000" b="0" i="1" smtClean="0">
+                            <a:latin typeface="Cambria Math" panose="02040503050406030204" pitchFamily="18" charset="0"/>
+                          </a:rPr>
+                          <m:t>(1−</m:t>
+                        </m:r>
+                        <m:r>
+                          <a:rPr lang="en-US" sz="2000" i="1">
+                            <a:latin typeface="Cambria Math" panose="02040503050406030204" pitchFamily="18" charset="0"/>
+                          </a:rPr>
+                          <m:t>𝛼</m:t>
+                        </m:r>
+                        <m:r>
+                          <a:rPr lang="en-US" sz="2000" b="0" i="1" smtClean="0">
+                            <a:latin typeface="Cambria Math" panose="02040503050406030204" pitchFamily="18" charset="0"/>
+                          </a:rPr>
+                          <m:t>)</m:t>
+                        </m:r>
+                        <m:r>
+                          <a:rPr lang="en-US" sz="2000" i="1">
+                            <a:latin typeface="Cambria Math" panose="02040503050406030204" pitchFamily="18" charset="0"/>
+                          </a:rPr>
+                          <m:t>/2</m:t>
+                        </m:r>
+                      </m:sub>
+                    </m:sSub>
+                    <m:sSub>
+                      <m:sSubPr>
+                        <m:ctrlPr>
+                          <a:rPr lang="en-US" sz="2000" i="1">
+                            <a:latin typeface="Cambria Math" panose="02040503050406030204" pitchFamily="18" charset="0"/>
+                          </a:rPr>
+                        </m:ctrlPr>
+                      </m:sSubPr>
+                      <m:e>
+                        <m:r>
+                          <a:rPr lang="en-US" sz="2000" i="1">
+                            <a:latin typeface="Cambria Math" panose="02040503050406030204" pitchFamily="18" charset="0"/>
+                          </a:rPr>
+                          <m:t>𝜎</m:t>
+                        </m:r>
+                      </m:e>
+                      <m:sub>
+                        <m:acc>
+                          <m:accPr>
+                            <m:chr m:val="̅"/>
+                            <m:ctrlPr>
+                              <a:rPr lang="en-US" sz="2000" i="1">
+                                <a:latin typeface="Cambria Math" panose="02040503050406030204" pitchFamily="18" charset="0"/>
+                              </a:rPr>
+                            </m:ctrlPr>
+                          </m:accPr>
+                          <m:e>
+                            <m:acc>
+                              <m:accPr>
+                                <m:chr m:val="̂"/>
+                                <m:ctrlPr>
+                                  <a:rPr lang="en-US" sz="2000" i="1">
+                                    <a:latin typeface="Cambria Math" panose="02040503050406030204" pitchFamily="18" charset="0"/>
+                                  </a:rPr>
+                                </m:ctrlPr>
+                              </m:accPr>
+                              <m:e>
+                                <m:r>
+                                  <a:rPr lang="en-US" sz="2000" i="1">
+                                    <a:latin typeface="Cambria Math" panose="02040503050406030204" pitchFamily="18" charset="0"/>
+                                  </a:rPr>
+                                  <m:t>𝜃</m:t>
+                                </m:r>
+                              </m:e>
+                            </m:acc>
+                          </m:e>
+                        </m:acc>
+                      </m:sub>
+                    </m:sSub>
+                    <m:r>
+                      <a:rPr lang="en-US" sz="2000" i="1">
+                        <a:latin typeface="Cambria Math" panose="02040503050406030204" pitchFamily="18" charset="0"/>
+                      </a:rPr>
+                      <m:t>=0.</m:t>
+                    </m:r>
+                    <m:r>
+                      <a:rPr lang="en-US" sz="2000" b="0" i="1" smtClean="0">
+                        <a:latin typeface="Cambria Math" panose="02040503050406030204" pitchFamily="18" charset="0"/>
+                      </a:rPr>
+                      <m:t>15</m:t>
+                    </m:r>
+                    <m:r>
+                      <a:rPr lang="en-US" sz="2000" i="1">
+                        <a:latin typeface="Cambria Math" panose="02040503050406030204" pitchFamily="18" charset="0"/>
+                      </a:rPr>
+                      <m:t>+</m:t>
+                    </m:r>
+                    <m:d>
+                      <m:dPr>
+                        <m:ctrlPr>
+                          <a:rPr lang="en-US" sz="2000" i="1">
+                            <a:latin typeface="Cambria Math" panose="02040503050406030204" pitchFamily="18" charset="0"/>
+                          </a:rPr>
+                        </m:ctrlPr>
+                      </m:dPr>
+                      <m:e>
+                        <m:r>
+                          <a:rPr lang="en-US" sz="2000" i="1">
+                            <a:latin typeface="Cambria Math" panose="02040503050406030204" pitchFamily="18" charset="0"/>
+                          </a:rPr>
+                          <m:t>2</m:t>
+                        </m:r>
+                      </m:e>
+                    </m:d>
+                    <m:r>
+                      <a:rPr lang="en-US" sz="2000" i="1">
+                        <a:latin typeface="Cambria Math" panose="02040503050406030204" pitchFamily="18" charset="0"/>
+                      </a:rPr>
+                      <m:t>0.01=0.</m:t>
+                    </m:r>
+                    <m:r>
+                      <a:rPr lang="en-US" sz="2000" b="0" i="1" smtClean="0">
+                        <a:latin typeface="Cambria Math" panose="02040503050406030204" pitchFamily="18" charset="0"/>
+                      </a:rPr>
+                      <m:t>17</m:t>
+                    </m:r>
+                  </m:oMath>
+                </a14:m>
+                <a:endParaRPr lang="en-US" sz="2000" dirty="0"/>
+              </a:p>
+              <a:p>
+                <a:pPr marL="914400" lvl="1" indent="-457200">
+                  <a:buFont typeface="+mj-lt"/>
+                  <a:buAutoNum type="arabicPeriod"/>
+                </a:pPr>
+                <a:endParaRPr lang="en-US" sz="2000" dirty="0"/>
+              </a:p>
+              <a:p>
+                <a:pPr marL="0" indent="0">
+                  <a:buNone/>
+                </a:pPr>
+                <a:r>
+                  <a:rPr lang="en-US" sz="2400" dirty="0"/>
+                  <a:t> </a:t>
+                </a:r>
+              </a:p>
+            </p:txBody>
+          </p:sp>
+        </mc:Choice>
+        <mc:Fallback>
+          <p:sp>
+            <p:nvSpPr>
+              <p:cNvPr id="8" name="Content Placeholder 7">
+                <a:extLst>
+                  <a:ext uri="{FF2B5EF4-FFF2-40B4-BE49-F238E27FC236}">
+                    <a16:creationId xmlns:a16="http://schemas.microsoft.com/office/drawing/2014/main" id="{FCCDFD9B-68F9-A242-965E-0C9C5F7CA01E}"/>
+                  </a:ext>
+                </a:extLst>
+              </p:cNvPr>
+              <p:cNvSpPr>
+                <a:spLocks noGrp="1" noRot="1" noChangeAspect="1" noMove="1" noResize="1" noEditPoints="1" noAdjustHandles="1" noChangeArrowheads="1" noChangeShapeType="1" noTextEdit="1"/>
+              </p:cNvSpPr>
+              <p:nvPr>
+                <p:ph idx="1"/>
+              </p:nvPr>
+            </p:nvSpPr>
+            <p:spPr>
+              <a:xfrm>
+                <a:off x="457200" y="3276600"/>
+                <a:ext cx="8229600" cy="2590800"/>
+              </a:xfrm>
+              <a:blipFill>
+                <a:blip r:embed="rId2"/>
+                <a:stretch>
+                  <a:fillRect b="-16098"/>
+                </a:stretch>
+              </a:blipFill>
+            </p:spPr>
+            <p:txBody>
+              <a:bodyPr/>
+              <a:lstStyle/>
+              <a:p>
+                <a:r>
+                  <a:rPr lang="en-US">
+                    <a:noFill/>
+                  </a:rPr>
+                  <a:t> </a:t>
+                </a:r>
+              </a:p>
+            </p:txBody>
+          </p:sp>
+        </mc:Fallback>
+      </mc:AlternateContent>
+      <p:pic>
+        <p:nvPicPr>
+          <p:cNvPr id="9" name="Content Placeholder 5">
+            <a:extLst>
+              <a:ext uri="{FF2B5EF4-FFF2-40B4-BE49-F238E27FC236}">
+                <a16:creationId xmlns:a16="http://schemas.microsoft.com/office/drawing/2014/main" id="{1009A578-2AD3-0243-8BDE-6063C01EC29B}"/>
+              </a:ext>
+            </a:extLst>
+          </p:cNvPr>
+          <p:cNvPicPr>
+            <a:picLocks noChangeAspect="1"/>
+          </p:cNvPicPr>
+          <p:nvPr/>
+        </p:nvPicPr>
+        <p:blipFill>
+          <a:blip r:embed="rId3"/>
+          <a:stretch>
+            <a:fillRect/>
+          </a:stretch>
+        </p:blipFill>
+        <p:spPr>
+          <a:xfrm>
+            <a:off x="4774634" y="1064428"/>
+            <a:ext cx="2286000" cy="1696222"/>
+          </a:xfrm>
+          <a:prstGeom prst="rect">
+            <a:avLst/>
+          </a:prstGeom>
+        </p:spPr>
+      </p:pic>
+      <p:sp>
+        <p:nvSpPr>
+          <p:cNvPr id="10" name="TextBox 9">
+            <a:extLst>
+              <a:ext uri="{FF2B5EF4-FFF2-40B4-BE49-F238E27FC236}">
+                <a16:creationId xmlns:a16="http://schemas.microsoft.com/office/drawing/2014/main" id="{AE60167E-120E-4E49-8AF2-0F761B0318AD}"/>
+              </a:ext>
+            </a:extLst>
+          </p:cNvPr>
+          <p:cNvSpPr txBox="1"/>
+          <p:nvPr/>
+        </p:nvSpPr>
+        <p:spPr>
+          <a:xfrm>
+            <a:off x="6374834" y="1274455"/>
+            <a:ext cx="2159566" cy="369332"/>
+          </a:xfrm>
+          <a:prstGeom prst="rect">
+            <a:avLst/>
+          </a:prstGeom>
+          <a:noFill/>
+        </p:spPr>
+        <p:txBody>
+          <a:bodyPr wrap="none" rtlCol="0">
+            <a:spAutoFit/>
+          </a:bodyPr>
+          <a:lstStyle/>
+          <a:p>
+            <a:r>
+              <a:rPr lang="en-US" dirty="0"/>
+              <a:t>Normal distribution</a:t>
+            </a:r>
+          </a:p>
+        </p:txBody>
+      </p:sp>
+      <p:grpSp>
+        <p:nvGrpSpPr>
+          <p:cNvPr id="11" name="Group 10">
+            <a:extLst>
+              <a:ext uri="{FF2B5EF4-FFF2-40B4-BE49-F238E27FC236}">
+                <a16:creationId xmlns:a16="http://schemas.microsoft.com/office/drawing/2014/main" id="{5C1B4416-71D1-DB46-8591-963BE5881052}"/>
+              </a:ext>
+            </a:extLst>
+          </p:cNvPr>
+          <p:cNvGrpSpPr/>
+          <p:nvPr/>
+        </p:nvGrpSpPr>
+        <p:grpSpPr>
+          <a:xfrm>
+            <a:off x="762000" y="1160450"/>
+            <a:ext cx="2944692" cy="1600200"/>
+            <a:chOff x="695086" y="4007982"/>
+            <a:chExt cx="4214929" cy="2422980"/>
+          </a:xfrm>
+        </p:grpSpPr>
+        <p:grpSp>
+          <p:nvGrpSpPr>
+            <p:cNvPr id="12" name="Group 11">
+              <a:extLst>
+                <a:ext uri="{FF2B5EF4-FFF2-40B4-BE49-F238E27FC236}">
+                  <a16:creationId xmlns:a16="http://schemas.microsoft.com/office/drawing/2014/main" id="{9D42E9FC-B469-2842-A160-066470F1C733}"/>
+                </a:ext>
+              </a:extLst>
+            </p:cNvPr>
+            <p:cNvGrpSpPr/>
+            <p:nvPr/>
+          </p:nvGrpSpPr>
+          <p:grpSpPr>
+            <a:xfrm>
+              <a:off x="1207172" y="4007982"/>
+              <a:ext cx="3175000" cy="2422980"/>
+              <a:chOff x="2514600" y="3795692"/>
+              <a:chExt cx="3175000" cy="2422980"/>
+            </a:xfrm>
+          </p:grpSpPr>
+          <p:pic>
+            <p:nvPicPr>
+              <p:cNvPr id="16" name="Picture 15">
+                <a:extLst>
+                  <a:ext uri="{FF2B5EF4-FFF2-40B4-BE49-F238E27FC236}">
+                    <a16:creationId xmlns:a16="http://schemas.microsoft.com/office/drawing/2014/main" id="{8275C587-84C6-EB4D-9CF0-68AAA8D75949}"/>
+                  </a:ext>
+                </a:extLst>
+              </p:cNvPr>
+              <p:cNvPicPr>
+                <a:picLocks noChangeAspect="1"/>
+              </p:cNvPicPr>
+              <p:nvPr/>
+            </p:nvPicPr>
+            <p:blipFill>
+              <a:blip r:embed="rId4"/>
+              <a:stretch>
+                <a:fillRect/>
+              </a:stretch>
+            </p:blipFill>
+            <p:spPr>
+              <a:xfrm>
+                <a:off x="2514600" y="3795692"/>
+                <a:ext cx="3175000" cy="2184400"/>
+              </a:xfrm>
+              <a:prstGeom prst="rect">
+                <a:avLst/>
+              </a:prstGeom>
+            </p:spPr>
+          </p:pic>
+          <mc:AlternateContent xmlns:mc="http://schemas.openxmlformats.org/markup-compatibility/2006">
+            <mc:Choice xmlns:a14="http://schemas.microsoft.com/office/drawing/2010/main" Requires="a14">
+              <p:sp>
+                <p:nvSpPr>
+                  <p:cNvPr id="17" name="TextBox 16">
+                    <a:extLst>
+                      <a:ext uri="{FF2B5EF4-FFF2-40B4-BE49-F238E27FC236}">
+                        <a16:creationId xmlns:a16="http://schemas.microsoft.com/office/drawing/2014/main" id="{BD1CA32F-49C6-CA4F-94A5-C0F701D54A69}"/>
+                      </a:ext>
+                    </a:extLst>
+                  </p:cNvPr>
+                  <p:cNvSpPr txBox="1"/>
+                  <p:nvPr/>
+                </p:nvSpPr>
+                <p:spPr>
+                  <a:xfrm>
+                    <a:off x="3968538" y="5745778"/>
+                    <a:ext cx="256432" cy="372821"/>
+                  </a:xfrm>
+                  <a:prstGeom prst="rect">
+                    <a:avLst/>
+                  </a:prstGeom>
+                  <a:solidFill>
+                    <a:schemeClr val="bg1"/>
+                  </a:solidFill>
+                </p:spPr>
+                <p:txBody>
+                  <a:bodyPr wrap="none" lIns="0" tIns="0" rIns="0" bIns="0" rtlCol="0">
+                    <a:spAutoFit/>
+                  </a:bodyPr>
+                  <a:lstStyle/>
+                  <a:p>
+                    <a14:m>
+                      <m:oMathPara xmlns:m="http://schemas.openxmlformats.org/officeDocument/2006/math">
+                        <m:oMathParaPr>
+                          <m:jc m:val="centerGroup"/>
+                        </m:oMathParaPr>
+                        <m:oMath xmlns:m="http://schemas.openxmlformats.org/officeDocument/2006/math">
+                          <m:r>
+                            <a:rPr lang="en-US" sz="1600" b="0" i="1" smtClean="0">
+                              <a:latin typeface="Cambria Math" panose="02040503050406030204" pitchFamily="18" charset="0"/>
+                            </a:rPr>
+                            <m:t>𝜃</m:t>
+                          </m:r>
+                        </m:oMath>
+                      </m:oMathPara>
+                    </a14:m>
+                    <a:endParaRPr lang="en-US" sz="1600" dirty="0"/>
+                  </a:p>
+                </p:txBody>
+              </p:sp>
+            </mc:Choice>
+            <mc:Fallback>
+              <p:sp>
+                <p:nvSpPr>
+                  <p:cNvPr id="17" name="TextBox 16">
+                    <a:extLst>
+                      <a:ext uri="{FF2B5EF4-FFF2-40B4-BE49-F238E27FC236}">
+                        <a16:creationId xmlns:a16="http://schemas.microsoft.com/office/drawing/2014/main" id="{BD1CA32F-49C6-CA4F-94A5-C0F701D54A69}"/>
+                      </a:ext>
+                    </a:extLst>
+                  </p:cNvPr>
+                  <p:cNvSpPr txBox="1">
+                    <a:spLocks noRot="1" noChangeAspect="1" noMove="1" noResize="1" noEditPoints="1" noAdjustHandles="1" noChangeArrowheads="1" noChangeShapeType="1" noTextEdit="1"/>
+                  </p:cNvSpPr>
+                  <p:nvPr/>
+                </p:nvSpPr>
+                <p:spPr>
+                  <a:xfrm>
+                    <a:off x="3968538" y="5745778"/>
+                    <a:ext cx="256432" cy="372821"/>
+                  </a:xfrm>
+                  <a:prstGeom prst="rect">
+                    <a:avLst/>
+                  </a:prstGeom>
+                  <a:blipFill>
+                    <a:blip r:embed="rId5"/>
+                    <a:stretch>
+                      <a:fillRect l="-28571" r="-21429" b="-10000"/>
+                    </a:stretch>
+                  </a:blipFill>
+                </p:spPr>
+                <p:txBody>
+                  <a:bodyPr/>
+                  <a:lstStyle/>
+                  <a:p>
+                    <a:r>
+                      <a:rPr lang="en-US">
+                        <a:noFill/>
+                      </a:rPr>
+                      <a:t> </a:t>
+                    </a:r>
+                  </a:p>
+                </p:txBody>
+              </p:sp>
+            </mc:Fallback>
+          </mc:AlternateContent>
+          <p:sp>
+            <p:nvSpPr>
+              <p:cNvPr id="18" name="Rectangle 17">
+                <a:extLst>
+                  <a:ext uri="{FF2B5EF4-FFF2-40B4-BE49-F238E27FC236}">
+                    <a16:creationId xmlns:a16="http://schemas.microsoft.com/office/drawing/2014/main" id="{25420667-CFB7-454B-9FC3-5818F6C62BE4}"/>
+                  </a:ext>
+                </a:extLst>
+              </p:cNvPr>
+              <p:cNvSpPr/>
+              <p:nvPr/>
+            </p:nvSpPr>
+            <p:spPr>
+              <a:xfrm>
+                <a:off x="2795217" y="5715000"/>
+                <a:ext cx="625579" cy="457200"/>
+              </a:xfrm>
+              <a:prstGeom prst="rect">
+                <a:avLst/>
+              </a:prstGeom>
+              <a:solidFill>
+                <a:schemeClr val="bg1"/>
+              </a:solidFill>
+              <a:ln>
+                <a:noFill/>
+              </a:ln>
+              <a:effectLst>
+                <a:outerShdw dist="23000" sx="1000" sy="1000" rotWithShape="0">
+                  <a:srgbClr val="000000"/>
+                </a:outerShdw>
+              </a:effectLst>
+            </p:spPr>
+            <p:style>
+              <a:lnRef idx="1">
+                <a:schemeClr val="accent1"/>
+              </a:lnRef>
+              <a:fillRef idx="3">
+                <a:schemeClr val="accent1"/>
+              </a:fillRef>
+              <a:effectRef idx="2">
+                <a:schemeClr val="accent1"/>
+              </a:effectRef>
+              <a:fontRef idx="minor">
+                <a:schemeClr val="lt1"/>
+              </a:fontRef>
+            </p:style>
+            <p:txBody>
+              <a:bodyPr rtlCol="0" anchor="ctr"/>
+              <a:lstStyle/>
+              <a:p>
+                <a:pPr algn="ctr"/>
+                <a:endParaRPr lang="en-US" sz="1200"/>
+              </a:p>
+            </p:txBody>
+          </p:sp>
+          <p:sp>
+            <p:nvSpPr>
+              <p:cNvPr id="19" name="Rectangle 18">
+                <a:extLst>
+                  <a:ext uri="{FF2B5EF4-FFF2-40B4-BE49-F238E27FC236}">
+                    <a16:creationId xmlns:a16="http://schemas.microsoft.com/office/drawing/2014/main" id="{7E454A50-7D74-934C-BB08-E049BE6C2303}"/>
+                  </a:ext>
+                </a:extLst>
+              </p:cNvPr>
+              <p:cNvSpPr/>
+              <p:nvPr/>
+            </p:nvSpPr>
+            <p:spPr>
+              <a:xfrm>
+                <a:off x="4632221" y="5761472"/>
+                <a:ext cx="625579" cy="457200"/>
+              </a:xfrm>
+              <a:prstGeom prst="rect">
+                <a:avLst/>
+              </a:prstGeom>
+              <a:solidFill>
+                <a:schemeClr val="bg1"/>
+              </a:solidFill>
+              <a:ln>
+                <a:noFill/>
+              </a:ln>
+              <a:effectLst>
+                <a:outerShdw dist="23000" sx="1000" sy="1000" rotWithShape="0">
+                  <a:srgbClr val="000000"/>
+                </a:outerShdw>
+              </a:effectLst>
+            </p:spPr>
+            <p:style>
+              <a:lnRef idx="1">
+                <a:schemeClr val="accent1"/>
+              </a:lnRef>
+              <a:fillRef idx="3">
+                <a:schemeClr val="accent1"/>
+              </a:fillRef>
+              <a:effectRef idx="2">
+                <a:schemeClr val="accent1"/>
+              </a:effectRef>
+              <a:fontRef idx="minor">
+                <a:schemeClr val="lt1"/>
+              </a:fontRef>
+            </p:style>
+            <p:txBody>
+              <a:bodyPr rtlCol="0" anchor="ctr"/>
+              <a:lstStyle/>
+              <a:p>
+                <a:pPr algn="ctr"/>
+                <a:endParaRPr lang="en-US" sz="1200"/>
+              </a:p>
+            </p:txBody>
+          </p:sp>
+          <mc:AlternateContent xmlns:mc="http://schemas.openxmlformats.org/markup-compatibility/2006">
+            <mc:Choice xmlns:a14="http://schemas.microsoft.com/office/drawing/2010/main" Requires="a14">
+              <p:sp>
+                <p:nvSpPr>
+                  <p:cNvPr id="20" name="TextBox 19">
+                    <a:extLst>
+                      <a:ext uri="{FF2B5EF4-FFF2-40B4-BE49-F238E27FC236}">
+                        <a16:creationId xmlns:a16="http://schemas.microsoft.com/office/drawing/2014/main" id="{168499A2-6F7B-D540-8613-C1AAFF5D0DB5}"/>
+                      </a:ext>
+                    </a:extLst>
+                  </p:cNvPr>
+                  <p:cNvSpPr txBox="1"/>
+                  <p:nvPr/>
+                </p:nvSpPr>
+                <p:spPr>
+                  <a:xfrm>
+                    <a:off x="3108007" y="5715000"/>
+                    <a:ext cx="267124" cy="419424"/>
+                  </a:xfrm>
+                  <a:prstGeom prst="rect">
+                    <a:avLst/>
+                  </a:prstGeom>
+                  <a:solidFill>
+                    <a:schemeClr val="bg1"/>
+                  </a:solidFill>
+                </p:spPr>
+                <p:txBody>
+                  <a:bodyPr wrap="square" lIns="0" tIns="0" rIns="0" bIns="0" rtlCol="0">
+                    <a:spAutoFit/>
+                  </a:bodyPr>
+                  <a:lstStyle/>
+                  <a:p>
+                    <a14:m>
+                      <m:oMathPara xmlns:m="http://schemas.openxmlformats.org/officeDocument/2006/math">
+                        <m:oMathParaPr>
+                          <m:jc m:val="centerGroup"/>
+                        </m:oMathParaPr>
+                        <m:oMath xmlns:m="http://schemas.openxmlformats.org/officeDocument/2006/math">
+                          <m:r>
+                            <a:rPr lang="en-US" b="0" i="1" smtClean="0">
+                              <a:latin typeface="Cambria Math" panose="02040503050406030204" pitchFamily="18" charset="0"/>
+                            </a:rPr>
+                            <m:t>𝑎</m:t>
+                          </m:r>
+                        </m:oMath>
+                      </m:oMathPara>
+                    </a14:m>
+                    <a:endParaRPr lang="en-US" dirty="0"/>
+                  </a:p>
+                </p:txBody>
+              </p:sp>
+            </mc:Choice>
+            <mc:Fallback>
+              <p:sp>
+                <p:nvSpPr>
+                  <p:cNvPr id="20" name="TextBox 19">
+                    <a:extLst>
+                      <a:ext uri="{FF2B5EF4-FFF2-40B4-BE49-F238E27FC236}">
+                        <a16:creationId xmlns:a16="http://schemas.microsoft.com/office/drawing/2014/main" id="{168499A2-6F7B-D540-8613-C1AAFF5D0DB5}"/>
+                      </a:ext>
+                    </a:extLst>
+                  </p:cNvPr>
+                  <p:cNvSpPr txBox="1">
+                    <a:spLocks noRot="1" noChangeAspect="1" noMove="1" noResize="1" noEditPoints="1" noAdjustHandles="1" noChangeArrowheads="1" noChangeShapeType="1" noTextEdit="1"/>
+                  </p:cNvSpPr>
+                  <p:nvPr/>
+                </p:nvSpPr>
+                <p:spPr>
+                  <a:xfrm>
+                    <a:off x="3108007" y="5715000"/>
+                    <a:ext cx="267124" cy="419424"/>
+                  </a:xfrm>
+                  <a:prstGeom prst="rect">
+                    <a:avLst/>
+                  </a:prstGeom>
+                  <a:blipFill>
+                    <a:blip r:embed="rId6"/>
+                    <a:stretch>
+                      <a:fillRect l="-12500" r="-6250" b="-4348"/>
+                    </a:stretch>
+                  </a:blipFill>
+                </p:spPr>
+                <p:txBody>
+                  <a:bodyPr/>
+                  <a:lstStyle/>
+                  <a:p>
+                    <a:r>
+                      <a:rPr lang="en-US">
+                        <a:noFill/>
+                      </a:rPr>
+                      <a:t> </a:t>
+                    </a:r>
+                  </a:p>
+                </p:txBody>
+              </p:sp>
+            </mc:Fallback>
+          </mc:AlternateContent>
+          <mc:AlternateContent xmlns:mc="http://schemas.openxmlformats.org/markup-compatibility/2006">
+            <mc:Choice xmlns:a14="http://schemas.microsoft.com/office/drawing/2010/main" Requires="a14">
+              <p:sp>
+                <p:nvSpPr>
+                  <p:cNvPr id="21" name="TextBox 20">
+                    <a:extLst>
+                      <a:ext uri="{FF2B5EF4-FFF2-40B4-BE49-F238E27FC236}">
+                        <a16:creationId xmlns:a16="http://schemas.microsoft.com/office/drawing/2014/main" id="{ED02A0B7-75B0-B54E-B363-FBD1BA610B3D}"/>
+                      </a:ext>
+                    </a:extLst>
+                  </p:cNvPr>
+                  <p:cNvSpPr txBox="1"/>
+                  <p:nvPr/>
+                </p:nvSpPr>
+                <p:spPr>
+                  <a:xfrm>
+                    <a:off x="4762075" y="5715000"/>
+                    <a:ext cx="267124" cy="419424"/>
+                  </a:xfrm>
+                  <a:prstGeom prst="rect">
+                    <a:avLst/>
+                  </a:prstGeom>
+                  <a:solidFill>
+                    <a:schemeClr val="bg1"/>
+                  </a:solidFill>
+                </p:spPr>
+                <p:txBody>
+                  <a:bodyPr wrap="square" lIns="0" tIns="0" rIns="0" bIns="0" rtlCol="0">
+                    <a:spAutoFit/>
+                  </a:bodyPr>
+                  <a:lstStyle/>
+                  <a:p>
+                    <a14:m>
+                      <m:oMathPara xmlns:m="http://schemas.openxmlformats.org/officeDocument/2006/math">
+                        <m:oMathParaPr>
+                          <m:jc m:val="centerGroup"/>
+                        </m:oMathParaPr>
+                        <m:oMath xmlns:m="http://schemas.openxmlformats.org/officeDocument/2006/math">
+                          <m:r>
+                            <a:rPr lang="en-US" b="0" i="1" smtClean="0">
+                              <a:latin typeface="Cambria Math" panose="02040503050406030204" pitchFamily="18" charset="0"/>
+                            </a:rPr>
+                            <m:t>𝑏</m:t>
+                          </m:r>
+                        </m:oMath>
+                      </m:oMathPara>
+                    </a14:m>
+                    <a:endParaRPr lang="en-US" dirty="0"/>
+                  </a:p>
+                </p:txBody>
+              </p:sp>
+            </mc:Choice>
+            <mc:Fallback>
+              <p:sp>
+                <p:nvSpPr>
+                  <p:cNvPr id="21" name="TextBox 20">
+                    <a:extLst>
+                      <a:ext uri="{FF2B5EF4-FFF2-40B4-BE49-F238E27FC236}">
+                        <a16:creationId xmlns:a16="http://schemas.microsoft.com/office/drawing/2014/main" id="{ED02A0B7-75B0-B54E-B363-FBD1BA610B3D}"/>
+                      </a:ext>
+                    </a:extLst>
+                  </p:cNvPr>
+                  <p:cNvSpPr txBox="1">
+                    <a:spLocks noRot="1" noChangeAspect="1" noMove="1" noResize="1" noEditPoints="1" noAdjustHandles="1" noChangeArrowheads="1" noChangeShapeType="1" noTextEdit="1"/>
+                  </p:cNvSpPr>
+                  <p:nvPr/>
+                </p:nvSpPr>
+                <p:spPr>
+                  <a:xfrm>
+                    <a:off x="4762075" y="5715000"/>
+                    <a:ext cx="267124" cy="419424"/>
+                  </a:xfrm>
+                  <a:prstGeom prst="rect">
+                    <a:avLst/>
+                  </a:prstGeom>
+                  <a:blipFill>
+                    <a:blip r:embed="rId7"/>
+                    <a:stretch>
+                      <a:fillRect l="-26667" r="-26667" b="-13043"/>
+                    </a:stretch>
+                  </a:blipFill>
+                </p:spPr>
+                <p:txBody>
+                  <a:bodyPr/>
+                  <a:lstStyle/>
+                  <a:p>
+                    <a:r>
+                      <a:rPr lang="en-US">
+                        <a:noFill/>
+                      </a:rPr>
+                      <a:t> </a:t>
+                    </a:r>
+                  </a:p>
+                </p:txBody>
+              </p:sp>
+            </mc:Fallback>
+          </mc:AlternateContent>
+          <mc:AlternateContent xmlns:mc="http://schemas.openxmlformats.org/markup-compatibility/2006">
+            <mc:Choice xmlns:a14="http://schemas.microsoft.com/office/drawing/2010/main" Requires="a14">
+              <p:sp>
+                <p:nvSpPr>
+                  <p:cNvPr id="22" name="TextBox 21">
+                    <a:extLst>
+                      <a:ext uri="{FF2B5EF4-FFF2-40B4-BE49-F238E27FC236}">
+                        <a16:creationId xmlns:a16="http://schemas.microsoft.com/office/drawing/2014/main" id="{C2D005F7-2802-484B-B39F-4714700DAE5C}"/>
+                      </a:ext>
+                    </a:extLst>
+                  </p:cNvPr>
+                  <p:cNvSpPr txBox="1"/>
+                  <p:nvPr/>
+                </p:nvSpPr>
+                <p:spPr>
+                  <a:xfrm>
+                    <a:off x="3386918" y="5057001"/>
+                    <a:ext cx="1276283" cy="279616"/>
+                  </a:xfrm>
+                  <a:prstGeom prst="rect">
+                    <a:avLst/>
+                  </a:prstGeom>
+                  <a:solidFill>
+                    <a:schemeClr val="tx2">
+                      <a:lumMod val="40000"/>
+                      <a:lumOff val="60000"/>
+                    </a:schemeClr>
+                  </a:solidFill>
+                </p:spPr>
+                <p:txBody>
+                  <a:bodyPr wrap="none" lIns="0" tIns="0" rIns="0" bIns="0" rtlCol="0">
+                    <a:spAutoFit/>
+                  </a:bodyPr>
+                  <a:lstStyle/>
+                  <a:p>
+                    <a:r>
+                      <a:rPr lang="en-US" sz="1200" b="0" dirty="0"/>
+                      <a:t>Area </a:t>
+                    </a:r>
+                    <a14:m>
+                      <m:oMath xmlns:m="http://schemas.openxmlformats.org/officeDocument/2006/math">
+                        <m:r>
+                          <a:rPr lang="en-US" sz="1200" b="0" i="1" smtClean="0">
+                            <a:latin typeface="Cambria Math" panose="02040503050406030204" pitchFamily="18" charset="0"/>
+                          </a:rPr>
+                          <m:t>=1−</m:t>
+                        </m:r>
+                        <m:r>
+                          <a:rPr lang="en-US" sz="1200" b="0" i="1" smtClean="0">
+                            <a:latin typeface="Cambria Math" panose="02040503050406030204" pitchFamily="18" charset="0"/>
+                          </a:rPr>
+                          <m:t>𝛼</m:t>
+                        </m:r>
+                      </m:oMath>
+                    </a14:m>
+                    <a:endParaRPr lang="en-US" sz="1200" dirty="0"/>
+                  </a:p>
+                </p:txBody>
+              </p:sp>
+            </mc:Choice>
+            <mc:Fallback>
+              <p:sp>
+                <p:nvSpPr>
+                  <p:cNvPr id="22" name="TextBox 21">
+                    <a:extLst>
+                      <a:ext uri="{FF2B5EF4-FFF2-40B4-BE49-F238E27FC236}">
+                        <a16:creationId xmlns:a16="http://schemas.microsoft.com/office/drawing/2014/main" id="{C2D005F7-2802-484B-B39F-4714700DAE5C}"/>
+                      </a:ext>
+                    </a:extLst>
+                  </p:cNvPr>
+                  <p:cNvSpPr txBox="1">
+                    <a:spLocks noRot="1" noChangeAspect="1" noMove="1" noResize="1" noEditPoints="1" noAdjustHandles="1" noChangeArrowheads="1" noChangeShapeType="1" noTextEdit="1"/>
+                  </p:cNvSpPr>
+                  <p:nvPr/>
+                </p:nvSpPr>
+                <p:spPr>
+                  <a:xfrm>
+                    <a:off x="3386918" y="5057001"/>
+                    <a:ext cx="1276283" cy="279616"/>
+                  </a:xfrm>
+                  <a:prstGeom prst="rect">
+                    <a:avLst/>
+                  </a:prstGeom>
+                  <a:blipFill>
+                    <a:blip r:embed="rId8"/>
+                    <a:stretch>
+                      <a:fillRect l="-8451" t="-18750" r="-2817" b="-43750"/>
+                    </a:stretch>
+                  </a:blipFill>
+                </p:spPr>
+                <p:txBody>
+                  <a:bodyPr/>
+                  <a:lstStyle/>
+                  <a:p>
+                    <a:r>
+                      <a:rPr lang="en-US">
+                        <a:noFill/>
+                      </a:rPr>
+                      <a:t> </a:t>
+                    </a:r>
+                  </a:p>
+                </p:txBody>
+              </p:sp>
+            </mc:Fallback>
+          </mc:AlternateContent>
+        </p:grpSp>
+        <mc:AlternateContent xmlns:mc="http://schemas.openxmlformats.org/markup-compatibility/2006">
+          <mc:Choice xmlns:a14="http://schemas.microsoft.com/office/drawing/2010/main" Requires="a14">
+            <p:sp>
+              <p:nvSpPr>
+                <p:cNvPr id="13" name="TextBox 12">
+                  <a:extLst>
+                    <a:ext uri="{FF2B5EF4-FFF2-40B4-BE49-F238E27FC236}">
+                      <a16:creationId xmlns:a16="http://schemas.microsoft.com/office/drawing/2014/main" id="{26E09CCA-EA04-B847-9C56-2DFA900DEAEE}"/>
+                    </a:ext>
+                  </a:extLst>
+                </p:cNvPr>
+                <p:cNvSpPr txBox="1"/>
+                <p:nvPr/>
+              </p:nvSpPr>
+              <p:spPr>
+                <a:xfrm>
+                  <a:off x="3235594" y="4117245"/>
+                  <a:ext cx="1674421" cy="388550"/>
+                </a:xfrm>
+                <a:prstGeom prst="rect">
+                  <a:avLst/>
+                </a:prstGeom>
+                <a:solidFill>
+                  <a:schemeClr val="bg1"/>
+                </a:solidFill>
+              </p:spPr>
+              <p:txBody>
+                <a:bodyPr wrap="none" lIns="0" tIns="0" rIns="0" bIns="0" rtlCol="0">
+                  <a:spAutoFit/>
+                </a:bodyPr>
+                <a:lstStyle/>
+                <a:p>
+                  <a14:m>
+                    <m:oMath xmlns:m="http://schemas.openxmlformats.org/officeDocument/2006/math">
+                      <m:acc>
+                        <m:accPr>
+                          <m:chr m:val="̂"/>
+                          <m:ctrlPr>
+                            <a:rPr lang="en-US" sz="1600" b="0" i="1" smtClean="0">
+                              <a:latin typeface="Cambria Math" panose="02040503050406030204" pitchFamily="18" charset="0"/>
+                            </a:rPr>
+                          </m:ctrlPr>
+                        </m:accPr>
+                        <m:e>
+                          <m:r>
+                            <a:rPr lang="en-US" sz="1600" b="0" i="1" smtClean="0">
+                              <a:latin typeface="Cambria Math" panose="02040503050406030204" pitchFamily="18" charset="0"/>
+                            </a:rPr>
+                            <m:t>𝜃</m:t>
+                          </m:r>
+                        </m:e>
+                      </m:acc>
+                    </m:oMath>
+                  </a14:m>
+                  <a:r>
+                    <a:rPr lang="en-US" sz="1600" dirty="0"/>
+                    <a:t> distribution</a:t>
+                  </a:r>
+                </a:p>
+              </p:txBody>
+            </p:sp>
+          </mc:Choice>
+          <mc:Fallback>
+            <p:sp>
+              <p:nvSpPr>
+                <p:cNvPr id="13" name="TextBox 12">
+                  <a:extLst>
+                    <a:ext uri="{FF2B5EF4-FFF2-40B4-BE49-F238E27FC236}">
+                      <a16:creationId xmlns:a16="http://schemas.microsoft.com/office/drawing/2014/main" id="{26E09CCA-EA04-B847-9C56-2DFA900DEAEE}"/>
+                    </a:ext>
+                  </a:extLst>
+                </p:cNvPr>
+                <p:cNvSpPr txBox="1">
+                  <a:spLocks noRot="1" noChangeAspect="1" noMove="1" noResize="1" noEditPoints="1" noAdjustHandles="1" noChangeArrowheads="1" noChangeShapeType="1" noTextEdit="1"/>
+                </p:cNvSpPr>
+                <p:nvPr/>
+              </p:nvSpPr>
+              <p:spPr>
+                <a:xfrm>
+                  <a:off x="3235594" y="4117245"/>
+                  <a:ext cx="1674421" cy="388550"/>
+                </a:xfrm>
+                <a:prstGeom prst="rect">
+                  <a:avLst/>
+                </a:prstGeom>
+                <a:blipFill>
+                  <a:blip r:embed="rId9"/>
+                  <a:stretch>
+                    <a:fillRect l="-6452" t="-19048" r="-8602" b="-42857"/>
+                  </a:stretch>
+                </a:blipFill>
+              </p:spPr>
+              <p:txBody>
+                <a:bodyPr/>
+                <a:lstStyle/>
+                <a:p>
+                  <a:r>
+                    <a:rPr lang="en-US">
+                      <a:noFill/>
+                    </a:rPr>
+                    <a:t> </a:t>
+                  </a:r>
+                </a:p>
+              </p:txBody>
+            </p:sp>
+          </mc:Fallback>
+        </mc:AlternateContent>
+        <mc:AlternateContent xmlns:mc="http://schemas.openxmlformats.org/markup-compatibility/2006">
+          <mc:Choice xmlns:a14="http://schemas.microsoft.com/office/drawing/2010/main" Requires="a14">
+            <p:sp>
+              <p:nvSpPr>
+                <p:cNvPr id="14" name="TextBox 13">
+                  <a:extLst>
+                    <a:ext uri="{FF2B5EF4-FFF2-40B4-BE49-F238E27FC236}">
+                      <a16:creationId xmlns:a16="http://schemas.microsoft.com/office/drawing/2014/main" id="{6F8C23BF-4376-A644-9E08-19ED35EAE3FB}"/>
+                    </a:ext>
+                  </a:extLst>
+                </p:cNvPr>
+                <p:cNvSpPr txBox="1"/>
+                <p:nvPr/>
+              </p:nvSpPr>
+              <p:spPr>
+                <a:xfrm>
+                  <a:off x="3938832" y="5231161"/>
+                  <a:ext cx="821518" cy="408550"/>
+                </a:xfrm>
+                <a:prstGeom prst="rect">
+                  <a:avLst/>
+                </a:prstGeom>
+                <a:noFill/>
+              </p:spPr>
+              <p:txBody>
+                <a:bodyPr wrap="none" lIns="0" tIns="0" rIns="0" bIns="0" rtlCol="0">
+                  <a:spAutoFit/>
+                </a:bodyPr>
+                <a:lstStyle/>
+                <a:p>
+                  <a:r>
+                    <a:rPr lang="en-US" sz="1200" b="0" dirty="0"/>
+                    <a:t>Area = </a:t>
+                  </a:r>
+                  <a14:m>
+                    <m:oMath xmlns:m="http://schemas.openxmlformats.org/officeDocument/2006/math">
+                      <m:f>
+                        <m:fPr>
+                          <m:ctrlPr>
+                            <a:rPr lang="en-US" sz="1200" b="0" i="1" smtClean="0">
+                              <a:latin typeface="Cambria Math" panose="02040503050406030204" pitchFamily="18" charset="0"/>
+                            </a:rPr>
+                          </m:ctrlPr>
+                        </m:fPr>
+                        <m:num>
+                          <m:r>
+                            <a:rPr lang="en-US" sz="1200" b="0" i="1" smtClean="0">
+                              <a:latin typeface="Cambria Math" panose="02040503050406030204" pitchFamily="18" charset="0"/>
+                            </a:rPr>
+                            <m:t>𝜃</m:t>
+                          </m:r>
+                        </m:num>
+                        <m:den>
+                          <m:r>
+                            <a:rPr lang="en-US" sz="1200" b="0" i="1" smtClean="0">
+                              <a:latin typeface="Cambria Math" panose="02040503050406030204" pitchFamily="18" charset="0"/>
+                            </a:rPr>
+                            <m:t>2</m:t>
+                          </m:r>
+                        </m:den>
+                      </m:f>
+                    </m:oMath>
+                  </a14:m>
+                  <a:endParaRPr lang="en-US" sz="1200" dirty="0"/>
+                </a:p>
+              </p:txBody>
+            </p:sp>
+          </mc:Choice>
+          <mc:Fallback>
+            <p:sp>
+              <p:nvSpPr>
+                <p:cNvPr id="14" name="TextBox 13">
+                  <a:extLst>
+                    <a:ext uri="{FF2B5EF4-FFF2-40B4-BE49-F238E27FC236}">
+                      <a16:creationId xmlns:a16="http://schemas.microsoft.com/office/drawing/2014/main" id="{6F8C23BF-4376-A644-9E08-19ED35EAE3FB}"/>
+                    </a:ext>
+                  </a:extLst>
+                </p:cNvPr>
+                <p:cNvSpPr txBox="1">
+                  <a:spLocks noRot="1" noChangeAspect="1" noMove="1" noResize="1" noEditPoints="1" noAdjustHandles="1" noChangeArrowheads="1" noChangeShapeType="1" noTextEdit="1"/>
+                </p:cNvSpPr>
+                <p:nvPr/>
+              </p:nvSpPr>
+              <p:spPr>
+                <a:xfrm>
+                  <a:off x="3938832" y="5231161"/>
+                  <a:ext cx="821518" cy="408550"/>
+                </a:xfrm>
+                <a:prstGeom prst="rect">
+                  <a:avLst/>
+                </a:prstGeom>
+                <a:blipFill>
+                  <a:blip r:embed="rId10"/>
+                  <a:stretch>
+                    <a:fillRect l="-12766" r="-4255" b="-18182"/>
+                  </a:stretch>
+                </a:blipFill>
+              </p:spPr>
+              <p:txBody>
+                <a:bodyPr/>
+                <a:lstStyle/>
+                <a:p>
+                  <a:r>
+                    <a:rPr lang="en-US">
+                      <a:noFill/>
+                    </a:rPr>
+                    <a:t> </a:t>
+                  </a:r>
+                </a:p>
+              </p:txBody>
+            </p:sp>
+          </mc:Fallback>
+        </mc:AlternateContent>
+        <mc:AlternateContent xmlns:mc="http://schemas.openxmlformats.org/markup-compatibility/2006">
+          <mc:Choice xmlns:a14="http://schemas.microsoft.com/office/drawing/2010/main" Requires="a14">
+            <p:sp>
+              <p:nvSpPr>
+                <p:cNvPr id="15" name="TextBox 14">
+                  <a:extLst>
+                    <a:ext uri="{FF2B5EF4-FFF2-40B4-BE49-F238E27FC236}">
+                      <a16:creationId xmlns:a16="http://schemas.microsoft.com/office/drawing/2014/main" id="{FABE7394-AD65-BF4F-9A26-3A4548DF83BD}"/>
+                    </a:ext>
+                  </a:extLst>
+                </p:cNvPr>
+                <p:cNvSpPr txBox="1"/>
+                <p:nvPr/>
+              </p:nvSpPr>
+              <p:spPr>
+                <a:xfrm>
+                  <a:off x="695086" y="5205458"/>
+                  <a:ext cx="821518" cy="408550"/>
+                </a:xfrm>
+                <a:prstGeom prst="rect">
+                  <a:avLst/>
+                </a:prstGeom>
+                <a:noFill/>
+              </p:spPr>
+              <p:txBody>
+                <a:bodyPr wrap="none" lIns="0" tIns="0" rIns="0" bIns="0" rtlCol="0">
+                  <a:spAutoFit/>
+                </a:bodyPr>
+                <a:lstStyle/>
+                <a:p>
+                  <a:r>
+                    <a:rPr lang="en-US" sz="1200" b="0" dirty="0"/>
+                    <a:t>Area = </a:t>
+                  </a:r>
+                  <a14:m>
+                    <m:oMath xmlns:m="http://schemas.openxmlformats.org/officeDocument/2006/math">
+                      <m:f>
+                        <m:fPr>
+                          <m:ctrlPr>
+                            <a:rPr lang="en-US" sz="1200" b="0" i="1" smtClean="0">
+                              <a:latin typeface="Cambria Math" panose="02040503050406030204" pitchFamily="18" charset="0"/>
+                            </a:rPr>
+                          </m:ctrlPr>
+                        </m:fPr>
+                        <m:num>
+                          <m:r>
+                            <a:rPr lang="en-US" sz="1200" b="0" i="1" smtClean="0">
+                              <a:latin typeface="Cambria Math" panose="02040503050406030204" pitchFamily="18" charset="0"/>
+                            </a:rPr>
+                            <m:t>𝜃</m:t>
+                          </m:r>
+                        </m:num>
+                        <m:den>
+                          <m:r>
+                            <a:rPr lang="en-US" sz="1200" b="0" i="1" smtClean="0">
+                              <a:latin typeface="Cambria Math" panose="02040503050406030204" pitchFamily="18" charset="0"/>
+                            </a:rPr>
+                            <m:t>2</m:t>
+                          </m:r>
+                        </m:den>
+                      </m:f>
+                    </m:oMath>
+                  </a14:m>
+                  <a:endParaRPr lang="en-US" sz="1200" dirty="0"/>
+                </a:p>
+              </p:txBody>
+            </p:sp>
+          </mc:Choice>
+          <mc:Fallback>
+            <p:sp>
+              <p:nvSpPr>
+                <p:cNvPr id="15" name="TextBox 14">
+                  <a:extLst>
+                    <a:ext uri="{FF2B5EF4-FFF2-40B4-BE49-F238E27FC236}">
+                      <a16:creationId xmlns:a16="http://schemas.microsoft.com/office/drawing/2014/main" id="{FABE7394-AD65-BF4F-9A26-3A4548DF83BD}"/>
+                    </a:ext>
+                  </a:extLst>
+                </p:cNvPr>
+                <p:cNvSpPr txBox="1">
+                  <a:spLocks noRot="1" noChangeAspect="1" noMove="1" noResize="1" noEditPoints="1" noAdjustHandles="1" noChangeArrowheads="1" noChangeShapeType="1" noTextEdit="1"/>
+                </p:cNvSpPr>
+                <p:nvPr/>
+              </p:nvSpPr>
+              <p:spPr>
+                <a:xfrm>
+                  <a:off x="695086" y="5205458"/>
+                  <a:ext cx="821518" cy="408550"/>
+                </a:xfrm>
+                <a:prstGeom prst="rect">
+                  <a:avLst/>
+                </a:prstGeom>
+                <a:blipFill>
+                  <a:blip r:embed="rId11"/>
+                  <a:stretch>
+                    <a:fillRect l="-17778" r="-4444" b="-18182"/>
+                  </a:stretch>
+                </a:blipFill>
+              </p:spPr>
+              <p:txBody>
+                <a:bodyPr/>
+                <a:lstStyle/>
+                <a:p>
+                  <a:r>
+                    <a:rPr lang="en-US">
+                      <a:noFill/>
+                    </a:rPr>
+                    <a:t> </a:t>
+                  </a:r>
+                </a:p>
+              </p:txBody>
+            </p:sp>
+          </mc:Fallback>
+        </mc:AlternateContent>
+      </p:grpSp>
+    </p:spTree>
+    <p:extLst>
+      <p:ext uri="{BB962C8B-B14F-4D97-AF65-F5344CB8AC3E}">
+        <p14:creationId xmlns:p14="http://schemas.microsoft.com/office/powerpoint/2010/main" val="342624097"/>
+      </p:ext>
+    </p:extLst>
+  </p:cSld>
+  <p:clrMapOvr>
+    <a:masterClrMapping/>
+  </p:clrMapOvr>
+</p:sld>
+</file>
+
+<file path=ppt/slides/slide11.xml><?xml version="1.0" encoding="utf-8"?>
+<p:sld xmlns:a="http://schemas.openxmlformats.org/drawingml/2006/main" xmlns:r="http://schemas.openxmlformats.org/officeDocument/2006/relationships" xmlns:p="http://schemas.openxmlformats.org/presentationml/2006/main">
+  <p:cSld>
+    <p:spTree>
+      <p:nvGrpSpPr>
+        <p:cNvPr id="1" name=""/>
+        <p:cNvGrpSpPr/>
+        <p:nvPr/>
+      </p:nvGrpSpPr>
+      <p:grpSpPr>
+        <a:xfrm>
+          <a:off x="0" y="0"/>
+          <a:ext cx="0" cy="0"/>
+          <a:chOff x="0" y="0"/>
+          <a:chExt cx="0" cy="0"/>
+        </a:xfrm>
+      </p:grpSpPr>
+      <p:sp>
+        <p:nvSpPr>
+          <p:cNvPr id="2" name="Title 1">
+            <a:extLst>
+              <a:ext uri="{FF2B5EF4-FFF2-40B4-BE49-F238E27FC236}">
+                <a16:creationId xmlns:a16="http://schemas.microsoft.com/office/drawing/2014/main" id="{59D8CD8E-D28D-BA48-91E1-D41F2631C049}"/>
+              </a:ext>
+            </a:extLst>
+          </p:cNvPr>
+          <p:cNvSpPr>
+            <a:spLocks noGrp="1"/>
+          </p:cNvSpPr>
+          <p:nvPr>
+            <p:ph type="title"/>
+          </p:nvPr>
+        </p:nvSpPr>
+        <p:spPr/>
+        <p:txBody>
+          <a:bodyPr/>
+          <a:lstStyle/>
+          <a:p>
+            <a:r>
+              <a:rPr lang="en-US" dirty="0"/>
+              <a:t>Backup</a:t>
+            </a:r>
+          </a:p>
+        </p:txBody>
+      </p:sp>
+      <p:sp>
+        <p:nvSpPr>
+          <p:cNvPr id="4" name="Content Placeholder 3">
+            <a:extLst>
+              <a:ext uri="{FF2B5EF4-FFF2-40B4-BE49-F238E27FC236}">
+                <a16:creationId xmlns:a16="http://schemas.microsoft.com/office/drawing/2014/main" id="{5B44CA9C-E409-3C40-8632-4F324145E8F9}"/>
+              </a:ext>
+            </a:extLst>
+          </p:cNvPr>
+          <p:cNvSpPr>
+            <a:spLocks noGrp="1"/>
+          </p:cNvSpPr>
+          <p:nvPr>
+            <p:ph idx="1"/>
+          </p:nvPr>
+        </p:nvSpPr>
+        <p:spPr/>
+        <p:txBody>
+          <a:bodyPr/>
+          <a:lstStyle/>
+          <a:p>
+            <a:endParaRPr lang="en-US" dirty="0"/>
+          </a:p>
+        </p:txBody>
+      </p:sp>
+      <p:sp>
+        <p:nvSpPr>
+          <p:cNvPr id="3" name="Slide Number Placeholder 2">
+            <a:extLst>
+              <a:ext uri="{FF2B5EF4-FFF2-40B4-BE49-F238E27FC236}">
+                <a16:creationId xmlns:a16="http://schemas.microsoft.com/office/drawing/2014/main" id="{1F4F2996-EDB7-B54F-96E0-7945BA027B0A}"/>
+              </a:ext>
+            </a:extLst>
+          </p:cNvPr>
+          <p:cNvSpPr>
+            <a:spLocks noGrp="1"/>
+          </p:cNvSpPr>
+          <p:nvPr>
+            <p:ph type="sldNum" sz="quarter" idx="11"/>
+          </p:nvPr>
+        </p:nvSpPr>
+        <p:spPr/>
+        <p:txBody>
+          <a:bodyPr/>
+          <a:lstStyle/>
+          <a:p>
+            <a:pPr>
+              <a:defRPr/>
+            </a:pPr>
+            <a:fld id="{2E4304A7-0FB2-4094-BC1E-DB17183AD0C1}" type="slidenum">
+              <a:rPr lang="en-US" altLang="x-none" smtClean="0"/>
+              <a:pPr>
+                <a:defRPr/>
+              </a:pPr>
+              <a:t>11</a:t>
+            </a:fld>
+            <a:endParaRPr lang="en-US" altLang="x-none"/>
+          </a:p>
+        </p:txBody>
+      </p:sp>
+    </p:spTree>
+    <p:extLst>
+      <p:ext uri="{BB962C8B-B14F-4D97-AF65-F5344CB8AC3E}">
+        <p14:creationId xmlns:p14="http://schemas.microsoft.com/office/powerpoint/2010/main" val="1471790312"/>
+      </p:ext>
+    </p:extLst>
+  </p:cSld>
+  <p:clrMapOvr>
+    <a:masterClrMapping/>
+  </p:clrMapOvr>
+</p:sld>
+</file>
+
+<file path=ppt/slides/slide12.xml><?xml version="1.0" encoding="utf-8"?>
+<p:sld xmlns:a="http://schemas.openxmlformats.org/drawingml/2006/main" xmlns:r="http://schemas.openxmlformats.org/officeDocument/2006/relationships" xmlns:p="http://schemas.openxmlformats.org/presentationml/2006/main">
+  <p:cSld>
+    <p:spTree>
+      <p:nvGrpSpPr>
+        <p:cNvPr id="1" name=""/>
+        <p:cNvGrpSpPr/>
+        <p:nvPr/>
+      </p:nvGrpSpPr>
+      <p:grpSpPr>
+        <a:xfrm>
+          <a:off x="0" y="0"/>
+          <a:ext cx="0" cy="0"/>
+          <a:chOff x="0" y="0"/>
+          <a:chExt cx="0" cy="0"/>
+        </a:xfrm>
+      </p:grpSpPr>
+      <p:sp>
+        <p:nvSpPr>
+          <p:cNvPr id="2" name="Title 1">
+            <a:extLst>
+              <a:ext uri="{FF2B5EF4-FFF2-40B4-BE49-F238E27FC236}">
+                <a16:creationId xmlns:a16="http://schemas.microsoft.com/office/drawing/2014/main" id="{3C7E67AC-19A8-A84A-AD29-CE9094C8D37C}"/>
+              </a:ext>
+            </a:extLst>
+          </p:cNvPr>
+          <p:cNvSpPr>
+            <a:spLocks noGrp="1"/>
+          </p:cNvSpPr>
+          <p:nvPr>
+            <p:ph type="title"/>
+          </p:nvPr>
+        </p:nvSpPr>
+        <p:spPr/>
+        <p:txBody>
+          <a:bodyPr/>
+          <a:lstStyle/>
+          <a:p>
+            <a:r>
+              <a:rPr lang="en-US" dirty="0"/>
+              <a:t>Generating a Synthetic Response Data</a:t>
+            </a:r>
+          </a:p>
+        </p:txBody>
+      </p:sp>
+      <p:sp>
+        <p:nvSpPr>
+          <p:cNvPr id="4" name="Content Placeholder 3">
+            <a:extLst>
+              <a:ext uri="{FF2B5EF4-FFF2-40B4-BE49-F238E27FC236}">
+                <a16:creationId xmlns:a16="http://schemas.microsoft.com/office/drawing/2014/main" id="{467EA42C-8833-EF4C-974C-06FAC4D63BBB}"/>
+              </a:ext>
+            </a:extLst>
+          </p:cNvPr>
+          <p:cNvSpPr>
+            <a:spLocks noGrp="1"/>
+          </p:cNvSpPr>
+          <p:nvPr>
+            <p:ph idx="1"/>
+          </p:nvPr>
+        </p:nvSpPr>
+        <p:spPr/>
+        <p:txBody>
+          <a:bodyPr/>
+          <a:lstStyle/>
+          <a:p>
+            <a:pPr marL="0" indent="0">
+              <a:buNone/>
+            </a:pPr>
+            <a:r>
+              <a:rPr lang="en-US" sz="2000" dirty="0">
+                <a:latin typeface="Courier New" panose="02070309020205020404" pitchFamily="49" charset="0"/>
+                <a:cs typeface="Courier New" panose="02070309020205020404" pitchFamily="49" charset="0"/>
+              </a:rPr>
+              <a:t>def </a:t>
+            </a:r>
+            <a:r>
+              <a:rPr lang="en-US" sz="2000" dirty="0" err="1">
+                <a:latin typeface="Courier New" panose="02070309020205020404" pitchFamily="49" charset="0"/>
+                <a:cs typeface="Courier New" panose="02070309020205020404" pitchFamily="49" charset="0"/>
+              </a:rPr>
+              <a:t>generateData</a:t>
+            </a:r>
+            <a:r>
+              <a:rPr lang="en-US" sz="2000" dirty="0">
+                <a:latin typeface="Courier New" panose="02070309020205020404" pitchFamily="49" charset="0"/>
+                <a:cs typeface="Courier New" panose="02070309020205020404" pitchFamily="49" charset="0"/>
+              </a:rPr>
+              <a:t>(</a:t>
+            </a:r>
+            <a:r>
+              <a:rPr lang="en-US" sz="2000" dirty="0" err="1">
+                <a:latin typeface="Courier New" panose="02070309020205020404" pitchFamily="49" charset="0"/>
+                <a:cs typeface="Courier New" panose="02070309020205020404" pitchFamily="49" charset="0"/>
+              </a:rPr>
+              <a:t>y_obs</a:t>
+            </a:r>
+            <a:r>
+              <a:rPr lang="en-US" sz="2000" dirty="0">
+                <a:latin typeface="Courier New" panose="02070309020205020404" pitchFamily="49" charset="0"/>
+                <a:cs typeface="Courier New" panose="02070309020205020404" pitchFamily="49" charset="0"/>
+              </a:rPr>
+              <a:t>, </a:t>
+            </a:r>
+            <a:r>
+              <a:rPr lang="en-US" sz="2000" dirty="0" err="1">
+                <a:latin typeface="Courier New" panose="02070309020205020404" pitchFamily="49" charset="0"/>
+                <a:cs typeface="Courier New" panose="02070309020205020404" pitchFamily="49" charset="0"/>
+              </a:rPr>
+              <a:t>y_fit</a:t>
+            </a:r>
+            <a:r>
+              <a:rPr lang="en-US" sz="2000" dirty="0">
+                <a:latin typeface="Courier New" panose="02070309020205020404" pitchFamily="49" charset="0"/>
+                <a:cs typeface="Courier New" panose="02070309020205020404" pitchFamily="49" charset="0"/>
+              </a:rPr>
+              <a:t>):</a:t>
+            </a:r>
+          </a:p>
+          <a:p>
+            <a:pPr marL="0" indent="0">
+              <a:buNone/>
+            </a:pPr>
+            <a:r>
+              <a:rPr lang="en-US" sz="2000" dirty="0">
+                <a:latin typeface="Courier New" panose="02070309020205020404" pitchFamily="49" charset="0"/>
+                <a:cs typeface="Courier New" panose="02070309020205020404" pitchFamily="49" charset="0"/>
+              </a:rPr>
+              <a:t>    """</a:t>
+            </a:r>
+          </a:p>
+          <a:p>
+            <a:pPr marL="0" indent="0">
+              <a:buNone/>
+            </a:pPr>
+            <a:r>
+              <a:rPr lang="en-US" sz="2000" dirty="0">
+                <a:latin typeface="Courier New" panose="02070309020205020404" pitchFamily="49" charset="0"/>
+                <a:cs typeface="Courier New" panose="02070309020205020404" pitchFamily="49" charset="0"/>
+              </a:rPr>
+              <a:t>    :</a:t>
+            </a:r>
+            <a:r>
+              <a:rPr lang="en-US" sz="2000" dirty="0" err="1">
+                <a:latin typeface="Courier New" panose="02070309020205020404" pitchFamily="49" charset="0"/>
+                <a:cs typeface="Courier New" panose="02070309020205020404" pitchFamily="49" charset="0"/>
+              </a:rPr>
+              <a:t>param</a:t>
+            </a:r>
+            <a:r>
+              <a:rPr lang="en-US" sz="2000" dirty="0">
+                <a:latin typeface="Courier New" panose="02070309020205020404" pitchFamily="49" charset="0"/>
+                <a:cs typeface="Courier New" panose="02070309020205020404" pitchFamily="49" charset="0"/>
+              </a:rPr>
+              <a:t> </a:t>
+            </a:r>
+            <a:r>
+              <a:rPr lang="en-US" sz="2000" dirty="0" err="1">
+                <a:latin typeface="Courier New" panose="02070309020205020404" pitchFamily="49" charset="0"/>
+                <a:cs typeface="Courier New" panose="02070309020205020404" pitchFamily="49" charset="0"/>
+              </a:rPr>
+              <a:t>np.array</a:t>
+            </a:r>
+            <a:r>
+              <a:rPr lang="en-US" sz="2000" dirty="0">
+                <a:latin typeface="Courier New" panose="02070309020205020404" pitchFamily="49" charset="0"/>
+                <a:cs typeface="Courier New" panose="02070309020205020404" pitchFamily="49" charset="0"/>
+              </a:rPr>
+              <a:t> </a:t>
+            </a:r>
+            <a:r>
+              <a:rPr lang="en-US" sz="2000" dirty="0" err="1">
+                <a:latin typeface="Courier New" panose="02070309020205020404" pitchFamily="49" charset="0"/>
+                <a:cs typeface="Courier New" panose="02070309020205020404" pitchFamily="49" charset="0"/>
+              </a:rPr>
+              <a:t>y_obs</a:t>
+            </a:r>
+            <a:endParaRPr lang="en-US" sz="2000" dirty="0">
+              <a:latin typeface="Courier New" panose="02070309020205020404" pitchFamily="49" charset="0"/>
+              <a:cs typeface="Courier New" panose="02070309020205020404" pitchFamily="49" charset="0"/>
+            </a:endParaRPr>
+          </a:p>
+          <a:p>
+            <a:pPr marL="0" indent="0">
+              <a:buNone/>
+            </a:pPr>
+            <a:r>
+              <a:rPr lang="en-US" sz="2000" dirty="0">
+                <a:latin typeface="Courier New" panose="02070309020205020404" pitchFamily="49" charset="0"/>
+                <a:cs typeface="Courier New" panose="02070309020205020404" pitchFamily="49" charset="0"/>
+              </a:rPr>
+              <a:t>    :</a:t>
+            </a:r>
+            <a:r>
+              <a:rPr lang="en-US" sz="2000" dirty="0" err="1">
+                <a:latin typeface="Courier New" panose="02070309020205020404" pitchFamily="49" charset="0"/>
+                <a:cs typeface="Courier New" panose="02070309020205020404" pitchFamily="49" charset="0"/>
+              </a:rPr>
+              <a:t>param</a:t>
+            </a:r>
+            <a:r>
+              <a:rPr lang="en-US" sz="2000" dirty="0">
+                <a:latin typeface="Courier New" panose="02070309020205020404" pitchFamily="49" charset="0"/>
+                <a:cs typeface="Courier New" panose="02070309020205020404" pitchFamily="49" charset="0"/>
+              </a:rPr>
+              <a:t> </a:t>
+            </a:r>
+            <a:r>
+              <a:rPr lang="en-US" sz="2000" dirty="0" err="1">
+                <a:latin typeface="Courier New" panose="02070309020205020404" pitchFamily="49" charset="0"/>
+                <a:cs typeface="Courier New" panose="02070309020205020404" pitchFamily="49" charset="0"/>
+              </a:rPr>
+              <a:t>np.array</a:t>
+            </a:r>
+            <a:r>
+              <a:rPr lang="en-US" sz="2000" dirty="0">
+                <a:latin typeface="Courier New" panose="02070309020205020404" pitchFamily="49" charset="0"/>
+                <a:cs typeface="Courier New" panose="02070309020205020404" pitchFamily="49" charset="0"/>
+              </a:rPr>
+              <a:t> </a:t>
+            </a:r>
+            <a:r>
+              <a:rPr lang="en-US" sz="2000" dirty="0" err="1">
+                <a:latin typeface="Courier New" panose="02070309020205020404" pitchFamily="49" charset="0"/>
+                <a:cs typeface="Courier New" panose="02070309020205020404" pitchFamily="49" charset="0"/>
+              </a:rPr>
+              <a:t>y_fit</a:t>
+            </a:r>
+            <a:endParaRPr lang="en-US" sz="2000" dirty="0">
+              <a:latin typeface="Courier New" panose="02070309020205020404" pitchFamily="49" charset="0"/>
+              <a:cs typeface="Courier New" panose="02070309020205020404" pitchFamily="49" charset="0"/>
+            </a:endParaRPr>
+          </a:p>
+          <a:p>
+            <a:pPr marL="0" indent="0">
+              <a:buNone/>
+            </a:pPr>
+            <a:r>
+              <a:rPr lang="en-US" sz="2000" dirty="0">
+                <a:latin typeface="Courier New" panose="02070309020205020404" pitchFamily="49" charset="0"/>
+                <a:cs typeface="Courier New" panose="02070309020205020404" pitchFamily="49" charset="0"/>
+              </a:rPr>
+              <a:t>    :return </a:t>
+            </a:r>
+            <a:r>
+              <a:rPr lang="en-US" sz="2000" dirty="0" err="1">
+                <a:latin typeface="Courier New" panose="02070309020205020404" pitchFamily="49" charset="0"/>
+                <a:cs typeface="Courier New" panose="02070309020205020404" pitchFamily="49" charset="0"/>
+              </a:rPr>
+              <a:t>np.array</a:t>
+            </a:r>
+            <a:r>
+              <a:rPr lang="en-US" sz="2000" dirty="0">
+                <a:latin typeface="Courier New" panose="02070309020205020404" pitchFamily="49" charset="0"/>
+                <a:cs typeface="Courier New" panose="02070309020205020404" pitchFamily="49" charset="0"/>
+              </a:rPr>
+              <a:t>: bootstrap data</a:t>
+            </a:r>
+          </a:p>
+          <a:p>
+            <a:pPr marL="0" indent="0">
+              <a:buNone/>
+            </a:pPr>
+            <a:r>
+              <a:rPr lang="en-US" sz="2000" dirty="0">
+                <a:latin typeface="Courier New" panose="02070309020205020404" pitchFamily="49" charset="0"/>
+                <a:cs typeface="Courier New" panose="02070309020205020404" pitchFamily="49" charset="0"/>
+              </a:rPr>
+              <a:t>    """</a:t>
+            </a:r>
+          </a:p>
+          <a:p>
+            <a:pPr marL="0" indent="0">
+              <a:buNone/>
+            </a:pPr>
+            <a:r>
+              <a:rPr lang="en-US" sz="2000" dirty="0">
+                <a:latin typeface="Courier New" panose="02070309020205020404" pitchFamily="49" charset="0"/>
+                <a:cs typeface="Courier New" panose="02070309020205020404" pitchFamily="49" charset="0"/>
+              </a:rPr>
+              <a:t>    residuals = </a:t>
+            </a:r>
+            <a:r>
+              <a:rPr lang="en-US" sz="2000" dirty="0" err="1">
+                <a:latin typeface="Courier New" panose="02070309020205020404" pitchFamily="49" charset="0"/>
+                <a:cs typeface="Courier New" panose="02070309020205020404" pitchFamily="49" charset="0"/>
+              </a:rPr>
+              <a:t>y_obs</a:t>
+            </a:r>
+            <a:r>
+              <a:rPr lang="en-US" sz="2000" dirty="0">
+                <a:latin typeface="Courier New" panose="02070309020205020404" pitchFamily="49" charset="0"/>
+                <a:cs typeface="Courier New" panose="02070309020205020404" pitchFamily="49" charset="0"/>
+              </a:rPr>
+              <a:t> - </a:t>
+            </a:r>
+            <a:r>
+              <a:rPr lang="en-US" sz="2000" dirty="0" err="1">
+                <a:latin typeface="Courier New" panose="02070309020205020404" pitchFamily="49" charset="0"/>
+                <a:cs typeface="Courier New" panose="02070309020205020404" pitchFamily="49" charset="0"/>
+              </a:rPr>
+              <a:t>y_fit</a:t>
+            </a:r>
+            <a:endParaRPr lang="en-US" sz="2000" dirty="0">
+              <a:latin typeface="Courier New" panose="02070309020205020404" pitchFamily="49" charset="0"/>
+              <a:cs typeface="Courier New" panose="02070309020205020404" pitchFamily="49" charset="0"/>
+            </a:endParaRPr>
+          </a:p>
+          <a:p>
+            <a:pPr marL="0" indent="0">
+              <a:buNone/>
+            </a:pPr>
+            <a:r>
+              <a:rPr lang="en-US" sz="2000" dirty="0">
+                <a:latin typeface="Courier New" panose="02070309020205020404" pitchFamily="49" charset="0"/>
+                <a:cs typeface="Courier New" panose="02070309020205020404" pitchFamily="49" charset="0"/>
+              </a:rPr>
+              <a:t>    length = </a:t>
+            </a:r>
+            <a:r>
+              <a:rPr lang="en-US" sz="2000" dirty="0" err="1">
+                <a:latin typeface="Courier New" panose="02070309020205020404" pitchFamily="49" charset="0"/>
+                <a:cs typeface="Courier New" panose="02070309020205020404" pitchFamily="49" charset="0"/>
+              </a:rPr>
+              <a:t>len</a:t>
+            </a:r>
+            <a:r>
+              <a:rPr lang="en-US" sz="2000" dirty="0">
+                <a:latin typeface="Courier New" panose="02070309020205020404" pitchFamily="49" charset="0"/>
+                <a:cs typeface="Courier New" panose="02070309020205020404" pitchFamily="49" charset="0"/>
+              </a:rPr>
+              <a:t>(</a:t>
+            </a:r>
+            <a:r>
+              <a:rPr lang="en-US" sz="2000" dirty="0" err="1">
+                <a:latin typeface="Courier New" panose="02070309020205020404" pitchFamily="49" charset="0"/>
+                <a:cs typeface="Courier New" panose="02070309020205020404" pitchFamily="49" charset="0"/>
+              </a:rPr>
+              <a:t>y_obs</a:t>
+            </a:r>
+            <a:r>
+              <a:rPr lang="en-US" sz="2000" dirty="0">
+                <a:latin typeface="Courier New" panose="02070309020205020404" pitchFamily="49" charset="0"/>
+                <a:cs typeface="Courier New" panose="02070309020205020404" pitchFamily="49" charset="0"/>
+              </a:rPr>
+              <a:t>)</a:t>
+            </a:r>
+          </a:p>
+          <a:p>
+            <a:pPr marL="0" indent="0">
+              <a:buNone/>
+            </a:pPr>
+            <a:r>
+              <a:rPr lang="en-US" sz="2000" dirty="0">
+                <a:latin typeface="Courier New" panose="02070309020205020404" pitchFamily="49" charset="0"/>
+                <a:cs typeface="Courier New" panose="02070309020205020404" pitchFamily="49" charset="0"/>
+              </a:rPr>
+              <a:t>    residuals = </a:t>
+            </a:r>
+            <a:r>
+              <a:rPr lang="en-US" sz="2000" dirty="0" err="1">
+                <a:latin typeface="Courier New" panose="02070309020205020404" pitchFamily="49" charset="0"/>
+                <a:cs typeface="Courier New" panose="02070309020205020404" pitchFamily="49" charset="0"/>
+              </a:rPr>
+              <a:t>residuals.reshape</a:t>
+            </a:r>
+            <a:r>
+              <a:rPr lang="en-US" sz="2000" dirty="0">
+                <a:latin typeface="Courier New" panose="02070309020205020404" pitchFamily="49" charset="0"/>
+                <a:cs typeface="Courier New" panose="02070309020205020404" pitchFamily="49" charset="0"/>
+              </a:rPr>
+              <a:t>(length)</a:t>
+            </a:r>
+          </a:p>
+          <a:p>
+            <a:pPr marL="0" indent="0">
+              <a:buNone/>
+            </a:pPr>
+            <a:r>
+              <a:rPr lang="en-US" sz="2000" dirty="0">
+                <a:latin typeface="Courier New" panose="02070309020205020404" pitchFamily="49" charset="0"/>
+                <a:cs typeface="Courier New" panose="02070309020205020404" pitchFamily="49" charset="0"/>
+              </a:rPr>
+              <a:t>    samples = </a:t>
+            </a:r>
+            <a:r>
+              <a:rPr lang="en-US" sz="2000" dirty="0" err="1">
+                <a:latin typeface="Courier New" panose="02070309020205020404" pitchFamily="49" charset="0"/>
+                <a:cs typeface="Courier New" panose="02070309020205020404" pitchFamily="49" charset="0"/>
+              </a:rPr>
+              <a:t>np.random.randint</a:t>
+            </a:r>
+            <a:r>
+              <a:rPr lang="en-US" sz="2000" dirty="0">
+                <a:latin typeface="Courier New" panose="02070309020205020404" pitchFamily="49" charset="0"/>
+                <a:cs typeface="Courier New" panose="02070309020205020404" pitchFamily="49" charset="0"/>
+              </a:rPr>
+              <a:t>(0, length</a:t>
+            </a:r>
+            <a:r>
+              <a:rPr lang="en-US" sz="2000">
+                <a:latin typeface="Courier New" panose="02070309020205020404" pitchFamily="49" charset="0"/>
+                <a:cs typeface="Courier New" panose="02070309020205020404" pitchFamily="49" charset="0"/>
+              </a:rPr>
+              <a:t>, length)</a:t>
+            </a:r>
+            <a:endParaRPr lang="en-US" sz="2000" dirty="0">
+              <a:latin typeface="Courier New" panose="02070309020205020404" pitchFamily="49" charset="0"/>
+              <a:cs typeface="Courier New" panose="02070309020205020404" pitchFamily="49" charset="0"/>
+            </a:endParaRPr>
+          </a:p>
+          <a:p>
+            <a:pPr marL="0" indent="0">
+              <a:buNone/>
+            </a:pPr>
+            <a:r>
+              <a:rPr lang="en-US" sz="2000" dirty="0">
+                <a:latin typeface="Courier New" panose="02070309020205020404" pitchFamily="49" charset="0"/>
+                <a:cs typeface="Courier New" panose="02070309020205020404" pitchFamily="49" charset="0"/>
+              </a:rPr>
+              <a:t>    result = </a:t>
+            </a:r>
+            <a:r>
+              <a:rPr lang="en-US" sz="2000" dirty="0" err="1">
+                <a:latin typeface="Courier New" panose="02070309020205020404" pitchFamily="49" charset="0"/>
+                <a:cs typeface="Courier New" panose="02070309020205020404" pitchFamily="49" charset="0"/>
+              </a:rPr>
+              <a:t>y_fit</a:t>
+            </a:r>
+            <a:r>
+              <a:rPr lang="en-US" sz="2000" dirty="0">
+                <a:latin typeface="Courier New" panose="02070309020205020404" pitchFamily="49" charset="0"/>
+                <a:cs typeface="Courier New" panose="02070309020205020404" pitchFamily="49" charset="0"/>
+              </a:rPr>
+              <a:t> + residuals[samples]</a:t>
+            </a:r>
+          </a:p>
+          <a:p>
+            <a:pPr marL="0" indent="0">
+              <a:buNone/>
+            </a:pPr>
+            <a:r>
+              <a:rPr lang="en-US" sz="2000" dirty="0">
+                <a:latin typeface="Courier New" panose="02070309020205020404" pitchFamily="49" charset="0"/>
+                <a:cs typeface="Courier New" panose="02070309020205020404" pitchFamily="49" charset="0"/>
+              </a:rPr>
+              <a:t>    result = </a:t>
+            </a:r>
+            <a:r>
+              <a:rPr lang="en-US" sz="2000" dirty="0" err="1">
+                <a:latin typeface="Courier New" panose="02070309020205020404" pitchFamily="49" charset="0"/>
+                <a:cs typeface="Courier New" panose="02070309020205020404" pitchFamily="49" charset="0"/>
+              </a:rPr>
+              <a:t>result.reshape</a:t>
+            </a:r>
+            <a:r>
+              <a:rPr lang="en-US" sz="2000" dirty="0">
+                <a:latin typeface="Courier New" panose="02070309020205020404" pitchFamily="49" charset="0"/>
+                <a:cs typeface="Courier New" panose="02070309020205020404" pitchFamily="49" charset="0"/>
+              </a:rPr>
+              <a:t>(length)</a:t>
+            </a:r>
+          </a:p>
+          <a:p>
+            <a:pPr marL="0" indent="0">
+              <a:buNone/>
+            </a:pPr>
+            <a:r>
+              <a:rPr lang="en-US" sz="2000" dirty="0">
+                <a:latin typeface="Courier New" panose="02070309020205020404" pitchFamily="49" charset="0"/>
+                <a:cs typeface="Courier New" panose="02070309020205020404" pitchFamily="49" charset="0"/>
+              </a:rPr>
+              <a:t>    return result</a:t>
+            </a:r>
+          </a:p>
+        </p:txBody>
+      </p:sp>
+      <p:sp>
+        <p:nvSpPr>
+          <p:cNvPr id="3" name="Slide Number Placeholder 2">
+            <a:extLst>
+              <a:ext uri="{FF2B5EF4-FFF2-40B4-BE49-F238E27FC236}">
+                <a16:creationId xmlns:a16="http://schemas.microsoft.com/office/drawing/2014/main" id="{9726B264-DF07-A34E-A052-73194C3256CB}"/>
+              </a:ext>
+            </a:extLst>
+          </p:cNvPr>
+          <p:cNvSpPr>
+            <a:spLocks noGrp="1"/>
+          </p:cNvSpPr>
+          <p:nvPr>
+            <p:ph type="sldNum" sz="quarter" idx="11"/>
+          </p:nvPr>
+        </p:nvSpPr>
+        <p:spPr/>
+        <p:txBody>
+          <a:bodyPr/>
+          <a:lstStyle/>
+          <a:p>
+            <a:pPr>
+              <a:defRPr/>
+            </a:pPr>
+            <a:fld id="{2E4304A7-0FB2-4094-BC1E-DB17183AD0C1}" type="slidenum">
+              <a:rPr lang="en-US" altLang="x-none" smtClean="0"/>
+              <a:pPr>
+                <a:defRPr/>
+              </a:pPr>
+              <a:t>12</a:t>
+            </a:fld>
+            <a:endParaRPr lang="en-US" altLang="x-none"/>
+          </a:p>
+        </p:txBody>
+      </p:sp>
+    </p:spTree>
+    <p:extLst>
+      <p:ext uri="{BB962C8B-B14F-4D97-AF65-F5344CB8AC3E}">
+        <p14:creationId xmlns:p14="http://schemas.microsoft.com/office/powerpoint/2010/main" val="3092477408"/>
+      </p:ext>
+    </p:extLst>
+  </p:cSld>
+  <p:clrMapOvr>
+    <a:masterClrMapping/>
+  </p:clrMapOvr>
+</p:sld>
+</file>
+
+<file path=ppt/slides/slide13.xml><?xml version="1.0" encoding="utf-8"?>
 <p:sld xmlns:a="http://schemas.openxmlformats.org/drawingml/2006/main" xmlns:r="http://schemas.openxmlformats.org/officeDocument/2006/relationships" xmlns:p="http://schemas.openxmlformats.org/presentationml/2006/main">
   <p:cSld>
     <p:spTree>
@@ -5166,7 +7830,7 @@
               <a:pPr>
                 <a:defRPr/>
               </a:pPr>
-              <a:t>10</a:t>
+              <a:t>13</a:t>
             </a:fld>
             <a:endParaRPr lang="en-US" altLang="x-none"/>
           </a:p>
@@ -5295,7 +7959,7 @@
     </p:spTree>
     <p:extLst>
       <p:ext uri="{BB962C8B-B14F-4D97-AF65-F5344CB8AC3E}">
-        <p14:creationId xmlns:p14="http://schemas.microsoft.com/office/powerpoint/2010/main" val="3977553218"/>
+        <p14:creationId xmlns:p14="http://schemas.microsoft.com/office/powerpoint/2010/main" val="669176245"/>
       </p:ext>
     </p:extLst>
   </p:cSld>
@@ -5407,7 +8071,7 @@
 </p:sld>
 </file>
 
-<file path=ppt/slides/slide11.xml><?xml version="1.0" encoding="utf-8"?>
+<file path=ppt/slides/slide14.xml><?xml version="1.0" encoding="utf-8"?>
 <p:sld xmlns:a="http://schemas.openxmlformats.org/drawingml/2006/main" xmlns:r="http://schemas.openxmlformats.org/officeDocument/2006/relationships" xmlns:p="http://schemas.openxmlformats.org/presentationml/2006/main">
   <p:cSld>
     <p:spTree>
@@ -5426,470 +8090,10 @@
       </p:grpSpPr>
       <p:sp>
         <p:nvSpPr>
-          <p:cNvPr id="2" name="Title 1">
+          <p:cNvPr id="4" name="Slide Number Placeholder 3">
             <a:extLst>
               <a:ext uri="{FF2B5EF4-FFF2-40B4-BE49-F238E27FC236}">
-                <a16:creationId xmlns:a16="http://schemas.microsoft.com/office/drawing/2014/main" id="{3C7E67AC-19A8-A84A-AD29-CE9094C8D37C}"/>
-              </a:ext>
-            </a:extLst>
-          </p:cNvPr>
-          <p:cNvSpPr>
-            <a:spLocks noGrp="1"/>
-          </p:cNvSpPr>
-          <p:nvPr>
-            <p:ph type="title"/>
-          </p:nvPr>
-        </p:nvSpPr>
-        <p:spPr/>
-        <p:txBody>
-          <a:bodyPr/>
-          <a:lstStyle/>
-          <a:p>
-            <a:r>
-              <a:rPr lang="en-US" dirty="0"/>
-              <a:t>Generating a Synthetic Response Data</a:t>
-            </a:r>
-          </a:p>
-        </p:txBody>
-      </p:sp>
-      <p:sp>
-        <p:nvSpPr>
-          <p:cNvPr id="4" name="Content Placeholder 3">
-            <a:extLst>
-              <a:ext uri="{FF2B5EF4-FFF2-40B4-BE49-F238E27FC236}">
-                <a16:creationId xmlns:a16="http://schemas.microsoft.com/office/drawing/2014/main" id="{467EA42C-8833-EF4C-974C-06FAC4D63BBB}"/>
-              </a:ext>
-            </a:extLst>
-          </p:cNvPr>
-          <p:cNvSpPr>
-            <a:spLocks noGrp="1"/>
-          </p:cNvSpPr>
-          <p:nvPr>
-            <p:ph idx="1"/>
-          </p:nvPr>
-        </p:nvSpPr>
-        <p:spPr/>
-        <p:txBody>
-          <a:bodyPr/>
-          <a:lstStyle/>
-          <a:p>
-            <a:pPr marL="0" indent="0">
-              <a:buNone/>
-            </a:pPr>
-            <a:r>
-              <a:rPr lang="en-US" sz="2000" dirty="0">
-                <a:latin typeface="Courier New" panose="02070309020205020404" pitchFamily="49" charset="0"/>
-                <a:cs typeface="Courier New" panose="02070309020205020404" pitchFamily="49" charset="0"/>
-              </a:rPr>
-              <a:t>def </a:t>
-            </a:r>
-            <a:r>
-              <a:rPr lang="en-US" sz="2000" dirty="0" err="1">
-                <a:latin typeface="Courier New" panose="02070309020205020404" pitchFamily="49" charset="0"/>
-                <a:cs typeface="Courier New" panose="02070309020205020404" pitchFamily="49" charset="0"/>
-              </a:rPr>
-              <a:t>generateData</a:t>
-            </a:r>
-            <a:r>
-              <a:rPr lang="en-US" sz="2000" dirty="0">
-                <a:latin typeface="Courier New" panose="02070309020205020404" pitchFamily="49" charset="0"/>
-                <a:cs typeface="Courier New" panose="02070309020205020404" pitchFamily="49" charset="0"/>
-              </a:rPr>
-              <a:t>(</a:t>
-            </a:r>
-            <a:r>
-              <a:rPr lang="en-US" sz="2000" dirty="0" err="1">
-                <a:latin typeface="Courier New" panose="02070309020205020404" pitchFamily="49" charset="0"/>
-                <a:cs typeface="Courier New" panose="02070309020205020404" pitchFamily="49" charset="0"/>
-              </a:rPr>
-              <a:t>y_obs</a:t>
-            </a:r>
-            <a:r>
-              <a:rPr lang="en-US" sz="2000" dirty="0">
-                <a:latin typeface="Courier New" panose="02070309020205020404" pitchFamily="49" charset="0"/>
-                <a:cs typeface="Courier New" panose="02070309020205020404" pitchFamily="49" charset="0"/>
-              </a:rPr>
-              <a:t>, </a:t>
-            </a:r>
-            <a:r>
-              <a:rPr lang="en-US" sz="2000" dirty="0" err="1">
-                <a:latin typeface="Courier New" panose="02070309020205020404" pitchFamily="49" charset="0"/>
-                <a:cs typeface="Courier New" panose="02070309020205020404" pitchFamily="49" charset="0"/>
-              </a:rPr>
-              <a:t>y_fit</a:t>
-            </a:r>
-            <a:r>
-              <a:rPr lang="en-US" sz="2000" dirty="0">
-                <a:latin typeface="Courier New" panose="02070309020205020404" pitchFamily="49" charset="0"/>
-                <a:cs typeface="Courier New" panose="02070309020205020404" pitchFamily="49" charset="0"/>
-              </a:rPr>
-              <a:t>):</a:t>
-            </a:r>
-          </a:p>
-          <a:p>
-            <a:pPr marL="0" indent="0">
-              <a:buNone/>
-            </a:pPr>
-            <a:r>
-              <a:rPr lang="en-US" sz="2000" dirty="0">
-                <a:latin typeface="Courier New" panose="02070309020205020404" pitchFamily="49" charset="0"/>
-                <a:cs typeface="Courier New" panose="02070309020205020404" pitchFamily="49" charset="0"/>
-              </a:rPr>
-              <a:t>    """</a:t>
-            </a:r>
-          </a:p>
-          <a:p>
-            <a:pPr marL="0" indent="0">
-              <a:buNone/>
-            </a:pPr>
-            <a:r>
-              <a:rPr lang="en-US" sz="2000" dirty="0">
-                <a:latin typeface="Courier New" panose="02070309020205020404" pitchFamily="49" charset="0"/>
-                <a:cs typeface="Courier New" panose="02070309020205020404" pitchFamily="49" charset="0"/>
-              </a:rPr>
-              <a:t>    :</a:t>
-            </a:r>
-            <a:r>
-              <a:rPr lang="en-US" sz="2000" dirty="0" err="1">
-                <a:latin typeface="Courier New" panose="02070309020205020404" pitchFamily="49" charset="0"/>
-                <a:cs typeface="Courier New" panose="02070309020205020404" pitchFamily="49" charset="0"/>
-              </a:rPr>
-              <a:t>param</a:t>
-            </a:r>
-            <a:r>
-              <a:rPr lang="en-US" sz="2000" dirty="0">
-                <a:latin typeface="Courier New" panose="02070309020205020404" pitchFamily="49" charset="0"/>
-                <a:cs typeface="Courier New" panose="02070309020205020404" pitchFamily="49" charset="0"/>
-              </a:rPr>
-              <a:t> </a:t>
-            </a:r>
-            <a:r>
-              <a:rPr lang="en-US" sz="2000" dirty="0" err="1">
-                <a:latin typeface="Courier New" panose="02070309020205020404" pitchFamily="49" charset="0"/>
-                <a:cs typeface="Courier New" panose="02070309020205020404" pitchFamily="49" charset="0"/>
-              </a:rPr>
-              <a:t>np.array</a:t>
-            </a:r>
-            <a:r>
-              <a:rPr lang="en-US" sz="2000" dirty="0">
-                <a:latin typeface="Courier New" panose="02070309020205020404" pitchFamily="49" charset="0"/>
-                <a:cs typeface="Courier New" panose="02070309020205020404" pitchFamily="49" charset="0"/>
-              </a:rPr>
-              <a:t> </a:t>
-            </a:r>
-            <a:r>
-              <a:rPr lang="en-US" sz="2000" dirty="0" err="1">
-                <a:latin typeface="Courier New" panose="02070309020205020404" pitchFamily="49" charset="0"/>
-                <a:cs typeface="Courier New" panose="02070309020205020404" pitchFamily="49" charset="0"/>
-              </a:rPr>
-              <a:t>y_obs</a:t>
-            </a:r>
-            <a:endParaRPr lang="en-US" sz="2000" dirty="0">
-              <a:latin typeface="Courier New" panose="02070309020205020404" pitchFamily="49" charset="0"/>
-              <a:cs typeface="Courier New" panose="02070309020205020404" pitchFamily="49" charset="0"/>
-            </a:endParaRPr>
-          </a:p>
-          <a:p>
-            <a:pPr marL="0" indent="0">
-              <a:buNone/>
-            </a:pPr>
-            <a:r>
-              <a:rPr lang="en-US" sz="2000" dirty="0">
-                <a:latin typeface="Courier New" panose="02070309020205020404" pitchFamily="49" charset="0"/>
-                <a:cs typeface="Courier New" panose="02070309020205020404" pitchFamily="49" charset="0"/>
-              </a:rPr>
-              <a:t>    :</a:t>
-            </a:r>
-            <a:r>
-              <a:rPr lang="en-US" sz="2000" dirty="0" err="1">
-                <a:latin typeface="Courier New" panose="02070309020205020404" pitchFamily="49" charset="0"/>
-                <a:cs typeface="Courier New" panose="02070309020205020404" pitchFamily="49" charset="0"/>
-              </a:rPr>
-              <a:t>param</a:t>
-            </a:r>
-            <a:r>
-              <a:rPr lang="en-US" sz="2000" dirty="0">
-                <a:latin typeface="Courier New" panose="02070309020205020404" pitchFamily="49" charset="0"/>
-                <a:cs typeface="Courier New" panose="02070309020205020404" pitchFamily="49" charset="0"/>
-              </a:rPr>
-              <a:t> </a:t>
-            </a:r>
-            <a:r>
-              <a:rPr lang="en-US" sz="2000" dirty="0" err="1">
-                <a:latin typeface="Courier New" panose="02070309020205020404" pitchFamily="49" charset="0"/>
-                <a:cs typeface="Courier New" panose="02070309020205020404" pitchFamily="49" charset="0"/>
-              </a:rPr>
-              <a:t>np.array</a:t>
-            </a:r>
-            <a:r>
-              <a:rPr lang="en-US" sz="2000" dirty="0">
-                <a:latin typeface="Courier New" panose="02070309020205020404" pitchFamily="49" charset="0"/>
-                <a:cs typeface="Courier New" panose="02070309020205020404" pitchFamily="49" charset="0"/>
-              </a:rPr>
-              <a:t> </a:t>
-            </a:r>
-            <a:r>
-              <a:rPr lang="en-US" sz="2000" dirty="0" err="1">
-                <a:latin typeface="Courier New" panose="02070309020205020404" pitchFamily="49" charset="0"/>
-                <a:cs typeface="Courier New" panose="02070309020205020404" pitchFamily="49" charset="0"/>
-              </a:rPr>
-              <a:t>y_fit</a:t>
-            </a:r>
-            <a:endParaRPr lang="en-US" sz="2000" dirty="0">
-              <a:latin typeface="Courier New" panose="02070309020205020404" pitchFamily="49" charset="0"/>
-              <a:cs typeface="Courier New" panose="02070309020205020404" pitchFamily="49" charset="0"/>
-            </a:endParaRPr>
-          </a:p>
-          <a:p>
-            <a:pPr marL="0" indent="0">
-              <a:buNone/>
-            </a:pPr>
-            <a:r>
-              <a:rPr lang="en-US" sz="2000" dirty="0">
-                <a:latin typeface="Courier New" panose="02070309020205020404" pitchFamily="49" charset="0"/>
-                <a:cs typeface="Courier New" panose="02070309020205020404" pitchFamily="49" charset="0"/>
-              </a:rPr>
-              <a:t>    :return </a:t>
-            </a:r>
-            <a:r>
-              <a:rPr lang="en-US" sz="2000" dirty="0" err="1">
-                <a:latin typeface="Courier New" panose="02070309020205020404" pitchFamily="49" charset="0"/>
-                <a:cs typeface="Courier New" panose="02070309020205020404" pitchFamily="49" charset="0"/>
-              </a:rPr>
-              <a:t>np.array</a:t>
-            </a:r>
-            <a:r>
-              <a:rPr lang="en-US" sz="2000" dirty="0">
-                <a:latin typeface="Courier New" panose="02070309020205020404" pitchFamily="49" charset="0"/>
-                <a:cs typeface="Courier New" panose="02070309020205020404" pitchFamily="49" charset="0"/>
-              </a:rPr>
-              <a:t>: bootstrap data</a:t>
-            </a:r>
-          </a:p>
-          <a:p>
-            <a:pPr marL="0" indent="0">
-              <a:buNone/>
-            </a:pPr>
-            <a:r>
-              <a:rPr lang="en-US" sz="2000" dirty="0">
-                <a:latin typeface="Courier New" panose="02070309020205020404" pitchFamily="49" charset="0"/>
-                <a:cs typeface="Courier New" panose="02070309020205020404" pitchFamily="49" charset="0"/>
-              </a:rPr>
-              <a:t>    """</a:t>
-            </a:r>
-          </a:p>
-          <a:p>
-            <a:pPr marL="0" indent="0">
-              <a:buNone/>
-            </a:pPr>
-            <a:r>
-              <a:rPr lang="en-US" sz="2000" dirty="0">
-                <a:latin typeface="Courier New" panose="02070309020205020404" pitchFamily="49" charset="0"/>
-                <a:cs typeface="Courier New" panose="02070309020205020404" pitchFamily="49" charset="0"/>
-              </a:rPr>
-              <a:t>    residuals = </a:t>
-            </a:r>
-            <a:r>
-              <a:rPr lang="en-US" sz="2000" dirty="0" err="1">
-                <a:latin typeface="Courier New" panose="02070309020205020404" pitchFamily="49" charset="0"/>
-                <a:cs typeface="Courier New" panose="02070309020205020404" pitchFamily="49" charset="0"/>
-              </a:rPr>
-              <a:t>y_obs</a:t>
-            </a:r>
-            <a:r>
-              <a:rPr lang="en-US" sz="2000" dirty="0">
-                <a:latin typeface="Courier New" panose="02070309020205020404" pitchFamily="49" charset="0"/>
-                <a:cs typeface="Courier New" panose="02070309020205020404" pitchFamily="49" charset="0"/>
-              </a:rPr>
-              <a:t> - </a:t>
-            </a:r>
-            <a:r>
-              <a:rPr lang="en-US" sz="2000" dirty="0" err="1">
-                <a:latin typeface="Courier New" panose="02070309020205020404" pitchFamily="49" charset="0"/>
-                <a:cs typeface="Courier New" panose="02070309020205020404" pitchFamily="49" charset="0"/>
-              </a:rPr>
-              <a:t>y_fit</a:t>
-            </a:r>
-            <a:endParaRPr lang="en-US" sz="2000" dirty="0">
-              <a:latin typeface="Courier New" panose="02070309020205020404" pitchFamily="49" charset="0"/>
-              <a:cs typeface="Courier New" panose="02070309020205020404" pitchFamily="49" charset="0"/>
-            </a:endParaRPr>
-          </a:p>
-          <a:p>
-            <a:pPr marL="0" indent="0">
-              <a:buNone/>
-            </a:pPr>
-            <a:r>
-              <a:rPr lang="en-US" sz="2000" dirty="0">
-                <a:latin typeface="Courier New" panose="02070309020205020404" pitchFamily="49" charset="0"/>
-                <a:cs typeface="Courier New" panose="02070309020205020404" pitchFamily="49" charset="0"/>
-              </a:rPr>
-              <a:t>    length = </a:t>
-            </a:r>
-            <a:r>
-              <a:rPr lang="en-US" sz="2000" dirty="0" err="1">
-                <a:latin typeface="Courier New" panose="02070309020205020404" pitchFamily="49" charset="0"/>
-                <a:cs typeface="Courier New" panose="02070309020205020404" pitchFamily="49" charset="0"/>
-              </a:rPr>
-              <a:t>len</a:t>
-            </a:r>
-            <a:r>
-              <a:rPr lang="en-US" sz="2000" dirty="0">
-                <a:latin typeface="Courier New" panose="02070309020205020404" pitchFamily="49" charset="0"/>
-                <a:cs typeface="Courier New" panose="02070309020205020404" pitchFamily="49" charset="0"/>
-              </a:rPr>
-              <a:t>(</a:t>
-            </a:r>
-            <a:r>
-              <a:rPr lang="en-US" sz="2000" dirty="0" err="1">
-                <a:latin typeface="Courier New" panose="02070309020205020404" pitchFamily="49" charset="0"/>
-                <a:cs typeface="Courier New" panose="02070309020205020404" pitchFamily="49" charset="0"/>
-              </a:rPr>
-              <a:t>y_obs</a:t>
-            </a:r>
-            <a:r>
-              <a:rPr lang="en-US" sz="2000" dirty="0">
-                <a:latin typeface="Courier New" panose="02070309020205020404" pitchFamily="49" charset="0"/>
-                <a:cs typeface="Courier New" panose="02070309020205020404" pitchFamily="49" charset="0"/>
-              </a:rPr>
-              <a:t>)</a:t>
-            </a:r>
-          </a:p>
-          <a:p>
-            <a:pPr marL="0" indent="0">
-              <a:buNone/>
-            </a:pPr>
-            <a:r>
-              <a:rPr lang="en-US" sz="2000" dirty="0">
-                <a:latin typeface="Courier New" panose="02070309020205020404" pitchFamily="49" charset="0"/>
-                <a:cs typeface="Courier New" panose="02070309020205020404" pitchFamily="49" charset="0"/>
-              </a:rPr>
-              <a:t>    residuals = </a:t>
-            </a:r>
-            <a:r>
-              <a:rPr lang="en-US" sz="2000" dirty="0" err="1">
-                <a:latin typeface="Courier New" panose="02070309020205020404" pitchFamily="49" charset="0"/>
-                <a:cs typeface="Courier New" panose="02070309020205020404" pitchFamily="49" charset="0"/>
-              </a:rPr>
-              <a:t>residuals.reshape</a:t>
-            </a:r>
-            <a:r>
-              <a:rPr lang="en-US" sz="2000" dirty="0">
-                <a:latin typeface="Courier New" panose="02070309020205020404" pitchFamily="49" charset="0"/>
-                <a:cs typeface="Courier New" panose="02070309020205020404" pitchFamily="49" charset="0"/>
-              </a:rPr>
-              <a:t>(length)</a:t>
-            </a:r>
-          </a:p>
-          <a:p>
-            <a:pPr marL="0" indent="0">
-              <a:buNone/>
-            </a:pPr>
-            <a:r>
-              <a:rPr lang="en-US" sz="2000" dirty="0">
-                <a:latin typeface="Courier New" panose="02070309020205020404" pitchFamily="49" charset="0"/>
-                <a:cs typeface="Courier New" panose="02070309020205020404" pitchFamily="49" charset="0"/>
-              </a:rPr>
-              <a:t>    samples = </a:t>
-            </a:r>
-            <a:r>
-              <a:rPr lang="en-US" sz="2000" dirty="0" err="1">
-                <a:latin typeface="Courier New" panose="02070309020205020404" pitchFamily="49" charset="0"/>
-                <a:cs typeface="Courier New" panose="02070309020205020404" pitchFamily="49" charset="0"/>
-              </a:rPr>
-              <a:t>np.random.randint</a:t>
-            </a:r>
-            <a:r>
-              <a:rPr lang="en-US" sz="2000" dirty="0">
-                <a:latin typeface="Courier New" panose="02070309020205020404" pitchFamily="49" charset="0"/>
-                <a:cs typeface="Courier New" panose="02070309020205020404" pitchFamily="49" charset="0"/>
-              </a:rPr>
-              <a:t>(0, length</a:t>
-            </a:r>
-            <a:r>
-              <a:rPr lang="en-US" sz="2000">
-                <a:latin typeface="Courier New" panose="02070309020205020404" pitchFamily="49" charset="0"/>
-                <a:cs typeface="Courier New" panose="02070309020205020404" pitchFamily="49" charset="0"/>
-              </a:rPr>
-              <a:t>, length)</a:t>
-            </a:r>
-            <a:endParaRPr lang="en-US" sz="2000" dirty="0">
-              <a:latin typeface="Courier New" panose="02070309020205020404" pitchFamily="49" charset="0"/>
-              <a:cs typeface="Courier New" panose="02070309020205020404" pitchFamily="49" charset="0"/>
-            </a:endParaRPr>
-          </a:p>
-          <a:p>
-            <a:pPr marL="0" indent="0">
-              <a:buNone/>
-            </a:pPr>
-            <a:r>
-              <a:rPr lang="en-US" sz="2000" dirty="0">
-                <a:latin typeface="Courier New" panose="02070309020205020404" pitchFamily="49" charset="0"/>
-                <a:cs typeface="Courier New" panose="02070309020205020404" pitchFamily="49" charset="0"/>
-              </a:rPr>
-              <a:t>    result = </a:t>
-            </a:r>
-            <a:r>
-              <a:rPr lang="en-US" sz="2000" dirty="0" err="1">
-                <a:latin typeface="Courier New" panose="02070309020205020404" pitchFamily="49" charset="0"/>
-                <a:cs typeface="Courier New" panose="02070309020205020404" pitchFamily="49" charset="0"/>
-              </a:rPr>
-              <a:t>y_fit</a:t>
-            </a:r>
-            <a:r>
-              <a:rPr lang="en-US" sz="2000" dirty="0">
-                <a:latin typeface="Courier New" panose="02070309020205020404" pitchFamily="49" charset="0"/>
-                <a:cs typeface="Courier New" panose="02070309020205020404" pitchFamily="49" charset="0"/>
-              </a:rPr>
-              <a:t> + residuals[samples]</a:t>
-            </a:r>
-          </a:p>
-          <a:p>
-            <a:pPr marL="0" indent="0">
-              <a:buNone/>
-            </a:pPr>
-            <a:r>
-              <a:rPr lang="en-US" sz="2000" dirty="0">
-                <a:latin typeface="Courier New" panose="02070309020205020404" pitchFamily="49" charset="0"/>
-                <a:cs typeface="Courier New" panose="02070309020205020404" pitchFamily="49" charset="0"/>
-              </a:rPr>
-              <a:t>    result = </a:t>
-            </a:r>
-            <a:r>
-              <a:rPr lang="en-US" sz="2000" dirty="0" err="1">
-                <a:latin typeface="Courier New" panose="02070309020205020404" pitchFamily="49" charset="0"/>
-                <a:cs typeface="Courier New" panose="02070309020205020404" pitchFamily="49" charset="0"/>
-              </a:rPr>
-              <a:t>result.reshape</a:t>
-            </a:r>
-            <a:r>
-              <a:rPr lang="en-US" sz="2000" dirty="0">
-                <a:latin typeface="Courier New" panose="02070309020205020404" pitchFamily="49" charset="0"/>
-                <a:cs typeface="Courier New" panose="02070309020205020404" pitchFamily="49" charset="0"/>
-              </a:rPr>
-              <a:t>(length)</a:t>
-            </a:r>
-          </a:p>
-          <a:p>
-            <a:pPr marL="0" indent="0">
-              <a:buNone/>
-            </a:pPr>
-            <a:r>
-              <a:rPr lang="en-US" sz="2000" dirty="0">
-                <a:latin typeface="Courier New" panose="02070309020205020404" pitchFamily="49" charset="0"/>
-                <a:cs typeface="Courier New" panose="02070309020205020404" pitchFamily="49" charset="0"/>
-              </a:rPr>
-              <a:t>    return result</a:t>
-            </a:r>
-          </a:p>
-        </p:txBody>
-      </p:sp>
-      <p:sp>
-        <p:nvSpPr>
-          <p:cNvPr id="3" name="Slide Number Placeholder 2">
-            <a:extLst>
-              <a:ext uri="{FF2B5EF4-FFF2-40B4-BE49-F238E27FC236}">
-                <a16:creationId xmlns:a16="http://schemas.microsoft.com/office/drawing/2014/main" id="{9726B264-DF07-A34E-A052-73194C3256CB}"/>
+                <a16:creationId xmlns:a16="http://schemas.microsoft.com/office/drawing/2014/main" id="{E0606DCE-0185-7F4A-AB13-36E0FB74EB8D}"/>
               </a:ext>
             </a:extLst>
           </p:cNvPr>
@@ -5908,139 +8112,51 @@
             <a:pPr>
               <a:defRPr/>
             </a:pPr>
-            <a:fld id="{2E4304A7-0FB2-4094-BC1E-DB17183AD0C1}" type="slidenum">
+            <a:fld id="{3EF4E9CC-9D91-476E-91FD-5BEEC1642931}" type="slidenum">
               <a:rPr lang="en-US" altLang="x-none" smtClean="0"/>
               <a:pPr>
                 <a:defRPr/>
               </a:pPr>
-              <a:t>11</a:t>
+              <a:t>14</a:t>
             </a:fld>
             <a:endParaRPr lang="en-US" altLang="x-none"/>
           </a:p>
         </p:txBody>
       </p:sp>
+      <p:pic>
+        <p:nvPicPr>
+          <p:cNvPr id="5" name="Picture 4">
+            <a:extLst>
+              <a:ext uri="{FF2B5EF4-FFF2-40B4-BE49-F238E27FC236}">
+                <a16:creationId xmlns:a16="http://schemas.microsoft.com/office/drawing/2014/main" id="{86E1027E-7632-E949-83A8-4365F64F401C}"/>
+              </a:ext>
+            </a:extLst>
+          </p:cNvPr>
+          <p:cNvPicPr>
+            <a:picLocks noChangeAspect="1"/>
+          </p:cNvPicPr>
+          <p:nvPr/>
+        </p:nvPicPr>
+        <p:blipFill>
+          <a:blip r:embed="rId2"/>
+          <a:stretch>
+            <a:fillRect/>
+          </a:stretch>
+        </p:blipFill>
+        <p:spPr>
+          <a:xfrm>
+            <a:off x="533400" y="400050"/>
+            <a:ext cx="7848600" cy="5886450"/>
+          </a:xfrm>
+          <a:prstGeom prst="rect">
+            <a:avLst/>
+          </a:prstGeom>
+        </p:spPr>
+      </p:pic>
     </p:spTree>
     <p:extLst>
       <p:ext uri="{BB962C8B-B14F-4D97-AF65-F5344CB8AC3E}">
-        <p14:creationId xmlns:p14="http://schemas.microsoft.com/office/powerpoint/2010/main" val="2147730144"/>
-      </p:ext>
-    </p:extLst>
-  </p:cSld>
-  <p:clrMapOvr>
-    <a:masterClrMapping/>
-  </p:clrMapOvr>
-</p:sld>
-</file>
-
-<file path=ppt/slides/slide12.xml><?xml version="1.0" encoding="utf-8"?>
-<p:sld xmlns:a="http://schemas.openxmlformats.org/drawingml/2006/main" xmlns:r="http://schemas.openxmlformats.org/officeDocument/2006/relationships" xmlns:p="http://schemas.openxmlformats.org/presentationml/2006/main">
-  <p:cSld>
-    <p:spTree>
-      <p:nvGrpSpPr>
-        <p:cNvPr id="1" name=""/>
-        <p:cNvGrpSpPr/>
-        <p:nvPr/>
-      </p:nvGrpSpPr>
-      <p:grpSpPr>
-        <a:xfrm>
-          <a:off x="0" y="0"/>
-          <a:ext cx="0" cy="0"/>
-          <a:chOff x="0" y="0"/>
-          <a:chExt cx="0" cy="0"/>
-        </a:xfrm>
-      </p:grpSpPr>
-      <p:sp>
-        <p:nvSpPr>
-          <p:cNvPr id="2" name="Title 1">
-            <a:extLst>
-              <a:ext uri="{FF2B5EF4-FFF2-40B4-BE49-F238E27FC236}">
-                <a16:creationId xmlns:a16="http://schemas.microsoft.com/office/drawing/2014/main" id="{59D8CD8E-D28D-BA48-91E1-D41F2631C049}"/>
-              </a:ext>
-            </a:extLst>
-          </p:cNvPr>
-          <p:cNvSpPr>
-            <a:spLocks noGrp="1"/>
-          </p:cNvSpPr>
-          <p:nvPr>
-            <p:ph type="title"/>
-          </p:nvPr>
-        </p:nvSpPr>
-        <p:spPr/>
-        <p:txBody>
-          <a:bodyPr/>
-          <a:lstStyle/>
-          <a:p>
-            <a:r>
-              <a:rPr lang="en-US" dirty="0"/>
-              <a:t>Exercise</a:t>
-            </a:r>
-          </a:p>
-        </p:txBody>
-      </p:sp>
-      <p:sp>
-        <p:nvSpPr>
-          <p:cNvPr id="4" name="Content Placeholder 3">
-            <a:extLst>
-              <a:ext uri="{FF2B5EF4-FFF2-40B4-BE49-F238E27FC236}">
-                <a16:creationId xmlns:a16="http://schemas.microsoft.com/office/drawing/2014/main" id="{5B44CA9C-E409-3C40-8632-4F324145E8F9}"/>
-              </a:ext>
-            </a:extLst>
-          </p:cNvPr>
-          <p:cNvSpPr>
-            <a:spLocks noGrp="1"/>
-          </p:cNvSpPr>
-          <p:nvPr>
-            <p:ph idx="1"/>
-          </p:nvPr>
-        </p:nvSpPr>
-        <p:spPr/>
-        <p:txBody>
-          <a:bodyPr/>
-          <a:lstStyle/>
-          <a:p>
-            <a:endParaRPr lang="en-US" dirty="0"/>
-          </a:p>
-        </p:txBody>
-      </p:sp>
-      <p:sp>
-        <p:nvSpPr>
-          <p:cNvPr id="3" name="Slide Number Placeholder 2">
-            <a:extLst>
-              <a:ext uri="{FF2B5EF4-FFF2-40B4-BE49-F238E27FC236}">
-                <a16:creationId xmlns:a16="http://schemas.microsoft.com/office/drawing/2014/main" id="{1F4F2996-EDB7-B54F-96E0-7945BA027B0A}"/>
-              </a:ext>
-            </a:extLst>
-          </p:cNvPr>
-          <p:cNvSpPr>
-            <a:spLocks noGrp="1"/>
-          </p:cNvSpPr>
-          <p:nvPr>
-            <p:ph type="sldNum" sz="quarter" idx="11"/>
-          </p:nvPr>
-        </p:nvSpPr>
-        <p:spPr/>
-        <p:txBody>
-          <a:bodyPr/>
-          <a:lstStyle/>
-          <a:p>
-            <a:pPr>
-              <a:defRPr/>
-            </a:pPr>
-            <a:fld id="{2E4304A7-0FB2-4094-BC1E-DB17183AD0C1}" type="slidenum">
-              <a:rPr lang="en-US" altLang="x-none" smtClean="0"/>
-              <a:pPr>
-                <a:defRPr/>
-              </a:pPr>
-              <a:t>12</a:t>
-            </a:fld>
-            <a:endParaRPr lang="en-US" altLang="x-none"/>
-          </a:p>
-        </p:txBody>
-      </p:sp>
-    </p:spTree>
-    <p:extLst>
-      <p:ext uri="{BB962C8B-B14F-4D97-AF65-F5344CB8AC3E}">
-        <p14:creationId xmlns:p14="http://schemas.microsoft.com/office/powerpoint/2010/main" val="2093438422"/>
+        <p14:creationId xmlns:p14="http://schemas.microsoft.com/office/powerpoint/2010/main" val="873502374"/>
       </p:ext>
     </p:extLst>
   </p:cSld>
@@ -6117,16 +8233,39 @@
           <a:lstStyle/>
           <a:p>
             <a:r>
+              <a:rPr lang="en-US" dirty="0">
+                <a:latin typeface="Courier New" panose="02070309020205020404" pitchFamily="49" charset="0"/>
+                <a:cs typeface="Courier New" panose="02070309020205020404" pitchFamily="49" charset="0"/>
+              </a:rPr>
+              <a:t>http://</a:t>
+            </a:r>
+            <a:r>
+              <a:rPr lang="en-US" dirty="0" err="1">
+                <a:latin typeface="Courier New" panose="02070309020205020404" pitchFamily="49" charset="0"/>
+                <a:cs typeface="Courier New" panose="02070309020205020404" pitchFamily="49" charset="0"/>
+              </a:rPr>
+              <a:t>shorturl.at</a:t>
+            </a:r>
+            <a:r>
+              <a:rPr lang="en-US" dirty="0">
+                <a:latin typeface="Courier New" panose="02070309020205020404" pitchFamily="49" charset="0"/>
+                <a:cs typeface="Courier New" panose="02070309020205020404" pitchFamily="49" charset="0"/>
+              </a:rPr>
+              <a:t>/crOS2</a:t>
+            </a:r>
+          </a:p>
+          <a:p>
+            <a:pPr lvl="1"/>
+            <a:r>
               <a:rPr lang="en-US" dirty="0"/>
-              <a:t>Lecture_11/ at http://</a:t>
-            </a:r>
-            <a:r>
-              <a:rPr lang="en-US" dirty="0" err="1"/>
-              <a:t>shorturl.at</a:t>
-            </a:r>
+              <a:t>Open Lecture_11</a:t>
+            </a:r>
+          </a:p>
+          <a:p>
+            <a:pPr lvl="1"/>
             <a:r>
               <a:rPr lang="en-US" dirty="0"/>
-              <a:t>/crOS2</a:t>
+              <a:t>Download all files into the same directory</a:t>
             </a:r>
           </a:p>
         </p:txBody>
@@ -7948,680 +10087,6 @@
           <p:cNvPr id="2" name="Title 1">
             <a:extLst>
               <a:ext uri="{FF2B5EF4-FFF2-40B4-BE49-F238E27FC236}">
-                <a16:creationId xmlns:a16="http://schemas.microsoft.com/office/drawing/2014/main" id="{BCC97F97-0735-C740-AE00-B2A95525A21C}"/>
-              </a:ext>
-            </a:extLst>
-          </p:cNvPr>
-          <p:cNvSpPr>
-            <a:spLocks noGrp="1"/>
-          </p:cNvSpPr>
-          <p:nvPr>
-            <p:ph type="title"/>
-          </p:nvPr>
-        </p:nvSpPr>
-        <p:spPr/>
-        <p:txBody>
-          <a:bodyPr/>
-          <a:lstStyle/>
-          <a:p>
-            <a:r>
-              <a:rPr lang="en-US" dirty="0"/>
-              <a:t>Key Software Engineering Practices</a:t>
-            </a:r>
-          </a:p>
-        </p:txBody>
-      </p:sp>
-      <p:sp>
-        <p:nvSpPr>
-          <p:cNvPr id="3" name="Content Placeholder 2">
-            <a:extLst>
-              <a:ext uri="{FF2B5EF4-FFF2-40B4-BE49-F238E27FC236}">
-                <a16:creationId xmlns:a16="http://schemas.microsoft.com/office/drawing/2014/main" id="{E81626DD-71C8-1945-9AB4-64955C291439}"/>
-              </a:ext>
-            </a:extLst>
-          </p:cNvPr>
-          <p:cNvSpPr>
-            <a:spLocks noGrp="1"/>
-          </p:cNvSpPr>
-          <p:nvPr>
-            <p:ph idx="1"/>
-          </p:nvPr>
-        </p:nvSpPr>
-        <p:spPr>
-          <a:xfrm>
-            <a:off x="609600" y="1143000"/>
-            <a:ext cx="8229600" cy="4572001"/>
-          </a:xfrm>
-        </p:spPr>
-        <p:txBody>
-          <a:bodyPr/>
-          <a:lstStyle/>
-          <a:p>
-            <a:r>
-              <a:rPr lang="en-US" sz="2400" dirty="0"/>
-              <a:t>Never write the same code (or data) twice</a:t>
-            </a:r>
-          </a:p>
-          <a:p>
-            <a:pPr lvl="1"/>
-            <a:r>
-              <a:rPr lang="en-US" sz="2000" dirty="0"/>
-              <a:t>Why? Copies always diverge</a:t>
-            </a:r>
-          </a:p>
-          <a:p>
-            <a:pPr lvl="1"/>
-            <a:r>
-              <a:rPr lang="en-US" sz="2000" dirty="0"/>
-              <a:t>Best practices: Use functions for code (and normalized data)</a:t>
-            </a:r>
-          </a:p>
-          <a:p>
-            <a:r>
-              <a:rPr lang="en-US" sz="2400" dirty="0"/>
-              <a:t>Software components should have well-defined interfaces</a:t>
-            </a:r>
-          </a:p>
-          <a:p>
-            <a:pPr lvl="1"/>
-            <a:r>
-              <a:rPr lang="en-US" sz="2000" dirty="0"/>
-              <a:t>Why? Easy to understand, reuse, and modify components</a:t>
-            </a:r>
-          </a:p>
-          <a:p>
-            <a:pPr lvl="1"/>
-            <a:r>
-              <a:rPr lang="en-US" sz="2000" dirty="0"/>
-              <a:t>Best practices: No global variables, use functions</a:t>
-            </a:r>
-          </a:p>
-          <a:p>
-            <a:r>
-              <a:rPr lang="en-US" sz="2400" dirty="0"/>
-              <a:t>Write readable code</a:t>
-            </a:r>
-          </a:p>
-          <a:p>
-            <a:pPr lvl="1"/>
-            <a:r>
-              <a:rPr lang="en-US" sz="2000" dirty="0"/>
-              <a:t>Why? So others can understand and extend your work</a:t>
-            </a:r>
-          </a:p>
-          <a:p>
-            <a:pPr lvl="1"/>
-            <a:r>
-              <a:rPr lang="en-US" sz="2000" dirty="0"/>
-              <a:t>Best practices: function, good documentation, meaningful names</a:t>
-            </a:r>
-          </a:p>
-          <a:p>
-            <a:r>
-              <a:rPr lang="en-US" sz="2400" dirty="0"/>
-              <a:t>Write reproducible code</a:t>
-            </a:r>
-          </a:p>
-          <a:p>
-            <a:pPr lvl="1"/>
-            <a:r>
-              <a:rPr lang="en-US" sz="2000" dirty="0"/>
-              <a:t>Why? Reproducibility is the foundation of science</a:t>
-            </a:r>
-          </a:p>
-          <a:p>
-            <a:pPr lvl="1"/>
-            <a:r>
-              <a:rPr lang="en-US" sz="2000" dirty="0"/>
-              <a:t>Best practices: write tests for each function, no manual steps in computational studies, automated installs</a:t>
-            </a:r>
-          </a:p>
-        </p:txBody>
-      </p:sp>
-      <p:sp>
-        <p:nvSpPr>
-          <p:cNvPr id="4" name="Slide Number Placeholder 3">
-            <a:extLst>
-              <a:ext uri="{FF2B5EF4-FFF2-40B4-BE49-F238E27FC236}">
-                <a16:creationId xmlns:a16="http://schemas.microsoft.com/office/drawing/2014/main" id="{B5D1EB44-9A43-5F40-9D3D-4A169BDE2A52}"/>
-              </a:ext>
-            </a:extLst>
-          </p:cNvPr>
-          <p:cNvSpPr>
-            <a:spLocks noGrp="1"/>
-          </p:cNvSpPr>
-          <p:nvPr>
-            <p:ph type="sldNum" sz="quarter" idx="11"/>
-          </p:nvPr>
-        </p:nvSpPr>
-        <p:spPr/>
-        <p:txBody>
-          <a:bodyPr/>
-          <a:lstStyle/>
-          <a:p>
-            <a:pPr>
-              <a:defRPr/>
-            </a:pPr>
-            <a:fld id="{3EF4E9CC-9D91-476E-91FD-5BEEC1642931}" type="slidenum">
-              <a:rPr lang="en-US" altLang="x-none" smtClean="0"/>
-              <a:pPr>
-                <a:defRPr/>
-              </a:pPr>
-              <a:t>4</a:t>
-            </a:fld>
-            <a:endParaRPr lang="en-US" altLang="x-none"/>
-          </a:p>
-        </p:txBody>
-      </p:sp>
-    </p:spTree>
-    <p:extLst>
-      <p:ext uri="{BB962C8B-B14F-4D97-AF65-F5344CB8AC3E}">
-        <p14:creationId xmlns:p14="http://schemas.microsoft.com/office/powerpoint/2010/main" val="1655949828"/>
-      </p:ext>
-    </p:extLst>
-  </p:cSld>
-  <p:clrMapOvr>
-    <a:masterClrMapping/>
-  </p:clrMapOvr>
-  <p:timing>
-    <p:tnLst>
-      <p:par>
-        <p:cTn id="1" dur="indefinite" restart="never" nodeType="tmRoot">
-          <p:childTnLst>
-            <p:seq concurrent="1" nextAc="seek">
-              <p:cTn id="2" dur="indefinite" nodeType="mainSeq">
-                <p:childTnLst>
-                  <p:par>
-                    <p:cTn id="3" fill="hold">
-                      <p:stCondLst>
-                        <p:cond delay="indefinite"/>
-                      </p:stCondLst>
-                      <p:childTnLst>
-                        <p:par>
-                          <p:cTn id="4" fill="hold">
-                            <p:stCondLst>
-                              <p:cond delay="0"/>
-                            </p:stCondLst>
-                            <p:childTnLst>
-                              <p:par>
-                                <p:cTn id="5" presetID="1" presetClass="entr" presetSubtype="0" fill="hold" nodeType="clickEffect">
-                                  <p:stCondLst>
-                                    <p:cond delay="0"/>
-                                  </p:stCondLst>
-                                  <p:childTnLst>
-                                    <p:set>
-                                      <p:cBhvr>
-                                        <p:cTn id="6" dur="1" fill="hold">
-                                          <p:stCondLst>
-                                            <p:cond delay="0"/>
-                                          </p:stCondLst>
-                                        </p:cTn>
-                                        <p:tgtEl>
-                                          <p:spTgt spid="3">
-                                            <p:txEl>
-                                              <p:pRg st="0" end="0"/>
-                                            </p:txEl>
-                                          </p:spTgt>
-                                        </p:tgtEl>
-                                        <p:attrNameLst>
-                                          <p:attrName>style.visibility</p:attrName>
-                                        </p:attrNameLst>
-                                      </p:cBhvr>
-                                      <p:to>
-                                        <p:strVal val="visible"/>
-                                      </p:to>
-                                    </p:set>
-                                  </p:childTnLst>
-                                </p:cTn>
-                              </p:par>
-                              <p:par>
-                                <p:cTn id="7" presetID="1" presetClass="entr" presetSubtype="0" fill="hold" nodeType="withEffect">
-                                  <p:stCondLst>
-                                    <p:cond delay="0"/>
-                                  </p:stCondLst>
-                                  <p:childTnLst>
-                                    <p:set>
-                                      <p:cBhvr>
-                                        <p:cTn id="8" dur="1" fill="hold">
-                                          <p:stCondLst>
-                                            <p:cond delay="0"/>
-                                          </p:stCondLst>
-                                        </p:cTn>
-                                        <p:tgtEl>
-                                          <p:spTgt spid="3">
-                                            <p:txEl>
-                                              <p:pRg st="1" end="1"/>
-                                            </p:txEl>
-                                          </p:spTgt>
-                                        </p:tgtEl>
-                                        <p:attrNameLst>
-                                          <p:attrName>style.visibility</p:attrName>
-                                        </p:attrNameLst>
-                                      </p:cBhvr>
-                                      <p:to>
-                                        <p:strVal val="visible"/>
-                                      </p:to>
-                                    </p:set>
-                                  </p:childTnLst>
-                                </p:cTn>
-                              </p:par>
-                              <p:par>
-                                <p:cTn id="9" presetID="1" presetClass="entr" presetSubtype="0" fill="hold" nodeType="withEffect">
-                                  <p:stCondLst>
-                                    <p:cond delay="0"/>
-                                  </p:stCondLst>
-                                  <p:childTnLst>
-                                    <p:set>
-                                      <p:cBhvr>
-                                        <p:cTn id="10" dur="1" fill="hold">
-                                          <p:stCondLst>
-                                            <p:cond delay="0"/>
-                                          </p:stCondLst>
-                                        </p:cTn>
-                                        <p:tgtEl>
-                                          <p:spTgt spid="3">
-                                            <p:txEl>
-                                              <p:pRg st="2" end="2"/>
-                                            </p:txEl>
-                                          </p:spTgt>
-                                        </p:tgtEl>
-                                        <p:attrNameLst>
-                                          <p:attrName>style.visibility</p:attrName>
-                                        </p:attrNameLst>
-                                      </p:cBhvr>
-                                      <p:to>
-                                        <p:strVal val="visible"/>
-                                      </p:to>
-                                    </p:set>
-                                  </p:childTnLst>
-                                </p:cTn>
-                              </p:par>
-                            </p:childTnLst>
-                          </p:cTn>
-                        </p:par>
-                      </p:childTnLst>
-                    </p:cTn>
-                  </p:par>
-                  <p:par>
-                    <p:cTn id="11" fill="hold">
-                      <p:stCondLst>
-                        <p:cond delay="indefinite"/>
-                      </p:stCondLst>
-                      <p:childTnLst>
-                        <p:par>
-                          <p:cTn id="12" fill="hold">
-                            <p:stCondLst>
-                              <p:cond delay="0"/>
-                            </p:stCondLst>
-                            <p:childTnLst>
-                              <p:par>
-                                <p:cTn id="13" presetID="1" presetClass="entr" presetSubtype="0" fill="hold" nodeType="clickEffect">
-                                  <p:stCondLst>
-                                    <p:cond delay="0"/>
-                                  </p:stCondLst>
-                                  <p:childTnLst>
-                                    <p:set>
-                                      <p:cBhvr>
-                                        <p:cTn id="14" dur="1" fill="hold">
-                                          <p:stCondLst>
-                                            <p:cond delay="0"/>
-                                          </p:stCondLst>
-                                        </p:cTn>
-                                        <p:tgtEl>
-                                          <p:spTgt spid="3">
-                                            <p:txEl>
-                                              <p:pRg st="3" end="3"/>
-                                            </p:txEl>
-                                          </p:spTgt>
-                                        </p:tgtEl>
-                                        <p:attrNameLst>
-                                          <p:attrName>style.visibility</p:attrName>
-                                        </p:attrNameLst>
-                                      </p:cBhvr>
-                                      <p:to>
-                                        <p:strVal val="visible"/>
-                                      </p:to>
-                                    </p:set>
-                                  </p:childTnLst>
-                                </p:cTn>
-                              </p:par>
-                              <p:par>
-                                <p:cTn id="15" presetID="1" presetClass="entr" presetSubtype="0" fill="hold" nodeType="withEffect">
-                                  <p:stCondLst>
-                                    <p:cond delay="0"/>
-                                  </p:stCondLst>
-                                  <p:childTnLst>
-                                    <p:set>
-                                      <p:cBhvr>
-                                        <p:cTn id="16" dur="1" fill="hold">
-                                          <p:stCondLst>
-                                            <p:cond delay="0"/>
-                                          </p:stCondLst>
-                                        </p:cTn>
-                                        <p:tgtEl>
-                                          <p:spTgt spid="3">
-                                            <p:txEl>
-                                              <p:pRg st="4" end="4"/>
-                                            </p:txEl>
-                                          </p:spTgt>
-                                        </p:tgtEl>
-                                        <p:attrNameLst>
-                                          <p:attrName>style.visibility</p:attrName>
-                                        </p:attrNameLst>
-                                      </p:cBhvr>
-                                      <p:to>
-                                        <p:strVal val="visible"/>
-                                      </p:to>
-                                    </p:set>
-                                  </p:childTnLst>
-                                </p:cTn>
-                              </p:par>
-                              <p:par>
-                                <p:cTn id="17" presetID="1" presetClass="entr" presetSubtype="0" fill="hold" nodeType="withEffect">
-                                  <p:stCondLst>
-                                    <p:cond delay="0"/>
-                                  </p:stCondLst>
-                                  <p:childTnLst>
-                                    <p:set>
-                                      <p:cBhvr>
-                                        <p:cTn id="18" dur="1" fill="hold">
-                                          <p:stCondLst>
-                                            <p:cond delay="0"/>
-                                          </p:stCondLst>
-                                        </p:cTn>
-                                        <p:tgtEl>
-                                          <p:spTgt spid="3">
-                                            <p:txEl>
-                                              <p:pRg st="5" end="5"/>
-                                            </p:txEl>
-                                          </p:spTgt>
-                                        </p:tgtEl>
-                                        <p:attrNameLst>
-                                          <p:attrName>style.visibility</p:attrName>
-                                        </p:attrNameLst>
-                                      </p:cBhvr>
-                                      <p:to>
-                                        <p:strVal val="visible"/>
-                                      </p:to>
-                                    </p:set>
-                                  </p:childTnLst>
-                                </p:cTn>
-                              </p:par>
-                            </p:childTnLst>
-                          </p:cTn>
-                        </p:par>
-                      </p:childTnLst>
-                    </p:cTn>
-                  </p:par>
-                  <p:par>
-                    <p:cTn id="19" fill="hold">
-                      <p:stCondLst>
-                        <p:cond delay="indefinite"/>
-                      </p:stCondLst>
-                      <p:childTnLst>
-                        <p:par>
-                          <p:cTn id="20" fill="hold">
-                            <p:stCondLst>
-                              <p:cond delay="0"/>
-                            </p:stCondLst>
-                            <p:childTnLst>
-                              <p:par>
-                                <p:cTn id="21" presetID="1" presetClass="entr" presetSubtype="0" fill="hold" nodeType="clickEffect">
-                                  <p:stCondLst>
-                                    <p:cond delay="0"/>
-                                  </p:stCondLst>
-                                  <p:childTnLst>
-                                    <p:set>
-                                      <p:cBhvr>
-                                        <p:cTn id="22" dur="1" fill="hold">
-                                          <p:stCondLst>
-                                            <p:cond delay="0"/>
-                                          </p:stCondLst>
-                                        </p:cTn>
-                                        <p:tgtEl>
-                                          <p:spTgt spid="3">
-                                            <p:txEl>
-                                              <p:pRg st="6" end="6"/>
-                                            </p:txEl>
-                                          </p:spTgt>
-                                        </p:tgtEl>
-                                        <p:attrNameLst>
-                                          <p:attrName>style.visibility</p:attrName>
-                                        </p:attrNameLst>
-                                      </p:cBhvr>
-                                      <p:to>
-                                        <p:strVal val="visible"/>
-                                      </p:to>
-                                    </p:set>
-                                  </p:childTnLst>
-                                </p:cTn>
-                              </p:par>
-                              <p:par>
-                                <p:cTn id="23" presetID="1" presetClass="entr" presetSubtype="0" fill="hold" nodeType="withEffect">
-                                  <p:stCondLst>
-                                    <p:cond delay="0"/>
-                                  </p:stCondLst>
-                                  <p:childTnLst>
-                                    <p:set>
-                                      <p:cBhvr>
-                                        <p:cTn id="24" dur="1" fill="hold">
-                                          <p:stCondLst>
-                                            <p:cond delay="0"/>
-                                          </p:stCondLst>
-                                        </p:cTn>
-                                        <p:tgtEl>
-                                          <p:spTgt spid="3">
-                                            <p:txEl>
-                                              <p:pRg st="7" end="7"/>
-                                            </p:txEl>
-                                          </p:spTgt>
-                                        </p:tgtEl>
-                                        <p:attrNameLst>
-                                          <p:attrName>style.visibility</p:attrName>
-                                        </p:attrNameLst>
-                                      </p:cBhvr>
-                                      <p:to>
-                                        <p:strVal val="visible"/>
-                                      </p:to>
-                                    </p:set>
-                                  </p:childTnLst>
-                                </p:cTn>
-                              </p:par>
-                              <p:par>
-                                <p:cTn id="25" presetID="1" presetClass="entr" presetSubtype="0" fill="hold" nodeType="withEffect">
-                                  <p:stCondLst>
-                                    <p:cond delay="0"/>
-                                  </p:stCondLst>
-                                  <p:childTnLst>
-                                    <p:set>
-                                      <p:cBhvr>
-                                        <p:cTn id="26" dur="1" fill="hold">
-                                          <p:stCondLst>
-                                            <p:cond delay="0"/>
-                                          </p:stCondLst>
-                                        </p:cTn>
-                                        <p:tgtEl>
-                                          <p:spTgt spid="3">
-                                            <p:txEl>
-                                              <p:pRg st="8" end="8"/>
-                                            </p:txEl>
-                                          </p:spTgt>
-                                        </p:tgtEl>
-                                        <p:attrNameLst>
-                                          <p:attrName>style.visibility</p:attrName>
-                                        </p:attrNameLst>
-                                      </p:cBhvr>
-                                      <p:to>
-                                        <p:strVal val="visible"/>
-                                      </p:to>
-                                    </p:set>
-                                  </p:childTnLst>
-                                </p:cTn>
-                              </p:par>
-                            </p:childTnLst>
-                          </p:cTn>
-                        </p:par>
-                      </p:childTnLst>
-                    </p:cTn>
-                  </p:par>
-                  <p:par>
-                    <p:cTn id="27" fill="hold">
-                      <p:stCondLst>
-                        <p:cond delay="indefinite"/>
-                      </p:stCondLst>
-                      <p:childTnLst>
-                        <p:par>
-                          <p:cTn id="28" fill="hold">
-                            <p:stCondLst>
-                              <p:cond delay="0"/>
-                            </p:stCondLst>
-                            <p:childTnLst>
-                              <p:par>
-                                <p:cTn id="29" presetID="1" presetClass="entr" presetSubtype="0" fill="hold" nodeType="clickEffect">
-                                  <p:stCondLst>
-                                    <p:cond delay="0"/>
-                                  </p:stCondLst>
-                                  <p:childTnLst>
-                                    <p:set>
-                                      <p:cBhvr>
-                                        <p:cTn id="30" dur="1" fill="hold">
-                                          <p:stCondLst>
-                                            <p:cond delay="0"/>
-                                          </p:stCondLst>
-                                        </p:cTn>
-                                        <p:tgtEl>
-                                          <p:spTgt spid="3">
-                                            <p:txEl>
-                                              <p:pRg st="9" end="9"/>
-                                            </p:txEl>
-                                          </p:spTgt>
-                                        </p:tgtEl>
-                                        <p:attrNameLst>
-                                          <p:attrName>style.visibility</p:attrName>
-                                        </p:attrNameLst>
-                                      </p:cBhvr>
-                                      <p:to>
-                                        <p:strVal val="visible"/>
-                                      </p:to>
-                                    </p:set>
-                                  </p:childTnLst>
-                                </p:cTn>
-                              </p:par>
-                              <p:par>
-                                <p:cTn id="31" presetID="1" presetClass="entr" presetSubtype="0" fill="hold" nodeType="withEffect">
-                                  <p:stCondLst>
-                                    <p:cond delay="0"/>
-                                  </p:stCondLst>
-                                  <p:childTnLst>
-                                    <p:set>
-                                      <p:cBhvr>
-                                        <p:cTn id="32" dur="1" fill="hold">
-                                          <p:stCondLst>
-                                            <p:cond delay="0"/>
-                                          </p:stCondLst>
-                                        </p:cTn>
-                                        <p:tgtEl>
-                                          <p:spTgt spid="3">
-                                            <p:txEl>
-                                              <p:pRg st="10" end="10"/>
-                                            </p:txEl>
-                                          </p:spTgt>
-                                        </p:tgtEl>
-                                        <p:attrNameLst>
-                                          <p:attrName>style.visibility</p:attrName>
-                                        </p:attrNameLst>
-                                      </p:cBhvr>
-                                      <p:to>
-                                        <p:strVal val="visible"/>
-                                      </p:to>
-                                    </p:set>
-                                  </p:childTnLst>
-                                </p:cTn>
-                              </p:par>
-                              <p:par>
-                                <p:cTn id="33" presetID="1" presetClass="entr" presetSubtype="0" fill="hold" nodeType="withEffect">
-                                  <p:stCondLst>
-                                    <p:cond delay="0"/>
-                                  </p:stCondLst>
-                                  <p:childTnLst>
-                                    <p:set>
-                                      <p:cBhvr>
-                                        <p:cTn id="34" dur="1" fill="hold">
-                                          <p:stCondLst>
-                                            <p:cond delay="0"/>
-                                          </p:stCondLst>
-                                        </p:cTn>
-                                        <p:tgtEl>
-                                          <p:spTgt spid="3">
-                                            <p:txEl>
-                                              <p:pRg st="11" end="11"/>
-                                            </p:txEl>
-                                          </p:spTgt>
-                                        </p:tgtEl>
-                                        <p:attrNameLst>
-                                          <p:attrName>style.visibility</p:attrName>
-                                        </p:attrNameLst>
-                                      </p:cBhvr>
-                                      <p:to>
-                                        <p:strVal val="visible"/>
-                                      </p:to>
-                                    </p:set>
-                                  </p:childTnLst>
-                                </p:cTn>
-                              </p:par>
-                            </p:childTnLst>
-                          </p:cTn>
-                        </p:par>
-                      </p:childTnLst>
-                    </p:cTn>
-                  </p:par>
-                </p:childTnLst>
-              </p:cTn>
-              <p:prevCondLst>
-                <p:cond evt="onPrev" delay="0">
-                  <p:tgtEl>
-                    <p:sldTgt/>
-                  </p:tgtEl>
-                </p:cond>
-              </p:prevCondLst>
-              <p:nextCondLst>
-                <p:cond evt="onNext" delay="0">
-                  <p:tgtEl>
-                    <p:sldTgt/>
-                  </p:tgtEl>
-                </p:cond>
-              </p:nextCondLst>
-            </p:seq>
-          </p:childTnLst>
-        </p:cTn>
-      </p:par>
-    </p:tnLst>
-  </p:timing>
-</p:sld>
-</file>
-
-<file path=ppt/slides/slide5.xml><?xml version="1.0" encoding="utf-8"?>
-<p:sld xmlns:a="http://schemas.openxmlformats.org/drawingml/2006/main" xmlns:r="http://schemas.openxmlformats.org/officeDocument/2006/relationships" xmlns:p="http://schemas.openxmlformats.org/presentationml/2006/main">
-  <p:cSld>
-    <p:spTree>
-      <p:nvGrpSpPr>
-        <p:cNvPr id="1" name=""/>
-        <p:cNvGrpSpPr/>
-        <p:nvPr/>
-      </p:nvGrpSpPr>
-      <p:grpSpPr>
-        <a:xfrm>
-          <a:off x="0" y="0"/>
-          <a:ext cx="0" cy="0"/>
-          <a:chOff x="0" y="0"/>
-          <a:chExt cx="0" cy="0"/>
-        </a:xfrm>
-      </p:grpSpPr>
-      <p:sp>
-        <p:nvSpPr>
-          <p:cNvPr id="2" name="Title 1">
-            <a:extLst>
-              <a:ext uri="{FF2B5EF4-FFF2-40B4-BE49-F238E27FC236}">
                 <a16:creationId xmlns:a16="http://schemas.microsoft.com/office/drawing/2014/main" id="{8FDC0FC5-4607-3544-9AE7-2A2AE7D79CC0}"/>
               </a:ext>
             </a:extLst>
@@ -8725,7 +10190,7 @@
               <a:pPr>
                 <a:defRPr/>
               </a:pPr>
-              <a:t>5</a:t>
+              <a:t>4</a:t>
             </a:fld>
             <a:endParaRPr lang="en-US" altLang="x-none"/>
           </a:p>
@@ -8744,7 +10209,7 @@
 </p:sld>
 </file>
 
-<file path=ppt/slides/slide6.xml><?xml version="1.0" encoding="utf-8"?>
+<file path=ppt/slides/slide5.xml><?xml version="1.0" encoding="utf-8"?>
 <p:sld xmlns:a="http://schemas.openxmlformats.org/drawingml/2006/main" xmlns:r="http://schemas.openxmlformats.org/officeDocument/2006/relationships" xmlns:p="http://schemas.openxmlformats.org/presentationml/2006/main">
   <p:cSld>
     <p:spTree>
@@ -9015,7 +10480,7 @@
               <a:pPr>
                 <a:defRPr/>
               </a:pPr>
-              <a:t>6</a:t>
+              <a:t>5</a:t>
             </a:fld>
             <a:endParaRPr lang="en-US" altLang="x-none"/>
           </a:p>
@@ -9034,7 +10499,7 @@
 </p:sld>
 </file>
 
-<file path=ppt/slides/slide7.xml><?xml version="1.0" encoding="utf-8"?>
+<file path=ppt/slides/slide6.xml><?xml version="1.0" encoding="utf-8"?>
 <p:sld xmlns:a="http://schemas.openxmlformats.org/drawingml/2006/main" xmlns:r="http://schemas.openxmlformats.org/officeDocument/2006/relationships" xmlns:p="http://schemas.openxmlformats.org/presentationml/2006/main">
   <p:cSld>
     <p:spTree>
@@ -10382,7 +11847,7 @@
 </p:sld>
 </file>
 
-<file path=ppt/slides/slide8.xml><?xml version="1.0" encoding="utf-8"?>
+<file path=ppt/slides/slide7.xml><?xml version="1.0" encoding="utf-8"?>
 <p:sld xmlns:a="http://schemas.openxmlformats.org/drawingml/2006/main" xmlns:r="http://schemas.openxmlformats.org/officeDocument/2006/relationships" xmlns:p="http://schemas.openxmlformats.org/presentationml/2006/main">
   <p:cSld>
     <p:spTree>
@@ -10422,7 +11887,7 @@
           <a:p>
             <a:r>
               <a:rPr lang="en-US" dirty="0"/>
-              <a:t>Principles in Bootstrapping</a:t>
+              <a:t>Bootstrapping Workflow</a:t>
             </a:r>
           </a:p>
         </p:txBody>
@@ -10456,7 +11921,7 @@
               <a:pPr>
                 <a:defRPr/>
               </a:pPr>
-              <a:t>8</a:t>
+              <a:t>7</a:t>
             </a:fld>
             <a:endParaRPr lang="en-US" altLang="x-none"/>
           </a:p>
@@ -10882,6 +12347,1228 @@
 </p:sld>
 </file>
 
+<file path=ppt/slides/slide8.xml><?xml version="1.0" encoding="utf-8"?>
+<p:sld xmlns:a="http://schemas.openxmlformats.org/drawingml/2006/main" xmlns:r="http://schemas.openxmlformats.org/officeDocument/2006/relationships" xmlns:p="http://schemas.openxmlformats.org/presentationml/2006/main">
+  <p:cSld>
+    <p:spTree>
+      <p:nvGrpSpPr>
+        <p:cNvPr id="1" name=""/>
+        <p:cNvGrpSpPr/>
+        <p:nvPr/>
+      </p:nvGrpSpPr>
+      <p:grpSpPr>
+        <a:xfrm>
+          <a:off x="0" y="0"/>
+          <a:ext cx="0" cy="0"/>
+          <a:chOff x="0" y="0"/>
+          <a:chExt cx="0" cy="0"/>
+        </a:xfrm>
+      </p:grpSpPr>
+      <p:sp>
+        <p:nvSpPr>
+          <p:cNvPr id="3" name="Title 2">
+            <a:extLst>
+              <a:ext uri="{FF2B5EF4-FFF2-40B4-BE49-F238E27FC236}">
+                <a16:creationId xmlns:a16="http://schemas.microsoft.com/office/drawing/2014/main" id="{15000282-E1C3-E343-ABD4-D629BFFC8DD8}"/>
+              </a:ext>
+            </a:extLst>
+          </p:cNvPr>
+          <p:cNvSpPr>
+            <a:spLocks noGrp="1"/>
+          </p:cNvSpPr>
+          <p:nvPr>
+            <p:ph type="title"/>
+          </p:nvPr>
+        </p:nvSpPr>
+        <p:spPr/>
+        <p:txBody>
+          <a:bodyPr/>
+          <a:lstStyle/>
+          <a:p>
+            <a:r>
+              <a:rPr lang="en-US" dirty="0"/>
+              <a:t>Confidence Intervals</a:t>
+            </a:r>
+          </a:p>
+        </p:txBody>
+      </p:sp>
+      <mc:AlternateContent xmlns:mc="http://schemas.openxmlformats.org/markup-compatibility/2006">
+        <mc:Choice xmlns:a14="http://schemas.microsoft.com/office/drawing/2010/main" Requires="a14">
+          <p:sp>
+            <p:nvSpPr>
+              <p:cNvPr id="4" name="Content Placeholder 3">
+                <a:extLst>
+                  <a:ext uri="{FF2B5EF4-FFF2-40B4-BE49-F238E27FC236}">
+                    <a16:creationId xmlns:a16="http://schemas.microsoft.com/office/drawing/2014/main" id="{68C11521-AABF-A84B-A8D3-07AF5FEFFE5F}"/>
+                  </a:ext>
+                </a:extLst>
+              </p:cNvPr>
+              <p:cNvSpPr>
+                <a:spLocks noGrp="1"/>
+              </p:cNvSpPr>
+              <p:nvPr>
+                <p:ph idx="1"/>
+              </p:nvPr>
+            </p:nvSpPr>
+            <p:spPr>
+              <a:xfrm>
+                <a:off x="457200" y="1143000"/>
+                <a:ext cx="8229600" cy="2438400"/>
+              </a:xfrm>
+            </p:spPr>
+            <p:txBody>
+              <a:bodyPr/>
+              <a:lstStyle/>
+              <a:p>
+                <a:r>
+                  <a:rPr lang="en-US" dirty="0"/>
+                  <a:t>Given a distribution, find “critical values” that contain a parameter with a desired probability.</a:t>
+                </a:r>
+              </a:p>
+              <a:p>
+                <a:r>
+                  <a:rPr lang="en-US" dirty="0"/>
+                  <a:t>Typically, refer to a </a:t>
+                </a:r>
+                <a14:m>
+                  <m:oMath xmlns:m="http://schemas.openxmlformats.org/officeDocument/2006/math">
+                    <m:r>
+                      <a:rPr lang="en-US" b="0" i="1" smtClean="0">
+                        <a:latin typeface="Cambria Math" panose="02040503050406030204" pitchFamily="18" charset="0"/>
+                      </a:rPr>
+                      <m:t>1−</m:t>
+                    </m:r>
+                    <m:r>
+                      <a:rPr lang="en-US" b="0" i="1" smtClean="0">
+                        <a:latin typeface="Cambria Math" panose="02040503050406030204" pitchFamily="18" charset="0"/>
+                      </a:rPr>
+                      <m:t>𝛼</m:t>
+                    </m:r>
+                  </m:oMath>
+                </a14:m>
+                <a:r>
+                  <a:rPr lang="en-US" dirty="0"/>
+                  <a:t> confidence interval. So, a 95% confidence interval is a </a:t>
+                </a:r>
+                <a14:m>
+                  <m:oMath xmlns:m="http://schemas.openxmlformats.org/officeDocument/2006/math">
+                    <m:r>
+                      <a:rPr lang="en-US" b="0" i="1" smtClean="0">
+                        <a:latin typeface="Cambria Math" panose="02040503050406030204" pitchFamily="18" charset="0"/>
+                      </a:rPr>
+                      <m:t>1−0.5</m:t>
+                    </m:r>
+                  </m:oMath>
+                </a14:m>
+                <a:r>
+                  <a:rPr lang="en-US" dirty="0"/>
+                  <a:t> confidence interval. That is, </a:t>
+                </a:r>
+                <a14:m>
+                  <m:oMath xmlns:m="http://schemas.openxmlformats.org/officeDocument/2006/math">
+                    <m:r>
+                      <a:rPr lang="en-US" b="0" i="1" smtClean="0">
+                        <a:latin typeface="Cambria Math" panose="02040503050406030204" pitchFamily="18" charset="0"/>
+                      </a:rPr>
+                      <m:t>𝛼</m:t>
+                    </m:r>
+                    <m:r>
+                      <a:rPr lang="en-US" b="0" i="1" smtClean="0">
+                        <a:latin typeface="Cambria Math" panose="02040503050406030204" pitchFamily="18" charset="0"/>
+                      </a:rPr>
+                      <m:t>=0.5</m:t>
+                    </m:r>
+                  </m:oMath>
+                </a14:m>
+                <a:r>
+                  <a:rPr lang="en-US" dirty="0"/>
+                  <a:t>.</a:t>
+                </a:r>
+              </a:p>
+              <a:p>
+                <a:r>
+                  <a:rPr lang="en-US" dirty="0"/>
+                  <a:t>Find </a:t>
+                </a:r>
+                <a:r>
+                  <a:rPr lang="en-US" i="1" dirty="0" err="1"/>
+                  <a:t>a,b</a:t>
+                </a:r>
+                <a:r>
+                  <a:rPr lang="en-US" dirty="0"/>
+                  <a:t> such that </a:t>
+                </a:r>
+                <a14:m>
+                  <m:oMath xmlns:m="http://schemas.openxmlformats.org/officeDocument/2006/math">
+                    <m:r>
+                      <a:rPr lang="en-US" b="0" i="1" smtClean="0">
+                        <a:latin typeface="Cambria Math" panose="02040503050406030204" pitchFamily="18" charset="0"/>
+                      </a:rPr>
+                      <m:t>𝑃</m:t>
+                    </m:r>
+                    <m:d>
+                      <m:dPr>
+                        <m:ctrlPr>
+                          <a:rPr lang="en-US" b="0" i="1" smtClean="0">
+                            <a:latin typeface="Cambria Math" panose="02040503050406030204" pitchFamily="18" charset="0"/>
+                          </a:rPr>
+                        </m:ctrlPr>
+                      </m:dPr>
+                      <m:e>
+                        <m:r>
+                          <a:rPr lang="en-US" b="0" i="1" smtClean="0">
+                            <a:latin typeface="Cambria Math" panose="02040503050406030204" pitchFamily="18" charset="0"/>
+                          </a:rPr>
+                          <m:t>𝑎</m:t>
+                        </m:r>
+                        <m:r>
+                          <a:rPr lang="en-US" b="0" i="1" smtClean="0">
+                            <a:latin typeface="Cambria Math" panose="02040503050406030204" pitchFamily="18" charset="0"/>
+                          </a:rPr>
+                          <m:t>≤</m:t>
+                        </m:r>
+                        <m:r>
+                          <a:rPr lang="en-US" b="0" i="1" smtClean="0">
+                            <a:latin typeface="Cambria Math" panose="02040503050406030204" pitchFamily="18" charset="0"/>
+                          </a:rPr>
+                          <m:t>𝜃</m:t>
+                        </m:r>
+                        <m:r>
+                          <a:rPr lang="en-US" b="0" i="1" smtClean="0">
+                            <a:latin typeface="Cambria Math" panose="02040503050406030204" pitchFamily="18" charset="0"/>
+                          </a:rPr>
+                          <m:t>≤</m:t>
+                        </m:r>
+                        <m:r>
+                          <a:rPr lang="en-US" b="0" i="1" smtClean="0">
+                            <a:latin typeface="Cambria Math" panose="02040503050406030204" pitchFamily="18" charset="0"/>
+                          </a:rPr>
+                          <m:t>𝑏</m:t>
+                        </m:r>
+                      </m:e>
+                    </m:d>
+                    <m:r>
+                      <a:rPr lang="en-US" b="0" i="1" smtClean="0">
+                        <a:latin typeface="Cambria Math" panose="02040503050406030204" pitchFamily="18" charset="0"/>
+                      </a:rPr>
+                      <m:t>=1−</m:t>
+                    </m:r>
+                    <m:r>
+                      <a:rPr lang="en-US" b="0" i="1" smtClean="0">
+                        <a:latin typeface="Cambria Math" panose="02040503050406030204" pitchFamily="18" charset="0"/>
+                      </a:rPr>
+                      <m:t>𝛼</m:t>
+                    </m:r>
+                  </m:oMath>
+                </a14:m>
+                <a:endParaRPr lang="en-US" dirty="0"/>
+              </a:p>
+            </p:txBody>
+          </p:sp>
+        </mc:Choice>
+        <mc:Fallback>
+          <p:sp>
+            <p:nvSpPr>
+              <p:cNvPr id="4" name="Content Placeholder 3">
+                <a:extLst>
+                  <a:ext uri="{FF2B5EF4-FFF2-40B4-BE49-F238E27FC236}">
+                    <a16:creationId xmlns:a16="http://schemas.microsoft.com/office/drawing/2014/main" id="{68C11521-AABF-A84B-A8D3-07AF5FEFFE5F}"/>
+                  </a:ext>
+                </a:extLst>
+              </p:cNvPr>
+              <p:cNvSpPr>
+                <a:spLocks noGrp="1" noRot="1" noChangeAspect="1" noMove="1" noResize="1" noEditPoints="1" noAdjustHandles="1" noChangeArrowheads="1" noChangeShapeType="1" noTextEdit="1"/>
+              </p:cNvSpPr>
+              <p:nvPr>
+                <p:ph idx="1"/>
+              </p:nvPr>
+            </p:nvSpPr>
+            <p:spPr>
+              <a:xfrm>
+                <a:off x="457200" y="1143000"/>
+                <a:ext cx="8229600" cy="2438400"/>
+              </a:xfrm>
+              <a:blipFill>
+                <a:blip r:embed="rId2"/>
+                <a:stretch>
+                  <a:fillRect l="-1389" t="-2591" r="-2469" b="-22280"/>
+                </a:stretch>
+              </a:blipFill>
+            </p:spPr>
+            <p:txBody>
+              <a:bodyPr/>
+              <a:lstStyle/>
+              <a:p>
+                <a:r>
+                  <a:rPr lang="en-US">
+                    <a:noFill/>
+                  </a:rPr>
+                  <a:t> </a:t>
+                </a:r>
+              </a:p>
+            </p:txBody>
+          </p:sp>
+        </mc:Fallback>
+      </mc:AlternateContent>
+      <p:sp>
+        <p:nvSpPr>
+          <p:cNvPr id="2" name="Slide Number Placeholder 1">
+            <a:extLst>
+              <a:ext uri="{FF2B5EF4-FFF2-40B4-BE49-F238E27FC236}">
+                <a16:creationId xmlns:a16="http://schemas.microsoft.com/office/drawing/2014/main" id="{8A64A1AE-06B4-C149-AE6F-B3F72150E871}"/>
+              </a:ext>
+            </a:extLst>
+          </p:cNvPr>
+          <p:cNvSpPr>
+            <a:spLocks noGrp="1"/>
+          </p:cNvSpPr>
+          <p:nvPr>
+            <p:ph type="sldNum" sz="quarter" idx="11"/>
+          </p:nvPr>
+        </p:nvSpPr>
+        <p:spPr/>
+        <p:txBody>
+          <a:bodyPr/>
+          <a:lstStyle/>
+          <a:p>
+            <a:pPr>
+              <a:defRPr/>
+            </a:pPr>
+            <a:fld id="{21F96DF4-0A1C-4FFD-A010-55DAD04D9A67}" type="slidenum">
+              <a:rPr lang="en-US" altLang="x-none" smtClean="0"/>
+              <a:pPr>
+                <a:defRPr/>
+              </a:pPr>
+              <a:t>8</a:t>
+            </a:fld>
+            <a:endParaRPr lang="en-US" altLang="x-none"/>
+          </a:p>
+        </p:txBody>
+      </p:sp>
+      <p:grpSp>
+        <p:nvGrpSpPr>
+          <p:cNvPr id="20" name="Group 19">
+            <a:extLst>
+              <a:ext uri="{FF2B5EF4-FFF2-40B4-BE49-F238E27FC236}">
+                <a16:creationId xmlns:a16="http://schemas.microsoft.com/office/drawing/2014/main" id="{667F7FB8-4242-0043-BE9E-DECCC4017CD6}"/>
+              </a:ext>
+            </a:extLst>
+          </p:cNvPr>
+          <p:cNvGrpSpPr/>
+          <p:nvPr/>
+        </p:nvGrpSpPr>
+        <p:grpSpPr>
+          <a:xfrm>
+            <a:off x="1251030" y="4110748"/>
+            <a:ext cx="4298425" cy="2422980"/>
+            <a:chOff x="695086" y="4007982"/>
+            <a:chExt cx="4298425" cy="2422980"/>
+          </a:xfrm>
+        </p:grpSpPr>
+        <p:grpSp>
+          <p:nvGrpSpPr>
+            <p:cNvPr id="14" name="Group 13">
+              <a:extLst>
+                <a:ext uri="{FF2B5EF4-FFF2-40B4-BE49-F238E27FC236}">
+                  <a16:creationId xmlns:a16="http://schemas.microsoft.com/office/drawing/2014/main" id="{B487DF85-37A5-484F-9DA1-05C4D664CD6C}"/>
+                </a:ext>
+              </a:extLst>
+            </p:cNvPr>
+            <p:cNvGrpSpPr/>
+            <p:nvPr/>
+          </p:nvGrpSpPr>
+          <p:grpSpPr>
+            <a:xfrm>
+              <a:off x="1207172" y="4007982"/>
+              <a:ext cx="3175000" cy="2422980"/>
+              <a:chOff x="2514600" y="3795692"/>
+              <a:chExt cx="3175000" cy="2422980"/>
+            </a:xfrm>
+          </p:grpSpPr>
+          <p:pic>
+            <p:nvPicPr>
+              <p:cNvPr id="7" name="Picture 6">
+                <a:extLst>
+                  <a:ext uri="{FF2B5EF4-FFF2-40B4-BE49-F238E27FC236}">
+                    <a16:creationId xmlns:a16="http://schemas.microsoft.com/office/drawing/2014/main" id="{56935950-3795-FF4F-819C-2A5A3E0957D2}"/>
+                  </a:ext>
+                </a:extLst>
+              </p:cNvPr>
+              <p:cNvPicPr>
+                <a:picLocks noChangeAspect="1"/>
+              </p:cNvPicPr>
+              <p:nvPr/>
+            </p:nvPicPr>
+            <p:blipFill>
+              <a:blip r:embed="rId3"/>
+              <a:stretch>
+                <a:fillRect/>
+              </a:stretch>
+            </p:blipFill>
+            <p:spPr>
+              <a:xfrm>
+                <a:off x="2514600" y="3795692"/>
+                <a:ext cx="3175000" cy="2184400"/>
+              </a:xfrm>
+              <a:prstGeom prst="rect">
+                <a:avLst/>
+              </a:prstGeom>
+            </p:spPr>
+          </p:pic>
+          <mc:AlternateContent xmlns:mc="http://schemas.openxmlformats.org/markup-compatibility/2006">
+            <mc:Choice xmlns:a14="http://schemas.microsoft.com/office/drawing/2010/main" Requires="a14">
+              <p:sp>
+                <p:nvSpPr>
+                  <p:cNvPr id="8" name="TextBox 7">
+                    <a:extLst>
+                      <a:ext uri="{FF2B5EF4-FFF2-40B4-BE49-F238E27FC236}">
+                        <a16:creationId xmlns:a16="http://schemas.microsoft.com/office/drawing/2014/main" id="{ACD843AD-3317-AC44-A327-FAE054540F8A}"/>
+                      </a:ext>
+                    </a:extLst>
+                  </p:cNvPr>
+                  <p:cNvSpPr txBox="1"/>
+                  <p:nvPr/>
+                </p:nvSpPr>
+                <p:spPr>
+                  <a:xfrm>
+                    <a:off x="3968538" y="5745777"/>
+                    <a:ext cx="267124" cy="369332"/>
+                  </a:xfrm>
+                  <a:prstGeom prst="rect">
+                    <a:avLst/>
+                  </a:prstGeom>
+                  <a:solidFill>
+                    <a:schemeClr val="bg1"/>
+                  </a:solidFill>
+                </p:spPr>
+                <p:txBody>
+                  <a:bodyPr wrap="none" lIns="0" tIns="0" rIns="0" bIns="0" rtlCol="0">
+                    <a:spAutoFit/>
+                  </a:bodyPr>
+                  <a:lstStyle/>
+                  <a:p>
+                    <a14:m>
+                      <m:oMathPara xmlns:m="http://schemas.openxmlformats.org/officeDocument/2006/math">
+                        <m:oMathParaPr>
+                          <m:jc m:val="centerGroup"/>
+                        </m:oMathParaPr>
+                        <m:oMath xmlns:m="http://schemas.openxmlformats.org/officeDocument/2006/math">
+                          <m:r>
+                            <a:rPr lang="en-US" sz="2400" b="0" i="1" smtClean="0">
+                              <a:latin typeface="Cambria Math" panose="02040503050406030204" pitchFamily="18" charset="0"/>
+                            </a:rPr>
+                            <m:t>𝜃</m:t>
+                          </m:r>
+                        </m:oMath>
+                      </m:oMathPara>
+                    </a14:m>
+                    <a:endParaRPr lang="en-US" sz="2400" dirty="0"/>
+                  </a:p>
+                </p:txBody>
+              </p:sp>
+            </mc:Choice>
+            <mc:Fallback>
+              <p:sp>
+                <p:nvSpPr>
+                  <p:cNvPr id="8" name="TextBox 7">
+                    <a:extLst>
+                      <a:ext uri="{FF2B5EF4-FFF2-40B4-BE49-F238E27FC236}">
+                        <a16:creationId xmlns:a16="http://schemas.microsoft.com/office/drawing/2014/main" id="{ACD843AD-3317-AC44-A327-FAE054540F8A}"/>
+                      </a:ext>
+                    </a:extLst>
+                  </p:cNvPr>
+                  <p:cNvSpPr txBox="1">
+                    <a:spLocks noRot="1" noChangeAspect="1" noMove="1" noResize="1" noEditPoints="1" noAdjustHandles="1" noChangeArrowheads="1" noChangeShapeType="1" noTextEdit="1"/>
+                  </p:cNvSpPr>
+                  <p:nvPr/>
+                </p:nvSpPr>
+                <p:spPr>
+                  <a:xfrm>
+                    <a:off x="3968538" y="5745777"/>
+                    <a:ext cx="267124" cy="369332"/>
+                  </a:xfrm>
+                  <a:prstGeom prst="rect">
+                    <a:avLst/>
+                  </a:prstGeom>
+                  <a:blipFill>
+                    <a:blip r:embed="rId4"/>
+                    <a:stretch>
+                      <a:fillRect l="-18182" r="-18182" b="-6667"/>
+                    </a:stretch>
+                  </a:blipFill>
+                </p:spPr>
+                <p:txBody>
+                  <a:bodyPr/>
+                  <a:lstStyle/>
+                  <a:p>
+                    <a:r>
+                      <a:rPr lang="en-US">
+                        <a:noFill/>
+                      </a:rPr>
+                      <a:t> </a:t>
+                    </a:r>
+                  </a:p>
+                </p:txBody>
+              </p:sp>
+            </mc:Fallback>
+          </mc:AlternateContent>
+          <p:sp>
+            <p:nvSpPr>
+              <p:cNvPr id="10" name="Rectangle 9">
+                <a:extLst>
+                  <a:ext uri="{FF2B5EF4-FFF2-40B4-BE49-F238E27FC236}">
+                    <a16:creationId xmlns:a16="http://schemas.microsoft.com/office/drawing/2014/main" id="{4324119D-0E42-0245-B9D4-BCF3777C0757}"/>
+                  </a:ext>
+                </a:extLst>
+              </p:cNvPr>
+              <p:cNvSpPr/>
+              <p:nvPr/>
+            </p:nvSpPr>
+            <p:spPr>
+              <a:xfrm>
+                <a:off x="2795217" y="5715000"/>
+                <a:ext cx="625579" cy="457200"/>
+              </a:xfrm>
+              <a:prstGeom prst="rect">
+                <a:avLst/>
+              </a:prstGeom>
+              <a:solidFill>
+                <a:schemeClr val="bg1"/>
+              </a:solidFill>
+              <a:ln>
+                <a:noFill/>
+              </a:ln>
+              <a:effectLst>
+                <a:outerShdw dist="23000" sx="1000" sy="1000" rotWithShape="0">
+                  <a:srgbClr val="000000"/>
+                </a:outerShdw>
+              </a:effectLst>
+            </p:spPr>
+            <p:style>
+              <a:lnRef idx="1">
+                <a:schemeClr val="accent1"/>
+              </a:lnRef>
+              <a:fillRef idx="3">
+                <a:schemeClr val="accent1"/>
+              </a:fillRef>
+              <a:effectRef idx="2">
+                <a:schemeClr val="accent1"/>
+              </a:effectRef>
+              <a:fontRef idx="minor">
+                <a:schemeClr val="lt1"/>
+              </a:fontRef>
+            </p:style>
+            <p:txBody>
+              <a:bodyPr rtlCol="0" anchor="ctr"/>
+              <a:lstStyle/>
+              <a:p>
+                <a:pPr algn="ctr"/>
+                <a:endParaRPr lang="en-US"/>
+              </a:p>
+            </p:txBody>
+          </p:sp>
+          <p:sp>
+            <p:nvSpPr>
+              <p:cNvPr id="11" name="Rectangle 10">
+                <a:extLst>
+                  <a:ext uri="{FF2B5EF4-FFF2-40B4-BE49-F238E27FC236}">
+                    <a16:creationId xmlns:a16="http://schemas.microsoft.com/office/drawing/2014/main" id="{E6E35326-9ADF-684E-8897-E6252297C34C}"/>
+                  </a:ext>
+                </a:extLst>
+              </p:cNvPr>
+              <p:cNvSpPr/>
+              <p:nvPr/>
+            </p:nvSpPr>
+            <p:spPr>
+              <a:xfrm>
+                <a:off x="4632221" y="5761472"/>
+                <a:ext cx="625579" cy="457200"/>
+              </a:xfrm>
+              <a:prstGeom prst="rect">
+                <a:avLst/>
+              </a:prstGeom>
+              <a:solidFill>
+                <a:schemeClr val="bg1"/>
+              </a:solidFill>
+              <a:ln>
+                <a:noFill/>
+              </a:ln>
+              <a:effectLst>
+                <a:outerShdw dist="23000" sx="1000" sy="1000" rotWithShape="0">
+                  <a:srgbClr val="000000"/>
+                </a:outerShdw>
+              </a:effectLst>
+            </p:spPr>
+            <p:style>
+              <a:lnRef idx="1">
+                <a:schemeClr val="accent1"/>
+              </a:lnRef>
+              <a:fillRef idx="3">
+                <a:schemeClr val="accent1"/>
+              </a:fillRef>
+              <a:effectRef idx="2">
+                <a:schemeClr val="accent1"/>
+              </a:effectRef>
+              <a:fontRef idx="minor">
+                <a:schemeClr val="lt1"/>
+              </a:fontRef>
+            </p:style>
+            <p:txBody>
+              <a:bodyPr rtlCol="0" anchor="ctr"/>
+              <a:lstStyle/>
+              <a:p>
+                <a:pPr algn="ctr"/>
+                <a:endParaRPr lang="en-US"/>
+              </a:p>
+            </p:txBody>
+          </p:sp>
+          <mc:AlternateContent xmlns:mc="http://schemas.openxmlformats.org/markup-compatibility/2006">
+            <mc:Choice xmlns:a14="http://schemas.microsoft.com/office/drawing/2010/main" Requires="a14">
+              <p:sp>
+                <p:nvSpPr>
+                  <p:cNvPr id="9" name="TextBox 8">
+                    <a:extLst>
+                      <a:ext uri="{FF2B5EF4-FFF2-40B4-BE49-F238E27FC236}">
+                        <a16:creationId xmlns:a16="http://schemas.microsoft.com/office/drawing/2014/main" id="{5F5121C3-F9A8-4D41-9F5F-DD6DAEAD808E}"/>
+                      </a:ext>
+                    </a:extLst>
+                  </p:cNvPr>
+                  <p:cNvSpPr txBox="1"/>
+                  <p:nvPr/>
+                </p:nvSpPr>
+                <p:spPr>
+                  <a:xfrm>
+                    <a:off x="3108007" y="5715000"/>
+                    <a:ext cx="267124" cy="430887"/>
+                  </a:xfrm>
+                  <a:prstGeom prst="rect">
+                    <a:avLst/>
+                  </a:prstGeom>
+                  <a:solidFill>
+                    <a:schemeClr val="bg1"/>
+                  </a:solidFill>
+                </p:spPr>
+                <p:txBody>
+                  <a:bodyPr wrap="square" lIns="0" tIns="0" rIns="0" bIns="0" rtlCol="0">
+                    <a:spAutoFit/>
+                  </a:bodyPr>
+                  <a:lstStyle/>
+                  <a:p>
+                    <a14:m>
+                      <m:oMathPara xmlns:m="http://schemas.openxmlformats.org/officeDocument/2006/math">
+                        <m:oMathParaPr>
+                          <m:jc m:val="centerGroup"/>
+                        </m:oMathParaPr>
+                        <m:oMath xmlns:m="http://schemas.openxmlformats.org/officeDocument/2006/math">
+                          <m:r>
+                            <a:rPr lang="en-US" sz="2800" b="0" i="1" smtClean="0">
+                              <a:latin typeface="Cambria Math" panose="02040503050406030204" pitchFamily="18" charset="0"/>
+                            </a:rPr>
+                            <m:t>𝑎</m:t>
+                          </m:r>
+                        </m:oMath>
+                      </m:oMathPara>
+                    </a14:m>
+                    <a:endParaRPr lang="en-US" sz="2800" dirty="0"/>
+                  </a:p>
+                </p:txBody>
+              </p:sp>
+            </mc:Choice>
+            <mc:Fallback>
+              <p:sp>
+                <p:nvSpPr>
+                  <p:cNvPr id="9" name="TextBox 8">
+                    <a:extLst>
+                      <a:ext uri="{FF2B5EF4-FFF2-40B4-BE49-F238E27FC236}">
+                        <a16:creationId xmlns:a16="http://schemas.microsoft.com/office/drawing/2014/main" id="{5F5121C3-F9A8-4D41-9F5F-DD6DAEAD808E}"/>
+                      </a:ext>
+                    </a:extLst>
+                  </p:cNvPr>
+                  <p:cNvSpPr txBox="1">
+                    <a:spLocks noRot="1" noChangeAspect="1" noMove="1" noResize="1" noEditPoints="1" noAdjustHandles="1" noChangeArrowheads="1" noChangeShapeType="1" noTextEdit="1"/>
+                  </p:cNvSpPr>
+                  <p:nvPr/>
+                </p:nvSpPr>
+                <p:spPr>
+                  <a:xfrm>
+                    <a:off x="3108007" y="5715000"/>
+                    <a:ext cx="267124" cy="430887"/>
+                  </a:xfrm>
+                  <a:prstGeom prst="rect">
+                    <a:avLst/>
+                  </a:prstGeom>
+                  <a:blipFill>
+                    <a:blip r:embed="rId5"/>
+                    <a:stretch>
+                      <a:fillRect l="-22727" r="-13636"/>
+                    </a:stretch>
+                  </a:blipFill>
+                </p:spPr>
+                <p:txBody>
+                  <a:bodyPr/>
+                  <a:lstStyle/>
+                  <a:p>
+                    <a:r>
+                      <a:rPr lang="en-US">
+                        <a:noFill/>
+                      </a:rPr>
+                      <a:t> </a:t>
+                    </a:r>
+                  </a:p>
+                </p:txBody>
+              </p:sp>
+            </mc:Fallback>
+          </mc:AlternateContent>
+          <mc:AlternateContent xmlns:mc="http://schemas.openxmlformats.org/markup-compatibility/2006">
+            <mc:Choice xmlns:a14="http://schemas.microsoft.com/office/drawing/2010/main" Requires="a14">
+              <p:sp>
+                <p:nvSpPr>
+                  <p:cNvPr id="12" name="TextBox 11">
+                    <a:extLst>
+                      <a:ext uri="{FF2B5EF4-FFF2-40B4-BE49-F238E27FC236}">
+                        <a16:creationId xmlns:a16="http://schemas.microsoft.com/office/drawing/2014/main" id="{4E2FF8F6-DCDC-0646-90DA-603FEC9B513C}"/>
+                      </a:ext>
+                    </a:extLst>
+                  </p:cNvPr>
+                  <p:cNvSpPr txBox="1"/>
+                  <p:nvPr/>
+                </p:nvSpPr>
+                <p:spPr>
+                  <a:xfrm>
+                    <a:off x="4762076" y="5715000"/>
+                    <a:ext cx="267124" cy="430887"/>
+                  </a:xfrm>
+                  <a:prstGeom prst="rect">
+                    <a:avLst/>
+                  </a:prstGeom>
+                  <a:solidFill>
+                    <a:schemeClr val="bg1"/>
+                  </a:solidFill>
+                </p:spPr>
+                <p:txBody>
+                  <a:bodyPr wrap="square" lIns="0" tIns="0" rIns="0" bIns="0" rtlCol="0">
+                    <a:spAutoFit/>
+                  </a:bodyPr>
+                  <a:lstStyle/>
+                  <a:p>
+                    <a14:m>
+                      <m:oMathPara xmlns:m="http://schemas.openxmlformats.org/officeDocument/2006/math">
+                        <m:oMathParaPr>
+                          <m:jc m:val="centerGroup"/>
+                        </m:oMathParaPr>
+                        <m:oMath xmlns:m="http://schemas.openxmlformats.org/officeDocument/2006/math">
+                          <m:r>
+                            <a:rPr lang="en-US" sz="2800" b="0" i="1" smtClean="0">
+                              <a:latin typeface="Cambria Math" panose="02040503050406030204" pitchFamily="18" charset="0"/>
+                            </a:rPr>
+                            <m:t>𝑏</m:t>
+                          </m:r>
+                        </m:oMath>
+                      </m:oMathPara>
+                    </a14:m>
+                    <a:endParaRPr lang="en-US" sz="2800" dirty="0"/>
+                  </a:p>
+                </p:txBody>
+              </p:sp>
+            </mc:Choice>
+            <mc:Fallback>
+              <p:sp>
+                <p:nvSpPr>
+                  <p:cNvPr id="12" name="TextBox 11">
+                    <a:extLst>
+                      <a:ext uri="{FF2B5EF4-FFF2-40B4-BE49-F238E27FC236}">
+                        <a16:creationId xmlns:a16="http://schemas.microsoft.com/office/drawing/2014/main" id="{4E2FF8F6-DCDC-0646-90DA-603FEC9B513C}"/>
+                      </a:ext>
+                    </a:extLst>
+                  </p:cNvPr>
+                  <p:cNvSpPr txBox="1">
+                    <a:spLocks noRot="1" noChangeAspect="1" noMove="1" noResize="1" noEditPoints="1" noAdjustHandles="1" noChangeArrowheads="1" noChangeShapeType="1" noTextEdit="1"/>
+                  </p:cNvSpPr>
+                  <p:nvPr/>
+                </p:nvSpPr>
+                <p:spPr>
+                  <a:xfrm>
+                    <a:off x="4762076" y="5715000"/>
+                    <a:ext cx="267124" cy="430887"/>
+                  </a:xfrm>
+                  <a:prstGeom prst="rect">
+                    <a:avLst/>
+                  </a:prstGeom>
+                  <a:blipFill>
+                    <a:blip r:embed="rId6"/>
+                    <a:stretch>
+                      <a:fillRect l="-31818" r="-27273" b="-8571"/>
+                    </a:stretch>
+                  </a:blipFill>
+                </p:spPr>
+                <p:txBody>
+                  <a:bodyPr/>
+                  <a:lstStyle/>
+                  <a:p>
+                    <a:r>
+                      <a:rPr lang="en-US">
+                        <a:noFill/>
+                      </a:rPr>
+                      <a:t> </a:t>
+                    </a:r>
+                  </a:p>
+                </p:txBody>
+              </p:sp>
+            </mc:Fallback>
+          </mc:AlternateContent>
+          <mc:AlternateContent xmlns:mc="http://schemas.openxmlformats.org/markup-compatibility/2006">
+            <mc:Choice xmlns:a14="http://schemas.microsoft.com/office/drawing/2010/main" Requires="a14">
+              <p:sp>
+                <p:nvSpPr>
+                  <p:cNvPr id="13" name="TextBox 12">
+                    <a:extLst>
+                      <a:ext uri="{FF2B5EF4-FFF2-40B4-BE49-F238E27FC236}">
+                        <a16:creationId xmlns:a16="http://schemas.microsoft.com/office/drawing/2014/main" id="{78BBFAF7-5F67-3647-ABA7-548B601C6704}"/>
+                      </a:ext>
+                    </a:extLst>
+                  </p:cNvPr>
+                  <p:cNvSpPr txBox="1"/>
+                  <p:nvPr/>
+                </p:nvSpPr>
+                <p:spPr>
+                  <a:xfrm>
+                    <a:off x="3386918" y="5057001"/>
+                    <a:ext cx="1337482" cy="276999"/>
+                  </a:xfrm>
+                  <a:prstGeom prst="rect">
+                    <a:avLst/>
+                  </a:prstGeom>
+                  <a:solidFill>
+                    <a:schemeClr val="tx2">
+                      <a:lumMod val="40000"/>
+                      <a:lumOff val="60000"/>
+                    </a:schemeClr>
+                  </a:solidFill>
+                </p:spPr>
+                <p:txBody>
+                  <a:bodyPr wrap="none" lIns="0" tIns="0" rIns="0" bIns="0" rtlCol="0">
+                    <a:spAutoFit/>
+                  </a:bodyPr>
+                  <a:lstStyle/>
+                  <a:p>
+                    <a:r>
+                      <a:rPr lang="en-US" b="0" dirty="0"/>
+                      <a:t>Area </a:t>
+                    </a:r>
+                    <a14:m>
+                      <m:oMath xmlns:m="http://schemas.openxmlformats.org/officeDocument/2006/math">
+                        <m:r>
+                          <a:rPr lang="en-US" b="0" i="1" smtClean="0">
+                            <a:latin typeface="Cambria Math" panose="02040503050406030204" pitchFamily="18" charset="0"/>
+                          </a:rPr>
+                          <m:t>=1−</m:t>
+                        </m:r>
+                        <m:r>
+                          <a:rPr lang="en-US" b="0" i="1" smtClean="0">
+                            <a:latin typeface="Cambria Math" panose="02040503050406030204" pitchFamily="18" charset="0"/>
+                          </a:rPr>
+                          <m:t>𝛼</m:t>
+                        </m:r>
+                      </m:oMath>
+                    </a14:m>
+                    <a:endParaRPr lang="en-US" dirty="0"/>
+                  </a:p>
+                </p:txBody>
+              </p:sp>
+            </mc:Choice>
+            <mc:Fallback>
+              <p:sp>
+                <p:nvSpPr>
+                  <p:cNvPr id="13" name="TextBox 12">
+                    <a:extLst>
+                      <a:ext uri="{FF2B5EF4-FFF2-40B4-BE49-F238E27FC236}">
+                        <a16:creationId xmlns:a16="http://schemas.microsoft.com/office/drawing/2014/main" id="{78BBFAF7-5F67-3647-ABA7-548B601C6704}"/>
+                      </a:ext>
+                    </a:extLst>
+                  </p:cNvPr>
+                  <p:cNvSpPr txBox="1">
+                    <a:spLocks noRot="1" noChangeAspect="1" noMove="1" noResize="1" noEditPoints="1" noAdjustHandles="1" noChangeArrowheads="1" noChangeShapeType="1" noTextEdit="1"/>
+                  </p:cNvSpPr>
+                  <p:nvPr/>
+                </p:nvSpPr>
+                <p:spPr>
+                  <a:xfrm>
+                    <a:off x="3386918" y="5057001"/>
+                    <a:ext cx="1337482" cy="276999"/>
+                  </a:xfrm>
+                  <a:prstGeom prst="rect">
+                    <a:avLst/>
+                  </a:prstGeom>
+                  <a:blipFill>
+                    <a:blip r:embed="rId7"/>
+                    <a:stretch>
+                      <a:fillRect l="-10377" t="-21739" r="-1887" b="-47826"/>
+                    </a:stretch>
+                  </a:blipFill>
+                </p:spPr>
+                <p:txBody>
+                  <a:bodyPr/>
+                  <a:lstStyle/>
+                  <a:p>
+                    <a:r>
+                      <a:rPr lang="en-US">
+                        <a:noFill/>
+                      </a:rPr>
+                      <a:t> </a:t>
+                    </a:r>
+                  </a:p>
+                </p:txBody>
+              </p:sp>
+            </mc:Fallback>
+          </mc:AlternateContent>
+        </p:grpSp>
+        <mc:AlternateContent xmlns:mc="http://schemas.openxmlformats.org/markup-compatibility/2006">
+          <mc:Choice xmlns:a14="http://schemas.microsoft.com/office/drawing/2010/main" Requires="a14">
+            <p:sp>
+              <p:nvSpPr>
+                <p:cNvPr id="16" name="TextBox 15">
+                  <a:extLst>
+                    <a:ext uri="{FF2B5EF4-FFF2-40B4-BE49-F238E27FC236}">
+                      <a16:creationId xmlns:a16="http://schemas.microsoft.com/office/drawing/2014/main" id="{1505A9F2-17B9-F04D-98E7-0A2377050F71}"/>
+                    </a:ext>
+                  </a:extLst>
+                </p:cNvPr>
+                <p:cNvSpPr txBox="1"/>
+                <p:nvPr/>
+              </p:nvSpPr>
+              <p:spPr>
+                <a:xfrm>
+                  <a:off x="3235594" y="4117245"/>
+                  <a:ext cx="1757917" cy="384785"/>
+                </a:xfrm>
+                <a:prstGeom prst="rect">
+                  <a:avLst/>
+                </a:prstGeom>
+                <a:solidFill>
+                  <a:schemeClr val="bg1"/>
+                </a:solidFill>
+              </p:spPr>
+              <p:txBody>
+                <a:bodyPr wrap="none" lIns="0" tIns="0" rIns="0" bIns="0" rtlCol="0">
+                  <a:spAutoFit/>
+                </a:bodyPr>
+                <a:lstStyle/>
+                <a:p>
+                  <a14:m>
+                    <m:oMath xmlns:m="http://schemas.openxmlformats.org/officeDocument/2006/math">
+                      <m:acc>
+                        <m:accPr>
+                          <m:chr m:val="̂"/>
+                          <m:ctrlPr>
+                            <a:rPr lang="en-US" sz="2400" b="0" i="1" smtClean="0">
+                              <a:latin typeface="Cambria Math" panose="02040503050406030204" pitchFamily="18" charset="0"/>
+                            </a:rPr>
+                          </m:ctrlPr>
+                        </m:accPr>
+                        <m:e>
+                          <m:r>
+                            <a:rPr lang="en-US" sz="2400" b="0" i="1" smtClean="0">
+                              <a:latin typeface="Cambria Math" panose="02040503050406030204" pitchFamily="18" charset="0"/>
+                            </a:rPr>
+                            <m:t>𝜃</m:t>
+                          </m:r>
+                        </m:e>
+                      </m:acc>
+                    </m:oMath>
+                  </a14:m>
+                  <a:r>
+                    <a:rPr lang="en-US" sz="2400" dirty="0"/>
+                    <a:t> distribution</a:t>
+                  </a:r>
+                </a:p>
+              </p:txBody>
+            </p:sp>
+          </mc:Choice>
+          <mc:Fallback>
+            <p:sp>
+              <p:nvSpPr>
+                <p:cNvPr id="16" name="TextBox 15">
+                  <a:extLst>
+                    <a:ext uri="{FF2B5EF4-FFF2-40B4-BE49-F238E27FC236}">
+                      <a16:creationId xmlns:a16="http://schemas.microsoft.com/office/drawing/2014/main" id="{1505A9F2-17B9-F04D-98E7-0A2377050F71}"/>
+                    </a:ext>
+                  </a:extLst>
+                </p:cNvPr>
+                <p:cNvSpPr txBox="1">
+                  <a:spLocks noRot="1" noChangeAspect="1" noMove="1" noResize="1" noEditPoints="1" noAdjustHandles="1" noChangeArrowheads="1" noChangeShapeType="1" noTextEdit="1"/>
+                </p:cNvSpPr>
+                <p:nvPr/>
+              </p:nvSpPr>
+              <p:spPr>
+                <a:xfrm>
+                  <a:off x="3235594" y="4117245"/>
+                  <a:ext cx="1757917" cy="384785"/>
+                </a:xfrm>
+                <a:prstGeom prst="rect">
+                  <a:avLst/>
+                </a:prstGeom>
+                <a:blipFill>
+                  <a:blip r:embed="rId8"/>
+                  <a:stretch>
+                    <a:fillRect l="-5755" t="-18750" r="-9353" b="-40625"/>
+                  </a:stretch>
+                </a:blipFill>
+              </p:spPr>
+              <p:txBody>
+                <a:bodyPr/>
+                <a:lstStyle/>
+                <a:p>
+                  <a:r>
+                    <a:rPr lang="en-US">
+                      <a:noFill/>
+                    </a:rPr>
+                    <a:t> </a:t>
+                  </a:r>
+                </a:p>
+              </p:txBody>
+            </p:sp>
+          </mc:Fallback>
+        </mc:AlternateContent>
+        <mc:AlternateContent xmlns:mc="http://schemas.openxmlformats.org/markup-compatibility/2006">
+          <mc:Choice xmlns:a14="http://schemas.microsoft.com/office/drawing/2010/main" Requires="a14">
+            <p:sp>
+              <p:nvSpPr>
+                <p:cNvPr id="18" name="TextBox 17">
+                  <a:extLst>
+                    <a:ext uri="{FF2B5EF4-FFF2-40B4-BE49-F238E27FC236}">
+                      <a16:creationId xmlns:a16="http://schemas.microsoft.com/office/drawing/2014/main" id="{4D057E4E-AA1F-AE45-AEA7-975FFB95B2FA}"/>
+                    </a:ext>
+                  </a:extLst>
+                </p:cNvPr>
+                <p:cNvSpPr txBox="1"/>
+                <p:nvPr/>
+              </p:nvSpPr>
+              <p:spPr>
+                <a:xfrm>
+                  <a:off x="3938832" y="5231161"/>
+                  <a:ext cx="867482" cy="369140"/>
+                </a:xfrm>
+                <a:prstGeom prst="rect">
+                  <a:avLst/>
+                </a:prstGeom>
+                <a:noFill/>
+              </p:spPr>
+              <p:txBody>
+                <a:bodyPr wrap="none" lIns="0" tIns="0" rIns="0" bIns="0" rtlCol="0">
+                  <a:spAutoFit/>
+                </a:bodyPr>
+                <a:lstStyle/>
+                <a:p>
+                  <a:r>
+                    <a:rPr lang="en-US" b="0" dirty="0"/>
+                    <a:t>Area = </a:t>
+                  </a:r>
+                  <a14:m>
+                    <m:oMath xmlns:m="http://schemas.openxmlformats.org/officeDocument/2006/math">
+                      <m:f>
+                        <m:fPr>
+                          <m:ctrlPr>
+                            <a:rPr lang="en-US" b="0" i="1" smtClean="0">
+                              <a:latin typeface="Cambria Math" panose="02040503050406030204" pitchFamily="18" charset="0"/>
+                            </a:rPr>
+                          </m:ctrlPr>
+                        </m:fPr>
+                        <m:num>
+                          <m:r>
+                            <a:rPr lang="en-US" b="0" i="1" smtClean="0">
+                              <a:latin typeface="Cambria Math" panose="02040503050406030204" pitchFamily="18" charset="0"/>
+                            </a:rPr>
+                            <m:t>𝛼</m:t>
+                          </m:r>
+                        </m:num>
+                        <m:den>
+                          <m:r>
+                            <a:rPr lang="en-US" b="0" i="1" smtClean="0">
+                              <a:latin typeface="Cambria Math" panose="02040503050406030204" pitchFamily="18" charset="0"/>
+                            </a:rPr>
+                            <m:t>2</m:t>
+                          </m:r>
+                        </m:den>
+                      </m:f>
+                    </m:oMath>
+                  </a14:m>
+                  <a:endParaRPr lang="en-US" dirty="0"/>
+                </a:p>
+              </p:txBody>
+            </p:sp>
+          </mc:Choice>
+          <mc:Fallback>
+            <p:sp>
+              <p:nvSpPr>
+                <p:cNvPr id="18" name="TextBox 17">
+                  <a:extLst>
+                    <a:ext uri="{FF2B5EF4-FFF2-40B4-BE49-F238E27FC236}">
+                      <a16:creationId xmlns:a16="http://schemas.microsoft.com/office/drawing/2014/main" id="{4D057E4E-AA1F-AE45-AEA7-975FFB95B2FA}"/>
+                    </a:ext>
+                  </a:extLst>
+                </p:cNvPr>
+                <p:cNvSpPr txBox="1">
+                  <a:spLocks noRot="1" noChangeAspect="1" noMove="1" noResize="1" noEditPoints="1" noAdjustHandles="1" noChangeArrowheads="1" noChangeShapeType="1" noTextEdit="1"/>
+                </p:cNvSpPr>
+                <p:nvPr/>
+              </p:nvSpPr>
+              <p:spPr>
+                <a:xfrm>
+                  <a:off x="3938832" y="5231161"/>
+                  <a:ext cx="867482" cy="369140"/>
+                </a:xfrm>
+                <a:prstGeom prst="rect">
+                  <a:avLst/>
+                </a:prstGeom>
+                <a:blipFill>
+                  <a:blip r:embed="rId9"/>
+                  <a:stretch>
+                    <a:fillRect l="-15942" t="-13793" r="-4348" b="-20690"/>
+                  </a:stretch>
+                </a:blipFill>
+              </p:spPr>
+              <p:txBody>
+                <a:bodyPr/>
+                <a:lstStyle/>
+                <a:p>
+                  <a:r>
+                    <a:rPr lang="en-US">
+                      <a:noFill/>
+                    </a:rPr>
+                    <a:t> </a:t>
+                  </a:r>
+                </a:p>
+              </p:txBody>
+            </p:sp>
+          </mc:Fallback>
+        </mc:AlternateContent>
+        <mc:AlternateContent xmlns:mc="http://schemas.openxmlformats.org/markup-compatibility/2006">
+          <mc:Choice xmlns:a14="http://schemas.microsoft.com/office/drawing/2010/main" Requires="a14">
+            <p:sp>
+              <p:nvSpPr>
+                <p:cNvPr id="19" name="TextBox 18">
+                  <a:extLst>
+                    <a:ext uri="{FF2B5EF4-FFF2-40B4-BE49-F238E27FC236}">
+                      <a16:creationId xmlns:a16="http://schemas.microsoft.com/office/drawing/2014/main" id="{B838B60B-088F-1A46-A7A2-6B0FF59E343F}"/>
+                    </a:ext>
+                  </a:extLst>
+                </p:cNvPr>
+                <p:cNvSpPr txBox="1"/>
+                <p:nvPr/>
+              </p:nvSpPr>
+              <p:spPr>
+                <a:xfrm>
+                  <a:off x="695086" y="5205458"/>
+                  <a:ext cx="867482" cy="369140"/>
+                </a:xfrm>
+                <a:prstGeom prst="rect">
+                  <a:avLst/>
+                </a:prstGeom>
+                <a:noFill/>
+              </p:spPr>
+              <p:txBody>
+                <a:bodyPr wrap="none" lIns="0" tIns="0" rIns="0" bIns="0" rtlCol="0">
+                  <a:spAutoFit/>
+                </a:bodyPr>
+                <a:lstStyle/>
+                <a:p>
+                  <a:r>
+                    <a:rPr lang="en-US" b="0" dirty="0"/>
+                    <a:t>Area = </a:t>
+                  </a:r>
+                  <a14:m>
+                    <m:oMath xmlns:m="http://schemas.openxmlformats.org/officeDocument/2006/math">
+                      <m:f>
+                        <m:fPr>
+                          <m:ctrlPr>
+                            <a:rPr lang="en-US" b="0" i="1" smtClean="0">
+                              <a:latin typeface="Cambria Math" panose="02040503050406030204" pitchFamily="18" charset="0"/>
+                            </a:rPr>
+                          </m:ctrlPr>
+                        </m:fPr>
+                        <m:num>
+                          <m:r>
+                            <a:rPr lang="en-US" b="0" i="1" smtClean="0">
+                              <a:latin typeface="Cambria Math" panose="02040503050406030204" pitchFamily="18" charset="0"/>
+                            </a:rPr>
+                            <m:t>𝛼</m:t>
+                          </m:r>
+                        </m:num>
+                        <m:den>
+                          <m:r>
+                            <a:rPr lang="en-US" b="0" i="1" smtClean="0">
+                              <a:latin typeface="Cambria Math" panose="02040503050406030204" pitchFamily="18" charset="0"/>
+                            </a:rPr>
+                            <m:t>2</m:t>
+                          </m:r>
+                        </m:den>
+                      </m:f>
+                    </m:oMath>
+                  </a14:m>
+                  <a:endParaRPr lang="en-US" dirty="0"/>
+                </a:p>
+              </p:txBody>
+            </p:sp>
+          </mc:Choice>
+          <mc:Fallback>
+            <p:sp>
+              <p:nvSpPr>
+                <p:cNvPr id="19" name="TextBox 18">
+                  <a:extLst>
+                    <a:ext uri="{FF2B5EF4-FFF2-40B4-BE49-F238E27FC236}">
+                      <a16:creationId xmlns:a16="http://schemas.microsoft.com/office/drawing/2014/main" id="{B838B60B-088F-1A46-A7A2-6B0FF59E343F}"/>
+                    </a:ext>
+                  </a:extLst>
+                </p:cNvPr>
+                <p:cNvSpPr txBox="1">
+                  <a:spLocks noRot="1" noChangeAspect="1" noMove="1" noResize="1" noEditPoints="1" noAdjustHandles="1" noChangeArrowheads="1" noChangeShapeType="1" noTextEdit="1"/>
+                </p:cNvSpPr>
+                <p:nvPr/>
+              </p:nvSpPr>
+              <p:spPr>
+                <a:xfrm>
+                  <a:off x="695086" y="5205458"/>
+                  <a:ext cx="867482" cy="369140"/>
+                </a:xfrm>
+                <a:prstGeom prst="rect">
+                  <a:avLst/>
+                </a:prstGeom>
+                <a:blipFill>
+                  <a:blip r:embed="rId10"/>
+                  <a:stretch>
+                    <a:fillRect l="-15942" t="-10000" r="-2899" b="-20000"/>
+                  </a:stretch>
+                </a:blipFill>
+              </p:spPr>
+              <p:txBody>
+                <a:bodyPr/>
+                <a:lstStyle/>
+                <a:p>
+                  <a:r>
+                    <a:rPr lang="en-US">
+                      <a:noFill/>
+                    </a:rPr>
+                    <a:t> </a:t>
+                  </a:r>
+                </a:p>
+              </p:txBody>
+            </p:sp>
+          </mc:Fallback>
+        </mc:AlternateContent>
+      </p:grpSp>
+    </p:spTree>
+    <p:extLst>
+      <p:ext uri="{BB962C8B-B14F-4D97-AF65-F5344CB8AC3E}">
+        <p14:creationId xmlns:p14="http://schemas.microsoft.com/office/powerpoint/2010/main" val="1889764972"/>
+      </p:ext>
+    </p:extLst>
+  </p:cSld>
+  <p:clrMapOvr>
+    <a:masterClrMapping/>
+  </p:clrMapOvr>
+</p:sld>
+</file>
+
 <file path=ppt/slides/slide9.xml><?xml version="1.0" encoding="utf-8"?>
 <p:sld xmlns:a="http://schemas.openxmlformats.org/drawingml/2006/main" xmlns:r="http://schemas.openxmlformats.org/officeDocument/2006/relationships" xmlns:p="http://schemas.openxmlformats.org/presentationml/2006/main">
   <p:cSld>
@@ -10901,10 +13588,640 @@
       </p:grpSpPr>
       <p:sp>
         <p:nvSpPr>
+          <p:cNvPr id="2" name="Title 1">
+            <a:extLst>
+              <a:ext uri="{FF2B5EF4-FFF2-40B4-BE49-F238E27FC236}">
+                <a16:creationId xmlns:a16="http://schemas.microsoft.com/office/drawing/2014/main" id="{72DEE7EA-AD5C-0047-A021-EE9A78F6EF03}"/>
+              </a:ext>
+            </a:extLst>
+          </p:cNvPr>
+          <p:cNvSpPr>
+            <a:spLocks noGrp="1"/>
+          </p:cNvSpPr>
+          <p:nvPr>
+            <p:ph type="title"/>
+          </p:nvPr>
+        </p:nvSpPr>
+        <p:spPr/>
+        <p:txBody>
+          <a:bodyPr/>
+          <a:lstStyle/>
+          <a:p>
+            <a:r>
+              <a:rPr lang="en-US" dirty="0"/>
+              <a:t>Constructing Confidence Intervals</a:t>
+            </a:r>
+          </a:p>
+        </p:txBody>
+      </p:sp>
+      <mc:AlternateContent xmlns:mc="http://schemas.openxmlformats.org/markup-compatibility/2006">
+        <mc:Choice xmlns:a14="http://schemas.microsoft.com/office/drawing/2010/main" Requires="a14">
+          <p:sp>
+            <p:nvSpPr>
+              <p:cNvPr id="3" name="Content Placeholder 2">
+                <a:extLst>
+                  <a:ext uri="{FF2B5EF4-FFF2-40B4-BE49-F238E27FC236}">
+                    <a16:creationId xmlns:a16="http://schemas.microsoft.com/office/drawing/2014/main" id="{6F85448D-AD70-264C-BFF5-CF931F46BB3A}"/>
+                  </a:ext>
+                </a:extLst>
+              </p:cNvPr>
+              <p:cNvSpPr>
+                <a:spLocks noGrp="1"/>
+              </p:cNvSpPr>
+              <p:nvPr>
+                <p:ph idx="1"/>
+              </p:nvPr>
+            </p:nvSpPr>
+            <p:spPr>
+              <a:xfrm>
+                <a:off x="396307" y="2733551"/>
+                <a:ext cx="8229600" cy="2895600"/>
+              </a:xfrm>
+            </p:spPr>
+            <p:txBody>
+              <a:bodyPr/>
+              <a:lstStyle/>
+              <a:p>
+                <a:r>
+                  <a:rPr lang="en-US" dirty="0"/>
+                  <a:t>Given: </a:t>
+                </a:r>
+                <a14:m>
+                  <m:oMath xmlns:m="http://schemas.openxmlformats.org/officeDocument/2006/math">
+                    <m:sSub>
+                      <m:sSubPr>
+                        <m:ctrlPr>
+                          <a:rPr lang="en-US" b="0" i="1" dirty="0" smtClean="0">
+                            <a:latin typeface="Cambria Math" panose="02040503050406030204" pitchFamily="18" charset="0"/>
+                          </a:rPr>
+                        </m:ctrlPr>
+                      </m:sSubPr>
+                      <m:e>
+                        <m:acc>
+                          <m:accPr>
+                            <m:chr m:val="̂"/>
+                            <m:ctrlPr>
+                              <a:rPr lang="en-US" b="0" i="1" smtClean="0">
+                                <a:latin typeface="Cambria Math" panose="02040503050406030204" pitchFamily="18" charset="0"/>
+                              </a:rPr>
+                            </m:ctrlPr>
+                          </m:accPr>
+                          <m:e>
+                            <m:r>
+                              <a:rPr lang="en-US" b="0" i="1" smtClean="0">
+                                <a:latin typeface="Cambria Math" panose="02040503050406030204" pitchFamily="18" charset="0"/>
+                              </a:rPr>
+                              <m:t>𝜃</m:t>
+                            </m:r>
+                          </m:e>
+                        </m:acc>
+                      </m:e>
+                      <m:sub>
+                        <m:r>
+                          <a:rPr lang="en-US" b="0" i="1" dirty="0" smtClean="0">
+                            <a:latin typeface="Cambria Math" panose="02040503050406030204" pitchFamily="18" charset="0"/>
+                          </a:rPr>
+                          <m:t>1</m:t>
+                        </m:r>
+                      </m:sub>
+                    </m:sSub>
+                    <m:r>
+                      <a:rPr lang="en-US" b="0" i="1" dirty="0" smtClean="0">
+                        <a:latin typeface="Cambria Math" panose="02040503050406030204" pitchFamily="18" charset="0"/>
+                      </a:rPr>
+                      <m:t>,⋯,</m:t>
+                    </m:r>
+                    <m:sSub>
+                      <m:sSubPr>
+                        <m:ctrlPr>
+                          <a:rPr lang="en-US" b="0" i="1" dirty="0" smtClean="0">
+                            <a:latin typeface="Cambria Math" panose="02040503050406030204" pitchFamily="18" charset="0"/>
+                          </a:rPr>
+                        </m:ctrlPr>
+                      </m:sSubPr>
+                      <m:e>
+                        <m:acc>
+                          <m:accPr>
+                            <m:chr m:val="̂"/>
+                            <m:ctrlPr>
+                              <a:rPr lang="en-US" b="0" i="1" dirty="0" smtClean="0">
+                                <a:latin typeface="Cambria Math" panose="02040503050406030204" pitchFamily="18" charset="0"/>
+                              </a:rPr>
+                            </m:ctrlPr>
+                          </m:accPr>
+                          <m:e>
+                            <m:r>
+                              <a:rPr lang="en-US" b="0" i="1" dirty="0" smtClean="0">
+                                <a:latin typeface="Cambria Math" panose="02040503050406030204" pitchFamily="18" charset="0"/>
+                              </a:rPr>
+                              <m:t>𝜃</m:t>
+                            </m:r>
+                          </m:e>
+                        </m:acc>
+                      </m:e>
+                      <m:sub>
+                        <m:r>
+                          <a:rPr lang="en-US" b="0" i="1" dirty="0" smtClean="0">
+                            <a:latin typeface="Cambria Math" panose="02040503050406030204" pitchFamily="18" charset="0"/>
+                          </a:rPr>
+                          <m:t>𝑀</m:t>
+                        </m:r>
+                      </m:sub>
+                    </m:sSub>
+                  </m:oMath>
+                </a14:m>
+                <a:r>
+                  <a:rPr lang="en-US" dirty="0"/>
+                  <a:t>, </a:t>
+                </a:r>
+                <a:r>
+                  <a:rPr lang="en-US" i="1" dirty="0"/>
+                  <a:t>M </a:t>
+                </a:r>
+                <a:r>
+                  <a:rPr lang="en-US" dirty="0"/>
+                  <a:t>estimates of the parameters.</a:t>
+                </a:r>
+              </a:p>
+              <a:p>
+                <a:r>
+                  <a:rPr lang="en-US" dirty="0"/>
+                  <a:t>Calculate</a:t>
+                </a:r>
+              </a:p>
+              <a:p>
+                <a:pPr marL="457200" lvl="1" indent="0">
+                  <a:buNone/>
+                </a:pPr>
+                <a14:m>
+                  <m:oMath xmlns:m="http://schemas.openxmlformats.org/officeDocument/2006/math">
+                    <m:acc>
+                      <m:accPr>
+                        <m:chr m:val="̅"/>
+                        <m:ctrlPr>
+                          <a:rPr lang="en-US" b="0" i="1" smtClean="0">
+                            <a:latin typeface="Cambria Math" panose="02040503050406030204" pitchFamily="18" charset="0"/>
+                          </a:rPr>
+                        </m:ctrlPr>
+                      </m:accPr>
+                      <m:e>
+                        <m:acc>
+                          <m:accPr>
+                            <m:chr m:val="̂"/>
+                            <m:ctrlPr>
+                              <a:rPr lang="en-US" b="0" i="1" smtClean="0">
+                                <a:latin typeface="Cambria Math" panose="02040503050406030204" pitchFamily="18" charset="0"/>
+                              </a:rPr>
+                            </m:ctrlPr>
+                          </m:accPr>
+                          <m:e>
+                            <m:r>
+                              <a:rPr lang="en-US" b="0" i="1" smtClean="0">
+                                <a:latin typeface="Cambria Math" panose="02040503050406030204" pitchFamily="18" charset="0"/>
+                              </a:rPr>
+                              <m:t>𝜃</m:t>
+                            </m:r>
+                          </m:e>
+                        </m:acc>
+                      </m:e>
+                    </m:acc>
+                  </m:oMath>
+                </a14:m>
+                <a:r>
+                  <a:rPr lang="en-US" dirty="0"/>
+                  <a:t>, the mean value of the estimates</a:t>
+                </a:r>
+              </a:p>
+              <a:p>
+                <a:pPr marL="457200" lvl="1" indent="0">
+                  <a:buNone/>
+                </a:pPr>
+                <a14:m>
+                  <m:oMath xmlns:m="http://schemas.openxmlformats.org/officeDocument/2006/math">
+                    <m:sSub>
+                      <m:sSubPr>
+                        <m:ctrlPr>
+                          <a:rPr lang="en-US" b="0" i="1" smtClean="0">
+                            <a:latin typeface="Cambria Math" panose="02040503050406030204" pitchFamily="18" charset="0"/>
+                          </a:rPr>
+                        </m:ctrlPr>
+                      </m:sSubPr>
+                      <m:e>
+                        <m:r>
+                          <a:rPr lang="en-US" b="0" i="1" smtClean="0">
+                            <a:latin typeface="Cambria Math" panose="02040503050406030204" pitchFamily="18" charset="0"/>
+                          </a:rPr>
+                          <m:t>𝑠</m:t>
+                        </m:r>
+                      </m:e>
+                      <m:sub>
+                        <m:acc>
+                          <m:accPr>
+                            <m:chr m:val="̂"/>
+                            <m:ctrlPr>
+                              <a:rPr lang="en-US" b="0" i="1" smtClean="0">
+                                <a:latin typeface="Cambria Math" panose="02040503050406030204" pitchFamily="18" charset="0"/>
+                              </a:rPr>
+                            </m:ctrlPr>
+                          </m:accPr>
+                          <m:e>
+                            <m:r>
+                              <a:rPr lang="en-US" b="0" i="1" smtClean="0">
+                                <a:latin typeface="Cambria Math" panose="02040503050406030204" pitchFamily="18" charset="0"/>
+                              </a:rPr>
+                              <m:t>𝜃</m:t>
+                            </m:r>
+                          </m:e>
+                        </m:acc>
+                      </m:sub>
+                    </m:sSub>
+                  </m:oMath>
+                </a14:m>
+                <a:r>
+                  <a:rPr lang="en-US" dirty="0"/>
+                  <a:t>, the standard deviation of the estimates</a:t>
+                </a:r>
+              </a:p>
+              <a:p>
+                <a:r>
+                  <a:rPr lang="en-US" dirty="0"/>
+                  <a:t>Assuming normally distributed residuals</a:t>
+                </a:r>
+              </a:p>
+              <a:p>
+                <a:pPr marL="457200" lvl="1" indent="0">
+                  <a:buNone/>
+                </a:pPr>
+                <a14:m>
+                  <m:oMath xmlns:m="http://schemas.openxmlformats.org/officeDocument/2006/math">
+                    <m:r>
+                      <a:rPr lang="en-US" b="0" i="1" smtClean="0">
+                        <a:latin typeface="Cambria Math" panose="02040503050406030204" pitchFamily="18" charset="0"/>
+                      </a:rPr>
+                      <m:t>𝑎</m:t>
+                    </m:r>
+                    <m:r>
+                      <a:rPr lang="en-US" b="0" i="1" smtClean="0">
+                        <a:latin typeface="Cambria Math" panose="02040503050406030204" pitchFamily="18" charset="0"/>
+                      </a:rPr>
+                      <m:t>=</m:t>
+                    </m:r>
+                    <m:sSub>
+                      <m:sSubPr>
+                        <m:ctrlPr>
+                          <a:rPr lang="en-US" b="0" i="1" smtClean="0">
+                            <a:latin typeface="Cambria Math" panose="02040503050406030204" pitchFamily="18" charset="0"/>
+                          </a:rPr>
+                        </m:ctrlPr>
+                      </m:sSubPr>
+                      <m:e>
+                        <m:acc>
+                          <m:accPr>
+                            <m:chr m:val="̅"/>
+                            <m:ctrlPr>
+                              <a:rPr lang="en-US" i="1">
+                                <a:latin typeface="Cambria Math" panose="02040503050406030204" pitchFamily="18" charset="0"/>
+                              </a:rPr>
+                            </m:ctrlPr>
+                          </m:accPr>
+                          <m:e>
+                            <m:acc>
+                              <m:accPr>
+                                <m:chr m:val="̂"/>
+                                <m:ctrlPr>
+                                  <a:rPr lang="en-US" i="1">
+                                    <a:latin typeface="Cambria Math" panose="02040503050406030204" pitchFamily="18" charset="0"/>
+                                  </a:rPr>
+                                </m:ctrlPr>
+                              </m:accPr>
+                              <m:e>
+                                <m:r>
+                                  <a:rPr lang="en-US" i="1">
+                                    <a:latin typeface="Cambria Math" panose="02040503050406030204" pitchFamily="18" charset="0"/>
+                                  </a:rPr>
+                                  <m:t>𝜃</m:t>
+                                </m:r>
+                              </m:e>
+                            </m:acc>
+                          </m:e>
+                        </m:acc>
+                        <m:r>
+                          <m:rPr>
+                            <m:nor/>
+                          </m:rPr>
+                          <a:rPr lang="en-US" b="0" i="0" smtClean="0">
+                            <a:latin typeface="Cambria Math" panose="02040503050406030204" pitchFamily="18" charset="0"/>
+                          </a:rPr>
+                          <m:t> </m:t>
+                        </m:r>
+                        <m:r>
+                          <a:rPr lang="en-US" b="0" i="1" smtClean="0">
+                            <a:latin typeface="Cambria Math" panose="02040503050406030204" pitchFamily="18" charset="0"/>
+                          </a:rPr>
+                          <m:t>+</m:t>
+                        </m:r>
+                        <m:r>
+                          <a:rPr lang="en-US" b="0" i="1" smtClean="0">
+                            <a:latin typeface="Cambria Math" panose="02040503050406030204" pitchFamily="18" charset="0"/>
+                          </a:rPr>
+                          <m:t>𝑧</m:t>
+                        </m:r>
+                      </m:e>
+                      <m:sub>
+                        <m:r>
+                          <a:rPr lang="en-US" b="0" i="1" smtClean="0">
+                            <a:latin typeface="Cambria Math" panose="02040503050406030204" pitchFamily="18" charset="0"/>
+                          </a:rPr>
+                          <m:t>𝛼</m:t>
+                        </m:r>
+                        <m:r>
+                          <a:rPr lang="en-US" b="0" i="1" smtClean="0">
+                            <a:latin typeface="Cambria Math" panose="02040503050406030204" pitchFamily="18" charset="0"/>
+                          </a:rPr>
+                          <m:t>/2</m:t>
+                        </m:r>
+                      </m:sub>
+                    </m:sSub>
+                    <m:sSub>
+                      <m:sSubPr>
+                        <m:ctrlPr>
+                          <a:rPr lang="en-US" b="0" i="1" smtClean="0">
+                            <a:latin typeface="Cambria Math" panose="02040503050406030204" pitchFamily="18" charset="0"/>
+                          </a:rPr>
+                        </m:ctrlPr>
+                      </m:sSubPr>
+                      <m:e>
+                        <m:r>
+                          <a:rPr lang="en-US" b="0" i="1" smtClean="0">
+                            <a:latin typeface="Cambria Math" panose="02040503050406030204" pitchFamily="18" charset="0"/>
+                          </a:rPr>
+                          <m:t>𝜎</m:t>
+                        </m:r>
+                      </m:e>
+                      <m:sub>
+                        <m:acc>
+                          <m:accPr>
+                            <m:chr m:val="̅"/>
+                            <m:ctrlPr>
+                              <a:rPr lang="en-US" i="1">
+                                <a:latin typeface="Cambria Math" panose="02040503050406030204" pitchFamily="18" charset="0"/>
+                              </a:rPr>
+                            </m:ctrlPr>
+                          </m:accPr>
+                          <m:e>
+                            <m:acc>
+                              <m:accPr>
+                                <m:chr m:val="̂"/>
+                                <m:ctrlPr>
+                                  <a:rPr lang="en-US" i="1">
+                                    <a:latin typeface="Cambria Math" panose="02040503050406030204" pitchFamily="18" charset="0"/>
+                                  </a:rPr>
+                                </m:ctrlPr>
+                              </m:accPr>
+                              <m:e>
+                                <m:r>
+                                  <a:rPr lang="en-US" i="1">
+                                    <a:latin typeface="Cambria Math" panose="02040503050406030204" pitchFamily="18" charset="0"/>
+                                  </a:rPr>
+                                  <m:t>𝜃</m:t>
+                                </m:r>
+                              </m:e>
+                            </m:acc>
+                          </m:e>
+                        </m:acc>
+                      </m:sub>
+                    </m:sSub>
+                  </m:oMath>
+                </a14:m>
+                <a:r>
+                  <a:rPr lang="en-US" dirty="0"/>
+                  <a:t>, b</a:t>
+                </a:r>
+                <a14:m>
+                  <m:oMath xmlns:m="http://schemas.openxmlformats.org/officeDocument/2006/math">
+                    <m:r>
+                      <a:rPr lang="en-US" i="1">
+                        <a:latin typeface="Cambria Math" panose="02040503050406030204" pitchFamily="18" charset="0"/>
+                      </a:rPr>
+                      <m:t>=</m:t>
+                    </m:r>
+                    <m:sSub>
+                      <m:sSubPr>
+                        <m:ctrlPr>
+                          <a:rPr lang="en-US" i="1">
+                            <a:latin typeface="Cambria Math" panose="02040503050406030204" pitchFamily="18" charset="0"/>
+                          </a:rPr>
+                        </m:ctrlPr>
+                      </m:sSubPr>
+                      <m:e>
+                        <m:acc>
+                          <m:accPr>
+                            <m:chr m:val="̅"/>
+                            <m:ctrlPr>
+                              <a:rPr lang="en-US" i="1">
+                                <a:latin typeface="Cambria Math" panose="02040503050406030204" pitchFamily="18" charset="0"/>
+                              </a:rPr>
+                            </m:ctrlPr>
+                          </m:accPr>
+                          <m:e>
+                            <m:acc>
+                              <m:accPr>
+                                <m:chr m:val="̂"/>
+                                <m:ctrlPr>
+                                  <a:rPr lang="en-US" i="1">
+                                    <a:latin typeface="Cambria Math" panose="02040503050406030204" pitchFamily="18" charset="0"/>
+                                  </a:rPr>
+                                </m:ctrlPr>
+                              </m:accPr>
+                              <m:e>
+                                <m:r>
+                                  <a:rPr lang="en-US" i="1">
+                                    <a:latin typeface="Cambria Math" panose="02040503050406030204" pitchFamily="18" charset="0"/>
+                                  </a:rPr>
+                                  <m:t>𝜃</m:t>
+                                </m:r>
+                              </m:e>
+                            </m:acc>
+                          </m:e>
+                        </m:acc>
+                        <m:r>
+                          <m:rPr>
+                            <m:nor/>
+                          </m:rPr>
+                          <a:rPr lang="en-US">
+                            <a:latin typeface="Cambria Math" panose="02040503050406030204" pitchFamily="18" charset="0"/>
+                          </a:rPr>
+                          <m:t> </m:t>
+                        </m:r>
+                        <m:r>
+                          <m:rPr>
+                            <m:nor/>
+                          </m:rPr>
+                          <a:rPr lang="en-US" b="0" i="0" smtClean="0">
+                            <a:latin typeface="Cambria Math" panose="02040503050406030204" pitchFamily="18" charset="0"/>
+                          </a:rPr>
+                          <m:t>+</m:t>
+                        </m:r>
+                        <m:r>
+                          <m:rPr>
+                            <m:nor/>
+                          </m:rPr>
+                          <a:rPr lang="en-US">
+                            <a:latin typeface="Cambria Math" panose="02040503050406030204" pitchFamily="18" charset="0"/>
+                          </a:rPr>
+                          <m:t> </m:t>
+                        </m:r>
+                        <m:r>
+                          <a:rPr lang="en-US" i="1">
+                            <a:latin typeface="Cambria Math" panose="02040503050406030204" pitchFamily="18" charset="0"/>
+                          </a:rPr>
+                          <m:t>𝑧</m:t>
+                        </m:r>
+                      </m:e>
+                      <m:sub>
+                        <m:r>
+                          <a:rPr lang="en-US" b="0" i="1" smtClean="0">
+                            <a:latin typeface="Cambria Math" panose="02040503050406030204" pitchFamily="18" charset="0"/>
+                          </a:rPr>
+                          <m:t>(1−</m:t>
+                        </m:r>
+                        <m:r>
+                          <a:rPr lang="en-US" i="1">
+                            <a:latin typeface="Cambria Math" panose="02040503050406030204" pitchFamily="18" charset="0"/>
+                          </a:rPr>
+                          <m:t>𝛼</m:t>
+                        </m:r>
+                        <m:r>
+                          <a:rPr lang="en-US" b="0" i="1" smtClean="0">
+                            <a:latin typeface="Cambria Math" panose="02040503050406030204" pitchFamily="18" charset="0"/>
+                          </a:rPr>
+                          <m:t>)</m:t>
+                        </m:r>
+                        <m:r>
+                          <a:rPr lang="en-US" i="1">
+                            <a:latin typeface="Cambria Math" panose="02040503050406030204" pitchFamily="18" charset="0"/>
+                          </a:rPr>
+                          <m:t>/2</m:t>
+                        </m:r>
+                      </m:sub>
+                    </m:sSub>
+                    <m:sSub>
+                      <m:sSubPr>
+                        <m:ctrlPr>
+                          <a:rPr lang="en-US" i="1">
+                            <a:latin typeface="Cambria Math" panose="02040503050406030204" pitchFamily="18" charset="0"/>
+                          </a:rPr>
+                        </m:ctrlPr>
+                      </m:sSubPr>
+                      <m:e>
+                        <m:r>
+                          <a:rPr lang="en-US" i="1">
+                            <a:latin typeface="Cambria Math" panose="02040503050406030204" pitchFamily="18" charset="0"/>
+                          </a:rPr>
+                          <m:t>𝜎</m:t>
+                        </m:r>
+                      </m:e>
+                      <m:sub>
+                        <m:acc>
+                          <m:accPr>
+                            <m:chr m:val="̅"/>
+                            <m:ctrlPr>
+                              <a:rPr lang="en-US" i="1">
+                                <a:latin typeface="Cambria Math" panose="02040503050406030204" pitchFamily="18" charset="0"/>
+                              </a:rPr>
+                            </m:ctrlPr>
+                          </m:accPr>
+                          <m:e>
+                            <m:acc>
+                              <m:accPr>
+                                <m:chr m:val="̂"/>
+                                <m:ctrlPr>
+                                  <a:rPr lang="en-US" i="1">
+                                    <a:latin typeface="Cambria Math" panose="02040503050406030204" pitchFamily="18" charset="0"/>
+                                  </a:rPr>
+                                </m:ctrlPr>
+                              </m:accPr>
+                              <m:e>
+                                <m:r>
+                                  <a:rPr lang="en-US" i="1">
+                                    <a:latin typeface="Cambria Math" panose="02040503050406030204" pitchFamily="18" charset="0"/>
+                                  </a:rPr>
+                                  <m:t>𝜃</m:t>
+                                </m:r>
+                              </m:e>
+                            </m:acc>
+                          </m:e>
+                        </m:acc>
+                      </m:sub>
+                    </m:sSub>
+                  </m:oMath>
+                </a14:m>
+                <a:r>
+                  <a:rPr lang="en-US" dirty="0"/>
+                  <a:t>, where the </a:t>
+                </a:r>
+                <a:r>
+                  <a:rPr lang="en-US" i="1" dirty="0"/>
+                  <a:t>z</a:t>
+                </a:r>
+                <a:r>
+                  <a:rPr lang="en-US" dirty="0"/>
+                  <a:t> are taken from the normal distribution with mean 0 and variance 1.</a:t>
+                </a:r>
+              </a:p>
+            </p:txBody>
+          </p:sp>
+        </mc:Choice>
+        <mc:Fallback>
+          <p:sp>
+            <p:nvSpPr>
+              <p:cNvPr id="3" name="Content Placeholder 2">
+                <a:extLst>
+                  <a:ext uri="{FF2B5EF4-FFF2-40B4-BE49-F238E27FC236}">
+                    <a16:creationId xmlns:a16="http://schemas.microsoft.com/office/drawing/2014/main" id="{6F85448D-AD70-264C-BFF5-CF931F46BB3A}"/>
+                  </a:ext>
+                </a:extLst>
+              </p:cNvPr>
+              <p:cNvSpPr>
+                <a:spLocks noGrp="1" noRot="1" noChangeAspect="1" noMove="1" noResize="1" noEditPoints="1" noAdjustHandles="1" noChangeArrowheads="1" noChangeShapeType="1" noTextEdit="1"/>
+              </p:cNvSpPr>
+              <p:nvPr>
+                <p:ph idx="1"/>
+              </p:nvPr>
+            </p:nvSpPr>
+            <p:spPr>
+              <a:xfrm>
+                <a:off x="396307" y="2733551"/>
+                <a:ext cx="8229600" cy="2895600"/>
+              </a:xfrm>
+              <a:blipFill>
+                <a:blip r:embed="rId2"/>
+                <a:stretch>
+                  <a:fillRect l="-1233" t="-1310" b="-24891"/>
+                </a:stretch>
+              </a:blipFill>
+            </p:spPr>
+            <p:txBody>
+              <a:bodyPr/>
+              <a:lstStyle/>
+              <a:p>
+                <a:r>
+                  <a:rPr lang="en-US">
+                    <a:noFill/>
+                  </a:rPr>
+                  <a:t> </a:t>
+                </a:r>
+              </a:p>
+            </p:txBody>
+          </p:sp>
+        </mc:Fallback>
+      </mc:AlternateContent>
+      <p:sp>
+        <p:nvSpPr>
           <p:cNvPr id="4" name="Slide Number Placeholder 3">
             <a:extLst>
               <a:ext uri="{FF2B5EF4-FFF2-40B4-BE49-F238E27FC236}">
-                <a16:creationId xmlns:a16="http://schemas.microsoft.com/office/drawing/2014/main" id="{E0606DCE-0185-7F4A-AB13-36E0FB74EB8D}"/>
+                <a16:creationId xmlns:a16="http://schemas.microsoft.com/office/drawing/2014/main" id="{E45C86FA-46F3-704D-AE31-021B817AD1FC}"/>
               </a:ext>
             </a:extLst>
           </p:cNvPr>
@@ -10934,40 +14251,921 @@
           </a:p>
         </p:txBody>
       </p:sp>
-      <p:pic>
-        <p:nvPicPr>
-          <p:cNvPr id="5" name="Picture 4">
+      <p:grpSp>
+        <p:nvGrpSpPr>
+          <p:cNvPr id="5" name="Group 4">
             <a:extLst>
               <a:ext uri="{FF2B5EF4-FFF2-40B4-BE49-F238E27FC236}">
-                <a16:creationId xmlns:a16="http://schemas.microsoft.com/office/drawing/2014/main" id="{86E1027E-7632-E949-83A8-4365F64F401C}"/>
+                <a16:creationId xmlns:a16="http://schemas.microsoft.com/office/drawing/2014/main" id="{BA78B141-0D0D-6440-9F39-5C88E4FCEC6F}"/>
               </a:ext>
             </a:extLst>
           </p:cNvPr>
-          <p:cNvPicPr>
-            <a:picLocks noChangeAspect="1"/>
-          </p:cNvPicPr>
+          <p:cNvGrpSpPr/>
           <p:nvPr/>
-        </p:nvPicPr>
-        <p:blipFill>
-          <a:blip r:embed="rId2"/>
-          <a:stretch>
-            <a:fillRect/>
-          </a:stretch>
-        </p:blipFill>
-        <p:spPr>
+        </p:nvGrpSpPr>
+        <p:grpSpPr>
           <a:xfrm>
-            <a:off x="533400" y="400050"/>
-            <a:ext cx="7848600" cy="5886450"/>
+            <a:off x="3048000" y="1168078"/>
+            <a:ext cx="2944693" cy="1600200"/>
+            <a:chOff x="695086" y="4007982"/>
+            <a:chExt cx="4214929" cy="2422980"/>
           </a:xfrm>
-          <a:prstGeom prst="rect">
-            <a:avLst/>
-          </a:prstGeom>
-        </p:spPr>
-      </p:pic>
+        </p:grpSpPr>
+        <p:grpSp>
+          <p:nvGrpSpPr>
+            <p:cNvPr id="6" name="Group 5">
+              <a:extLst>
+                <a:ext uri="{FF2B5EF4-FFF2-40B4-BE49-F238E27FC236}">
+                  <a16:creationId xmlns:a16="http://schemas.microsoft.com/office/drawing/2014/main" id="{BFBA3B36-1C83-9B45-9EB2-B9AE16FF0165}"/>
+                </a:ext>
+              </a:extLst>
+            </p:cNvPr>
+            <p:cNvGrpSpPr/>
+            <p:nvPr/>
+          </p:nvGrpSpPr>
+          <p:grpSpPr>
+            <a:xfrm>
+              <a:off x="1207172" y="4007982"/>
+              <a:ext cx="3175000" cy="2422980"/>
+              <a:chOff x="2514600" y="3795692"/>
+              <a:chExt cx="3175000" cy="2422980"/>
+            </a:xfrm>
+          </p:grpSpPr>
+          <p:pic>
+            <p:nvPicPr>
+              <p:cNvPr id="10" name="Picture 9">
+                <a:extLst>
+                  <a:ext uri="{FF2B5EF4-FFF2-40B4-BE49-F238E27FC236}">
+                    <a16:creationId xmlns:a16="http://schemas.microsoft.com/office/drawing/2014/main" id="{B46B7BDB-DE75-0641-9EF2-98E65E623AC6}"/>
+                  </a:ext>
+                </a:extLst>
+              </p:cNvPr>
+              <p:cNvPicPr>
+                <a:picLocks noChangeAspect="1"/>
+              </p:cNvPicPr>
+              <p:nvPr/>
+            </p:nvPicPr>
+            <p:blipFill>
+              <a:blip r:embed="rId3"/>
+              <a:stretch>
+                <a:fillRect/>
+              </a:stretch>
+            </p:blipFill>
+            <p:spPr>
+              <a:xfrm>
+                <a:off x="2514600" y="3795692"/>
+                <a:ext cx="3175000" cy="2184400"/>
+              </a:xfrm>
+              <a:prstGeom prst="rect">
+                <a:avLst/>
+              </a:prstGeom>
+            </p:spPr>
+          </p:pic>
+          <mc:AlternateContent xmlns:mc="http://schemas.openxmlformats.org/markup-compatibility/2006">
+            <mc:Choice xmlns:a14="http://schemas.microsoft.com/office/drawing/2010/main" Requires="a14">
+              <p:sp>
+                <p:nvSpPr>
+                  <p:cNvPr id="11" name="TextBox 10">
+                    <a:extLst>
+                      <a:ext uri="{FF2B5EF4-FFF2-40B4-BE49-F238E27FC236}">
+                        <a16:creationId xmlns:a16="http://schemas.microsoft.com/office/drawing/2014/main" id="{6CA4F6E2-03CD-7F47-8515-9A932B4E037C}"/>
+                      </a:ext>
+                    </a:extLst>
+                  </p:cNvPr>
+                  <p:cNvSpPr txBox="1"/>
+                  <p:nvPr/>
+                </p:nvSpPr>
+                <p:spPr>
+                  <a:xfrm>
+                    <a:off x="3968538" y="5745778"/>
+                    <a:ext cx="256432" cy="372821"/>
+                  </a:xfrm>
+                  <a:prstGeom prst="rect">
+                    <a:avLst/>
+                  </a:prstGeom>
+                  <a:solidFill>
+                    <a:schemeClr val="bg1"/>
+                  </a:solidFill>
+                </p:spPr>
+                <p:txBody>
+                  <a:bodyPr wrap="none" lIns="0" tIns="0" rIns="0" bIns="0" rtlCol="0">
+                    <a:spAutoFit/>
+                  </a:bodyPr>
+                  <a:lstStyle/>
+                  <a:p>
+                    <a14:m>
+                      <m:oMathPara xmlns:m="http://schemas.openxmlformats.org/officeDocument/2006/math">
+                        <m:oMathParaPr>
+                          <m:jc m:val="centerGroup"/>
+                        </m:oMathParaPr>
+                        <m:oMath xmlns:m="http://schemas.openxmlformats.org/officeDocument/2006/math">
+                          <m:r>
+                            <a:rPr lang="en-US" sz="1600" b="0" i="1" smtClean="0">
+                              <a:latin typeface="Cambria Math" panose="02040503050406030204" pitchFamily="18" charset="0"/>
+                            </a:rPr>
+                            <m:t>𝜃</m:t>
+                          </m:r>
+                        </m:oMath>
+                      </m:oMathPara>
+                    </a14:m>
+                    <a:endParaRPr lang="en-US" sz="1600" dirty="0"/>
+                  </a:p>
+                </p:txBody>
+              </p:sp>
+            </mc:Choice>
+            <mc:Fallback>
+              <p:sp>
+                <p:nvSpPr>
+                  <p:cNvPr id="11" name="TextBox 10">
+                    <a:extLst>
+                      <a:ext uri="{FF2B5EF4-FFF2-40B4-BE49-F238E27FC236}">
+                        <a16:creationId xmlns:a16="http://schemas.microsoft.com/office/drawing/2014/main" id="{6CA4F6E2-03CD-7F47-8515-9A932B4E037C}"/>
+                      </a:ext>
+                    </a:extLst>
+                  </p:cNvPr>
+                  <p:cNvSpPr txBox="1">
+                    <a:spLocks noRot="1" noChangeAspect="1" noMove="1" noResize="1" noEditPoints="1" noAdjustHandles="1" noChangeArrowheads="1" noChangeShapeType="1" noTextEdit="1"/>
+                  </p:cNvSpPr>
+                  <p:nvPr/>
+                </p:nvSpPr>
+                <p:spPr>
+                  <a:xfrm>
+                    <a:off x="3968538" y="5745778"/>
+                    <a:ext cx="256432" cy="372821"/>
+                  </a:xfrm>
+                  <a:prstGeom prst="rect">
+                    <a:avLst/>
+                  </a:prstGeom>
+                  <a:blipFill>
+                    <a:blip r:embed="rId4"/>
+                    <a:stretch>
+                      <a:fillRect l="-28571" r="-21429" b="-9524"/>
+                    </a:stretch>
+                  </a:blipFill>
+                </p:spPr>
+                <p:txBody>
+                  <a:bodyPr/>
+                  <a:lstStyle/>
+                  <a:p>
+                    <a:r>
+                      <a:rPr lang="en-US">
+                        <a:noFill/>
+                      </a:rPr>
+                      <a:t> </a:t>
+                    </a:r>
+                  </a:p>
+                </p:txBody>
+              </p:sp>
+            </mc:Fallback>
+          </mc:AlternateContent>
+          <p:sp>
+            <p:nvSpPr>
+              <p:cNvPr id="12" name="Rectangle 11">
+                <a:extLst>
+                  <a:ext uri="{FF2B5EF4-FFF2-40B4-BE49-F238E27FC236}">
+                    <a16:creationId xmlns:a16="http://schemas.microsoft.com/office/drawing/2014/main" id="{D29B5A3B-5E20-FD41-AB80-3B7A522FA941}"/>
+                  </a:ext>
+                </a:extLst>
+              </p:cNvPr>
+              <p:cNvSpPr/>
+              <p:nvPr/>
+            </p:nvSpPr>
+            <p:spPr>
+              <a:xfrm>
+                <a:off x="2795217" y="5715000"/>
+                <a:ext cx="625579" cy="457200"/>
+              </a:xfrm>
+              <a:prstGeom prst="rect">
+                <a:avLst/>
+              </a:prstGeom>
+              <a:solidFill>
+                <a:schemeClr val="bg1"/>
+              </a:solidFill>
+              <a:ln>
+                <a:noFill/>
+              </a:ln>
+              <a:effectLst>
+                <a:outerShdw dist="23000" sx="1000" sy="1000" rotWithShape="0">
+                  <a:srgbClr val="000000"/>
+                </a:outerShdw>
+              </a:effectLst>
+            </p:spPr>
+            <p:style>
+              <a:lnRef idx="1">
+                <a:schemeClr val="accent1"/>
+              </a:lnRef>
+              <a:fillRef idx="3">
+                <a:schemeClr val="accent1"/>
+              </a:fillRef>
+              <a:effectRef idx="2">
+                <a:schemeClr val="accent1"/>
+              </a:effectRef>
+              <a:fontRef idx="minor">
+                <a:schemeClr val="lt1"/>
+              </a:fontRef>
+            </p:style>
+            <p:txBody>
+              <a:bodyPr rtlCol="0" anchor="ctr"/>
+              <a:lstStyle/>
+              <a:p>
+                <a:pPr algn="ctr"/>
+                <a:endParaRPr lang="en-US" sz="1200"/>
+              </a:p>
+            </p:txBody>
+          </p:sp>
+          <p:sp>
+            <p:nvSpPr>
+              <p:cNvPr id="13" name="Rectangle 12">
+                <a:extLst>
+                  <a:ext uri="{FF2B5EF4-FFF2-40B4-BE49-F238E27FC236}">
+                    <a16:creationId xmlns:a16="http://schemas.microsoft.com/office/drawing/2014/main" id="{9B339587-69DB-B745-ADBA-1EF84E109975}"/>
+                  </a:ext>
+                </a:extLst>
+              </p:cNvPr>
+              <p:cNvSpPr/>
+              <p:nvPr/>
+            </p:nvSpPr>
+            <p:spPr>
+              <a:xfrm>
+                <a:off x="4632221" y="5761472"/>
+                <a:ext cx="625579" cy="457200"/>
+              </a:xfrm>
+              <a:prstGeom prst="rect">
+                <a:avLst/>
+              </a:prstGeom>
+              <a:solidFill>
+                <a:schemeClr val="bg1"/>
+              </a:solidFill>
+              <a:ln>
+                <a:noFill/>
+              </a:ln>
+              <a:effectLst>
+                <a:outerShdw dist="23000" sx="1000" sy="1000" rotWithShape="0">
+                  <a:srgbClr val="000000"/>
+                </a:outerShdw>
+              </a:effectLst>
+            </p:spPr>
+            <p:style>
+              <a:lnRef idx="1">
+                <a:schemeClr val="accent1"/>
+              </a:lnRef>
+              <a:fillRef idx="3">
+                <a:schemeClr val="accent1"/>
+              </a:fillRef>
+              <a:effectRef idx="2">
+                <a:schemeClr val="accent1"/>
+              </a:effectRef>
+              <a:fontRef idx="minor">
+                <a:schemeClr val="lt1"/>
+              </a:fontRef>
+            </p:style>
+            <p:txBody>
+              <a:bodyPr rtlCol="0" anchor="ctr"/>
+              <a:lstStyle/>
+              <a:p>
+                <a:pPr algn="ctr"/>
+                <a:endParaRPr lang="en-US" sz="1200"/>
+              </a:p>
+            </p:txBody>
+          </p:sp>
+          <mc:AlternateContent xmlns:mc="http://schemas.openxmlformats.org/markup-compatibility/2006">
+            <mc:Choice xmlns:a14="http://schemas.microsoft.com/office/drawing/2010/main" Requires="a14">
+              <p:sp>
+                <p:nvSpPr>
+                  <p:cNvPr id="14" name="TextBox 13">
+                    <a:extLst>
+                      <a:ext uri="{FF2B5EF4-FFF2-40B4-BE49-F238E27FC236}">
+                        <a16:creationId xmlns:a16="http://schemas.microsoft.com/office/drawing/2014/main" id="{5F299D1B-6136-9648-B909-C810D031D9CE}"/>
+                      </a:ext>
+                    </a:extLst>
+                  </p:cNvPr>
+                  <p:cNvSpPr txBox="1"/>
+                  <p:nvPr/>
+                </p:nvSpPr>
+                <p:spPr>
+                  <a:xfrm>
+                    <a:off x="3108007" y="5715000"/>
+                    <a:ext cx="267124" cy="419424"/>
+                  </a:xfrm>
+                  <a:prstGeom prst="rect">
+                    <a:avLst/>
+                  </a:prstGeom>
+                  <a:solidFill>
+                    <a:schemeClr val="bg1"/>
+                  </a:solidFill>
+                </p:spPr>
+                <p:txBody>
+                  <a:bodyPr wrap="square" lIns="0" tIns="0" rIns="0" bIns="0" rtlCol="0">
+                    <a:spAutoFit/>
+                  </a:bodyPr>
+                  <a:lstStyle/>
+                  <a:p>
+                    <a14:m>
+                      <m:oMathPara xmlns:m="http://schemas.openxmlformats.org/officeDocument/2006/math">
+                        <m:oMathParaPr>
+                          <m:jc m:val="centerGroup"/>
+                        </m:oMathParaPr>
+                        <m:oMath xmlns:m="http://schemas.openxmlformats.org/officeDocument/2006/math">
+                          <m:r>
+                            <a:rPr lang="en-US" b="0" i="1" smtClean="0">
+                              <a:latin typeface="Cambria Math" panose="02040503050406030204" pitchFamily="18" charset="0"/>
+                            </a:rPr>
+                            <m:t>𝑎</m:t>
+                          </m:r>
+                        </m:oMath>
+                      </m:oMathPara>
+                    </a14:m>
+                    <a:endParaRPr lang="en-US" dirty="0"/>
+                  </a:p>
+                </p:txBody>
+              </p:sp>
+            </mc:Choice>
+            <mc:Fallback>
+              <p:sp>
+                <p:nvSpPr>
+                  <p:cNvPr id="14" name="TextBox 13">
+                    <a:extLst>
+                      <a:ext uri="{FF2B5EF4-FFF2-40B4-BE49-F238E27FC236}">
+                        <a16:creationId xmlns:a16="http://schemas.microsoft.com/office/drawing/2014/main" id="{5F299D1B-6136-9648-B909-C810D031D9CE}"/>
+                      </a:ext>
+                    </a:extLst>
+                  </p:cNvPr>
+                  <p:cNvSpPr txBox="1">
+                    <a:spLocks noRot="1" noChangeAspect="1" noMove="1" noResize="1" noEditPoints="1" noAdjustHandles="1" noChangeArrowheads="1" noChangeShapeType="1" noTextEdit="1"/>
+                  </p:cNvSpPr>
+                  <p:nvPr/>
+                </p:nvSpPr>
+                <p:spPr>
+                  <a:xfrm>
+                    <a:off x="3108007" y="5715000"/>
+                    <a:ext cx="267124" cy="419424"/>
+                  </a:xfrm>
+                  <a:prstGeom prst="rect">
+                    <a:avLst/>
+                  </a:prstGeom>
+                  <a:blipFill>
+                    <a:blip r:embed="rId5"/>
+                    <a:stretch>
+                      <a:fillRect l="-12500" r="-6250"/>
+                    </a:stretch>
+                  </a:blipFill>
+                </p:spPr>
+                <p:txBody>
+                  <a:bodyPr/>
+                  <a:lstStyle/>
+                  <a:p>
+                    <a:r>
+                      <a:rPr lang="en-US">
+                        <a:noFill/>
+                      </a:rPr>
+                      <a:t> </a:t>
+                    </a:r>
+                  </a:p>
+                </p:txBody>
+              </p:sp>
+            </mc:Fallback>
+          </mc:AlternateContent>
+          <mc:AlternateContent xmlns:mc="http://schemas.openxmlformats.org/markup-compatibility/2006">
+            <mc:Choice xmlns:a14="http://schemas.microsoft.com/office/drawing/2010/main" Requires="a14">
+              <p:sp>
+                <p:nvSpPr>
+                  <p:cNvPr id="15" name="TextBox 14">
+                    <a:extLst>
+                      <a:ext uri="{FF2B5EF4-FFF2-40B4-BE49-F238E27FC236}">
+                        <a16:creationId xmlns:a16="http://schemas.microsoft.com/office/drawing/2014/main" id="{D4CE176F-54FF-6648-93C9-579487A6DAE0}"/>
+                      </a:ext>
+                    </a:extLst>
+                  </p:cNvPr>
+                  <p:cNvSpPr txBox="1"/>
+                  <p:nvPr/>
+                </p:nvSpPr>
+                <p:spPr>
+                  <a:xfrm>
+                    <a:off x="4762075" y="5715000"/>
+                    <a:ext cx="267124" cy="419424"/>
+                  </a:xfrm>
+                  <a:prstGeom prst="rect">
+                    <a:avLst/>
+                  </a:prstGeom>
+                  <a:solidFill>
+                    <a:schemeClr val="bg1"/>
+                  </a:solidFill>
+                </p:spPr>
+                <p:txBody>
+                  <a:bodyPr wrap="square" lIns="0" tIns="0" rIns="0" bIns="0" rtlCol="0">
+                    <a:spAutoFit/>
+                  </a:bodyPr>
+                  <a:lstStyle/>
+                  <a:p>
+                    <a14:m>
+                      <m:oMathPara xmlns:m="http://schemas.openxmlformats.org/officeDocument/2006/math">
+                        <m:oMathParaPr>
+                          <m:jc m:val="centerGroup"/>
+                        </m:oMathParaPr>
+                        <m:oMath xmlns:m="http://schemas.openxmlformats.org/officeDocument/2006/math">
+                          <m:r>
+                            <a:rPr lang="en-US" b="0" i="1" smtClean="0">
+                              <a:latin typeface="Cambria Math" panose="02040503050406030204" pitchFamily="18" charset="0"/>
+                            </a:rPr>
+                            <m:t>𝑏</m:t>
+                          </m:r>
+                        </m:oMath>
+                      </m:oMathPara>
+                    </a14:m>
+                    <a:endParaRPr lang="en-US" dirty="0"/>
+                  </a:p>
+                </p:txBody>
+              </p:sp>
+            </mc:Choice>
+            <mc:Fallback>
+              <p:sp>
+                <p:nvSpPr>
+                  <p:cNvPr id="15" name="TextBox 14">
+                    <a:extLst>
+                      <a:ext uri="{FF2B5EF4-FFF2-40B4-BE49-F238E27FC236}">
+                        <a16:creationId xmlns:a16="http://schemas.microsoft.com/office/drawing/2014/main" id="{D4CE176F-54FF-6648-93C9-579487A6DAE0}"/>
+                      </a:ext>
+                    </a:extLst>
+                  </p:cNvPr>
+                  <p:cNvSpPr txBox="1">
+                    <a:spLocks noRot="1" noChangeAspect="1" noMove="1" noResize="1" noEditPoints="1" noAdjustHandles="1" noChangeArrowheads="1" noChangeShapeType="1" noTextEdit="1"/>
+                  </p:cNvSpPr>
+                  <p:nvPr/>
+                </p:nvSpPr>
+                <p:spPr>
+                  <a:xfrm>
+                    <a:off x="4762075" y="5715000"/>
+                    <a:ext cx="267124" cy="419424"/>
+                  </a:xfrm>
+                  <a:prstGeom prst="rect">
+                    <a:avLst/>
+                  </a:prstGeom>
+                  <a:blipFill>
+                    <a:blip r:embed="rId6"/>
+                    <a:stretch>
+                      <a:fillRect l="-26667" r="-26667" b="-9091"/>
+                    </a:stretch>
+                  </a:blipFill>
+                </p:spPr>
+                <p:txBody>
+                  <a:bodyPr/>
+                  <a:lstStyle/>
+                  <a:p>
+                    <a:r>
+                      <a:rPr lang="en-US">
+                        <a:noFill/>
+                      </a:rPr>
+                      <a:t> </a:t>
+                    </a:r>
+                  </a:p>
+                </p:txBody>
+              </p:sp>
+            </mc:Fallback>
+          </mc:AlternateContent>
+          <mc:AlternateContent xmlns:mc="http://schemas.openxmlformats.org/markup-compatibility/2006">
+            <mc:Choice xmlns:a14="http://schemas.microsoft.com/office/drawing/2010/main" Requires="a14">
+              <p:sp>
+                <p:nvSpPr>
+                  <p:cNvPr id="16" name="TextBox 15">
+                    <a:extLst>
+                      <a:ext uri="{FF2B5EF4-FFF2-40B4-BE49-F238E27FC236}">
+                        <a16:creationId xmlns:a16="http://schemas.microsoft.com/office/drawing/2014/main" id="{79E0F2C4-4C2F-DB48-934D-ED6AE987EC1E}"/>
+                      </a:ext>
+                    </a:extLst>
+                  </p:cNvPr>
+                  <p:cNvSpPr txBox="1"/>
+                  <p:nvPr/>
+                </p:nvSpPr>
+                <p:spPr>
+                  <a:xfrm>
+                    <a:off x="3386918" y="5057001"/>
+                    <a:ext cx="1276283" cy="279616"/>
+                  </a:xfrm>
+                  <a:prstGeom prst="rect">
+                    <a:avLst/>
+                  </a:prstGeom>
+                  <a:solidFill>
+                    <a:schemeClr val="tx2">
+                      <a:lumMod val="40000"/>
+                      <a:lumOff val="60000"/>
+                    </a:schemeClr>
+                  </a:solidFill>
+                </p:spPr>
+                <p:txBody>
+                  <a:bodyPr wrap="none" lIns="0" tIns="0" rIns="0" bIns="0" rtlCol="0">
+                    <a:spAutoFit/>
+                  </a:bodyPr>
+                  <a:lstStyle/>
+                  <a:p>
+                    <a:r>
+                      <a:rPr lang="en-US" sz="1200" b="0" dirty="0"/>
+                      <a:t>Area </a:t>
+                    </a:r>
+                    <a14:m>
+                      <m:oMath xmlns:m="http://schemas.openxmlformats.org/officeDocument/2006/math">
+                        <m:r>
+                          <a:rPr lang="en-US" sz="1200" b="0" i="1" smtClean="0">
+                            <a:latin typeface="Cambria Math" panose="02040503050406030204" pitchFamily="18" charset="0"/>
+                          </a:rPr>
+                          <m:t>=1−</m:t>
+                        </m:r>
+                        <m:r>
+                          <a:rPr lang="en-US" sz="1200" b="0" i="1" smtClean="0">
+                            <a:latin typeface="Cambria Math" panose="02040503050406030204" pitchFamily="18" charset="0"/>
+                          </a:rPr>
+                          <m:t>𝛼</m:t>
+                        </m:r>
+                      </m:oMath>
+                    </a14:m>
+                    <a:endParaRPr lang="en-US" sz="1200" dirty="0"/>
+                  </a:p>
+                </p:txBody>
+              </p:sp>
+            </mc:Choice>
+            <mc:Fallback>
+              <p:sp>
+                <p:nvSpPr>
+                  <p:cNvPr id="16" name="TextBox 15">
+                    <a:extLst>
+                      <a:ext uri="{FF2B5EF4-FFF2-40B4-BE49-F238E27FC236}">
+                        <a16:creationId xmlns:a16="http://schemas.microsoft.com/office/drawing/2014/main" id="{79E0F2C4-4C2F-DB48-934D-ED6AE987EC1E}"/>
+                      </a:ext>
+                    </a:extLst>
+                  </p:cNvPr>
+                  <p:cNvSpPr txBox="1">
+                    <a:spLocks noRot="1" noChangeAspect="1" noMove="1" noResize="1" noEditPoints="1" noAdjustHandles="1" noChangeArrowheads="1" noChangeShapeType="1" noTextEdit="1"/>
+                  </p:cNvSpPr>
+                  <p:nvPr/>
+                </p:nvSpPr>
+                <p:spPr>
+                  <a:xfrm>
+                    <a:off x="3386918" y="5057001"/>
+                    <a:ext cx="1276283" cy="279616"/>
+                  </a:xfrm>
+                  <a:prstGeom prst="rect">
+                    <a:avLst/>
+                  </a:prstGeom>
+                  <a:blipFill>
+                    <a:blip r:embed="rId7"/>
+                    <a:stretch>
+                      <a:fillRect l="-8451" t="-26667" r="-2817" b="-53333"/>
+                    </a:stretch>
+                  </a:blipFill>
+                </p:spPr>
+                <p:txBody>
+                  <a:bodyPr/>
+                  <a:lstStyle/>
+                  <a:p>
+                    <a:r>
+                      <a:rPr lang="en-US">
+                        <a:noFill/>
+                      </a:rPr>
+                      <a:t> </a:t>
+                    </a:r>
+                  </a:p>
+                </p:txBody>
+              </p:sp>
+            </mc:Fallback>
+          </mc:AlternateContent>
+        </p:grpSp>
+        <mc:AlternateContent xmlns:mc="http://schemas.openxmlformats.org/markup-compatibility/2006">
+          <mc:Choice xmlns:a14="http://schemas.microsoft.com/office/drawing/2010/main" Requires="a14">
+            <p:sp>
+              <p:nvSpPr>
+                <p:cNvPr id="7" name="TextBox 6">
+                  <a:extLst>
+                    <a:ext uri="{FF2B5EF4-FFF2-40B4-BE49-F238E27FC236}">
+                      <a16:creationId xmlns:a16="http://schemas.microsoft.com/office/drawing/2014/main" id="{96A63379-5F25-B948-972B-AC73BCCD26E6}"/>
+                    </a:ext>
+                  </a:extLst>
+                </p:cNvPr>
+                <p:cNvSpPr txBox="1"/>
+                <p:nvPr/>
+              </p:nvSpPr>
+              <p:spPr>
+                <a:xfrm>
+                  <a:off x="3235594" y="4117245"/>
+                  <a:ext cx="1674421" cy="388550"/>
+                </a:xfrm>
+                <a:prstGeom prst="rect">
+                  <a:avLst/>
+                </a:prstGeom>
+                <a:solidFill>
+                  <a:schemeClr val="bg1"/>
+                </a:solidFill>
+              </p:spPr>
+              <p:txBody>
+                <a:bodyPr wrap="none" lIns="0" tIns="0" rIns="0" bIns="0" rtlCol="0">
+                  <a:spAutoFit/>
+                </a:bodyPr>
+                <a:lstStyle/>
+                <a:p>
+                  <a14:m>
+                    <m:oMath xmlns:m="http://schemas.openxmlformats.org/officeDocument/2006/math">
+                      <m:acc>
+                        <m:accPr>
+                          <m:chr m:val="̂"/>
+                          <m:ctrlPr>
+                            <a:rPr lang="en-US" sz="1600" b="0" i="1" smtClean="0">
+                              <a:latin typeface="Cambria Math" panose="02040503050406030204" pitchFamily="18" charset="0"/>
+                            </a:rPr>
+                          </m:ctrlPr>
+                        </m:accPr>
+                        <m:e>
+                          <m:r>
+                            <a:rPr lang="en-US" sz="1600" b="0" i="1" smtClean="0">
+                              <a:latin typeface="Cambria Math" panose="02040503050406030204" pitchFamily="18" charset="0"/>
+                            </a:rPr>
+                            <m:t>𝜃</m:t>
+                          </m:r>
+                        </m:e>
+                      </m:acc>
+                    </m:oMath>
+                  </a14:m>
+                  <a:r>
+                    <a:rPr lang="en-US" sz="1600" dirty="0"/>
+                    <a:t> distribution</a:t>
+                  </a:r>
+                </a:p>
+              </p:txBody>
+            </p:sp>
+          </mc:Choice>
+          <mc:Fallback>
+            <p:sp>
+              <p:nvSpPr>
+                <p:cNvPr id="7" name="TextBox 6">
+                  <a:extLst>
+                    <a:ext uri="{FF2B5EF4-FFF2-40B4-BE49-F238E27FC236}">
+                      <a16:creationId xmlns:a16="http://schemas.microsoft.com/office/drawing/2014/main" id="{96A63379-5F25-B948-972B-AC73BCCD26E6}"/>
+                    </a:ext>
+                  </a:extLst>
+                </p:cNvPr>
+                <p:cNvSpPr txBox="1">
+                  <a:spLocks noRot="1" noChangeAspect="1" noMove="1" noResize="1" noEditPoints="1" noAdjustHandles="1" noChangeArrowheads="1" noChangeShapeType="1" noTextEdit="1"/>
+                </p:cNvSpPr>
+                <p:nvPr/>
+              </p:nvSpPr>
+              <p:spPr>
+                <a:xfrm>
+                  <a:off x="3235594" y="4117245"/>
+                  <a:ext cx="1674421" cy="388550"/>
+                </a:xfrm>
+                <a:prstGeom prst="rect">
+                  <a:avLst/>
+                </a:prstGeom>
+                <a:blipFill>
+                  <a:blip r:embed="rId8"/>
+                  <a:stretch>
+                    <a:fillRect l="-6452" t="-23810" r="-8602" b="-42857"/>
+                  </a:stretch>
+                </a:blipFill>
+              </p:spPr>
+              <p:txBody>
+                <a:bodyPr/>
+                <a:lstStyle/>
+                <a:p>
+                  <a:r>
+                    <a:rPr lang="en-US">
+                      <a:noFill/>
+                    </a:rPr>
+                    <a:t> </a:t>
+                  </a:r>
+                </a:p>
+              </p:txBody>
+            </p:sp>
+          </mc:Fallback>
+        </mc:AlternateContent>
+        <mc:AlternateContent xmlns:mc="http://schemas.openxmlformats.org/markup-compatibility/2006">
+          <mc:Choice xmlns:a14="http://schemas.microsoft.com/office/drawing/2010/main" Requires="a14">
+            <p:sp>
+              <p:nvSpPr>
+                <p:cNvPr id="8" name="TextBox 7">
+                  <a:extLst>
+                    <a:ext uri="{FF2B5EF4-FFF2-40B4-BE49-F238E27FC236}">
+                      <a16:creationId xmlns:a16="http://schemas.microsoft.com/office/drawing/2014/main" id="{E7B06F09-2FD8-754C-B597-64645387EFED}"/>
+                    </a:ext>
+                  </a:extLst>
+                </p:cNvPr>
+                <p:cNvSpPr txBox="1"/>
+                <p:nvPr/>
+              </p:nvSpPr>
+              <p:spPr>
+                <a:xfrm>
+                  <a:off x="3938831" y="5231161"/>
+                  <a:ext cx="828583" cy="372627"/>
+                </a:xfrm>
+                <a:prstGeom prst="rect">
+                  <a:avLst/>
+                </a:prstGeom>
+                <a:noFill/>
+              </p:spPr>
+              <p:txBody>
+                <a:bodyPr wrap="none" lIns="0" tIns="0" rIns="0" bIns="0" rtlCol="0">
+                  <a:spAutoFit/>
+                </a:bodyPr>
+                <a:lstStyle/>
+                <a:p>
+                  <a:r>
+                    <a:rPr lang="en-US" sz="1200" b="0" dirty="0"/>
+                    <a:t>Area = </a:t>
+                  </a:r>
+                  <a14:m>
+                    <m:oMath xmlns:m="http://schemas.openxmlformats.org/officeDocument/2006/math">
+                      <m:f>
+                        <m:fPr>
+                          <m:ctrlPr>
+                            <a:rPr lang="en-US" sz="1200" b="0" i="1" smtClean="0">
+                              <a:latin typeface="Cambria Math" panose="02040503050406030204" pitchFamily="18" charset="0"/>
+                            </a:rPr>
+                          </m:ctrlPr>
+                        </m:fPr>
+                        <m:num>
+                          <m:r>
+                            <a:rPr lang="en-US" sz="1200" b="0" i="1" smtClean="0">
+                              <a:latin typeface="Cambria Math" panose="02040503050406030204" pitchFamily="18" charset="0"/>
+                            </a:rPr>
+                            <m:t>𝛼</m:t>
+                          </m:r>
+                        </m:num>
+                        <m:den>
+                          <m:r>
+                            <a:rPr lang="en-US" sz="1200" b="0" i="1" smtClean="0">
+                              <a:latin typeface="Cambria Math" panose="02040503050406030204" pitchFamily="18" charset="0"/>
+                            </a:rPr>
+                            <m:t>2</m:t>
+                          </m:r>
+                        </m:den>
+                      </m:f>
+                    </m:oMath>
+                  </a14:m>
+                  <a:endParaRPr lang="en-US" sz="1200" dirty="0"/>
+                </a:p>
+              </p:txBody>
+            </p:sp>
+          </mc:Choice>
+          <mc:Fallback>
+            <p:sp>
+              <p:nvSpPr>
+                <p:cNvPr id="8" name="TextBox 7">
+                  <a:extLst>
+                    <a:ext uri="{FF2B5EF4-FFF2-40B4-BE49-F238E27FC236}">
+                      <a16:creationId xmlns:a16="http://schemas.microsoft.com/office/drawing/2014/main" id="{E7B06F09-2FD8-754C-B597-64645387EFED}"/>
+                    </a:ext>
+                  </a:extLst>
+                </p:cNvPr>
+                <p:cNvSpPr txBox="1">
+                  <a:spLocks noRot="1" noChangeAspect="1" noMove="1" noResize="1" noEditPoints="1" noAdjustHandles="1" noChangeArrowheads="1" noChangeShapeType="1" noTextEdit="1"/>
+                </p:cNvSpPr>
+                <p:nvPr/>
+              </p:nvSpPr>
+              <p:spPr>
+                <a:xfrm>
+                  <a:off x="3938831" y="5231161"/>
+                  <a:ext cx="828583" cy="372627"/>
+                </a:xfrm>
+                <a:prstGeom prst="rect">
+                  <a:avLst/>
+                </a:prstGeom>
+                <a:blipFill>
+                  <a:blip r:embed="rId9"/>
+                  <a:stretch>
+                    <a:fillRect l="-12766" t="-21053" r="-4255" b="-21053"/>
+                  </a:stretch>
+                </a:blipFill>
+              </p:spPr>
+              <p:txBody>
+                <a:bodyPr/>
+                <a:lstStyle/>
+                <a:p>
+                  <a:r>
+                    <a:rPr lang="en-US">
+                      <a:noFill/>
+                    </a:rPr>
+                    <a:t> </a:t>
+                  </a:r>
+                </a:p>
+              </p:txBody>
+            </p:sp>
+          </mc:Fallback>
+        </mc:AlternateContent>
+        <mc:AlternateContent xmlns:mc="http://schemas.openxmlformats.org/markup-compatibility/2006">
+          <mc:Choice xmlns:a14="http://schemas.microsoft.com/office/drawing/2010/main" Requires="a14">
+            <p:sp>
+              <p:nvSpPr>
+                <p:cNvPr id="9" name="TextBox 8">
+                  <a:extLst>
+                    <a:ext uri="{FF2B5EF4-FFF2-40B4-BE49-F238E27FC236}">
+                      <a16:creationId xmlns:a16="http://schemas.microsoft.com/office/drawing/2014/main" id="{DB62E53D-3CA7-7745-9CF2-53960C4EAD6F}"/>
+                    </a:ext>
+                  </a:extLst>
+                </p:cNvPr>
+                <p:cNvSpPr txBox="1"/>
+                <p:nvPr/>
+              </p:nvSpPr>
+              <p:spPr>
+                <a:xfrm>
+                  <a:off x="695086" y="5205458"/>
+                  <a:ext cx="828583" cy="372627"/>
+                </a:xfrm>
+                <a:prstGeom prst="rect">
+                  <a:avLst/>
+                </a:prstGeom>
+                <a:noFill/>
+              </p:spPr>
+              <p:txBody>
+                <a:bodyPr wrap="none" lIns="0" tIns="0" rIns="0" bIns="0" rtlCol="0">
+                  <a:spAutoFit/>
+                </a:bodyPr>
+                <a:lstStyle/>
+                <a:p>
+                  <a:r>
+                    <a:rPr lang="en-US" sz="1200" b="0" dirty="0"/>
+                    <a:t>Area = </a:t>
+                  </a:r>
+                  <a14:m>
+                    <m:oMath xmlns:m="http://schemas.openxmlformats.org/officeDocument/2006/math">
+                      <m:f>
+                        <m:fPr>
+                          <m:ctrlPr>
+                            <a:rPr lang="en-US" sz="1200" b="0" i="1" smtClean="0">
+                              <a:latin typeface="Cambria Math" panose="02040503050406030204" pitchFamily="18" charset="0"/>
+                            </a:rPr>
+                          </m:ctrlPr>
+                        </m:fPr>
+                        <m:num>
+                          <m:r>
+                            <a:rPr lang="en-US" sz="1200" b="0" i="1" smtClean="0">
+                              <a:latin typeface="Cambria Math" panose="02040503050406030204" pitchFamily="18" charset="0"/>
+                            </a:rPr>
+                            <m:t>𝛼</m:t>
+                          </m:r>
+                        </m:num>
+                        <m:den>
+                          <m:r>
+                            <a:rPr lang="en-US" sz="1200" b="0" i="1" smtClean="0">
+                              <a:latin typeface="Cambria Math" panose="02040503050406030204" pitchFamily="18" charset="0"/>
+                            </a:rPr>
+                            <m:t>2</m:t>
+                          </m:r>
+                        </m:den>
+                      </m:f>
+                    </m:oMath>
+                  </a14:m>
+                  <a:endParaRPr lang="en-US" sz="1200" dirty="0"/>
+                </a:p>
+              </p:txBody>
+            </p:sp>
+          </mc:Choice>
+          <mc:Fallback>
+            <p:sp>
+              <p:nvSpPr>
+                <p:cNvPr id="9" name="TextBox 8">
+                  <a:extLst>
+                    <a:ext uri="{FF2B5EF4-FFF2-40B4-BE49-F238E27FC236}">
+                      <a16:creationId xmlns:a16="http://schemas.microsoft.com/office/drawing/2014/main" id="{DB62E53D-3CA7-7745-9CF2-53960C4EAD6F}"/>
+                    </a:ext>
+                  </a:extLst>
+                </p:cNvPr>
+                <p:cNvSpPr txBox="1">
+                  <a:spLocks noRot="1" noChangeAspect="1" noMove="1" noResize="1" noEditPoints="1" noAdjustHandles="1" noChangeArrowheads="1" noChangeShapeType="1" noTextEdit="1"/>
+                </p:cNvSpPr>
+                <p:nvPr/>
+              </p:nvSpPr>
+              <p:spPr>
+                <a:xfrm>
+                  <a:off x="695086" y="5205458"/>
+                  <a:ext cx="828583" cy="372627"/>
+                </a:xfrm>
+                <a:prstGeom prst="rect">
+                  <a:avLst/>
+                </a:prstGeom>
+                <a:blipFill>
+                  <a:blip r:embed="rId10"/>
+                  <a:stretch>
+                    <a:fillRect l="-17391" t="-9524" r="-4348" b="-14286"/>
+                  </a:stretch>
+                </a:blipFill>
+              </p:spPr>
+              <p:txBody>
+                <a:bodyPr/>
+                <a:lstStyle/>
+                <a:p>
+                  <a:r>
+                    <a:rPr lang="en-US">
+                      <a:noFill/>
+                    </a:rPr>
+                    <a:t> </a:t>
+                  </a:r>
+                </a:p>
+              </p:txBody>
+            </p:sp>
+          </mc:Fallback>
+        </mc:AlternateContent>
+      </p:grpSp>
     </p:spTree>
     <p:extLst>
       <p:ext uri="{BB962C8B-B14F-4D97-AF65-F5344CB8AC3E}">
-        <p14:creationId xmlns:p14="http://schemas.microsoft.com/office/powerpoint/2010/main" val="689813566"/>
+        <p14:creationId xmlns:p14="http://schemas.microsoft.com/office/powerpoint/2010/main" val="2167772293"/>
       </p:ext>
     </p:extLst>
   </p:cSld>

--- a/lectures/lecture_11/Lecture_11_Parameter_Confidence_Intervals_With_Bootstrapping.pptx
+++ b/lectures/lecture_11/Lecture_11_Parameter_Confidence_Intervals_With_Bootstrapping.pptx
@@ -5,10 +5,10 @@
     <p:sldMasterId id="2147483648" r:id="rId1"/>
   </p:sldMasterIdLst>
   <p:notesMasterIdLst>
-    <p:notesMasterId r:id="rId16"/>
+    <p:notesMasterId r:id="rId17"/>
   </p:notesMasterIdLst>
   <p:handoutMasterIdLst>
-    <p:handoutMasterId r:id="rId17"/>
+    <p:handoutMasterId r:id="rId18"/>
   </p:handoutMasterIdLst>
   <p:sldIdLst>
     <p:sldId id="347" r:id="rId2"/>
@@ -21,10 +21,11 @@
     <p:sldId id="388" r:id="rId9"/>
     <p:sldId id="389" r:id="rId10"/>
     <p:sldId id="390" r:id="rId11"/>
-    <p:sldId id="382" r:id="rId12"/>
-    <p:sldId id="366" r:id="rId13"/>
-    <p:sldId id="367" r:id="rId14"/>
-    <p:sldId id="386" r:id="rId15"/>
+    <p:sldId id="391" r:id="rId12"/>
+    <p:sldId id="382" r:id="rId13"/>
+    <p:sldId id="366" r:id="rId14"/>
+    <p:sldId id="367" r:id="rId15"/>
+    <p:sldId id="386" r:id="rId16"/>
   </p:sldIdLst>
   <p:sldSz cx="9144000" cy="6858000" type="screen4x3"/>
   <p:notesSz cx="6858000" cy="9144000"/>
@@ -168,6 +169,7 @@
             <p14:sldId id="388"/>
             <p14:sldId id="389"/>
             <p14:sldId id="390"/>
+            <p14:sldId id="391"/>
             <p14:sldId id="382"/>
             <p14:sldId id="366"/>
             <p14:sldId id="367"/>
@@ -7130,6 +7132,128 @@
           <p:cNvPr id="2" name="Title 1">
             <a:extLst>
               <a:ext uri="{FF2B5EF4-FFF2-40B4-BE49-F238E27FC236}">
+                <a16:creationId xmlns:a16="http://schemas.microsoft.com/office/drawing/2014/main" id="{91C3BE8E-FEFB-4745-82FD-CD83513B5336}"/>
+              </a:ext>
+            </a:extLst>
+          </p:cNvPr>
+          <p:cNvSpPr>
+            <a:spLocks noGrp="1"/>
+          </p:cNvSpPr>
+          <p:nvPr>
+            <p:ph type="title"/>
+          </p:nvPr>
+        </p:nvSpPr>
+        <p:spPr/>
+        <p:txBody>
+          <a:bodyPr/>
+          <a:lstStyle/>
+          <a:p>
+            <a:r>
+              <a:rPr lang="en-US" dirty="0"/>
+              <a:t>Go To Notebook </a:t>
+            </a:r>
+            <a:r>
+              <a:rPr lang="en-US"/>
+              <a:t>for Lecture 11</a:t>
+            </a:r>
+          </a:p>
+        </p:txBody>
+      </p:sp>
+      <p:sp>
+        <p:nvSpPr>
+          <p:cNvPr id="3" name="Content Placeholder 2">
+            <a:extLst>
+              <a:ext uri="{FF2B5EF4-FFF2-40B4-BE49-F238E27FC236}">
+                <a16:creationId xmlns:a16="http://schemas.microsoft.com/office/drawing/2014/main" id="{3E6546EB-08A7-4648-971A-514D6222547B}"/>
+              </a:ext>
+            </a:extLst>
+          </p:cNvPr>
+          <p:cNvSpPr>
+            <a:spLocks noGrp="1"/>
+          </p:cNvSpPr>
+          <p:nvPr>
+            <p:ph idx="1"/>
+          </p:nvPr>
+        </p:nvSpPr>
+        <p:spPr/>
+        <p:txBody>
+          <a:bodyPr/>
+          <a:lstStyle/>
+          <a:p>
+            <a:endParaRPr lang="en-US"/>
+          </a:p>
+        </p:txBody>
+      </p:sp>
+      <p:sp>
+        <p:nvSpPr>
+          <p:cNvPr id="4" name="Slide Number Placeholder 3">
+            <a:extLst>
+              <a:ext uri="{FF2B5EF4-FFF2-40B4-BE49-F238E27FC236}">
+                <a16:creationId xmlns:a16="http://schemas.microsoft.com/office/drawing/2014/main" id="{E72E5BBD-B388-4546-8950-442A1F88C49E}"/>
+              </a:ext>
+            </a:extLst>
+          </p:cNvPr>
+          <p:cNvSpPr>
+            <a:spLocks noGrp="1"/>
+          </p:cNvSpPr>
+          <p:nvPr>
+            <p:ph type="sldNum" sz="quarter" idx="11"/>
+          </p:nvPr>
+        </p:nvSpPr>
+        <p:spPr/>
+        <p:txBody>
+          <a:bodyPr/>
+          <a:lstStyle/>
+          <a:p>
+            <a:pPr>
+              <a:defRPr/>
+            </a:pPr>
+            <a:fld id="{3EF4E9CC-9D91-476E-91FD-5BEEC1642931}" type="slidenum">
+              <a:rPr lang="en-US" altLang="x-none" smtClean="0"/>
+              <a:pPr>
+                <a:defRPr/>
+              </a:pPr>
+              <a:t>11</a:t>
+            </a:fld>
+            <a:endParaRPr lang="en-US" altLang="x-none"/>
+          </a:p>
+        </p:txBody>
+      </p:sp>
+    </p:spTree>
+    <p:extLst>
+      <p:ext uri="{BB962C8B-B14F-4D97-AF65-F5344CB8AC3E}">
+        <p14:creationId xmlns:p14="http://schemas.microsoft.com/office/powerpoint/2010/main" val="1253808932"/>
+      </p:ext>
+    </p:extLst>
+  </p:cSld>
+  <p:clrMapOvr>
+    <a:masterClrMapping/>
+  </p:clrMapOvr>
+</p:sld>
+</file>
+
+<file path=ppt/slides/slide12.xml><?xml version="1.0" encoding="utf-8"?>
+<p:sld xmlns:a="http://schemas.openxmlformats.org/drawingml/2006/main" xmlns:r="http://schemas.openxmlformats.org/officeDocument/2006/relationships" xmlns:p="http://schemas.openxmlformats.org/presentationml/2006/main">
+  <p:cSld>
+    <p:spTree>
+      <p:nvGrpSpPr>
+        <p:cNvPr id="1" name=""/>
+        <p:cNvGrpSpPr/>
+        <p:nvPr/>
+      </p:nvGrpSpPr>
+      <p:grpSpPr>
+        <a:xfrm>
+          <a:off x="0" y="0"/>
+          <a:ext cx="0" cy="0"/>
+          <a:chOff x="0" y="0"/>
+          <a:chExt cx="0" cy="0"/>
+        </a:xfrm>
+      </p:grpSpPr>
+      <p:sp>
+        <p:nvSpPr>
+          <p:cNvPr id="2" name="Title 1">
+            <a:extLst>
+              <a:ext uri="{FF2B5EF4-FFF2-40B4-BE49-F238E27FC236}">
                 <a16:creationId xmlns:a16="http://schemas.microsoft.com/office/drawing/2014/main" id="{59D8CD8E-D28D-BA48-91E1-D41F2631C049}"/>
               </a:ext>
             </a:extLst>
@@ -7207,7 +7331,7 @@
               <a:pPr>
                 <a:defRPr/>
               </a:pPr>
-              <a:t>11</a:t>
+              <a:t>12</a:t>
             </a:fld>
             <a:endParaRPr lang="en-US" altLang="x-none"/>
           </a:p>
@@ -7226,7 +7350,7 @@
 </p:sld>
 </file>
 
-<file path=ppt/slides/slide12.xml><?xml version="1.0" encoding="utf-8"?>
+<file path=ppt/slides/slide13.xml><?xml version="1.0" encoding="utf-8"?>
 <p:sld xmlns:a="http://schemas.openxmlformats.org/drawingml/2006/main" xmlns:r="http://schemas.openxmlformats.org/officeDocument/2006/relationships" xmlns:p="http://schemas.openxmlformats.org/presentationml/2006/main">
   <p:cSld>
     <p:spTree>
@@ -7732,7 +7856,7 @@
               <a:pPr>
                 <a:defRPr/>
               </a:pPr>
-              <a:t>12</a:t>
+              <a:t>13</a:t>
             </a:fld>
             <a:endParaRPr lang="en-US" altLang="x-none"/>
           </a:p>
@@ -7751,7 +7875,7 @@
 </p:sld>
 </file>
 
-<file path=ppt/slides/slide13.xml><?xml version="1.0" encoding="utf-8"?>
+<file path=ppt/slides/slide14.xml><?xml version="1.0" encoding="utf-8"?>
 <p:sld xmlns:a="http://schemas.openxmlformats.org/drawingml/2006/main" xmlns:r="http://schemas.openxmlformats.org/officeDocument/2006/relationships" xmlns:p="http://schemas.openxmlformats.org/presentationml/2006/main">
   <p:cSld>
     <p:spTree>
@@ -7830,7 +7954,7 @@
               <a:pPr>
                 <a:defRPr/>
               </a:pPr>
-              <a:t>13</a:t>
+              <a:t>14</a:t>
             </a:fld>
             <a:endParaRPr lang="en-US" altLang="x-none"/>
           </a:p>
@@ -8071,7 +8195,7 @@
 </p:sld>
 </file>
 
-<file path=ppt/slides/slide14.xml><?xml version="1.0" encoding="utf-8"?>
+<file path=ppt/slides/slide15.xml><?xml version="1.0" encoding="utf-8"?>
 <p:sld xmlns:a="http://schemas.openxmlformats.org/drawingml/2006/main" xmlns:r="http://schemas.openxmlformats.org/officeDocument/2006/relationships" xmlns:p="http://schemas.openxmlformats.org/presentationml/2006/main">
   <p:cSld>
     <p:spTree>
@@ -8117,7 +8241,7 @@
               <a:pPr>
                 <a:defRPr/>
               </a:pPr>
-              <a:t>14</a:t>
+              <a:t>15</a:t>
             </a:fld>
             <a:endParaRPr lang="en-US" altLang="x-none"/>
           </a:p>
@@ -11941,7 +12065,7 @@
         </p:nvSpPr>
         <p:spPr>
           <a:xfrm>
-            <a:off x="685800" y="1600200"/>
+            <a:off x="685800" y="1066800"/>
             <a:ext cx="2209800" cy="914400"/>
           </a:xfrm>
           <a:prstGeom prst="rect">
@@ -11988,7 +12112,7 @@
         </p:nvSpPr>
         <p:spPr>
           <a:xfrm>
-            <a:off x="685800" y="3052823"/>
+            <a:off x="685800" y="2519423"/>
             <a:ext cx="2209800" cy="604777"/>
           </a:xfrm>
           <a:prstGeom prst="rect">
@@ -12016,7 +12140,7 @@
             <a:pPr algn="ctr"/>
             <a:r>
               <a:rPr lang="en-US" sz="2000" dirty="0"/>
-              <a:t>Estimate residuals.</a:t>
+              <a:t>Compute residuals.</a:t>
             </a:r>
           </a:p>
         </p:txBody>
@@ -12036,7 +12160,7 @@
         <p:spPr>
           <a:xfrm>
             <a:off x="3581399" y="1600200"/>
-            <a:ext cx="3632197" cy="1066800"/>
+            <a:ext cx="5105401" cy="2438400"/>
           </a:xfrm>
           <a:prstGeom prst="rect">
             <a:avLst/>
@@ -12063,8 +12187,24 @@
             <a:pPr algn="ctr"/>
             <a:r>
               <a:rPr lang="en-US" sz="2000" dirty="0"/>
-              <a:t>Construct synthetic data from model estimates + randomly chosen residuals.</a:t>
-            </a:r>
+              <a:t>Construct a collection of parameter fits.</a:t>
+            </a:r>
+          </a:p>
+          <a:p>
+            <a:pPr algn="ctr"/>
+            <a:endParaRPr lang="en-US" sz="2000" dirty="0"/>
+          </a:p>
+          <a:p>
+            <a:pPr algn="ctr"/>
+            <a:endParaRPr lang="en-US" sz="2000" dirty="0"/>
+          </a:p>
+          <a:p>
+            <a:pPr algn="ctr"/>
+            <a:endParaRPr lang="en-US" sz="2000" dirty="0"/>
+          </a:p>
+          <a:p>
+            <a:pPr algn="ctr"/>
+            <a:endParaRPr lang="en-US" sz="2000" dirty="0"/>
           </a:p>
         </p:txBody>
       </p:sp>
@@ -12082,8 +12222,8 @@
         </p:nvSpPr>
         <p:spPr>
           <a:xfrm>
-            <a:off x="4764430" y="2862805"/>
-            <a:ext cx="2209800" cy="914400"/>
+            <a:off x="6384402" y="3202326"/>
+            <a:ext cx="2209800" cy="595990"/>
           </a:xfrm>
           <a:prstGeom prst="rect">
             <a:avLst/>
@@ -12110,7 +12250,7 @@
             <a:pPr algn="ctr"/>
             <a:r>
               <a:rPr lang="en-US" sz="2000" dirty="0"/>
-              <a:t>Estimate parameters.</a:t>
+              <a:t>Fit parameters.</a:t>
             </a:r>
           </a:p>
         </p:txBody>
@@ -12129,7 +12269,7 @@
         </p:nvSpPr>
         <p:spPr>
           <a:xfrm>
-            <a:off x="2413158" y="4724400"/>
+            <a:off x="609599" y="4563169"/>
             <a:ext cx="2971800" cy="1220166"/>
           </a:xfrm>
           <a:prstGeom prst="rect">
@@ -12157,56 +12297,11 @@
             <a:pPr algn="ctr"/>
             <a:r>
               <a:rPr lang="en-US" sz="2000" dirty="0"/>
-              <a:t>Construct confidence intervals from parameter estimates.</a:t>
+              <a:t>Calculate the mean and standard deviations of the parameter estimates.</a:t>
             </a:r>
           </a:p>
         </p:txBody>
       </p:sp>
-      <p:cxnSp>
-        <p:nvCxnSpPr>
-          <p:cNvPr id="11" name="Elbow Connector 10">
-            <a:extLst>
-              <a:ext uri="{FF2B5EF4-FFF2-40B4-BE49-F238E27FC236}">
-                <a16:creationId xmlns:a16="http://schemas.microsoft.com/office/drawing/2014/main" id="{EA6F4A42-0498-2442-A9AA-F3EA1AB0EC49}"/>
-              </a:ext>
-            </a:extLst>
-          </p:cNvPr>
-          <p:cNvCxnSpPr>
-            <a:cxnSpLocks/>
-            <a:stCxn id="8" idx="3"/>
-            <a:endCxn id="7" idx="3"/>
-          </p:cNvCxnSpPr>
-          <p:nvPr/>
-        </p:nvCxnSpPr>
-        <p:spPr>
-          <a:xfrm flipV="1">
-            <a:off x="6974230" y="2133600"/>
-            <a:ext cx="239366" cy="1186405"/>
-          </a:xfrm>
-          <a:prstGeom prst="bentConnector3">
-            <a:avLst>
-              <a:gd name="adj1" fmla="val 195502"/>
-            </a:avLst>
-          </a:prstGeom>
-          <a:ln>
-            <a:tailEnd type="triangle"/>
-          </a:ln>
-        </p:spPr>
-        <p:style>
-          <a:lnRef idx="2">
-            <a:schemeClr val="accent1"/>
-          </a:lnRef>
-          <a:fillRef idx="0">
-            <a:schemeClr val="accent1"/>
-          </a:fillRef>
-          <a:effectRef idx="1">
-            <a:schemeClr val="accent1"/>
-          </a:effectRef>
-          <a:fontRef idx="minor">
-            <a:schemeClr val="tx1"/>
-          </a:fontRef>
-        </p:style>
-      </p:cxnSp>
       <p:cxnSp>
         <p:nvCxnSpPr>
           <p:cNvPr id="13" name="Elbow Connector 12">
@@ -12224,7 +12319,7 @@
         </p:nvCxnSpPr>
         <p:spPr>
           <a:xfrm rot="5400000">
-            <a:off x="1521589" y="2783711"/>
+            <a:off x="1521589" y="2250311"/>
             <a:ext cx="538223" cy="12700"/>
           </a:xfrm>
           <a:prstGeom prst="bentConnector3">
@@ -12267,8 +12362,8 @@
         </p:nvCxnSpPr>
         <p:spPr>
           <a:xfrm flipV="1">
-            <a:off x="2895600" y="2133600"/>
-            <a:ext cx="685799" cy="1221612"/>
+            <a:off x="2895600" y="2819400"/>
+            <a:ext cx="685799" cy="2412"/>
           </a:xfrm>
           <a:prstGeom prst="bentConnector3">
             <a:avLst/>
@@ -12302,15 +12397,235 @@
             </a:extLst>
           </p:cNvPr>
           <p:cNvCxnSpPr>
-            <a:stCxn id="8" idx="2"/>
+            <a:cxnSpLocks/>
+            <a:stCxn id="7" idx="2"/>
             <a:endCxn id="9" idx="0"/>
           </p:cNvCxnSpPr>
           <p:nvPr/>
         </p:nvCxnSpPr>
         <p:spPr>
           <a:xfrm rot="5400000">
-            <a:off x="4410597" y="3265666"/>
-            <a:ext cx="947195" cy="1970272"/>
+            <a:off x="3852516" y="2281584"/>
+            <a:ext cx="524569" cy="4038601"/>
+          </a:xfrm>
+          <a:prstGeom prst="bentConnector3">
+            <a:avLst/>
+          </a:prstGeom>
+          <a:ln>
+            <a:tailEnd type="triangle"/>
+          </a:ln>
+        </p:spPr>
+        <p:style>
+          <a:lnRef idx="2">
+            <a:schemeClr val="accent1"/>
+          </a:lnRef>
+          <a:fillRef idx="0">
+            <a:schemeClr val="accent1"/>
+          </a:fillRef>
+          <a:effectRef idx="1">
+            <a:schemeClr val="accent1"/>
+          </a:effectRef>
+          <a:fontRef idx="minor">
+            <a:schemeClr val="tx1"/>
+          </a:fontRef>
+        </p:style>
+      </p:cxnSp>
+      <p:sp>
+        <p:nvSpPr>
+          <p:cNvPr id="27" name="Rectangle 26">
+            <a:extLst>
+              <a:ext uri="{FF2B5EF4-FFF2-40B4-BE49-F238E27FC236}">
+                <a16:creationId xmlns:a16="http://schemas.microsoft.com/office/drawing/2014/main" id="{070209FE-3A3E-6E45-BF77-8E1A4D4C8B8F}"/>
+              </a:ext>
+            </a:extLst>
+          </p:cNvPr>
+          <p:cNvSpPr/>
+          <p:nvPr/>
+        </p:nvSpPr>
+        <p:spPr>
+          <a:xfrm>
+            <a:off x="4393558" y="4563169"/>
+            <a:ext cx="2971800" cy="1220166"/>
+          </a:xfrm>
+          <a:prstGeom prst="rect">
+            <a:avLst/>
+          </a:prstGeom>
+        </p:spPr>
+        <p:style>
+          <a:lnRef idx="1">
+            <a:schemeClr val="accent1"/>
+          </a:lnRef>
+          <a:fillRef idx="3">
+            <a:schemeClr val="accent1"/>
+          </a:fillRef>
+          <a:effectRef idx="2">
+            <a:schemeClr val="accent1"/>
+          </a:effectRef>
+          <a:fontRef idx="minor">
+            <a:schemeClr val="lt1"/>
+          </a:fontRef>
+        </p:style>
+        <p:txBody>
+          <a:bodyPr rtlCol="0" anchor="ctr"/>
+          <a:lstStyle/>
+          <a:p>
+            <a:pPr algn="ctr"/>
+            <a:r>
+              <a:rPr lang="en-US" sz="2000" dirty="0"/>
+              <a:t>Construct confidence intervals for parameters.</a:t>
+            </a:r>
+          </a:p>
+        </p:txBody>
+      </p:sp>
+      <p:sp>
+        <p:nvSpPr>
+          <p:cNvPr id="32" name="Rectangle 31">
+            <a:extLst>
+              <a:ext uri="{FF2B5EF4-FFF2-40B4-BE49-F238E27FC236}">
+                <a16:creationId xmlns:a16="http://schemas.microsoft.com/office/drawing/2014/main" id="{CC3B9DB8-050C-4D4F-BF82-518176EB3139}"/>
+              </a:ext>
+            </a:extLst>
+          </p:cNvPr>
+          <p:cNvSpPr/>
+          <p:nvPr/>
+        </p:nvSpPr>
+        <p:spPr>
+          <a:xfrm>
+            <a:off x="3793603" y="3202326"/>
+            <a:ext cx="2209800" cy="604777"/>
+          </a:xfrm>
+          <a:prstGeom prst="rect">
+            <a:avLst/>
+          </a:prstGeom>
+        </p:spPr>
+        <p:style>
+          <a:lnRef idx="1">
+            <a:schemeClr val="accent1"/>
+          </a:lnRef>
+          <a:fillRef idx="3">
+            <a:schemeClr val="accent1"/>
+          </a:fillRef>
+          <a:effectRef idx="2">
+            <a:schemeClr val="accent1"/>
+          </a:effectRef>
+          <a:fontRef idx="minor">
+            <a:schemeClr val="lt1"/>
+          </a:fontRef>
+        </p:style>
+        <p:txBody>
+          <a:bodyPr rtlCol="0" anchor="ctr"/>
+          <a:lstStyle/>
+          <a:p>
+            <a:pPr algn="ctr"/>
+            <a:r>
+              <a:rPr lang="en-US" sz="2000" dirty="0"/>
+              <a:t>Create synthetic observations.</a:t>
+            </a:r>
+          </a:p>
+        </p:txBody>
+      </p:sp>
+      <p:cxnSp>
+        <p:nvCxnSpPr>
+          <p:cNvPr id="41" name="Elbow Connector 40">
+            <a:extLst>
+              <a:ext uri="{FF2B5EF4-FFF2-40B4-BE49-F238E27FC236}">
+                <a16:creationId xmlns:a16="http://schemas.microsoft.com/office/drawing/2014/main" id="{5382D4D8-CC62-7047-BA63-E940D5C14D14}"/>
+              </a:ext>
+            </a:extLst>
+          </p:cNvPr>
+          <p:cNvCxnSpPr>
+            <a:stCxn id="32" idx="3"/>
+            <a:endCxn id="8" idx="1"/>
+          </p:cNvCxnSpPr>
+          <p:nvPr/>
+        </p:nvCxnSpPr>
+        <p:spPr>
+          <a:xfrm flipV="1">
+            <a:off x="6003403" y="3500321"/>
+            <a:ext cx="380999" cy="4394"/>
+          </a:xfrm>
+          <a:prstGeom prst="bentConnector3">
+            <a:avLst/>
+          </a:prstGeom>
+          <a:ln>
+            <a:tailEnd type="triangle"/>
+          </a:ln>
+        </p:spPr>
+        <p:style>
+          <a:lnRef idx="2">
+            <a:schemeClr val="accent1"/>
+          </a:lnRef>
+          <a:fillRef idx="0">
+            <a:schemeClr val="accent1"/>
+          </a:fillRef>
+          <a:effectRef idx="1">
+            <a:schemeClr val="accent1"/>
+          </a:effectRef>
+          <a:fontRef idx="minor">
+            <a:schemeClr val="tx1"/>
+          </a:fontRef>
+        </p:style>
+      </p:cxnSp>
+      <p:cxnSp>
+        <p:nvCxnSpPr>
+          <p:cNvPr id="43" name="Elbow Connector 42">
+            <a:extLst>
+              <a:ext uri="{FF2B5EF4-FFF2-40B4-BE49-F238E27FC236}">
+                <a16:creationId xmlns:a16="http://schemas.microsoft.com/office/drawing/2014/main" id="{AF295A6A-2A02-DD43-9A7E-E955BB7649FE}"/>
+              </a:ext>
+            </a:extLst>
+          </p:cNvPr>
+          <p:cNvCxnSpPr>
+            <a:stCxn id="8" idx="0"/>
+            <a:endCxn id="32" idx="0"/>
+          </p:cNvCxnSpPr>
+          <p:nvPr/>
+        </p:nvCxnSpPr>
+        <p:spPr>
+          <a:xfrm rot="16200000" flipV="1">
+            <a:off x="6193903" y="1906926"/>
+            <a:ext cx="12700" cy="2590799"/>
+          </a:xfrm>
+          <a:prstGeom prst="bentConnector3">
+            <a:avLst>
+              <a:gd name="adj1" fmla="val 1800000"/>
+            </a:avLst>
+          </a:prstGeom>
+          <a:ln>
+            <a:tailEnd type="triangle"/>
+          </a:ln>
+        </p:spPr>
+        <p:style>
+          <a:lnRef idx="2">
+            <a:schemeClr val="accent1"/>
+          </a:lnRef>
+          <a:fillRef idx="0">
+            <a:schemeClr val="accent1"/>
+          </a:fillRef>
+          <a:effectRef idx="1">
+            <a:schemeClr val="accent1"/>
+          </a:effectRef>
+          <a:fontRef idx="minor">
+            <a:schemeClr val="tx1"/>
+          </a:fontRef>
+        </p:style>
+      </p:cxnSp>
+      <p:cxnSp>
+        <p:nvCxnSpPr>
+          <p:cNvPr id="45" name="Elbow Connector 44">
+            <a:extLst>
+              <a:ext uri="{FF2B5EF4-FFF2-40B4-BE49-F238E27FC236}">
+                <a16:creationId xmlns:a16="http://schemas.microsoft.com/office/drawing/2014/main" id="{F5F2B20B-321A-8D43-90AD-043861552136}"/>
+              </a:ext>
+            </a:extLst>
+          </p:cNvPr>
+          <p:cNvCxnSpPr/>
+          <p:nvPr/>
+        </p:nvCxnSpPr>
+        <p:spPr>
+          <a:xfrm>
+            <a:off x="3581399" y="5169320"/>
+            <a:ext cx="812159" cy="7864"/>
           </a:xfrm>
           <a:prstGeom prst="bentConnector3">
             <a:avLst/>
